--- a/week06/Lab06.pptx
+++ b/week06/Lab06.pptx
@@ -6751,7 +6751,31 @@
               <a:rPr lang="en-US" altLang="zh-CN" sz="2800" dirty="0"/>
               <a:t>Define three functions that swap two values of integer, please use integer arguments, pointer arguments and reference arguments respectively. Write a test program to call these functions and display the result.</a:t>
             </a:r>
+            <a:endParaRPr lang="en-US" altLang="zh-CN" sz="2800" dirty="0"/>
+          </a:p>
+          <a:p>
+            <a:pPr marL="109220" lvl="1" indent="0">
+              <a:spcBef>
+                <a:spcPts val="1200"/>
+              </a:spcBef>
+              <a:buSzPct val="68000"/>
+              <a:buNone/>
+            </a:pPr>
             <a:endParaRPr lang="zh-CN" altLang="en-US" dirty="0"/>
+          </a:p>
+          <a:p>
+            <a:pPr marL="109220" lvl="1" indent="0">
+              <a:spcBef>
+                <a:spcPts val="1200"/>
+              </a:spcBef>
+              <a:buSzPct val="68000"/>
+              <a:buNone/>
+            </a:pPr>
+            <a:r>
+              <a:rPr lang="en-US" altLang="zh-CN" dirty="0"/>
+              <a:t>You are required to compile these functions into a shared library “libswap.so”, and then compile and run your program with this shared library.</a:t>
+            </a:r>
+            <a:endParaRPr lang="en-US" altLang="zh-CN" dirty="0"/>
           </a:p>
         </p:txBody>
       </p:sp>

--- a/week06/Lab06.pptx
+++ b/week06/Lab06.pptx
@@ -5,30 +5,30 @@
     <p:sldMasterId id="2147483648" r:id="rId1"/>
   </p:sldMasterIdLst>
   <p:notesMasterIdLst>
-    <p:notesMasterId r:id="rId6"/>
+    <p:notesMasterId r:id="rId23"/>
   </p:notesMasterIdLst>
   <p:sldIdLst>
-    <p:sldId id="256" r:id="rId3"/>
-    <p:sldId id="477" r:id="rId4"/>
-    <p:sldId id="1003" r:id="rId5"/>
-    <p:sldId id="1004" r:id="rId7"/>
-    <p:sldId id="1005" r:id="rId8"/>
-    <p:sldId id="1006" r:id="rId9"/>
-    <p:sldId id="1007" r:id="rId10"/>
-    <p:sldId id="1008" r:id="rId11"/>
-    <p:sldId id="1010" r:id="rId12"/>
-    <p:sldId id="1009" r:id="rId13"/>
-    <p:sldId id="1002" r:id="rId14"/>
-    <p:sldId id="481" r:id="rId15"/>
-    <p:sldId id="1018" r:id="rId16"/>
-    <p:sldId id="1019" r:id="rId17"/>
-    <p:sldId id="1020" r:id="rId18"/>
-    <p:sldId id="1021" r:id="rId19"/>
-    <p:sldId id="1022" r:id="rId20"/>
-    <p:sldId id="1023" r:id="rId21"/>
-    <p:sldId id="1017" r:id="rId22"/>
-    <p:sldId id="1001" r:id="rId23"/>
-    <p:sldId id="671" r:id="rId24"/>
+    <p:sldId id="256" r:id="rId2"/>
+    <p:sldId id="477" r:id="rId3"/>
+    <p:sldId id="1003" r:id="rId4"/>
+    <p:sldId id="1004" r:id="rId5"/>
+    <p:sldId id="1005" r:id="rId6"/>
+    <p:sldId id="1006" r:id="rId7"/>
+    <p:sldId id="1007" r:id="rId8"/>
+    <p:sldId id="1008" r:id="rId9"/>
+    <p:sldId id="1010" r:id="rId10"/>
+    <p:sldId id="1009" r:id="rId11"/>
+    <p:sldId id="1002" r:id="rId12"/>
+    <p:sldId id="481" r:id="rId13"/>
+    <p:sldId id="1018" r:id="rId14"/>
+    <p:sldId id="1019" r:id="rId15"/>
+    <p:sldId id="1020" r:id="rId16"/>
+    <p:sldId id="1021" r:id="rId17"/>
+    <p:sldId id="1022" r:id="rId18"/>
+    <p:sldId id="1023" r:id="rId19"/>
+    <p:sldId id="1017" r:id="rId20"/>
+    <p:sldId id="1001" r:id="rId21"/>
+    <p:sldId id="671" r:id="rId22"/>
   </p:sldIdLst>
   <p:sldSz cx="12192000" cy="6858000"/>
   <p:notesSz cx="6858000" cy="9144000"/>
@@ -127,6 +127,11 @@
       </a:defRPr>
     </a:lvl9pPr>
   </p:defaultTextStyle>
+  <p:extLst>
+    <p:ext uri="{EFAFB233-063F-42B5-8137-9DF3F51BA10A}">
+      <p15:sldGuideLst xmlns:p15="http://schemas.microsoft.com/office/powerpoint/2012/main"/>
+    </p:ext>
+  </p:extLst>
 </p:presentation>
 </file>
 
@@ -212,6 +217,7 @@
           <a:p>
             <a:fld id="{D1237EF7-A117-46B7-88A8-1B7FB98FF0F2}" type="datetimeFigureOut">
               <a:rPr lang="zh-CN" altLang="en-US" smtClean="0"/>
+              <a:t>2022/10/19</a:t>
             </a:fld>
             <a:endParaRPr lang="zh-CN" altLang="en-US"/>
           </a:p>
@@ -278,7 +284,6 @@
               <a:rPr lang="zh-CN" altLang="en-US"/>
               <a:t>单击此处编辑母版文本样式</a:t>
             </a:r>
-            <a:endParaRPr lang="zh-CN" altLang="en-US"/>
           </a:p>
           <a:p>
             <a:pPr lvl="1"/>
@@ -286,7 +291,6 @@
               <a:rPr lang="zh-CN" altLang="en-US"/>
               <a:t>二级</a:t>
             </a:r>
-            <a:endParaRPr lang="zh-CN" altLang="en-US"/>
           </a:p>
           <a:p>
             <a:pPr lvl="2"/>
@@ -294,7 +298,6 @@
               <a:rPr lang="zh-CN" altLang="en-US"/>
               <a:t>三级</a:t>
             </a:r>
-            <a:endParaRPr lang="zh-CN" altLang="en-US"/>
           </a:p>
           <a:p>
             <a:pPr lvl="3"/>
@@ -302,7 +305,6 @@
               <a:rPr lang="zh-CN" altLang="en-US"/>
               <a:t>四级</a:t>
             </a:r>
-            <a:endParaRPr lang="zh-CN" altLang="en-US"/>
           </a:p>
           <a:p>
             <a:pPr lvl="4"/>
@@ -310,7 +312,6 @@
               <a:rPr lang="zh-CN" altLang="en-US"/>
               <a:t>五级</a:t>
             </a:r>
-            <a:endParaRPr lang="zh-CN" altLang="en-US"/>
           </a:p>
         </p:txBody>
       </p:sp>
@@ -374,6 +375,7 @@
           <a:p>
             <a:fld id="{7B705520-EB74-4E10-9207-DDFEA7EA0F0E}" type="slidenum">
               <a:rPr lang="zh-CN" altLang="en-US" smtClean="0"/>
+              <a:t>‹#›</a:t>
             </a:fld>
             <a:endParaRPr lang="zh-CN" altLang="en-US"/>
           </a:p>
@@ -604,6 +606,7 @@
                 <a:ea typeface="等线" panose="02010600030101010101" charset="-122"/>
                 <a:cs typeface="+mn-cs"/>
               </a:rPr>
+              <a:t>3</a:t>
             </a:fld>
             <a:endParaRPr kumimoji="0" lang="en-US" altLang="zh-CN" sz="1200" b="0" i="0" u="none" strike="noStrike" kern="1200" cap="none" spc="0" normalizeH="0" baseline="0" noProof="0">
               <a:ln>
@@ -757,6 +760,7 @@
                 <a:ea typeface="等线" panose="02010600030101010101" charset="-122"/>
                 <a:cs typeface="+mn-cs"/>
               </a:rPr>
+              <a:t>4</a:t>
             </a:fld>
             <a:endParaRPr kumimoji="0" lang="en-US" altLang="zh-CN" sz="1200" b="0" i="0" u="none" strike="noStrike" kern="1200" cap="none" spc="0" normalizeH="0" baseline="0" noProof="0">
               <a:ln>
@@ -910,6 +914,7 @@
                 <a:ea typeface="等线" panose="02010600030101010101" charset="-122"/>
                 <a:cs typeface="+mn-cs"/>
               </a:rPr>
+              <a:t>5</a:t>
             </a:fld>
             <a:endParaRPr kumimoji="0" lang="en-US" altLang="zh-CN" sz="1200" b="0" i="0" u="none" strike="noStrike" kern="1200" cap="none" spc="0" normalizeH="0" baseline="0" noProof="0">
               <a:ln>
@@ -1063,6 +1068,7 @@
                 <a:ea typeface="等线" panose="02010600030101010101" charset="-122"/>
                 <a:cs typeface="+mn-cs"/>
               </a:rPr>
+              <a:t>8</a:t>
             </a:fld>
             <a:endParaRPr kumimoji="0" lang="en-US" altLang="zh-CN" sz="1200" b="0" i="0" u="none" strike="noStrike" kern="1200" cap="none" spc="0" normalizeH="0" baseline="0" noProof="0">
               <a:ln>
@@ -1216,6 +1222,7 @@
                 <a:ea typeface="等线" panose="02010600030101010101" charset="-122"/>
                 <a:cs typeface="+mn-cs"/>
               </a:rPr>
+              <a:t>10</a:t>
             </a:fld>
             <a:endParaRPr kumimoji="0" lang="en-US" altLang="zh-CN" sz="1200" b="0" i="0" u="none" strike="noStrike" kern="1200" cap="none" spc="0" normalizeH="0" baseline="0" noProof="0">
               <a:ln>
@@ -1287,7 +1294,6 @@
               <a:rPr lang="zh-CN" altLang="en-US"/>
               <a:t>单击此处编辑母版标题样式</a:t>
             </a:r>
-            <a:endParaRPr lang="zh-CN" altLang="en-US"/>
           </a:p>
         </p:txBody>
       </p:sp>
@@ -1352,7 +1358,6 @@
               <a:rPr lang="zh-CN" altLang="en-US" dirty="0"/>
               <a:t>单击此处编辑母版副标题样式</a:t>
             </a:r>
-            <a:endParaRPr lang="zh-CN" altLang="en-US" dirty="0"/>
           </a:p>
         </p:txBody>
       </p:sp>
@@ -1373,6 +1378,7 @@
           <a:p>
             <a:fld id="{FC19A4FA-3D9A-4114-B0D5-759CBD56F1AB}" type="datetimeFigureOut">
               <a:rPr lang="zh-CN" altLang="en-US" smtClean="0"/>
+              <a:t>2022/10/19</a:t>
             </a:fld>
             <a:endParaRPr lang="zh-CN" altLang="en-US"/>
           </a:p>
@@ -1414,6 +1420,7 @@
           <a:p>
             <a:fld id="{506F4176-339E-4C4B-80E4-BBE9C4467EFE}" type="slidenum">
               <a:rPr lang="zh-CN" altLang="en-US" smtClean="0"/>
+              <a:t>‹#›</a:t>
             </a:fld>
             <a:endParaRPr lang="zh-CN" altLang="en-US"/>
           </a:p>
@@ -1494,7 +1501,6 @@
               <a:rPr lang="zh-CN" altLang="en-US"/>
               <a:t>单击此处编辑母版标题样式</a:t>
             </a:r>
-            <a:endParaRPr lang="zh-CN" altLang="en-US"/>
           </a:p>
         </p:txBody>
       </p:sp>
@@ -1518,7 +1524,6 @@
               <a:rPr lang="zh-CN" altLang="en-US"/>
               <a:t>单击此处编辑母版文本样式</a:t>
             </a:r>
-            <a:endParaRPr lang="zh-CN" altLang="en-US"/>
           </a:p>
           <a:p>
             <a:pPr lvl="1"/>
@@ -1526,7 +1531,6 @@
               <a:rPr lang="zh-CN" altLang="en-US"/>
               <a:t>第二级</a:t>
             </a:r>
-            <a:endParaRPr lang="zh-CN" altLang="en-US"/>
           </a:p>
           <a:p>
             <a:pPr lvl="2"/>
@@ -1534,7 +1538,6 @@
               <a:rPr lang="zh-CN" altLang="en-US"/>
               <a:t>第三级</a:t>
             </a:r>
-            <a:endParaRPr lang="zh-CN" altLang="en-US"/>
           </a:p>
           <a:p>
             <a:pPr lvl="3"/>
@@ -1542,7 +1545,6 @@
               <a:rPr lang="zh-CN" altLang="en-US"/>
               <a:t>第四级</a:t>
             </a:r>
-            <a:endParaRPr lang="zh-CN" altLang="en-US"/>
           </a:p>
           <a:p>
             <a:pPr lvl="4"/>
@@ -1550,7 +1552,6 @@
               <a:rPr lang="zh-CN" altLang="en-US"/>
               <a:t>第五级</a:t>
             </a:r>
-            <a:endParaRPr lang="zh-CN" altLang="en-US"/>
           </a:p>
         </p:txBody>
       </p:sp>
@@ -1571,6 +1572,7 @@
           <a:p>
             <a:fld id="{FC19A4FA-3D9A-4114-B0D5-759CBD56F1AB}" type="datetimeFigureOut">
               <a:rPr lang="zh-CN" altLang="en-US" smtClean="0"/>
+              <a:t>2022/10/19</a:t>
             </a:fld>
             <a:endParaRPr lang="zh-CN" altLang="en-US"/>
           </a:p>
@@ -1612,6 +1614,7 @@
           <a:p>
             <a:fld id="{506F4176-339E-4C4B-80E4-BBE9C4467EFE}" type="slidenum">
               <a:rPr lang="zh-CN" altLang="en-US" smtClean="0"/>
+              <a:t>‹#›</a:t>
             </a:fld>
             <a:endParaRPr lang="zh-CN" altLang="en-US"/>
           </a:p>
@@ -1666,7 +1669,6 @@
               <a:rPr lang="zh-CN" altLang="en-US"/>
               <a:t>单击此处编辑母版标题样式</a:t>
             </a:r>
-            <a:endParaRPr lang="zh-CN" altLang="en-US"/>
           </a:p>
         </p:txBody>
       </p:sp>
@@ -1695,7 +1697,6 @@
               <a:rPr lang="zh-CN" altLang="en-US"/>
               <a:t>单击此处编辑母版文本样式</a:t>
             </a:r>
-            <a:endParaRPr lang="zh-CN" altLang="en-US"/>
           </a:p>
           <a:p>
             <a:pPr lvl="1"/>
@@ -1703,7 +1704,6 @@
               <a:rPr lang="zh-CN" altLang="en-US"/>
               <a:t>第二级</a:t>
             </a:r>
-            <a:endParaRPr lang="zh-CN" altLang="en-US"/>
           </a:p>
           <a:p>
             <a:pPr lvl="2"/>
@@ -1711,7 +1711,6 @@
               <a:rPr lang="zh-CN" altLang="en-US"/>
               <a:t>第三级</a:t>
             </a:r>
-            <a:endParaRPr lang="zh-CN" altLang="en-US"/>
           </a:p>
           <a:p>
             <a:pPr lvl="3"/>
@@ -1719,7 +1718,6 @@
               <a:rPr lang="zh-CN" altLang="en-US"/>
               <a:t>第四级</a:t>
             </a:r>
-            <a:endParaRPr lang="zh-CN" altLang="en-US"/>
           </a:p>
           <a:p>
             <a:pPr lvl="4"/>
@@ -1727,7 +1725,6 @@
               <a:rPr lang="zh-CN" altLang="en-US"/>
               <a:t>第五级</a:t>
             </a:r>
-            <a:endParaRPr lang="zh-CN" altLang="en-US"/>
           </a:p>
         </p:txBody>
       </p:sp>
@@ -1748,6 +1745,7 @@
           <a:p>
             <a:fld id="{FC19A4FA-3D9A-4114-B0D5-759CBD56F1AB}" type="datetimeFigureOut">
               <a:rPr lang="zh-CN" altLang="en-US" smtClean="0"/>
+              <a:t>2022/10/19</a:t>
             </a:fld>
             <a:endParaRPr lang="zh-CN" altLang="en-US"/>
           </a:p>
@@ -1789,6 +1787,7 @@
           <a:p>
             <a:fld id="{506F4176-339E-4C4B-80E4-BBE9C4467EFE}" type="slidenum">
               <a:rPr lang="zh-CN" altLang="en-US" smtClean="0"/>
+              <a:t>‹#›</a:t>
             </a:fld>
             <a:endParaRPr lang="zh-CN" altLang="en-US"/>
           </a:p>
@@ -1843,7 +1842,6 @@
               <a:rPr lang="zh-CN" altLang="en-US" dirty="0"/>
               <a:t>单击此处编辑母版标题样式</a:t>
             </a:r>
-            <a:endParaRPr lang="zh-CN" altLang="en-US" dirty="0"/>
           </a:p>
         </p:txBody>
       </p:sp>
@@ -1883,7 +1881,6 @@
               <a:rPr lang="zh-CN" altLang="en-US" dirty="0"/>
               <a:t>单击此处编辑母版文本样式</a:t>
             </a:r>
-            <a:endParaRPr lang="zh-CN" altLang="en-US" dirty="0"/>
           </a:p>
           <a:p>
             <a:pPr lvl="1"/>
@@ -1891,7 +1888,6 @@
               <a:rPr lang="zh-CN" altLang="en-US" dirty="0"/>
               <a:t>第二级</a:t>
             </a:r>
-            <a:endParaRPr lang="zh-CN" altLang="en-US" dirty="0"/>
           </a:p>
           <a:p>
             <a:pPr lvl="2"/>
@@ -1899,7 +1895,6 @@
               <a:rPr lang="zh-CN" altLang="en-US" dirty="0"/>
               <a:t>第三级</a:t>
             </a:r>
-            <a:endParaRPr lang="zh-CN" altLang="en-US" dirty="0"/>
           </a:p>
           <a:p>
             <a:pPr lvl="3"/>
@@ -1907,7 +1902,6 @@
               <a:rPr lang="zh-CN" altLang="en-US" dirty="0"/>
               <a:t>第四级</a:t>
             </a:r>
-            <a:endParaRPr lang="zh-CN" altLang="en-US" dirty="0"/>
           </a:p>
           <a:p>
             <a:pPr lvl="4"/>
@@ -1915,7 +1909,6 @@
               <a:rPr lang="zh-CN" altLang="en-US" dirty="0"/>
               <a:t>第五级</a:t>
             </a:r>
-            <a:endParaRPr lang="zh-CN" altLang="en-US" dirty="0"/>
           </a:p>
         </p:txBody>
       </p:sp>
@@ -1936,6 +1929,7 @@
           <a:p>
             <a:fld id="{FC19A4FA-3D9A-4114-B0D5-759CBD56F1AB}" type="datetimeFigureOut">
               <a:rPr lang="zh-CN" altLang="en-US" smtClean="0"/>
+              <a:t>2022/10/19</a:t>
             </a:fld>
             <a:endParaRPr lang="zh-CN" altLang="en-US"/>
           </a:p>
@@ -1977,6 +1971,7 @@
           <a:p>
             <a:fld id="{506F4176-339E-4C4B-80E4-BBE9C4467EFE}" type="slidenum">
               <a:rPr lang="zh-CN" altLang="en-US" smtClean="0"/>
+              <a:t>‹#›</a:t>
             </a:fld>
             <a:endParaRPr lang="zh-CN" altLang="en-US"/>
           </a:p>
@@ -2059,7 +2054,6 @@
               <a:rPr lang="zh-CN" altLang="en-US"/>
               <a:t>单击此处编辑母版标题样式</a:t>
             </a:r>
-            <a:endParaRPr lang="zh-CN" altLang="en-US"/>
           </a:p>
         </p:txBody>
       </p:sp>
@@ -2088,7 +2082,6 @@
               <a:rPr lang="zh-CN" altLang="en-US"/>
               <a:t>单击此处编辑母版文本样式</a:t>
             </a:r>
-            <a:endParaRPr lang="zh-CN" altLang="en-US"/>
           </a:p>
           <a:p>
             <a:pPr lvl="1"/>
@@ -2096,7 +2089,6 @@
               <a:rPr lang="zh-CN" altLang="en-US"/>
               <a:t>第二级</a:t>
             </a:r>
-            <a:endParaRPr lang="zh-CN" altLang="en-US"/>
           </a:p>
           <a:p>
             <a:pPr lvl="2"/>
@@ -2104,7 +2096,6 @@
               <a:rPr lang="zh-CN" altLang="en-US"/>
               <a:t>第三级</a:t>
             </a:r>
-            <a:endParaRPr lang="zh-CN" altLang="en-US"/>
           </a:p>
           <a:p>
             <a:pPr lvl="3"/>
@@ -2112,7 +2103,6 @@
               <a:rPr lang="zh-CN" altLang="en-US"/>
               <a:t>第四级</a:t>
             </a:r>
-            <a:endParaRPr lang="zh-CN" altLang="en-US"/>
           </a:p>
           <a:p>
             <a:pPr lvl="4"/>
@@ -2120,7 +2110,6 @@
               <a:rPr lang="zh-CN" altLang="en-US"/>
               <a:t>第五级</a:t>
             </a:r>
-            <a:endParaRPr lang="zh-CN" altLang="en-US"/>
           </a:p>
         </p:txBody>
       </p:sp>
@@ -2149,7 +2138,6 @@
               <a:rPr lang="zh-CN" altLang="en-US"/>
               <a:t>单击此处编辑母版文本样式</a:t>
             </a:r>
-            <a:endParaRPr lang="zh-CN" altLang="en-US"/>
           </a:p>
           <a:p>
             <a:pPr lvl="1"/>
@@ -2157,7 +2145,6 @@
               <a:rPr lang="zh-CN" altLang="en-US"/>
               <a:t>第二级</a:t>
             </a:r>
-            <a:endParaRPr lang="zh-CN" altLang="en-US"/>
           </a:p>
           <a:p>
             <a:pPr lvl="2"/>
@@ -2165,7 +2152,6 @@
               <a:rPr lang="zh-CN" altLang="en-US"/>
               <a:t>第三级</a:t>
             </a:r>
-            <a:endParaRPr lang="zh-CN" altLang="en-US"/>
           </a:p>
           <a:p>
             <a:pPr lvl="3"/>
@@ -2173,7 +2159,6 @@
               <a:rPr lang="zh-CN" altLang="en-US"/>
               <a:t>第四级</a:t>
             </a:r>
-            <a:endParaRPr lang="zh-CN" altLang="en-US"/>
           </a:p>
           <a:p>
             <a:pPr lvl="4"/>
@@ -2181,7 +2166,6 @@
               <a:rPr lang="zh-CN" altLang="en-US"/>
               <a:t>第五级</a:t>
             </a:r>
-            <a:endParaRPr lang="zh-CN" altLang="en-US"/>
           </a:p>
         </p:txBody>
       </p:sp>
@@ -2202,6 +2186,7 @@
           <a:p>
             <a:fld id="{FC19A4FA-3D9A-4114-B0D5-759CBD56F1AB}" type="datetimeFigureOut">
               <a:rPr lang="zh-CN" altLang="en-US" smtClean="0"/>
+              <a:t>2022/10/19</a:t>
             </a:fld>
             <a:endParaRPr lang="zh-CN" altLang="en-US"/>
           </a:p>
@@ -2243,6 +2228,7 @@
           <a:p>
             <a:fld id="{506F4176-339E-4C4B-80E4-BBE9C4467EFE}" type="slidenum">
               <a:rPr lang="zh-CN" altLang="en-US" smtClean="0"/>
+              <a:t>‹#›</a:t>
             </a:fld>
             <a:endParaRPr lang="zh-CN" altLang="en-US"/>
           </a:p>
@@ -2325,7 +2311,6 @@
               <a:rPr lang="zh-CN" altLang="en-US"/>
               <a:t>单击此处编辑母版标题样式</a:t>
             </a:r>
-            <a:endParaRPr lang="zh-CN" altLang="en-US"/>
           </a:p>
         </p:txBody>
       </p:sp>
@@ -2391,7 +2376,6 @@
               <a:rPr lang="zh-CN" altLang="en-US"/>
               <a:t>单击此处编辑母版文本样式</a:t>
             </a:r>
-            <a:endParaRPr lang="zh-CN" altLang="en-US"/>
           </a:p>
         </p:txBody>
       </p:sp>
@@ -2420,7 +2404,6 @@
               <a:rPr lang="zh-CN" altLang="en-US"/>
               <a:t>单击此处编辑母版文本样式</a:t>
             </a:r>
-            <a:endParaRPr lang="zh-CN" altLang="en-US"/>
           </a:p>
           <a:p>
             <a:pPr lvl="1"/>
@@ -2428,7 +2411,6 @@
               <a:rPr lang="zh-CN" altLang="en-US"/>
               <a:t>第二级</a:t>
             </a:r>
-            <a:endParaRPr lang="zh-CN" altLang="en-US"/>
           </a:p>
           <a:p>
             <a:pPr lvl="2"/>
@@ -2436,7 +2418,6 @@
               <a:rPr lang="zh-CN" altLang="en-US"/>
               <a:t>第三级</a:t>
             </a:r>
-            <a:endParaRPr lang="zh-CN" altLang="en-US"/>
           </a:p>
           <a:p>
             <a:pPr lvl="3"/>
@@ -2444,7 +2425,6 @@
               <a:rPr lang="zh-CN" altLang="en-US"/>
               <a:t>第四级</a:t>
             </a:r>
-            <a:endParaRPr lang="zh-CN" altLang="en-US"/>
           </a:p>
           <a:p>
             <a:pPr lvl="4"/>
@@ -2452,7 +2432,6 @@
               <a:rPr lang="zh-CN" altLang="en-US"/>
               <a:t>第五级</a:t>
             </a:r>
-            <a:endParaRPr lang="zh-CN" altLang="en-US"/>
           </a:p>
         </p:txBody>
       </p:sp>
@@ -2518,7 +2497,6 @@
               <a:rPr lang="zh-CN" altLang="en-US"/>
               <a:t>单击此处编辑母版文本样式</a:t>
             </a:r>
-            <a:endParaRPr lang="zh-CN" altLang="en-US"/>
           </a:p>
         </p:txBody>
       </p:sp>
@@ -2547,7 +2525,6 @@
               <a:rPr lang="zh-CN" altLang="en-US"/>
               <a:t>单击此处编辑母版文本样式</a:t>
             </a:r>
-            <a:endParaRPr lang="zh-CN" altLang="en-US"/>
           </a:p>
           <a:p>
             <a:pPr lvl="1"/>
@@ -2555,7 +2532,6 @@
               <a:rPr lang="zh-CN" altLang="en-US"/>
               <a:t>第二级</a:t>
             </a:r>
-            <a:endParaRPr lang="zh-CN" altLang="en-US"/>
           </a:p>
           <a:p>
             <a:pPr lvl="2"/>
@@ -2563,7 +2539,6 @@
               <a:rPr lang="zh-CN" altLang="en-US"/>
               <a:t>第三级</a:t>
             </a:r>
-            <a:endParaRPr lang="zh-CN" altLang="en-US"/>
           </a:p>
           <a:p>
             <a:pPr lvl="3"/>
@@ -2571,7 +2546,6 @@
               <a:rPr lang="zh-CN" altLang="en-US"/>
               <a:t>第四级</a:t>
             </a:r>
-            <a:endParaRPr lang="zh-CN" altLang="en-US"/>
           </a:p>
           <a:p>
             <a:pPr lvl="4"/>
@@ -2579,7 +2553,6 @@
               <a:rPr lang="zh-CN" altLang="en-US"/>
               <a:t>第五级</a:t>
             </a:r>
-            <a:endParaRPr lang="zh-CN" altLang="en-US"/>
           </a:p>
         </p:txBody>
       </p:sp>
@@ -2600,6 +2573,7 @@
           <a:p>
             <a:fld id="{FC19A4FA-3D9A-4114-B0D5-759CBD56F1AB}" type="datetimeFigureOut">
               <a:rPr lang="zh-CN" altLang="en-US" smtClean="0"/>
+              <a:t>2022/10/19</a:t>
             </a:fld>
             <a:endParaRPr lang="zh-CN" altLang="en-US"/>
           </a:p>
@@ -2641,6 +2615,7 @@
           <a:p>
             <a:fld id="{506F4176-339E-4C4B-80E4-BBE9C4467EFE}" type="slidenum">
               <a:rPr lang="zh-CN" altLang="en-US" smtClean="0"/>
+              <a:t>‹#›</a:t>
             </a:fld>
             <a:endParaRPr lang="zh-CN" altLang="en-US"/>
           </a:p>
@@ -2727,7 +2702,6 @@
               <a:rPr lang="zh-CN" altLang="en-US"/>
               <a:t>单击此处编辑母版标题样式</a:t>
             </a:r>
-            <a:endParaRPr lang="zh-CN" altLang="en-US"/>
           </a:p>
         </p:txBody>
       </p:sp>
@@ -2847,7 +2821,6 @@
               <a:rPr lang="zh-CN" altLang="en-US"/>
               <a:t>单击此处编辑母版文本样式</a:t>
             </a:r>
-            <a:endParaRPr lang="zh-CN" altLang="en-US"/>
           </a:p>
         </p:txBody>
       </p:sp>
@@ -2868,6 +2841,7 @@
           <a:p>
             <a:fld id="{FC19A4FA-3D9A-4114-B0D5-759CBD56F1AB}" type="datetimeFigureOut">
               <a:rPr lang="zh-CN" altLang="en-US" smtClean="0"/>
+              <a:t>2022/10/19</a:t>
             </a:fld>
             <a:endParaRPr lang="zh-CN" altLang="en-US"/>
           </a:p>
@@ -2909,6 +2883,7 @@
           <a:p>
             <a:fld id="{506F4176-339E-4C4B-80E4-BBE9C4467EFE}" type="slidenum">
               <a:rPr lang="zh-CN" altLang="en-US" smtClean="0"/>
+              <a:t>‹#›</a:t>
             </a:fld>
             <a:endParaRPr lang="zh-CN" altLang="en-US"/>
           </a:p>
@@ -2986,7 +2961,6 @@
               <a:rPr lang="zh-CN" altLang="en-US"/>
               <a:t>单击此处编辑母版标题样式</a:t>
             </a:r>
-            <a:endParaRPr lang="zh-CN" altLang="en-US"/>
           </a:p>
         </p:txBody>
       </p:sp>
@@ -3007,6 +2981,7 @@
           <a:p>
             <a:fld id="{FC19A4FA-3D9A-4114-B0D5-759CBD56F1AB}" type="datetimeFigureOut">
               <a:rPr lang="zh-CN" altLang="en-US" smtClean="0"/>
+              <a:t>2022/10/19</a:t>
             </a:fld>
             <a:endParaRPr lang="zh-CN" altLang="en-US"/>
           </a:p>
@@ -3048,6 +3023,7 @@
           <a:p>
             <a:fld id="{506F4176-339E-4C4B-80E4-BBE9C4467EFE}" type="slidenum">
               <a:rPr lang="zh-CN" altLang="en-US" smtClean="0"/>
+              <a:t>‹#›</a:t>
             </a:fld>
             <a:endParaRPr lang="zh-CN" altLang="en-US"/>
           </a:p>
@@ -3095,6 +3071,7 @@
           <a:p>
             <a:fld id="{FC19A4FA-3D9A-4114-B0D5-759CBD56F1AB}" type="datetimeFigureOut">
               <a:rPr lang="zh-CN" altLang="en-US" smtClean="0"/>
+              <a:t>2022/10/19</a:t>
             </a:fld>
             <a:endParaRPr lang="zh-CN" altLang="en-US"/>
           </a:p>
@@ -3136,6 +3113,7 @@
           <a:p>
             <a:fld id="{506F4176-339E-4C4B-80E4-BBE9C4467EFE}" type="slidenum">
               <a:rPr lang="zh-CN" altLang="en-US" smtClean="0"/>
+              <a:t>‹#›</a:t>
             </a:fld>
             <a:endParaRPr lang="zh-CN" altLang="en-US"/>
           </a:p>
@@ -3194,7 +3172,6 @@
               <a:rPr lang="zh-CN" altLang="en-US"/>
               <a:t>单击此处编辑母版标题样式</a:t>
             </a:r>
-            <a:endParaRPr lang="zh-CN" altLang="en-US"/>
           </a:p>
         </p:txBody>
       </p:sp>
@@ -3251,7 +3228,6 @@
               <a:rPr lang="zh-CN" altLang="en-US"/>
               <a:t>单击此处编辑母版文本样式</a:t>
             </a:r>
-            <a:endParaRPr lang="zh-CN" altLang="en-US"/>
           </a:p>
           <a:p>
             <a:pPr lvl="1"/>
@@ -3259,7 +3235,6 @@
               <a:rPr lang="zh-CN" altLang="en-US"/>
               <a:t>第二级</a:t>
             </a:r>
-            <a:endParaRPr lang="zh-CN" altLang="en-US"/>
           </a:p>
           <a:p>
             <a:pPr lvl="2"/>
@@ -3267,7 +3242,6 @@
               <a:rPr lang="zh-CN" altLang="en-US"/>
               <a:t>第三级</a:t>
             </a:r>
-            <a:endParaRPr lang="zh-CN" altLang="en-US"/>
           </a:p>
           <a:p>
             <a:pPr lvl="3"/>
@@ -3275,7 +3249,6 @@
               <a:rPr lang="zh-CN" altLang="en-US"/>
               <a:t>第四级</a:t>
             </a:r>
-            <a:endParaRPr lang="zh-CN" altLang="en-US"/>
           </a:p>
           <a:p>
             <a:pPr lvl="4"/>
@@ -3283,7 +3256,6 @@
               <a:rPr lang="zh-CN" altLang="en-US"/>
               <a:t>第五级</a:t>
             </a:r>
-            <a:endParaRPr lang="zh-CN" altLang="en-US"/>
           </a:p>
         </p:txBody>
       </p:sp>
@@ -3349,7 +3321,6 @@
               <a:rPr lang="zh-CN" altLang="en-US"/>
               <a:t>单击此处编辑母版文本样式</a:t>
             </a:r>
-            <a:endParaRPr lang="zh-CN" altLang="en-US"/>
           </a:p>
         </p:txBody>
       </p:sp>
@@ -3370,6 +3341,7 @@
           <a:p>
             <a:fld id="{FC19A4FA-3D9A-4114-B0D5-759CBD56F1AB}" type="datetimeFigureOut">
               <a:rPr lang="zh-CN" altLang="en-US" smtClean="0"/>
+              <a:t>2022/10/19</a:t>
             </a:fld>
             <a:endParaRPr lang="zh-CN" altLang="en-US"/>
           </a:p>
@@ -3411,6 +3383,7 @@
           <a:p>
             <a:fld id="{506F4176-339E-4C4B-80E4-BBE9C4467EFE}" type="slidenum">
               <a:rPr lang="zh-CN" altLang="en-US" smtClean="0"/>
+              <a:t>‹#›</a:t>
             </a:fld>
             <a:endParaRPr lang="zh-CN" altLang="en-US"/>
           </a:p>
@@ -3469,7 +3442,6 @@
               <a:rPr lang="zh-CN" altLang="en-US"/>
               <a:t>单击此处编辑母版标题样式</a:t>
             </a:r>
-            <a:endParaRPr lang="zh-CN" altLang="en-US"/>
           </a:p>
         </p:txBody>
       </p:sp>
@@ -3596,7 +3568,6 @@
               <a:rPr lang="zh-CN" altLang="en-US"/>
               <a:t>单击此处编辑母版文本样式</a:t>
             </a:r>
-            <a:endParaRPr lang="zh-CN" altLang="en-US"/>
           </a:p>
         </p:txBody>
       </p:sp>
@@ -3617,6 +3588,7 @@
           <a:p>
             <a:fld id="{FC19A4FA-3D9A-4114-B0D5-759CBD56F1AB}" type="datetimeFigureOut">
               <a:rPr lang="zh-CN" altLang="en-US" smtClean="0"/>
+              <a:t>2022/10/19</a:t>
             </a:fld>
             <a:endParaRPr lang="zh-CN" altLang="en-US"/>
           </a:p>
@@ -3658,6 +3630,7 @@
           <a:p>
             <a:fld id="{506F4176-339E-4C4B-80E4-BBE9C4467EFE}" type="slidenum">
               <a:rPr lang="zh-CN" altLang="en-US" smtClean="0"/>
+              <a:t>‹#›</a:t>
             </a:fld>
             <a:endParaRPr lang="zh-CN" altLang="en-US"/>
           </a:p>
@@ -3722,7 +3695,6 @@
               <a:rPr lang="zh-CN" altLang="en-US" dirty="0"/>
               <a:t>单击此处编辑母版标题样式</a:t>
             </a:r>
-            <a:endParaRPr lang="zh-CN" altLang="en-US" dirty="0"/>
           </a:p>
         </p:txBody>
       </p:sp>
@@ -3756,7 +3728,6 @@
               <a:rPr lang="zh-CN" altLang="en-US" dirty="0"/>
               <a:t>单击此处编辑母版文本样式</a:t>
             </a:r>
-            <a:endParaRPr lang="zh-CN" altLang="en-US" dirty="0"/>
           </a:p>
           <a:p>
             <a:pPr lvl="1"/>
@@ -3764,7 +3735,6 @@
               <a:rPr lang="zh-CN" altLang="en-US" dirty="0"/>
               <a:t>第二级</a:t>
             </a:r>
-            <a:endParaRPr lang="zh-CN" altLang="en-US" dirty="0"/>
           </a:p>
           <a:p>
             <a:pPr lvl="2"/>
@@ -3772,7 +3742,6 @@
               <a:rPr lang="zh-CN" altLang="en-US" dirty="0"/>
               <a:t>第三级</a:t>
             </a:r>
-            <a:endParaRPr lang="zh-CN" altLang="en-US" dirty="0"/>
           </a:p>
           <a:p>
             <a:pPr lvl="3"/>
@@ -3780,7 +3749,6 @@
               <a:rPr lang="zh-CN" altLang="en-US" dirty="0"/>
               <a:t>第四级</a:t>
             </a:r>
-            <a:endParaRPr lang="zh-CN" altLang="en-US" dirty="0"/>
           </a:p>
           <a:p>
             <a:pPr lvl="4"/>
@@ -3788,7 +3756,6 @@
               <a:rPr lang="zh-CN" altLang="en-US" dirty="0"/>
               <a:t>第五级</a:t>
             </a:r>
-            <a:endParaRPr lang="zh-CN" altLang="en-US" dirty="0"/>
           </a:p>
         </p:txBody>
       </p:sp>
@@ -3827,6 +3794,7 @@
           <a:p>
             <a:fld id="{FC19A4FA-3D9A-4114-B0D5-759CBD56F1AB}" type="datetimeFigureOut">
               <a:rPr lang="zh-CN" altLang="en-US" smtClean="0"/>
+              <a:t>2022/10/19</a:t>
             </a:fld>
             <a:endParaRPr lang="zh-CN" altLang="en-US"/>
           </a:p>
@@ -3904,6 +3872,7 @@
           <a:p>
             <a:fld id="{506F4176-339E-4C4B-80E4-BBE9C4467EFE}" type="slidenum">
               <a:rPr lang="zh-CN" altLang="en-US" smtClean="0"/>
+              <a:t>‹#›</a:t>
             </a:fld>
             <a:endParaRPr lang="zh-CN" altLang="en-US"/>
           </a:p>
@@ -3918,7 +3887,7 @@
           <p:nvPr userDrawn="1"/>
         </p:nvPicPr>
         <p:blipFill>
-          <a:blip r:embed="rId12" cstate="print">
+          <a:blip r:embed="rId13" cstate="print">
             <a:extLst>
               <a:ext uri="{28A0092B-C50C-407E-A947-70E740481C1C}">
                 <a14:useLocalDpi xmlns:a14="http://schemas.microsoft.com/office/drawing/2010/main" val="0"/>
@@ -5839,7 +5808,6 @@
               <a:rPr lang="en-US" altLang="zh-CN" dirty="0"/>
               <a:t>Many compilers allows you to build your functions into shared libraries so that you can use those functions later.</a:t>
             </a:r>
-            <a:endParaRPr lang="en-US" altLang="zh-CN" dirty="0"/>
           </a:p>
           <a:p>
             <a:pPr marL="452120" lvl="1" indent="-342900">
@@ -5854,7 +5822,6 @@
               <a:rPr lang="en-US" altLang="zh-CN" dirty="0"/>
               <a:t>Shared library in linux are .so files.</a:t>
             </a:r>
-            <a:endParaRPr lang="en-US" altLang="zh-CN" dirty="0"/>
           </a:p>
           <a:p>
             <a:pPr marL="452120" lvl="1" indent="-342900">
@@ -5886,7 +5853,14 @@
         <p:cNvGrpSpPr/>
         <p:nvPr/>
       </p:nvGrpSpPr>
-      <p:grpSpPr/>
+      <p:grpSpPr>
+        <a:xfrm>
+          <a:off x="0" y="0"/>
+          <a:ext cx="0" cy="0"/>
+          <a:chOff x="0" y="0"/>
+          <a:chExt cx="0" cy="0"/>
+        </a:xfrm>
+      </p:grpSpPr>
       <p:sp>
         <p:nvSpPr>
           <p:cNvPr id="7" name="矩形 6"/>
@@ -5926,6 +5900,7 @@
         </p:style>
         <p:txBody>
           <a:bodyPr rtlCol="0" anchor="ctr"/>
+          <a:lstStyle/>
           <a:p>
             <a:pPr algn="ctr"/>
             <a:endParaRPr lang="zh-CN" altLang="en-US"/>
@@ -5971,6 +5946,7 @@
         </p:style>
         <p:txBody>
           <a:bodyPr rtlCol="0" anchor="ctr"/>
+          <a:lstStyle/>
           <a:p>
             <a:pPr algn="ctr"/>
             <a:endParaRPr lang="zh-CN" altLang="en-US"/>
@@ -5990,12 +5966,12 @@
         <p:spPr/>
         <p:txBody>
           <a:bodyPr/>
+          <a:lstStyle/>
           <a:p>
             <a:r>
               <a:rPr lang="en-US" altLang="zh-CN"/>
               <a:t>Building shared libraries</a:t>
             </a:r>
-            <a:endParaRPr lang="en-US" altLang="zh-CN"/>
           </a:p>
         </p:txBody>
       </p:sp>
@@ -6012,12 +5988,12 @@
         <p:spPr/>
         <p:txBody>
           <a:bodyPr/>
+          <a:lstStyle/>
           <a:p>
             <a:r>
               <a:rPr lang="en-US" altLang="zh-CN"/>
               <a:t>Suppose we have written the following code:</a:t>
             </a:r>
-            <a:endParaRPr lang="en-US" altLang="zh-CN"/>
           </a:p>
         </p:txBody>
       </p:sp>
@@ -6041,64 +6017,62 @@
           <a:bodyPr wrap="square" rtlCol="0" anchor="t">
             <a:spAutoFit/>
           </a:bodyPr>
-          <a:p>
-            <a:r>
-              <a:rPr lang="en-US" altLang="zh-CN"/>
-              <a:t>// function.cpp</a:t>
-            </a:r>
-            <a:endParaRPr lang="zh-CN" altLang="en-US"/>
-          </a:p>
-          <a:p>
-            <a:r>
-              <a:rPr lang="zh-CN" altLang="en-US"/>
+          <a:lstStyle/>
+          <a:p>
+            <a:r>
+              <a:rPr lang="en-US" altLang="zh-CN" dirty="0"/>
+              <a:t>// </a:t>
+            </a:r>
+            <a:r>
+              <a:rPr lang="en-US" altLang="zh-CN" dirty="0" err="1"/>
+              <a:t>function.cpp</a:t>
+            </a:r>
+            <a:endParaRPr lang="zh-CN" altLang="en-US" dirty="0"/>
+          </a:p>
+          <a:p>
+            <a:r>
+              <a:rPr lang="zh-CN" altLang="en-US" dirty="0"/>
               <a:t>#include &lt;iostream&gt;</a:t>
             </a:r>
-            <a:endParaRPr lang="zh-CN" altLang="en-US"/>
-          </a:p>
-          <a:p>
-            <a:r>
-              <a:rPr lang="zh-CN" altLang="en-US"/>
+          </a:p>
+          <a:p>
+            <a:r>
+              <a:rPr lang="zh-CN" altLang="en-US" dirty="0"/>
               <a:t>#include "function.h"</a:t>
             </a:r>
-            <a:endParaRPr lang="zh-CN" altLang="en-US"/>
-          </a:p>
-          <a:p>
-            <a:r>
-              <a:rPr lang="zh-CN" altLang="en-US"/>
+          </a:p>
+          <a:p>
+            <a:r>
+              <a:rPr lang="zh-CN" altLang="en-US" dirty="0"/>
               <a:t>using std::endl;</a:t>
             </a:r>
-            <a:endParaRPr lang="zh-CN" altLang="en-US"/>
-          </a:p>
-          <a:p>
-            <a:r>
-              <a:rPr lang="zh-CN" altLang="en-US"/>
+          </a:p>
+          <a:p>
+            <a:r>
+              <a:rPr lang="zh-CN" altLang="en-US" dirty="0"/>
               <a:t>using std::cout;</a:t>
             </a:r>
-            <a:endParaRPr lang="zh-CN" altLang="en-US"/>
-          </a:p>
-          <a:p>
-            <a:endParaRPr lang="zh-CN" altLang="en-US"/>
-          </a:p>
-          <a:p>
-            <a:r>
-              <a:rPr lang="zh-CN" altLang="en-US"/>
+          </a:p>
+          <a:p>
+            <a:endParaRPr lang="zh-CN" altLang="en-US" dirty="0"/>
+          </a:p>
+          <a:p>
+            <a:r>
+              <a:rPr lang="zh-CN" altLang="en-US" dirty="0"/>
               <a:t>void printHello() {</a:t>
             </a:r>
-            <a:endParaRPr lang="zh-CN" altLang="en-US"/>
-          </a:p>
-          <a:p>
-            <a:r>
-              <a:rPr lang="zh-CN" altLang="en-US"/>
+          </a:p>
+          <a:p>
+            <a:r>
+              <a:rPr lang="zh-CN" altLang="en-US" dirty="0"/>
               <a:t>    cout&lt;&lt;"Hello"&lt;&lt;endl;</a:t>
             </a:r>
-            <a:endParaRPr lang="zh-CN" altLang="en-US"/>
-          </a:p>
-          <a:p>
-            <a:r>
-              <a:rPr lang="zh-CN" altLang="en-US"/>
+          </a:p>
+          <a:p>
+            <a:r>
+              <a:rPr lang="zh-CN" altLang="en-US" dirty="0"/>
               <a:t>}</a:t>
             </a:r>
-            <a:endParaRPr lang="zh-CN" altLang="en-US"/>
           </a:p>
         </p:txBody>
       </p:sp>
@@ -6122,29 +6096,32 @@
           <a:bodyPr wrap="square" rtlCol="0" anchor="t">
             <a:spAutoFit/>
           </a:bodyPr>
-          <a:p>
-            <a:r>
-              <a:rPr lang="en-US" altLang="zh-CN"/>
-              <a:t>// function.h</a:t>
-            </a:r>
-            <a:endParaRPr lang="zh-CN" altLang="en-US"/>
-          </a:p>
-          <a:p>
-            <a:r>
-              <a:rPr lang="zh-CN" altLang="en-US"/>
+          <a:lstStyle/>
+          <a:p>
+            <a:r>
+              <a:rPr lang="en-US" altLang="zh-CN" dirty="0"/>
+              <a:t>// </a:t>
+            </a:r>
+            <a:r>
+              <a:rPr lang="en-US" altLang="zh-CN" dirty="0" err="1"/>
+              <a:t>function.h</a:t>
+            </a:r>
+            <a:endParaRPr lang="zh-CN" altLang="en-US" dirty="0"/>
+          </a:p>
+          <a:p>
+            <a:r>
+              <a:rPr lang="zh-CN" altLang="en-US" dirty="0"/>
               <a:t>#pragma once</a:t>
             </a:r>
-            <a:endParaRPr lang="zh-CN" altLang="en-US"/>
-          </a:p>
-          <a:p>
-            <a:endParaRPr lang="zh-CN" altLang="en-US"/>
-          </a:p>
-          <a:p>
-            <a:r>
-              <a:rPr lang="zh-CN" altLang="en-US"/>
+          </a:p>
+          <a:p>
+            <a:endParaRPr lang="zh-CN" altLang="en-US" dirty="0"/>
+          </a:p>
+          <a:p>
+            <a:r>
+              <a:rPr lang="zh-CN" altLang="en-US" dirty="0"/>
               <a:t>void printHello();</a:t>
             </a:r>
-            <a:endParaRPr lang="zh-CN" altLang="en-US"/>
           </a:p>
         </p:txBody>
       </p:sp>
@@ -6165,7 +6142,14 @@
         <p:cNvGrpSpPr/>
         <p:nvPr/>
       </p:nvGrpSpPr>
-      <p:grpSpPr/>
+      <p:grpSpPr>
+        <a:xfrm>
+          <a:off x="0" y="0"/>
+          <a:ext cx="0" cy="0"/>
+          <a:chOff x="0" y="0"/>
+          <a:chExt cx="0" cy="0"/>
+        </a:xfrm>
+      </p:grpSpPr>
       <p:sp>
         <p:nvSpPr>
           <p:cNvPr id="2" name="标题 1"/>
@@ -6181,6 +6165,7 @@
           <a:bodyPr>
             <a:normAutofit/>
           </a:bodyPr>
+          <a:lstStyle/>
           <a:p>
             <a:r>
               <a:rPr lang="en-US" altLang="zh-CN">
@@ -6205,26 +6190,24 @@
         <p:spPr/>
         <p:txBody>
           <a:bodyPr/>
+          <a:lstStyle/>
           <a:p>
             <a:r>
               <a:rPr lang="en-US" altLang="zh-CN"/>
               <a:t>In previous class we do the following:</a:t>
             </a:r>
-            <a:endParaRPr lang="en-US" altLang="zh-CN"/>
           </a:p>
           <a:p>
             <a:r>
               <a:rPr lang="en-US" altLang="zh-CN"/>
               <a:t>This will compile the “main.cpp” and “function.cpp” into “main”</a:t>
             </a:r>
-            <a:endParaRPr lang="en-US" altLang="zh-CN"/>
           </a:p>
           <a:p>
             <a:r>
               <a:rPr lang="en-US" altLang="zh-CN"/>
               <a:t>And then run “main”</a:t>
             </a:r>
-            <a:endParaRPr lang="en-US" altLang="zh-CN"/>
           </a:p>
         </p:txBody>
       </p:sp>
@@ -6237,7 +6220,7 @@
           <p:nvPr/>
         </p:nvPicPr>
         <p:blipFill>
-          <a:blip r:embed="rId1"/>
+          <a:blip r:embed="rId2"/>
           <a:stretch>
             <a:fillRect/>
           </a:stretch>
@@ -6269,7 +6252,14 @@
         <p:cNvGrpSpPr/>
         <p:nvPr/>
       </p:nvGrpSpPr>
-      <p:grpSpPr/>
+      <p:grpSpPr>
+        <a:xfrm>
+          <a:off x="0" y="0"/>
+          <a:ext cx="0" cy="0"/>
+          <a:chOff x="0" y="0"/>
+          <a:chExt cx="0" cy="0"/>
+        </a:xfrm>
+      </p:grpSpPr>
       <p:sp>
         <p:nvSpPr>
           <p:cNvPr id="2" name="标题 1"/>
@@ -6283,6 +6273,7 @@
         <p:spPr/>
         <p:txBody>
           <a:bodyPr/>
+          <a:lstStyle/>
           <a:p>
             <a:r>
               <a:rPr lang="en-US" altLang="zh-CN">
@@ -6307,26 +6298,24 @@
         <p:spPr/>
         <p:txBody>
           <a:bodyPr/>
+          <a:lstStyle/>
           <a:p>
             <a:r>
               <a:rPr lang="en-US" altLang="zh-CN"/>
               <a:t>Let’s build a shared library:</a:t>
             </a:r>
-            <a:endParaRPr lang="en-US" altLang="zh-CN"/>
           </a:p>
           <a:p>
             <a:r>
               <a:rPr lang="en-US" altLang="zh-CN"/>
               <a:t>Remember to use arguments “-shared” and “-fPIC” when building it..</a:t>
             </a:r>
-            <a:endParaRPr lang="en-US" altLang="zh-CN"/>
           </a:p>
           <a:p>
             <a:r>
               <a:rPr lang="en-US" altLang="zh-CN"/>
               <a:t>Now we should see “libfunction.so” in the directory</a:t>
             </a:r>
-            <a:endParaRPr lang="en-US" altLang="zh-CN"/>
           </a:p>
         </p:txBody>
       </p:sp>
@@ -6339,7 +6328,7 @@
           <p:nvPr/>
         </p:nvPicPr>
         <p:blipFill>
-          <a:blip r:embed="rId1"/>
+          <a:blip r:embed="rId2"/>
           <a:stretch>
             <a:fillRect/>
           </a:stretch>
@@ -6371,7 +6360,14 @@
         <p:cNvGrpSpPr/>
         <p:nvPr/>
       </p:nvGrpSpPr>
-      <p:grpSpPr/>
+      <p:grpSpPr>
+        <a:xfrm>
+          <a:off x="0" y="0"/>
+          <a:ext cx="0" cy="0"/>
+          <a:chOff x="0" y="0"/>
+          <a:chExt cx="0" cy="0"/>
+        </a:xfrm>
+      </p:grpSpPr>
       <p:sp>
         <p:nvSpPr>
           <p:cNvPr id="2" name="标题 1"/>
@@ -6385,12 +6381,12 @@
         <p:spPr/>
         <p:txBody>
           <a:bodyPr/>
+          <a:lstStyle/>
           <a:p>
             <a:r>
               <a:rPr lang="en-US" altLang="zh-CN"/>
               <a:t>Using shared library</a:t>
             </a:r>
-            <a:endParaRPr lang="en-US" altLang="zh-CN"/>
           </a:p>
         </p:txBody>
       </p:sp>
@@ -6407,19 +6403,18 @@
         <p:spPr/>
         <p:txBody>
           <a:bodyPr/>
+          <a:lstStyle/>
           <a:p>
             <a:r>
               <a:rPr lang="en-US" altLang="zh-CN"/>
               <a:t>Now we can use “printHello” function with the “.h” header file and the “.so” shared library.</a:t>
             </a:r>
-            <a:endParaRPr lang="en-US" altLang="zh-CN"/>
           </a:p>
           <a:p>
             <a:r>
               <a:rPr lang="en-US" altLang="zh-CN"/>
               <a:t>Let’s compile “main” again:</a:t>
             </a:r>
-            <a:endParaRPr lang="en-US" altLang="zh-CN"/>
           </a:p>
           <a:p>
             <a:endParaRPr lang="en-US" altLang="zh-CN"/>
@@ -6435,14 +6430,12 @@
               <a:rPr lang="en-US" altLang="zh-CN"/>
               <a:t>Use “-L.” to tell it to find libraries in current directory.</a:t>
             </a:r>
-            <a:endParaRPr lang="en-US" altLang="zh-CN"/>
           </a:p>
           <a:p>
             <a:r>
               <a:rPr lang="en-US" altLang="zh-CN"/>
               <a:t>Use “-lfunction” to tell it to use “libfunction.so”.</a:t>
             </a:r>
-            <a:endParaRPr lang="en-US" altLang="zh-CN"/>
           </a:p>
         </p:txBody>
       </p:sp>
@@ -6455,7 +6448,7 @@
           <p:nvPr/>
         </p:nvPicPr>
         <p:blipFill>
-          <a:blip r:embed="rId1"/>
+          <a:blip r:embed="rId2"/>
           <a:stretch>
             <a:fillRect/>
           </a:stretch>
@@ -6487,7 +6480,14 @@
         <p:cNvGrpSpPr/>
         <p:nvPr/>
       </p:nvGrpSpPr>
-      <p:grpSpPr/>
+      <p:grpSpPr>
+        <a:xfrm>
+          <a:off x="0" y="0"/>
+          <a:ext cx="0" cy="0"/>
+          <a:chOff x="0" y="0"/>
+          <a:chExt cx="0" cy="0"/>
+        </a:xfrm>
+      </p:grpSpPr>
       <p:sp>
         <p:nvSpPr>
           <p:cNvPr id="2" name="标题 1"/>
@@ -6501,12 +6501,12 @@
         <p:spPr/>
         <p:txBody>
           <a:bodyPr/>
+          <a:lstStyle/>
           <a:p>
             <a:r>
               <a:rPr lang="en-US" altLang="zh-CN"/>
               <a:t>Using shared library</a:t>
             </a:r>
-            <a:endParaRPr lang="en-US" altLang="zh-CN"/>
           </a:p>
         </p:txBody>
       </p:sp>
@@ -6523,12 +6523,12 @@
         <p:spPr/>
         <p:txBody>
           <a:bodyPr/>
+          <a:lstStyle/>
           <a:p>
             <a:r>
               <a:rPr lang="en-US" altLang="zh-CN"/>
               <a:t>After the “main” has been compiled, try to run it:</a:t>
             </a:r>
-            <a:endParaRPr lang="en-US" altLang="zh-CN"/>
           </a:p>
           <a:p>
             <a:endParaRPr lang="en-US" altLang="zh-CN"/>
@@ -6544,7 +6544,6 @@
               <a:rPr lang="en-US" altLang="zh-CN"/>
               <a:t>It failed because “main” now relys on “libfunction.so”. You must tell the terminal where to find “libfunction.so”.</a:t>
             </a:r>
-            <a:endParaRPr lang="en-US" altLang="zh-CN"/>
           </a:p>
           <a:p>
             <a:endParaRPr lang="en-US" altLang="zh-CN"/>
@@ -6563,7 +6562,7 @@
           <p:nvPr/>
         </p:nvPicPr>
         <p:blipFill>
-          <a:blip r:embed="rId1"/>
+          <a:blip r:embed="rId2"/>
           <a:stretch>
             <a:fillRect/>
           </a:stretch>
@@ -6595,7 +6594,14 @@
         <p:cNvGrpSpPr/>
         <p:nvPr/>
       </p:nvGrpSpPr>
-      <p:grpSpPr/>
+      <p:grpSpPr>
+        <a:xfrm>
+          <a:off x="0" y="0"/>
+          <a:ext cx="0" cy="0"/>
+          <a:chOff x="0" y="0"/>
+          <a:chExt cx="0" cy="0"/>
+        </a:xfrm>
+      </p:grpSpPr>
       <p:sp>
         <p:nvSpPr>
           <p:cNvPr id="2" name="标题 1"/>
@@ -6609,12 +6615,12 @@
         <p:spPr/>
         <p:txBody>
           <a:bodyPr/>
+          <a:lstStyle/>
           <a:p>
             <a:r>
               <a:rPr lang="en-US" altLang="zh-CN"/>
               <a:t>Using shared library</a:t>
             </a:r>
-            <a:endParaRPr lang="en-US" altLang="zh-CN"/>
           </a:p>
         </p:txBody>
       </p:sp>
@@ -6631,19 +6637,18 @@
         <p:spPr/>
         <p:txBody>
           <a:bodyPr/>
+          <a:lstStyle/>
           <a:p>
             <a:r>
               <a:rPr lang="en-US" altLang="zh-CN"/>
               <a:t>Using export command to set environment variable “LD_LIBRARY_PATH”</a:t>
             </a:r>
-            <a:endParaRPr lang="en-US" altLang="zh-CN"/>
           </a:p>
           <a:p>
             <a:r>
               <a:rPr lang="en-US" altLang="zh-CN"/>
               <a:t>And then run “main” again</a:t>
             </a:r>
-            <a:endParaRPr lang="en-US" altLang="zh-CN"/>
           </a:p>
         </p:txBody>
       </p:sp>
@@ -6660,7 +6665,7 @@
           </p:nvPr>
         </p:nvPicPr>
         <p:blipFill>
-          <a:blip r:embed="rId2"/>
+          <a:blip r:embed="rId3"/>
           <a:stretch>
             <a:fillRect/>
           </a:stretch>
@@ -6751,7 +6756,6 @@
               <a:rPr lang="en-US" altLang="zh-CN" sz="2800" dirty="0"/>
               <a:t>Define three functions that swap two values of integer, please use integer arguments, pointer arguments and reference arguments respectively. Write a test program to call these functions and display the result.</a:t>
             </a:r>
-            <a:endParaRPr lang="en-US" altLang="zh-CN" sz="2800" dirty="0"/>
           </a:p>
           <a:p>
             <a:pPr marL="109220" lvl="1" indent="0">
@@ -6775,7 +6779,6 @@
               <a:rPr lang="en-US" altLang="zh-CN" dirty="0"/>
               <a:t>You are required to compile these functions into a shared library “libswap.so”, and then compile and run your program with this shared library.</a:t>
             </a:r>
-            <a:endParaRPr lang="en-US" altLang="zh-CN" dirty="0"/>
           </a:p>
         </p:txBody>
       </p:sp>
@@ -6832,13 +6835,6 @@
               </a:rPr>
               <a:t>Functions</a:t>
             </a:r>
-            <a:endParaRPr lang="en-US" altLang="zh-CN" b="1" i="0" dirty="0">
-              <a:solidFill>
-                <a:srgbClr val="24292F"/>
-              </a:solidFill>
-              <a:effectLst/>
-              <a:latin typeface="-apple-system"/>
-            </a:endParaRPr>
           </a:p>
         </p:txBody>
       </p:sp>
@@ -6867,9 +6863,6 @@
               </a:rPr>
               <a:t>Function declaration, definition and call</a:t>
             </a:r>
-            <a:endParaRPr lang="en-US" altLang="zh-CN" dirty="0">
-              <a:sym typeface="+mn-ea"/>
-            </a:endParaRPr>
           </a:p>
           <a:p>
             <a:pPr marL="285750" indent="-285750">
@@ -6882,9 +6875,6 @@
               </a:rPr>
               <a:t>Function parameters and arguments</a:t>
             </a:r>
-            <a:endParaRPr lang="en-US" altLang="zh-CN" dirty="0">
-              <a:sym typeface="+mn-ea"/>
-            </a:endParaRPr>
           </a:p>
           <a:p>
             <a:pPr marL="285750" indent="-285750">
@@ -6897,9 +6887,6 @@
               </a:rPr>
               <a:t>Function return values</a:t>
             </a:r>
-            <a:endParaRPr lang="en-US" altLang="zh-CN" dirty="0">
-              <a:sym typeface="+mn-ea"/>
-            </a:endParaRPr>
           </a:p>
           <a:p>
             <a:pPr marL="285750" indent="-285750">
@@ -6912,9 +6899,6 @@
               </a:rPr>
               <a:t>Building shared libraries.</a:t>
             </a:r>
-            <a:endParaRPr lang="en-US" altLang="zh-CN" dirty="0">
-              <a:sym typeface="+mn-ea"/>
-            </a:endParaRPr>
           </a:p>
         </p:txBody>
       </p:sp>
@@ -7079,20 +7063,6 @@
               </a:rPr>
               <a:t>);</a:t>
             </a:r>
-            <a:endParaRPr kumimoji="0" lang="en-US" altLang="zh-CN" sz="2400" b="1" i="0" u="none" strike="noStrike" kern="1200" cap="none" spc="0" normalizeH="0" baseline="0" noProof="0" dirty="0">
-              <a:ln>
-                <a:noFill/>
-              </a:ln>
-              <a:solidFill>
-                <a:srgbClr val="24292F"/>
-              </a:solidFill>
-              <a:effectLst/>
-              <a:uLnTx/>
-              <a:uFillTx/>
-              <a:latin typeface="-apple-system"/>
-              <a:ea typeface="宋体" panose="02010600030101010101" pitchFamily="2" charset="-122"/>
-              <a:cs typeface="+mn-cs"/>
-            </a:endParaRPr>
           </a:p>
           <a:p>
             <a:pPr marL="0" marR="0" lvl="0" indent="0" algn="l" defTabSz="914400" rtl="0" eaLnBrk="1" fontAlgn="auto" latinLnBrk="0" hangingPunct="1">
@@ -7221,13 +7191,6 @@
               </a:rPr>
               <a:t> is not in the s, return NULL.</a:t>
             </a:r>
-            <a:endParaRPr lang="en-US" altLang="zh-CN" sz="2400" dirty="0">
-              <a:solidFill>
-                <a:srgbClr val="24292F"/>
-              </a:solidFill>
-              <a:latin typeface="-apple-system"/>
-              <a:ea typeface="宋体" panose="02010600030101010101" pitchFamily="2" charset="-122"/>
-            </a:endParaRPr>
           </a:p>
           <a:p>
             <a:pPr marL="0" marR="0" lvl="0" indent="0" algn="l" defTabSz="914400" rtl="0" eaLnBrk="1" fontAlgn="auto" latinLnBrk="0" hangingPunct="1">
@@ -7263,20 +7226,6 @@
               </a:rPr>
               <a:t>Write a test program to call the function and show the result. The output sample as follows:</a:t>
             </a:r>
-            <a:endParaRPr kumimoji="0" lang="en-US" altLang="zh-CN" sz="2400" i="0" u="none" strike="noStrike" kern="1200" cap="none" spc="0" normalizeH="0" baseline="0" noProof="0" dirty="0">
-              <a:ln>
-                <a:noFill/>
-              </a:ln>
-              <a:solidFill>
-                <a:srgbClr val="24292F"/>
-              </a:solidFill>
-              <a:effectLst/>
-              <a:uLnTx/>
-              <a:uFillTx/>
-              <a:latin typeface="-apple-system"/>
-              <a:ea typeface="宋体" panose="02010600030101010101" pitchFamily="2" charset="-122"/>
-              <a:cs typeface="+mn-cs"/>
-            </a:endParaRPr>
           </a:p>
         </p:txBody>
       </p:sp>
@@ -7296,12 +7245,12 @@
           <a:graphicData uri="http://schemas.openxmlformats.org/presentationml/2006/ole">
             <mc:AlternateContent xmlns:mc="http://schemas.openxmlformats.org/markup-compatibility/2006">
               <mc:Choice xmlns:v="urn:schemas-microsoft-com:vml" Requires="v">
-                <p:oleObj spid="_x0000_s33807" name="Image" r:id="rId1" imgW="2105025" imgH="819150" progId="Photoshop.Image.13">
+                <p:oleObj spid="_x0000_s33809" name="Image" r:id="rId3" imgW="2105025" imgH="819150" progId="Photoshop.Image.13">
                   <p:embed/>
                 </p:oleObj>
               </mc:Choice>
               <mc:Fallback>
-                <p:oleObj name="Image" r:id="rId1" imgW="2105025" imgH="819150" progId="Photoshop.Image.13">
+                <p:oleObj name="Image" r:id="rId3" imgW="2105025" imgH="819150" progId="Photoshop.Image.13">
                   <p:embed/>
                   <p:pic>
                     <p:nvPicPr>
@@ -7310,7 +7259,7 @@
                       <p:nvPr/>
                     </p:nvPicPr>
                     <p:blipFill>
-                      <a:blip r:embed="rId2"/>
+                      <a:blip r:embed="rId4"/>
                       <a:stretch>
                         <a:fillRect/>
                       </a:stretch>
@@ -7347,12 +7296,12 @@
           <a:graphicData uri="http://schemas.openxmlformats.org/presentationml/2006/ole">
             <mc:AlternateContent xmlns:mc="http://schemas.openxmlformats.org/markup-compatibility/2006">
               <mc:Choice xmlns:v="urn:schemas-microsoft-com:vml" Requires="v">
-                <p:oleObj spid="_x0000_s33808" name="Image" r:id="rId3" imgW="1762125" imgH="866775" progId="Photoshop.Image.13">
+                <p:oleObj spid="_x0000_s33810" name="Image" r:id="rId5" imgW="1762125" imgH="866775" progId="Photoshop.Image.13">
                   <p:embed/>
                 </p:oleObj>
               </mc:Choice>
               <mc:Fallback>
-                <p:oleObj name="Image" r:id="rId3" imgW="1762125" imgH="866775" progId="Photoshop.Image.13">
+                <p:oleObj name="Image" r:id="rId5" imgW="1762125" imgH="866775" progId="Photoshop.Image.13">
                   <p:embed/>
                   <p:pic>
                     <p:nvPicPr>
@@ -7361,7 +7310,7 @@
                       <p:nvPr/>
                     </p:nvPicPr>
                     <p:blipFill>
-                      <a:blip r:embed="rId4"/>
+                      <a:blip r:embed="rId6"/>
                       <a:stretch>
                         <a:fillRect/>
                       </a:stretch>
@@ -7546,7 +7495,6 @@
               <a:rPr lang="en-US" altLang="zh-CN" dirty="0"/>
               <a:t>Exercise 3</a:t>
             </a:r>
-            <a:endParaRPr lang="en-US" altLang="zh-CN" dirty="0"/>
           </a:p>
         </p:txBody>
       </p:sp>
@@ -7746,7 +7694,6 @@
               <a:rPr lang="en-US" altLang="zh-CN" dirty="0"/>
               <a:t>Here is a structure declaration:</a:t>
             </a:r>
-            <a:endParaRPr lang="en-US" altLang="zh-CN" dirty="0"/>
           </a:p>
           <a:p>
             <a:pPr marL="0" lvl="1" indent="0">
@@ -7761,7 +7708,6 @@
               <a:rPr lang="en-US" altLang="zh-CN" dirty="0"/>
               <a:t>(1) Define a function that passes a point structure by value to set values for two points.</a:t>
             </a:r>
-            <a:endParaRPr lang="en-US" altLang="zh-CN" dirty="0"/>
           </a:p>
           <a:p>
             <a:pPr marL="0" lvl="1" indent="0">
@@ -7776,7 +7722,6 @@
               <a:rPr lang="en-US" altLang="zh-CN" dirty="0"/>
               <a:t>(2) Define another function that passes the address of a point structure to calculate the middle point of two points.</a:t>
             </a:r>
-            <a:endParaRPr lang="en-US" altLang="zh-CN" dirty="0"/>
           </a:p>
           <a:p>
             <a:pPr marL="0" lvl="1" indent="0">
@@ -7791,7 +7736,6 @@
               <a:rPr lang="en-US" altLang="zh-CN" dirty="0"/>
               <a:t>(3) Write a simple program to call these two function and display the results.</a:t>
             </a:r>
-            <a:endParaRPr lang="en-US" altLang="zh-CN" dirty="0"/>
           </a:p>
         </p:txBody>
       </p:sp>
@@ -7826,21 +7770,18 @@
               <a:rPr lang="en-US" altLang="zh-CN" dirty="0"/>
               <a:t>struct point{</a:t>
             </a:r>
-            <a:endParaRPr lang="en-US" altLang="zh-CN" dirty="0"/>
           </a:p>
           <a:p>
             <a:r>
               <a:rPr lang="en-US" altLang="zh-CN" dirty="0"/>
               <a:t>float x;</a:t>
             </a:r>
-            <a:endParaRPr lang="en-US" altLang="zh-CN" dirty="0"/>
           </a:p>
           <a:p>
             <a:r>
               <a:rPr lang="en-US" altLang="zh-CN" dirty="0"/>
               <a:t>float y;</a:t>
             </a:r>
-            <a:endParaRPr lang="en-US" altLang="zh-CN" dirty="0"/>
           </a:p>
           <a:p>
             <a:r>
@@ -8224,20 +8165,6 @@
               </a:rPr>
               <a:t>.</a:t>
             </a:r>
-            <a:endParaRPr kumimoji="0" lang="en-US" altLang="zh-CN" sz="2400" b="0" i="0" u="none" strike="noStrike" kern="1200" cap="none" spc="0" normalizeH="0" baseline="0" noProof="0" dirty="0">
-              <a:ln>
-                <a:noFill/>
-              </a:ln>
-              <a:solidFill>
-                <a:prstClr val="black"/>
-              </a:solidFill>
-              <a:effectLst/>
-              <a:uLnTx/>
-              <a:uFillTx/>
-              <a:latin typeface="Calibri" panose="020F0502020204030204"/>
-              <a:ea typeface="宋体" panose="02010600030101010101" pitchFamily="2" charset="-122"/>
-              <a:cs typeface="+mn-cs"/>
-            </a:endParaRPr>
           </a:p>
           <a:p>
             <a:pPr marL="342900" marR="0" lvl="0" indent="-342900" algn="l" defTabSz="914400" rtl="0" eaLnBrk="1" fontAlgn="auto" latinLnBrk="0" hangingPunct="1">
@@ -8307,20 +8234,6 @@
               </a:rPr>
               <a:t>is the name of the function, using the function name it is called.</a:t>
             </a:r>
-            <a:endParaRPr kumimoji="0" lang="en-US" altLang="zh-CN" sz="2400" b="0" i="0" u="none" strike="noStrike" kern="1200" cap="none" spc="0" normalizeH="0" baseline="0" noProof="0" dirty="0">
-              <a:ln>
-                <a:noFill/>
-              </a:ln>
-              <a:solidFill>
-                <a:prstClr val="black"/>
-              </a:solidFill>
-              <a:effectLst/>
-              <a:uLnTx/>
-              <a:uFillTx/>
-              <a:latin typeface="Calibri" panose="020F0502020204030204"/>
-              <a:ea typeface="宋体" panose="02010600030101010101" pitchFamily="2" charset="-122"/>
-              <a:cs typeface="+mn-cs"/>
-            </a:endParaRPr>
           </a:p>
           <a:p>
             <a:pPr marL="342900" marR="0" lvl="0" indent="-342900" algn="l" defTabSz="914400" rtl="0" eaLnBrk="1" fontAlgn="auto" latinLnBrk="0" hangingPunct="1">
@@ -8598,20 +8511,6 @@
               </a:rPr>
               <a:t> parameter2, …)</a:t>
             </a:r>
-            <a:endParaRPr kumimoji="0" lang="en-US" altLang="zh-CN" sz="2000" b="1" i="0" u="none" strike="noStrike" kern="1200" cap="none" spc="0" normalizeH="0" baseline="0" noProof="0" dirty="0">
-              <a:ln>
-                <a:noFill/>
-              </a:ln>
-              <a:solidFill>
-                <a:prstClr val="black"/>
-              </a:solidFill>
-              <a:effectLst/>
-              <a:uLnTx/>
-              <a:uFillTx/>
-              <a:latin typeface="Calibri" panose="020F0502020204030204"/>
-              <a:ea typeface="宋体" panose="02010600030101010101" pitchFamily="2" charset="-122"/>
-              <a:cs typeface="+mn-cs"/>
-            </a:endParaRPr>
           </a:p>
           <a:p>
             <a:pPr marL="0" marR="0" lvl="0" indent="0" algn="l" defTabSz="914400" rtl="0" eaLnBrk="1" fontAlgn="auto" latinLnBrk="0" hangingPunct="1">
@@ -8647,20 +8546,6 @@
               </a:rPr>
               <a:t>{</a:t>
             </a:r>
-            <a:endParaRPr kumimoji="0" lang="en-US" altLang="zh-CN" sz="2000" b="1" i="0" u="none" strike="noStrike" kern="1200" cap="none" spc="0" normalizeH="0" baseline="0" noProof="0" dirty="0">
-              <a:ln>
-                <a:noFill/>
-              </a:ln>
-              <a:solidFill>
-                <a:prstClr val="black"/>
-              </a:solidFill>
-              <a:effectLst/>
-              <a:uLnTx/>
-              <a:uFillTx/>
-              <a:latin typeface="Calibri" panose="020F0502020204030204"/>
-              <a:ea typeface="宋体" panose="02010600030101010101" pitchFamily="2" charset="-122"/>
-              <a:cs typeface="+mn-cs"/>
-            </a:endParaRPr>
           </a:p>
           <a:p>
             <a:pPr marL="0" marR="0" lvl="0" indent="0" algn="l" defTabSz="914400" rtl="0" eaLnBrk="1" fontAlgn="auto" latinLnBrk="0" hangingPunct="1">
@@ -8713,20 +8598,6 @@
               </a:rPr>
               <a:t>// function body</a:t>
             </a:r>
-            <a:endParaRPr kumimoji="0" lang="en-US" altLang="zh-CN" sz="2000" b="1" i="0" u="none" strike="noStrike" kern="1200" cap="none" spc="0" normalizeH="0" baseline="0" noProof="0" dirty="0">
-              <a:ln>
-                <a:noFill/>
-              </a:ln>
-              <a:solidFill>
-                <a:srgbClr val="00B050"/>
-              </a:solidFill>
-              <a:effectLst/>
-              <a:uLnTx/>
-              <a:uFillTx/>
-              <a:latin typeface="Calibri" panose="020F0502020204030204"/>
-              <a:ea typeface="宋体" panose="02010600030101010101" pitchFamily="2" charset="-122"/>
-              <a:cs typeface="+mn-cs"/>
-            </a:endParaRPr>
           </a:p>
           <a:p>
             <a:pPr marL="0" marR="0" lvl="0" indent="0" algn="l" defTabSz="914400" rtl="0" eaLnBrk="1" fontAlgn="auto" latinLnBrk="0" hangingPunct="1">
@@ -9727,12 +9598,12 @@
             <a:graphicData uri="http://schemas.openxmlformats.org/presentationml/2006/ole">
               <mc:AlternateContent xmlns:mc="http://schemas.openxmlformats.org/markup-compatibility/2006">
                 <mc:Choice xmlns:v="urn:schemas-microsoft-com:vml" Requires="v">
-                  <p:oleObj spid="_x0000_s31830" name="Image" r:id="rId1" imgW="5295900" imgH="685800" progId="Photoshop.Image.13">
+                  <p:oleObj spid="_x0000_s31834" name="Image" r:id="rId4" imgW="5295900" imgH="685800" progId="Photoshop.Image.13">
                     <p:embed/>
                   </p:oleObj>
                 </mc:Choice>
                 <mc:Fallback>
-                  <p:oleObj name="Image" r:id="rId1" imgW="5295900" imgH="685800" progId="Photoshop.Image.13">
+                  <p:oleObj name="Image" r:id="rId4" imgW="5295900" imgH="685800" progId="Photoshop.Image.13">
                     <p:embed/>
                     <p:pic>
                       <p:nvPicPr>
@@ -9741,7 +9612,7 @@
                         <p:nvPr/>
                       </p:nvPicPr>
                       <p:blipFill>
-                        <a:blip r:embed="rId2"/>
+                        <a:blip r:embed="rId5"/>
                         <a:stretch>
                           <a:fillRect/>
                         </a:stretch>
@@ -9867,12 +9738,12 @@
             <a:graphicData uri="http://schemas.openxmlformats.org/presentationml/2006/ole">
               <mc:AlternateContent xmlns:mc="http://schemas.openxmlformats.org/markup-compatibility/2006">
                 <mc:Choice xmlns:v="urn:schemas-microsoft-com:vml" Requires="v">
-                  <p:oleObj spid="_x0000_s31831" name="Image" r:id="rId3" imgW="6286500" imgH="704850" progId="Photoshop.Image.13">
+                  <p:oleObj spid="_x0000_s31835" name="Image" r:id="rId6" imgW="6286500" imgH="704850" progId="Photoshop.Image.13">
                     <p:embed/>
                   </p:oleObj>
                 </mc:Choice>
                 <mc:Fallback>
-                  <p:oleObj name="Image" r:id="rId3" imgW="6286500" imgH="704850" progId="Photoshop.Image.13">
+                  <p:oleObj name="Image" r:id="rId6" imgW="6286500" imgH="704850" progId="Photoshop.Image.13">
                     <p:embed/>
                     <p:pic>
                       <p:nvPicPr>
@@ -9881,7 +9752,7 @@
                         <p:nvPr/>
                       </p:nvPicPr>
                       <p:blipFill>
-                        <a:blip r:embed="rId4"/>
+                        <a:blip r:embed="rId7"/>
                         <a:stretch>
                           <a:fillRect/>
                         </a:stretch>
@@ -10007,12 +9878,12 @@
             <a:graphicData uri="http://schemas.openxmlformats.org/presentationml/2006/ole">
               <mc:AlternateContent xmlns:mc="http://schemas.openxmlformats.org/markup-compatibility/2006">
                 <mc:Choice xmlns:v="urn:schemas-microsoft-com:vml" Requires="v">
-                  <p:oleObj spid="_x0000_s31832" name="Image" r:id="rId5" imgW="5438775" imgH="704850" progId="Photoshop.Image.13">
+                  <p:oleObj spid="_x0000_s31836" name="Image" r:id="rId8" imgW="5438775" imgH="704850" progId="Photoshop.Image.13">
                     <p:embed/>
                   </p:oleObj>
                 </mc:Choice>
                 <mc:Fallback>
-                  <p:oleObj name="Image" r:id="rId5" imgW="5438775" imgH="704850" progId="Photoshop.Image.13">
+                  <p:oleObj name="Image" r:id="rId8" imgW="5438775" imgH="704850" progId="Photoshop.Image.13">
                     <p:embed/>
                     <p:pic>
                       <p:nvPicPr>
@@ -10021,7 +9892,7 @@
                         <p:nvPr/>
                       </p:nvPicPr>
                       <p:blipFill>
-                        <a:blip r:embed="rId6"/>
+                        <a:blip r:embed="rId9"/>
                         <a:stretch>
                           <a:fillRect/>
                         </a:stretch>
@@ -10147,12 +10018,12 @@
             <a:graphicData uri="http://schemas.openxmlformats.org/presentationml/2006/ole">
               <mc:AlternateContent xmlns:mc="http://schemas.openxmlformats.org/markup-compatibility/2006">
                 <mc:Choice xmlns:v="urn:schemas-microsoft-com:vml" Requires="v">
-                  <p:oleObj spid="_x0000_s31833" name="Image" r:id="rId7" imgW="4610100" imgH="714375" progId="Photoshop.Image.13">
+                  <p:oleObj spid="_x0000_s31837" name="Image" r:id="rId10" imgW="4610100" imgH="714375" progId="Photoshop.Image.13">
                     <p:embed/>
                   </p:oleObj>
                 </mc:Choice>
                 <mc:Fallback>
-                  <p:oleObj name="Image" r:id="rId7" imgW="4610100" imgH="714375" progId="Photoshop.Image.13">
+                  <p:oleObj name="Image" r:id="rId10" imgW="4610100" imgH="714375" progId="Photoshop.Image.13">
                     <p:embed/>
                     <p:pic>
                       <p:nvPicPr>
@@ -10161,7 +10032,7 @@
                         <p:nvPr/>
                       </p:nvPicPr>
                       <p:blipFill>
-                        <a:blip r:embed="rId8"/>
+                        <a:blip r:embed="rId11"/>
                         <a:stretch>
                           <a:fillRect/>
                         </a:stretch>
@@ -10903,19 +10774,6 @@
               </a:rPr>
               <a:t>);</a:t>
             </a:r>
-            <a:endParaRPr kumimoji="0" lang="en-US" altLang="zh-CN" sz="2800" b="1" i="0" u="none" strike="noStrike" kern="1200" cap="none" spc="0" normalizeH="0" baseline="0" noProof="0" dirty="0">
-              <a:ln>
-                <a:noFill/>
-              </a:ln>
-              <a:solidFill>
-                <a:prstClr val="black"/>
-              </a:solidFill>
-              <a:effectLst/>
-              <a:uLnTx/>
-              <a:uFillTx/>
-              <a:latin typeface="Calibri" panose="020F0502020204030204"/>
-              <a:ea typeface="宋体" panose="02010600030101010101" pitchFamily="2" charset="-122"/>
-            </a:endParaRPr>
           </a:p>
         </p:txBody>
       </p:sp>
@@ -11232,9 +11090,6 @@
               </a:rPr>
               <a:t> is where the variable  can be referenced in a program. Some identifiers can be referenced throughout a program, others from only portions of a program.</a:t>
             </a:r>
-            <a:endParaRPr lang="en-US" altLang="zh-CN" sz="2400" dirty="0">
-              <a:ea typeface="宋体" panose="02010600030101010101" pitchFamily="2" charset="-122"/>
-            </a:endParaRPr>
           </a:p>
         </p:txBody>
       </p:sp>
@@ -11521,20 +11376,6 @@
               </a:rPr>
               <a:t> </a:t>
             </a:r>
-            <a:endParaRPr kumimoji="0" lang="zh-CN" altLang="en-US" sz="2400" b="0" i="0" u="none" strike="noStrike" kern="1200" cap="none" spc="0" normalizeH="0" baseline="0" noProof="0" dirty="0">
-              <a:ln>
-                <a:noFill/>
-              </a:ln>
-              <a:solidFill>
-                <a:srgbClr val="5B9BD5"/>
-              </a:solidFill>
-              <a:effectLst/>
-              <a:uLnTx/>
-              <a:uFillTx/>
-              <a:latin typeface="Calibri" panose="020F0502020204030204"/>
-              <a:ea typeface="宋体" panose="02010600030101010101" pitchFamily="2" charset="-122"/>
-              <a:cs typeface="+mj-cs"/>
-            </a:endParaRPr>
           </a:p>
         </p:txBody>
       </p:sp>
@@ -11660,20 +11501,6 @@
               </a:rPr>
               <a:t> is defined outside functions. </a:t>
             </a:r>
-            <a:endParaRPr kumimoji="0" lang="en-US" altLang="zh-CN" sz="2400" b="0" i="0" u="none" strike="noStrike" kern="1200" cap="none" spc="0" normalizeH="0" baseline="0" noProof="0" dirty="0">
-              <a:ln>
-                <a:noFill/>
-              </a:ln>
-              <a:solidFill>
-                <a:prstClr val="black"/>
-              </a:solidFill>
-              <a:effectLst/>
-              <a:uLnTx/>
-              <a:uFillTx/>
-              <a:latin typeface="Calibri" panose="020F0502020204030204"/>
-              <a:ea typeface="宋体" panose="02010600030101010101" pitchFamily="2" charset="-122"/>
-              <a:cs typeface="+mn-cs"/>
-            </a:endParaRPr>
           </a:p>
         </p:txBody>
       </p:sp>
@@ -12103,20 +11930,6 @@
               </a:rPr>
               <a:t> a;</a:t>
             </a:r>
-            <a:endParaRPr kumimoji="1" lang="en-US" altLang="zh-CN" sz="2000" b="1" i="0" u="none" strike="noStrike" kern="1200" cap="none" spc="0" normalizeH="0" baseline="0" noProof="0" dirty="0">
-              <a:ln>
-                <a:noFill/>
-              </a:ln>
-              <a:solidFill>
-                <a:srgbClr val="FF3300"/>
-              </a:solidFill>
-              <a:effectLst/>
-              <a:uLnTx/>
-              <a:uFillTx/>
-              <a:latin typeface="Times New Roman" panose="02020603050405020304" pitchFamily="18" charset="0"/>
-              <a:ea typeface="宋体" panose="02010600030101010101" pitchFamily="2" charset="-122"/>
-              <a:cs typeface="+mn-cs"/>
-            </a:endParaRPr>
           </a:p>
           <a:p>
             <a:pPr marL="0" marR="0" lvl="0" indent="0" algn="l" defTabSz="914400" rtl="0" eaLnBrk="0" fontAlgn="auto" latinLnBrk="0" hangingPunct="0">
@@ -12152,20 +11965,6 @@
               </a:rPr>
               <a:t>void main( )</a:t>
             </a:r>
-            <a:endParaRPr kumimoji="1" lang="en-US" altLang="zh-CN" sz="2000" b="1" i="0" u="none" strike="noStrike" kern="1200" cap="none" spc="0" normalizeH="0" baseline="0" noProof="0" dirty="0">
-              <a:ln>
-                <a:noFill/>
-              </a:ln>
-              <a:solidFill>
-                <a:prstClr val="black"/>
-              </a:solidFill>
-              <a:effectLst/>
-              <a:uLnTx/>
-              <a:uFillTx/>
-              <a:latin typeface="Times New Roman" panose="02020603050405020304" pitchFamily="18" charset="0"/>
-              <a:ea typeface="宋体" panose="02010600030101010101" pitchFamily="2" charset="-122"/>
-              <a:cs typeface="+mn-cs"/>
-            </a:endParaRPr>
           </a:p>
           <a:p>
             <a:pPr marL="0" marR="0" lvl="0" indent="0" algn="l" defTabSz="914400" rtl="0" eaLnBrk="0" fontAlgn="auto" latinLnBrk="0" hangingPunct="0">
@@ -12201,20 +12000,6 @@
               </a:rPr>
               <a:t>{     …….</a:t>
             </a:r>
-            <a:endParaRPr kumimoji="1" lang="en-US" altLang="zh-CN" sz="2000" b="1" i="0" u="none" strike="noStrike" kern="1200" cap="none" spc="0" normalizeH="0" baseline="0" noProof="0" dirty="0">
-              <a:ln>
-                <a:noFill/>
-              </a:ln>
-              <a:solidFill>
-                <a:prstClr val="black"/>
-              </a:solidFill>
-              <a:effectLst/>
-              <a:uLnTx/>
-              <a:uFillTx/>
-              <a:latin typeface="Times New Roman" panose="02020603050405020304" pitchFamily="18" charset="0"/>
-              <a:ea typeface="宋体" panose="02010600030101010101" pitchFamily="2" charset="-122"/>
-              <a:cs typeface="+mn-cs"/>
-            </a:endParaRPr>
           </a:p>
           <a:p>
             <a:pPr marL="0" marR="0" lvl="0" indent="0" algn="l" defTabSz="914400" rtl="0" eaLnBrk="0" fontAlgn="auto" latinLnBrk="0" hangingPunct="0">
@@ -12250,20 +12035,6 @@
               </a:rPr>
               <a:t>       …….</a:t>
             </a:r>
-            <a:endParaRPr kumimoji="1" lang="en-US" altLang="zh-CN" sz="2000" b="1" i="0" u="none" strike="noStrike" kern="1200" cap="none" spc="0" normalizeH="0" baseline="0" noProof="0" dirty="0">
-              <a:ln>
-                <a:noFill/>
-              </a:ln>
-              <a:solidFill>
-                <a:prstClr val="black"/>
-              </a:solidFill>
-              <a:effectLst/>
-              <a:uLnTx/>
-              <a:uFillTx/>
-              <a:latin typeface="Times New Roman" panose="02020603050405020304" pitchFamily="18" charset="0"/>
-              <a:ea typeface="宋体" panose="02010600030101010101" pitchFamily="2" charset="-122"/>
-              <a:cs typeface="+mn-cs"/>
-            </a:endParaRPr>
           </a:p>
           <a:p>
             <a:pPr marL="0" marR="0" lvl="0" indent="0" algn="l" defTabSz="914400" rtl="0" eaLnBrk="0" fontAlgn="auto" latinLnBrk="0" hangingPunct="0">
@@ -12299,20 +12070,6 @@
               </a:rPr>
               <a:t>          f2; </a:t>
             </a:r>
-            <a:endParaRPr kumimoji="1" lang="en-US" altLang="zh-CN" sz="2000" b="1" i="0" u="none" strike="noStrike" kern="1200" cap="none" spc="0" normalizeH="0" baseline="0" noProof="0" dirty="0">
-              <a:ln>
-                <a:noFill/>
-              </a:ln>
-              <a:solidFill>
-                <a:prstClr val="black"/>
-              </a:solidFill>
-              <a:effectLst/>
-              <a:uLnTx/>
-              <a:uFillTx/>
-              <a:latin typeface="Times New Roman" panose="02020603050405020304" pitchFamily="18" charset="0"/>
-              <a:ea typeface="宋体" panose="02010600030101010101" pitchFamily="2" charset="-122"/>
-              <a:cs typeface="+mn-cs"/>
-            </a:endParaRPr>
           </a:p>
           <a:p>
             <a:pPr marL="0" marR="0" lvl="0" indent="0" algn="l" defTabSz="914400" rtl="0" eaLnBrk="0" fontAlgn="auto" latinLnBrk="0" hangingPunct="0">
@@ -12348,20 +12105,6 @@
               </a:rPr>
               <a:t>       …….</a:t>
             </a:r>
-            <a:endParaRPr kumimoji="1" lang="en-US" altLang="zh-CN" sz="2000" b="1" i="0" u="none" strike="noStrike" kern="1200" cap="none" spc="0" normalizeH="0" baseline="0" noProof="0" dirty="0">
-              <a:ln>
-                <a:noFill/>
-              </a:ln>
-              <a:solidFill>
-                <a:prstClr val="black"/>
-              </a:solidFill>
-              <a:effectLst/>
-              <a:uLnTx/>
-              <a:uFillTx/>
-              <a:latin typeface="Times New Roman" panose="02020603050405020304" pitchFamily="18" charset="0"/>
-              <a:ea typeface="宋体" panose="02010600030101010101" pitchFamily="2" charset="-122"/>
-              <a:cs typeface="+mn-cs"/>
-            </a:endParaRPr>
           </a:p>
           <a:p>
             <a:pPr marL="0" marR="0" lvl="0" indent="0" algn="l" defTabSz="914400" rtl="0" eaLnBrk="0" fontAlgn="auto" latinLnBrk="0" hangingPunct="0">
@@ -12397,20 +12140,6 @@
               </a:rPr>
               <a:t>          f1;</a:t>
             </a:r>
-            <a:endParaRPr kumimoji="1" lang="en-US" altLang="zh-CN" sz="2000" b="1" i="0" u="none" strike="noStrike" kern="1200" cap="none" spc="0" normalizeH="0" baseline="0" noProof="0" dirty="0">
-              <a:ln>
-                <a:noFill/>
-              </a:ln>
-              <a:solidFill>
-                <a:prstClr val="black"/>
-              </a:solidFill>
-              <a:effectLst/>
-              <a:uLnTx/>
-              <a:uFillTx/>
-              <a:latin typeface="Times New Roman" panose="02020603050405020304" pitchFamily="18" charset="0"/>
-              <a:ea typeface="宋体" panose="02010600030101010101" pitchFamily="2" charset="-122"/>
-              <a:cs typeface="+mn-cs"/>
-            </a:endParaRPr>
           </a:p>
           <a:p>
             <a:pPr marL="0" marR="0" lvl="0" indent="0" algn="l" defTabSz="914400" rtl="0" eaLnBrk="0" fontAlgn="auto" latinLnBrk="0" hangingPunct="0">
@@ -12446,20 +12175,6 @@
               </a:rPr>
               <a:t>       …….</a:t>
             </a:r>
-            <a:endParaRPr kumimoji="1" lang="en-US" altLang="zh-CN" sz="2000" b="1" i="0" u="none" strike="noStrike" kern="1200" cap="none" spc="0" normalizeH="0" baseline="0" noProof="0" dirty="0">
-              <a:ln>
-                <a:noFill/>
-              </a:ln>
-              <a:solidFill>
-                <a:prstClr val="black"/>
-              </a:solidFill>
-              <a:effectLst/>
-              <a:uLnTx/>
-              <a:uFillTx/>
-              <a:latin typeface="Times New Roman" panose="02020603050405020304" pitchFamily="18" charset="0"/>
-              <a:ea typeface="宋体" panose="02010600030101010101" pitchFamily="2" charset="-122"/>
-              <a:cs typeface="+mn-cs"/>
-            </a:endParaRPr>
           </a:p>
           <a:p>
             <a:pPr marL="0" marR="0" lvl="0" indent="0" algn="l" defTabSz="914400" rtl="0" eaLnBrk="0" fontAlgn="auto" latinLnBrk="0" hangingPunct="0">
@@ -12495,20 +12210,6 @@
               </a:rPr>
               <a:t>}</a:t>
             </a:r>
-            <a:endParaRPr kumimoji="1" lang="en-US" altLang="zh-CN" sz="2000" b="1" i="0" u="none" strike="noStrike" kern="1200" cap="none" spc="0" normalizeH="0" baseline="0" noProof="0" dirty="0">
-              <a:ln>
-                <a:noFill/>
-              </a:ln>
-              <a:solidFill>
-                <a:prstClr val="black"/>
-              </a:solidFill>
-              <a:effectLst/>
-              <a:uLnTx/>
-              <a:uFillTx/>
-              <a:latin typeface="Times New Roman" panose="02020603050405020304" pitchFamily="18" charset="0"/>
-              <a:ea typeface="宋体" panose="02010600030101010101" pitchFamily="2" charset="-122"/>
-              <a:cs typeface="+mn-cs"/>
-            </a:endParaRPr>
           </a:p>
           <a:p>
             <a:pPr marL="0" marR="0" lvl="0" indent="0" algn="l" defTabSz="914400" rtl="0" eaLnBrk="0" fontAlgn="auto" latinLnBrk="0" hangingPunct="0">
@@ -12544,20 +12245,6 @@
               </a:rPr>
               <a:t>f1( )</a:t>
             </a:r>
-            <a:endParaRPr kumimoji="1" lang="en-US" altLang="zh-CN" sz="2000" b="1" i="0" u="none" strike="noStrike" kern="1200" cap="none" spc="0" normalizeH="0" baseline="0" noProof="0" dirty="0">
-              <a:ln>
-                <a:noFill/>
-              </a:ln>
-              <a:solidFill>
-                <a:prstClr val="black"/>
-              </a:solidFill>
-              <a:effectLst/>
-              <a:uLnTx/>
-              <a:uFillTx/>
-              <a:latin typeface="Times New Roman" panose="02020603050405020304" pitchFamily="18" charset="0"/>
-              <a:ea typeface="宋体" panose="02010600030101010101" pitchFamily="2" charset="-122"/>
-              <a:cs typeface="+mn-cs"/>
-            </a:endParaRPr>
           </a:p>
           <a:p>
             <a:pPr marL="0" marR="0" lvl="0" indent="0" algn="l" defTabSz="914400" rtl="0" eaLnBrk="0" fontAlgn="auto" latinLnBrk="0" hangingPunct="0">
@@ -12627,20 +12314,6 @@
               </a:rPr>
               <a:t> b;</a:t>
             </a:r>
-            <a:endParaRPr kumimoji="1" lang="en-US" altLang="zh-CN" sz="2000" b="1" i="0" u="none" strike="noStrike" kern="1200" cap="none" spc="0" normalizeH="0" baseline="0" noProof="0" dirty="0">
-              <a:ln>
-                <a:noFill/>
-              </a:ln>
-              <a:solidFill>
-                <a:srgbClr val="0070C0"/>
-              </a:solidFill>
-              <a:effectLst/>
-              <a:uLnTx/>
-              <a:uFillTx/>
-              <a:latin typeface="Times New Roman" panose="02020603050405020304" pitchFamily="18" charset="0"/>
-              <a:ea typeface="宋体" panose="02010600030101010101" pitchFamily="2" charset="-122"/>
-              <a:cs typeface="+mn-cs"/>
-            </a:endParaRPr>
           </a:p>
           <a:p>
             <a:pPr marL="0" marR="0" lvl="0" indent="0" algn="l" defTabSz="914400" rtl="0" eaLnBrk="0" fontAlgn="auto" latinLnBrk="0" hangingPunct="0">
@@ -12676,20 +12349,6 @@
               </a:rPr>
               <a:t>      ………</a:t>
             </a:r>
-            <a:endParaRPr kumimoji="1" lang="en-US" altLang="zh-CN" sz="2000" b="1" i="0" u="none" strike="noStrike" kern="1200" cap="none" spc="0" normalizeH="0" baseline="0" noProof="0" dirty="0">
-              <a:ln>
-                <a:noFill/>
-              </a:ln>
-              <a:solidFill>
-                <a:prstClr val="black"/>
-              </a:solidFill>
-              <a:effectLst/>
-              <a:uLnTx/>
-              <a:uFillTx/>
-              <a:latin typeface="Times New Roman" panose="02020603050405020304" pitchFamily="18" charset="0"/>
-              <a:ea typeface="宋体" panose="02010600030101010101" pitchFamily="2" charset="-122"/>
-              <a:cs typeface="+mn-cs"/>
-            </a:endParaRPr>
           </a:p>
           <a:p>
             <a:pPr marL="0" marR="0" lvl="0" indent="0" algn="l" defTabSz="914400" rtl="0" eaLnBrk="0" fontAlgn="auto" latinLnBrk="0" hangingPunct="0">
@@ -12725,20 +12384,6 @@
               </a:rPr>
               <a:t>       f2;</a:t>
             </a:r>
-            <a:endParaRPr kumimoji="1" lang="en-US" altLang="zh-CN" sz="2000" b="1" i="0" u="none" strike="noStrike" kern="1200" cap="none" spc="0" normalizeH="0" baseline="0" noProof="0" dirty="0">
-              <a:ln>
-                <a:noFill/>
-              </a:ln>
-              <a:solidFill>
-                <a:prstClr val="black"/>
-              </a:solidFill>
-              <a:effectLst/>
-              <a:uLnTx/>
-              <a:uFillTx/>
-              <a:latin typeface="Times New Roman" panose="02020603050405020304" pitchFamily="18" charset="0"/>
-              <a:ea typeface="宋体" panose="02010600030101010101" pitchFamily="2" charset="-122"/>
-              <a:cs typeface="+mn-cs"/>
-            </a:endParaRPr>
           </a:p>
           <a:p>
             <a:pPr marL="0" marR="0" lvl="0" indent="0" algn="l" defTabSz="914400" rtl="0" eaLnBrk="0" fontAlgn="auto" latinLnBrk="0" hangingPunct="0">
@@ -12774,20 +12419,6 @@
               </a:rPr>
               <a:t>       ……..</a:t>
             </a:r>
-            <a:endParaRPr kumimoji="1" lang="en-US" altLang="zh-CN" sz="2000" b="1" i="0" u="none" strike="noStrike" kern="1200" cap="none" spc="0" normalizeH="0" baseline="0" noProof="0" dirty="0">
-              <a:ln>
-                <a:noFill/>
-              </a:ln>
-              <a:solidFill>
-                <a:prstClr val="black"/>
-              </a:solidFill>
-              <a:effectLst/>
-              <a:uLnTx/>
-              <a:uFillTx/>
-              <a:latin typeface="Times New Roman" panose="02020603050405020304" pitchFamily="18" charset="0"/>
-              <a:ea typeface="宋体" panose="02010600030101010101" pitchFamily="2" charset="-122"/>
-              <a:cs typeface="+mn-cs"/>
-            </a:endParaRPr>
           </a:p>
           <a:p>
             <a:pPr marL="0" marR="0" lvl="0" indent="0" algn="l" defTabSz="914400" rtl="0" eaLnBrk="0" fontAlgn="auto" latinLnBrk="0" hangingPunct="0">
@@ -12823,20 +12454,6 @@
               </a:rPr>
               <a:t>}</a:t>
             </a:r>
-            <a:endParaRPr kumimoji="1" lang="en-US" altLang="zh-CN" sz="2000" b="1" i="0" u="none" strike="noStrike" kern="1200" cap="none" spc="0" normalizeH="0" baseline="0" noProof="0" dirty="0">
-              <a:ln>
-                <a:noFill/>
-              </a:ln>
-              <a:solidFill>
-                <a:prstClr val="black"/>
-              </a:solidFill>
-              <a:effectLst/>
-              <a:uLnTx/>
-              <a:uFillTx/>
-              <a:latin typeface="Times New Roman" panose="02020603050405020304" pitchFamily="18" charset="0"/>
-              <a:ea typeface="宋体" panose="02010600030101010101" pitchFamily="2" charset="-122"/>
-              <a:cs typeface="+mn-cs"/>
-            </a:endParaRPr>
           </a:p>
           <a:p>
             <a:pPr marL="0" marR="0" lvl="0" indent="0" algn="l" defTabSz="914400" rtl="0" eaLnBrk="0" fontAlgn="auto" latinLnBrk="0" hangingPunct="0">
@@ -12872,20 +12489,6 @@
               </a:rPr>
               <a:t>f2( )</a:t>
             </a:r>
-            <a:endParaRPr kumimoji="1" lang="en-US" altLang="zh-CN" sz="2000" b="1" i="0" u="none" strike="noStrike" kern="1200" cap="none" spc="0" normalizeH="0" baseline="0" noProof="0" dirty="0">
-              <a:ln>
-                <a:noFill/>
-              </a:ln>
-              <a:solidFill>
-                <a:prstClr val="black"/>
-              </a:solidFill>
-              <a:effectLst/>
-              <a:uLnTx/>
-              <a:uFillTx/>
-              <a:latin typeface="Times New Roman" panose="02020603050405020304" pitchFamily="18" charset="0"/>
-              <a:ea typeface="宋体" panose="02010600030101010101" pitchFamily="2" charset="-122"/>
-              <a:cs typeface="+mn-cs"/>
-            </a:endParaRPr>
           </a:p>
           <a:p>
             <a:pPr marL="0" marR="0" lvl="0" indent="0" algn="l" defTabSz="914400" rtl="0" eaLnBrk="0" fontAlgn="auto" latinLnBrk="0" hangingPunct="0">
@@ -12972,20 +12575,6 @@
               </a:rPr>
               <a:t> c;</a:t>
             </a:r>
-            <a:endParaRPr kumimoji="1" lang="en-US" altLang="zh-CN" sz="2000" b="1" i="0" u="none" strike="noStrike" kern="1200" cap="none" spc="0" normalizeH="0" baseline="0" noProof="0" dirty="0">
-              <a:ln>
-                <a:noFill/>
-              </a:ln>
-              <a:solidFill>
-                <a:srgbClr val="660066"/>
-              </a:solidFill>
-              <a:effectLst/>
-              <a:uLnTx/>
-              <a:uFillTx/>
-              <a:latin typeface="Times New Roman" panose="02020603050405020304" pitchFamily="18" charset="0"/>
-              <a:ea typeface="宋体" panose="02010600030101010101" pitchFamily="2" charset="-122"/>
-              <a:cs typeface="+mn-cs"/>
-            </a:endParaRPr>
           </a:p>
           <a:p>
             <a:pPr marL="0" marR="0" lvl="0" indent="0" algn="l" defTabSz="914400" rtl="0" eaLnBrk="0" fontAlgn="auto" latinLnBrk="0" hangingPunct="0">
@@ -13021,20 +12610,6 @@
               </a:rPr>
               <a:t>      ………</a:t>
             </a:r>
-            <a:endParaRPr kumimoji="1" lang="en-US" altLang="zh-CN" sz="2000" b="1" i="0" u="none" strike="noStrike" kern="1200" cap="none" spc="0" normalizeH="0" baseline="0" noProof="0" dirty="0">
-              <a:ln>
-                <a:noFill/>
-              </a:ln>
-              <a:solidFill>
-                <a:prstClr val="black"/>
-              </a:solidFill>
-              <a:effectLst/>
-              <a:uLnTx/>
-              <a:uFillTx/>
-              <a:latin typeface="Times New Roman" panose="02020603050405020304" pitchFamily="18" charset="0"/>
-              <a:ea typeface="宋体" panose="02010600030101010101" pitchFamily="2" charset="-122"/>
-              <a:cs typeface="+mn-cs"/>
-            </a:endParaRPr>
           </a:p>
           <a:p>
             <a:pPr marL="0" marR="0" lvl="0" indent="0" algn="l" defTabSz="914400" rtl="0" eaLnBrk="0" fontAlgn="auto" latinLnBrk="0" hangingPunct="0">
@@ -13070,20 +12645,6 @@
               </a:rPr>
               <a:t>}</a:t>
             </a:r>
-            <a:endParaRPr kumimoji="1" lang="en-US" altLang="zh-CN" sz="2000" b="1" i="0" u="none" strike="noStrike" kern="1200" cap="none" spc="0" normalizeH="0" baseline="0" noProof="0" dirty="0">
-              <a:ln>
-                <a:noFill/>
-              </a:ln>
-              <a:solidFill>
-                <a:prstClr val="black"/>
-              </a:solidFill>
-              <a:effectLst/>
-              <a:uLnTx/>
-              <a:uFillTx/>
-              <a:latin typeface="Times New Roman" panose="02020603050405020304" pitchFamily="18" charset="0"/>
-              <a:ea typeface="宋体" panose="02010600030101010101" pitchFamily="2" charset="-122"/>
-              <a:cs typeface="+mn-cs"/>
-            </a:endParaRPr>
           </a:p>
         </p:txBody>
       </p:sp>
@@ -13582,20 +13143,6 @@
                   </a:rPr>
                   <a:t>c</a:t>
                 </a:r>
-                <a:endParaRPr kumimoji="1" lang="zh-CN" altLang="en-US" sz="2000" b="1" i="0" u="none" strike="noStrike" kern="1200" cap="none" spc="0" normalizeH="0" baseline="0" noProof="0" dirty="0">
-                  <a:ln>
-                    <a:noFill/>
-                  </a:ln>
-                  <a:solidFill>
-                    <a:srgbClr val="660066"/>
-                  </a:solidFill>
-                  <a:effectLst/>
-                  <a:uLnTx/>
-                  <a:uFillTx/>
-                  <a:latin typeface="Times New Roman" panose="02020603050405020304" pitchFamily="18" charset="0"/>
-                  <a:ea typeface="宋体" panose="02010600030101010101" pitchFamily="2" charset="-122"/>
-                  <a:cs typeface="+mn-cs"/>
-                </a:endParaRPr>
               </a:p>
             </p:txBody>
           </p:sp>
@@ -14808,20 +14355,6 @@
                 </a:rPr>
                 <a:t>main</a:t>
               </a:r>
-              <a:endParaRPr kumimoji="1" lang="en-US" altLang="zh-CN" sz="1600" b="1" i="0" u="none" strike="noStrike" kern="1200" cap="none" spc="0" normalizeH="0" baseline="0" noProof="0">
-                <a:ln>
-                  <a:noFill/>
-                </a:ln>
-                <a:solidFill>
-                  <a:prstClr val="black"/>
-                </a:solidFill>
-                <a:effectLst/>
-                <a:uLnTx/>
-                <a:uFillTx/>
-                <a:latin typeface="Times New Roman" panose="02020603050405020304" pitchFamily="18" charset="0"/>
-                <a:ea typeface="宋体" panose="02010600030101010101" pitchFamily="2" charset="-122"/>
-                <a:cs typeface="+mn-cs"/>
-              </a:endParaRPr>
             </a:p>
           </p:txBody>
         </p:sp>
@@ -15118,20 +14651,6 @@
                 </a:rPr>
                 <a:t>f2</a:t>
               </a:r>
-              <a:endParaRPr kumimoji="1" lang="en-US" altLang="zh-CN" sz="1600" b="1" i="0" u="none" strike="noStrike" kern="1200" cap="none" spc="0" normalizeH="0" baseline="0" noProof="0">
-                <a:ln>
-                  <a:noFill/>
-                </a:ln>
-                <a:solidFill>
-                  <a:prstClr val="black"/>
-                </a:solidFill>
-                <a:effectLst/>
-                <a:uLnTx/>
-                <a:uFillTx/>
-                <a:latin typeface="Times New Roman" panose="02020603050405020304" pitchFamily="18" charset="0"/>
-                <a:ea typeface="宋体" panose="02010600030101010101" pitchFamily="2" charset="-122"/>
-                <a:cs typeface="+mn-cs"/>
-              </a:endParaRPr>
             </a:p>
           </p:txBody>
         </p:sp>
@@ -15349,20 +14868,6 @@
                 </a:rPr>
                 <a:t>f1</a:t>
               </a:r>
-              <a:endParaRPr kumimoji="1" lang="en-US" altLang="zh-CN" sz="1600" b="1" i="0" u="none" strike="noStrike" kern="1200" cap="none" spc="0" normalizeH="0" baseline="0" noProof="0">
-                <a:ln>
-                  <a:noFill/>
-                </a:ln>
-                <a:solidFill>
-                  <a:prstClr val="black"/>
-                </a:solidFill>
-                <a:effectLst/>
-                <a:uLnTx/>
-                <a:uFillTx/>
-                <a:latin typeface="Times New Roman" panose="02020603050405020304" pitchFamily="18" charset="0"/>
-                <a:ea typeface="宋体" panose="02010600030101010101" pitchFamily="2" charset="-122"/>
-                <a:cs typeface="+mn-cs"/>
-              </a:endParaRPr>
             </a:p>
           </p:txBody>
         </p:sp>
@@ -15580,20 +15085,6 @@
                 </a:rPr>
                 <a:t>main</a:t>
               </a:r>
-              <a:endParaRPr kumimoji="1" lang="en-US" altLang="zh-CN" sz="1600" b="1" i="0" u="none" strike="noStrike" kern="1200" cap="none" spc="0" normalizeH="0" baseline="0" noProof="0">
-                <a:ln>
-                  <a:noFill/>
-                </a:ln>
-                <a:solidFill>
-                  <a:prstClr val="black"/>
-                </a:solidFill>
-                <a:effectLst/>
-                <a:uLnTx/>
-                <a:uFillTx/>
-                <a:latin typeface="Times New Roman" panose="02020603050405020304" pitchFamily="18" charset="0"/>
-                <a:ea typeface="宋体" panose="02010600030101010101" pitchFamily="2" charset="-122"/>
-                <a:cs typeface="+mn-cs"/>
-              </a:endParaRPr>
             </a:p>
           </p:txBody>
         </p:sp>
@@ -15811,20 +15302,6 @@
                 </a:rPr>
                 <a:t>f1</a:t>
               </a:r>
-              <a:endParaRPr kumimoji="1" lang="en-US" altLang="zh-CN" sz="1600" b="1" i="0" u="none" strike="noStrike" kern="1200" cap="none" spc="0" normalizeH="0" baseline="0" noProof="0">
-                <a:ln>
-                  <a:noFill/>
-                </a:ln>
-                <a:solidFill>
-                  <a:prstClr val="black"/>
-                </a:solidFill>
-                <a:effectLst/>
-                <a:uLnTx/>
-                <a:uFillTx/>
-                <a:latin typeface="Times New Roman" panose="02020603050405020304" pitchFamily="18" charset="0"/>
-                <a:ea typeface="宋体" panose="02010600030101010101" pitchFamily="2" charset="-122"/>
-                <a:cs typeface="+mn-cs"/>
-              </a:endParaRPr>
             </a:p>
           </p:txBody>
         </p:sp>
@@ -16042,20 +15519,6 @@
                 </a:rPr>
                 <a:t>f2</a:t>
               </a:r>
-              <a:endParaRPr kumimoji="1" lang="en-US" altLang="zh-CN" sz="1600" b="1" i="0" u="none" strike="noStrike" kern="1200" cap="none" spc="0" normalizeH="0" baseline="0" noProof="0">
-                <a:ln>
-                  <a:noFill/>
-                </a:ln>
-                <a:solidFill>
-                  <a:prstClr val="black"/>
-                </a:solidFill>
-                <a:effectLst/>
-                <a:uLnTx/>
-                <a:uFillTx/>
-                <a:latin typeface="Times New Roman" panose="02020603050405020304" pitchFamily="18" charset="0"/>
-                <a:ea typeface="宋体" panose="02010600030101010101" pitchFamily="2" charset="-122"/>
-                <a:cs typeface="+mn-cs"/>
-              </a:endParaRPr>
             </a:p>
           </p:txBody>
         </p:sp>
@@ -16273,20 +15736,6 @@
                 </a:rPr>
                 <a:t>main</a:t>
               </a:r>
-              <a:endParaRPr kumimoji="1" lang="en-US" altLang="zh-CN" sz="1600" b="1" i="0" u="none" strike="noStrike" kern="1200" cap="none" spc="0" normalizeH="0" baseline="0" noProof="0">
-                <a:ln>
-                  <a:noFill/>
-                </a:ln>
-                <a:solidFill>
-                  <a:prstClr val="black"/>
-                </a:solidFill>
-                <a:effectLst/>
-                <a:uLnTx/>
-                <a:uFillTx/>
-                <a:latin typeface="Times New Roman" panose="02020603050405020304" pitchFamily="18" charset="0"/>
-                <a:ea typeface="宋体" panose="02010600030101010101" pitchFamily="2" charset="-122"/>
-                <a:cs typeface="+mn-cs"/>
-              </a:endParaRPr>
             </a:p>
           </p:txBody>
         </p:sp>
@@ -19147,12 +18596,12 @@
           <a:graphicData uri="http://schemas.openxmlformats.org/presentationml/2006/ole">
             <mc:AlternateContent xmlns:mc="http://schemas.openxmlformats.org/markup-compatibility/2006">
               <mc:Choice xmlns:v="urn:schemas-microsoft-com:vml" Requires="v">
-                <p:oleObj spid="_x0000_s32783" name="Image" r:id="rId1" imgW="4800600" imgH="5276850" progId="Photoshop.Image.13">
+                <p:oleObj spid="_x0000_s32784" name="Image" r:id="rId3" imgW="4800600" imgH="5276850" progId="Photoshop.Image.13">
                   <p:embed/>
                 </p:oleObj>
               </mc:Choice>
               <mc:Fallback>
-                <p:oleObj name="Image" r:id="rId1" imgW="4800600" imgH="5276850" progId="Photoshop.Image.13">
+                <p:oleObj name="Image" r:id="rId3" imgW="4800600" imgH="5276850" progId="Photoshop.Image.13">
                   <p:embed/>
                   <p:pic>
                     <p:nvPicPr>
@@ -19161,7 +18610,7 @@
                       <p:nvPr/>
                     </p:nvPicPr>
                     <p:blipFill>
-                      <a:blip r:embed="rId2"/>
+                      <a:blip r:embed="rId4"/>
                       <a:stretch>
                         <a:fillRect/>
                       </a:stretch>
@@ -20005,7 +19454,7 @@
 </file>
 
 <file path=ppt/tags/tag1.xml><?xml version="1.0" encoding="utf-8"?>
-<p:tagLst xmlns:p="http://schemas.openxmlformats.org/presentationml/2006/main">
+<p:tagLst xmlns:a="http://schemas.openxmlformats.org/drawingml/2006/main" xmlns:r="http://schemas.openxmlformats.org/officeDocument/2006/relationships" xmlns:p="http://schemas.openxmlformats.org/presentationml/2006/main">
   <p:tag name="KSO_WM_UNIT_PLACING_PICTURE_USER_VIEWPORT" val="{&quot;height&quot;:2025,&quot;width&quot;:8460}"/>
 </p:tagLst>
 </file>
@@ -20261,6 +19710,8 @@
       </a:bgFillStyleLst>
     </a:fmtScheme>
   </a:themeElements>
+  <a:objectDefaults/>
+  <a:extraClrSchemeLst/>
   <a:extLst>
     <a:ext uri="{05A4C25C-085E-4340-85A3-A5531E510DB2}">
       <thm15:themeFamily xmlns:thm15="http://schemas.microsoft.com/office/thememl/2012/main" name="Office Theme" id="{62F939B6-93AF-4DB8-9C6B-D6C7DFDC589F}" vid="{4A3C46E8-61CC-4603-A589-7422A47A8E4A}"/>
@@ -20520,6 +19971,8 @@
       </a:bgFillStyleLst>
     </a:fmtScheme>
   </a:themeElements>
+  <a:objectDefaults/>
+  <a:extraClrSchemeLst/>
   <a:extLst>
     <a:ext uri="{05A4C25C-085E-4340-85A3-A5531E510DB2}">
       <thm15:themeFamily xmlns:thm15="http://schemas.microsoft.com/office/thememl/2012/main" name="Office Theme" id="{62F939B6-93AF-4DB8-9C6B-D6C7DFDC589F}" vid="{4A3C46E8-61CC-4603-A589-7422A47A8E4A}"/>

--- a/week06/Lab06.pptx
+++ b/week06/Lab06.pptx
@@ -240,7 +240,7 @@
           <a:p>
             <a:fld id="{D1237EF7-A117-46B7-88A8-1B7FB98FF0F2}" type="datetimeFigureOut">
               <a:rPr lang="zh-CN" altLang="en-US" smtClean="0"/>
-              <a:t>2022/10/25</a:t>
+              <a:t>2022/10/28</a:t>
             </a:fld>
             <a:endParaRPr lang="zh-CN" altLang="en-US"/>
           </a:p>
@@ -1985,7 +1985,7 @@
           <a:p>
             <a:fld id="{FC19A4FA-3D9A-4114-B0D5-759CBD56F1AB}" type="datetimeFigureOut">
               <a:rPr lang="zh-CN" altLang="en-US" smtClean="0"/>
-              <a:t>2022/10/25</a:t>
+              <a:t>2022/10/28</a:t>
             </a:fld>
             <a:endParaRPr lang="zh-CN" altLang="en-US"/>
           </a:p>
@@ -2179,7 +2179,7 @@
           <a:p>
             <a:fld id="{FC19A4FA-3D9A-4114-B0D5-759CBD56F1AB}" type="datetimeFigureOut">
               <a:rPr lang="zh-CN" altLang="en-US" smtClean="0"/>
-              <a:t>2022/10/25</a:t>
+              <a:t>2022/10/28</a:t>
             </a:fld>
             <a:endParaRPr lang="zh-CN" altLang="en-US"/>
           </a:p>
@@ -2352,7 +2352,7 @@
           <a:p>
             <a:fld id="{FC19A4FA-3D9A-4114-B0D5-759CBD56F1AB}" type="datetimeFigureOut">
               <a:rPr lang="zh-CN" altLang="en-US" smtClean="0"/>
-              <a:t>2022/10/25</a:t>
+              <a:t>2022/10/28</a:t>
             </a:fld>
             <a:endParaRPr lang="zh-CN" altLang="en-US"/>
           </a:p>
@@ -2536,7 +2536,7 @@
           <a:p>
             <a:fld id="{FC19A4FA-3D9A-4114-B0D5-759CBD56F1AB}" type="datetimeFigureOut">
               <a:rPr lang="zh-CN" altLang="en-US" smtClean="0"/>
-              <a:t>2022/10/25</a:t>
+              <a:t>2022/10/28</a:t>
             </a:fld>
             <a:endParaRPr lang="zh-CN" altLang="en-US"/>
           </a:p>
@@ -2793,7 +2793,7 @@
           <a:p>
             <a:fld id="{FC19A4FA-3D9A-4114-B0D5-759CBD56F1AB}" type="datetimeFigureOut">
               <a:rPr lang="zh-CN" altLang="en-US" smtClean="0"/>
-              <a:t>2022/10/25</a:t>
+              <a:t>2022/10/28</a:t>
             </a:fld>
             <a:endParaRPr lang="zh-CN" altLang="en-US"/>
           </a:p>
@@ -3180,7 +3180,7 @@
           <a:p>
             <a:fld id="{FC19A4FA-3D9A-4114-B0D5-759CBD56F1AB}" type="datetimeFigureOut">
               <a:rPr lang="zh-CN" altLang="en-US" smtClean="0"/>
-              <a:t>2022/10/25</a:t>
+              <a:t>2022/10/28</a:t>
             </a:fld>
             <a:endParaRPr lang="zh-CN" altLang="en-US"/>
           </a:p>
@@ -3448,7 +3448,7 @@
           <a:p>
             <a:fld id="{FC19A4FA-3D9A-4114-B0D5-759CBD56F1AB}" type="datetimeFigureOut">
               <a:rPr lang="zh-CN" altLang="en-US" smtClean="0"/>
-              <a:t>2022/10/25</a:t>
+              <a:t>2022/10/28</a:t>
             </a:fld>
             <a:endParaRPr lang="zh-CN" altLang="en-US"/>
           </a:p>
@@ -3588,7 +3588,7 @@
           <a:p>
             <a:fld id="{FC19A4FA-3D9A-4114-B0D5-759CBD56F1AB}" type="datetimeFigureOut">
               <a:rPr lang="zh-CN" altLang="en-US" smtClean="0"/>
-              <a:t>2022/10/25</a:t>
+              <a:t>2022/10/28</a:t>
             </a:fld>
             <a:endParaRPr lang="zh-CN" altLang="en-US"/>
           </a:p>
@@ -3678,7 +3678,7 @@
           <a:p>
             <a:fld id="{FC19A4FA-3D9A-4114-B0D5-759CBD56F1AB}" type="datetimeFigureOut">
               <a:rPr lang="zh-CN" altLang="en-US" smtClean="0"/>
-              <a:t>2022/10/25</a:t>
+              <a:t>2022/10/28</a:t>
             </a:fld>
             <a:endParaRPr lang="zh-CN" altLang="en-US"/>
           </a:p>
@@ -3948,7 +3948,7 @@
           <a:p>
             <a:fld id="{FC19A4FA-3D9A-4114-B0D5-759CBD56F1AB}" type="datetimeFigureOut">
               <a:rPr lang="zh-CN" altLang="en-US" smtClean="0"/>
-              <a:t>2022/10/25</a:t>
+              <a:t>2022/10/28</a:t>
             </a:fld>
             <a:endParaRPr lang="zh-CN" altLang="en-US"/>
           </a:p>
@@ -4195,7 +4195,7 @@
           <a:p>
             <a:fld id="{FC19A4FA-3D9A-4114-B0D5-759CBD56F1AB}" type="datetimeFigureOut">
               <a:rPr lang="zh-CN" altLang="en-US" smtClean="0"/>
-              <a:t>2022/10/25</a:t>
+              <a:t>2022/10/28</a:t>
             </a:fld>
             <a:endParaRPr lang="zh-CN" altLang="en-US"/>
           </a:p>
@@ -4401,7 +4401,7 @@
           <a:p>
             <a:fld id="{FC19A4FA-3D9A-4114-B0D5-759CBD56F1AB}" type="datetimeFigureOut">
               <a:rPr lang="zh-CN" altLang="en-US" smtClean="0"/>
-              <a:t>2022/10/25</a:t>
+              <a:t>2022/10/28</a:t>
             </a:fld>
             <a:endParaRPr lang="zh-CN" altLang="en-US"/>
           </a:p>
@@ -4937,7 +4937,14 @@
                 <a:latin typeface="Franklin Gothic Medium" panose="020B0603020102020204" pitchFamily="34" charset="0"/>
                 <a:sym typeface="+mn-ea"/>
               </a:rPr>
-              <a:t>廖琪梅，王大兴</a:t>
+              <a:t>廖琪梅，</a:t>
+            </a:r>
+            <a:r>
+              <a:rPr lang="zh-CN" altLang="en-US">
+                <a:latin typeface="Franklin Gothic Medium" panose="020B0603020102020204" pitchFamily="34" charset="0"/>
+                <a:sym typeface="+mn-ea"/>
+              </a:rPr>
+              <a:t>王大兴 </a:t>
             </a:r>
             <a:endParaRPr lang="en-US" altLang="zh-CN" dirty="0">
               <a:latin typeface="Franklin Gothic Medium" panose="020B0603020102020204" pitchFamily="34" charset="0"/>
@@ -15346,10 +15353,10 @@
       </p:grpSpPr>
       <p:grpSp>
         <p:nvGrpSpPr>
-          <p:cNvPr id="30" name="组合 29">
+          <p:cNvPr id="14" name="组合 13">
             <a:extLst>
               <a:ext uri="{FF2B5EF4-FFF2-40B4-BE49-F238E27FC236}">
-                <a16:creationId xmlns:a16="http://schemas.microsoft.com/office/drawing/2014/main" id="{C7C9A76C-E9DF-4D4D-AAB8-E3EC4EE61F18}"/>
+                <a16:creationId xmlns:a16="http://schemas.microsoft.com/office/drawing/2014/main" id="{790F5E9A-5462-03A8-314A-34233681E7A0}"/>
               </a:ext>
             </a:extLst>
           </p:cNvPr>
@@ -15358,18 +15365,18 @@
         </p:nvGrpSpPr>
         <p:grpSpPr>
           <a:xfrm>
-            <a:off x="214339" y="132279"/>
-            <a:ext cx="6522834" cy="6564311"/>
-            <a:chOff x="152405" y="126334"/>
-            <a:chExt cx="7187197" cy="7232898"/>
+            <a:off x="253524" y="170618"/>
+            <a:ext cx="6253163" cy="6403484"/>
+            <a:chOff x="2891949" y="37268"/>
+            <a:chExt cx="6253163" cy="6403484"/>
           </a:xfrm>
         </p:grpSpPr>
         <p:pic>
           <p:nvPicPr>
-            <p:cNvPr id="13" name="图片 12">
+            <p:cNvPr id="5" name="图片 4">
               <a:extLst>
                 <a:ext uri="{FF2B5EF4-FFF2-40B4-BE49-F238E27FC236}">
-                  <a16:creationId xmlns:a16="http://schemas.microsoft.com/office/drawing/2014/main" id="{73B7F783-EC0E-4481-8452-71FA8FE982F1}"/>
+                  <a16:creationId xmlns:a16="http://schemas.microsoft.com/office/drawing/2014/main" id="{BC822558-A72E-E9EF-3AA4-872D2460572F}"/>
                 </a:ext>
               </a:extLst>
             </p:cNvPr>
@@ -15386,8 +15393,8 @@
           </p:blipFill>
           <p:spPr>
             <a:xfrm>
-              <a:off x="152405" y="126334"/>
-              <a:ext cx="7176438" cy="3806690"/>
+              <a:off x="2897878" y="37268"/>
+              <a:ext cx="6243093" cy="3356658"/>
             </a:xfrm>
             <a:prstGeom prst="rect">
               <a:avLst/>
@@ -15396,10 +15403,10 @@
         </p:pic>
         <p:pic>
           <p:nvPicPr>
-            <p:cNvPr id="15" name="图片 14">
+            <p:cNvPr id="12" name="图片 11">
               <a:extLst>
                 <a:ext uri="{FF2B5EF4-FFF2-40B4-BE49-F238E27FC236}">
-                  <a16:creationId xmlns:a16="http://schemas.microsoft.com/office/drawing/2014/main" id="{7D24CA94-3DA1-4AAA-9273-A8EE6F6D0EBC}"/>
+                  <a16:creationId xmlns:a16="http://schemas.microsoft.com/office/drawing/2014/main" id="{D30C0DD5-691E-E3BA-DE28-E60915CD94CB}"/>
                 </a:ext>
               </a:extLst>
             </p:cNvPr>
@@ -15416,8 +15423,8 @@
           </p:blipFill>
           <p:spPr>
             <a:xfrm>
-              <a:off x="155124" y="3919431"/>
-              <a:ext cx="7184478" cy="3439801"/>
+              <a:off x="2891949" y="3383327"/>
+              <a:ext cx="6253163" cy="3057425"/>
             </a:xfrm>
             <a:prstGeom prst="rect">
               <a:avLst/>
@@ -15427,10 +15434,10 @@
       </p:grpSp>
       <p:pic>
         <p:nvPicPr>
-          <p:cNvPr id="11" name="图片 10">
+          <p:cNvPr id="43" name="图片 42">
             <a:extLst>
               <a:ext uri="{FF2B5EF4-FFF2-40B4-BE49-F238E27FC236}">
-                <a16:creationId xmlns:a16="http://schemas.microsoft.com/office/drawing/2014/main" id="{AE0E87F4-ED3E-4461-B795-569B541CD0B4}"/>
+                <a16:creationId xmlns:a16="http://schemas.microsoft.com/office/drawing/2014/main" id="{37661B45-B2F0-55CB-3023-E00AB09CA156}"/>
               </a:ext>
             </a:extLst>
           </p:cNvPr>
@@ -15447,8 +15454,8 @@
         </p:blipFill>
         <p:spPr>
           <a:xfrm>
-            <a:off x="5377131" y="4558014"/>
-            <a:ext cx="6784468" cy="1942521"/>
+            <a:off x="5560919" y="4475762"/>
+            <a:ext cx="6464986" cy="2095465"/>
           </a:xfrm>
           <a:prstGeom prst="rect">
             <a:avLst/>
@@ -15587,10 +15594,10 @@
         </p:nvGrpSpPr>
         <p:grpSpPr>
           <a:xfrm>
-            <a:off x="809963" y="4371794"/>
-            <a:ext cx="8798500" cy="401724"/>
+            <a:off x="781388" y="4276545"/>
+            <a:ext cx="8798500" cy="411249"/>
             <a:chOff x="784328" y="4725606"/>
-            <a:chExt cx="9694644" cy="442640"/>
+            <a:chExt cx="9694644" cy="453135"/>
           </a:xfrm>
         </p:grpSpPr>
         <p:sp>
@@ -15601,7 +15608,7 @@
           </p:nvSpPr>
           <p:spPr>
             <a:xfrm>
-              <a:off x="8822788" y="4910922"/>
+              <a:off x="8822788" y="4921417"/>
               <a:ext cx="1656184" cy="257324"/>
             </a:xfrm>
             <a:prstGeom prst="rect">
@@ -15752,10 +15759,10 @@
         </p:nvGrpSpPr>
         <p:grpSpPr>
           <a:xfrm>
-            <a:off x="815319" y="4670684"/>
-            <a:ext cx="10852060" cy="678046"/>
+            <a:off x="786744" y="4594488"/>
+            <a:ext cx="10852060" cy="716146"/>
             <a:chOff x="416074" y="5434434"/>
-            <a:chExt cx="11957362" cy="747106"/>
+            <a:chExt cx="11957362" cy="789086"/>
           </a:xfrm>
         </p:grpSpPr>
         <p:sp>
@@ -15841,7 +15848,7 @@
           </p:nvSpPr>
           <p:spPr>
             <a:xfrm>
-              <a:off x="6786750" y="5924216"/>
+              <a:off x="6902196" y="5966196"/>
               <a:ext cx="2025656" cy="257324"/>
             </a:xfrm>
             <a:prstGeom prst="rect">
@@ -15992,10 +15999,10 @@
         </p:nvGrpSpPr>
         <p:grpSpPr>
           <a:xfrm>
-            <a:off x="833360" y="5167201"/>
-            <a:ext cx="11108241" cy="745167"/>
-            <a:chOff x="465152" y="5837298"/>
-            <a:chExt cx="12239636" cy="821064"/>
+            <a:off x="833360" y="5091011"/>
+            <a:ext cx="11108241" cy="840417"/>
+            <a:chOff x="465152" y="5753338"/>
+            <a:chExt cx="12239636" cy="926014"/>
           </a:xfrm>
         </p:grpSpPr>
         <p:sp>
@@ -16081,7 +16088,7 @@
           </p:nvSpPr>
           <p:spPr>
             <a:xfrm>
-              <a:off x="6735200" y="6401038"/>
+              <a:off x="6882132" y="6422028"/>
               <a:ext cx="2120890" cy="257324"/>
             </a:xfrm>
             <a:prstGeom prst="rect">
@@ -16156,7 +16163,7 @@
           </p:nvSpPr>
           <p:spPr>
             <a:xfrm>
-              <a:off x="465152" y="5837298"/>
+              <a:off x="465152" y="5753338"/>
               <a:ext cx="1256794" cy="257324"/>
             </a:xfrm>
             <a:prstGeom prst="rect">
@@ -16232,10 +16239,10 @@
         </p:nvGrpSpPr>
         <p:grpSpPr>
           <a:xfrm>
-            <a:off x="861870" y="5650962"/>
-            <a:ext cx="11177367" cy="848249"/>
-            <a:chOff x="481481" y="6425779"/>
-            <a:chExt cx="12315803" cy="934645"/>
+            <a:off x="833295" y="5546202"/>
+            <a:ext cx="11205942" cy="991124"/>
+            <a:chOff x="449996" y="6310334"/>
+            <a:chExt cx="12347288" cy="1092070"/>
           </a:xfrm>
         </p:grpSpPr>
         <p:sp>
@@ -16246,7 +16253,7 @@
           </p:nvSpPr>
           <p:spPr>
             <a:xfrm>
-              <a:off x="11213108" y="6868585"/>
+              <a:off x="11213108" y="6900071"/>
               <a:ext cx="1584176" cy="257324"/>
             </a:xfrm>
             <a:prstGeom prst="rect">
@@ -16321,7 +16328,7 @@
           </p:nvSpPr>
           <p:spPr>
             <a:xfrm>
-              <a:off x="6867077" y="7088721"/>
+              <a:off x="6909057" y="7130701"/>
               <a:ext cx="2261961" cy="271703"/>
             </a:xfrm>
             <a:prstGeom prst="rect">
@@ -16396,7 +16403,7 @@
           </p:nvSpPr>
           <p:spPr>
             <a:xfrm>
-              <a:off x="481481" y="6425779"/>
+              <a:off x="449996" y="6310334"/>
               <a:ext cx="1240465" cy="271703"/>
             </a:xfrm>
             <a:prstGeom prst="rect">
@@ -16478,7 +16485,7 @@
         </p:nvGrpSpPr>
         <p:grpSpPr>
           <a:xfrm>
-            <a:off x="606449" y="488169"/>
+            <a:off x="568349" y="488169"/>
             <a:ext cx="3119921" cy="495036"/>
             <a:chOff x="9426" y="4180012"/>
             <a:chExt cx="3437691" cy="545456"/>
@@ -16704,7 +16711,7 @@
         </p:nvGrpSpPr>
         <p:grpSpPr>
           <a:xfrm>
-            <a:off x="652273" y="1468446"/>
+            <a:off x="604648" y="1468446"/>
             <a:ext cx="3306190" cy="475779"/>
             <a:chOff x="9425" y="4180012"/>
             <a:chExt cx="3642932" cy="524238"/>
@@ -16930,7 +16937,7 @@
         </p:nvGrpSpPr>
         <p:grpSpPr>
           <a:xfrm>
-            <a:off x="649922" y="2448723"/>
+            <a:off x="611822" y="2401098"/>
             <a:ext cx="3516503" cy="495038"/>
             <a:chOff x="9425" y="4180012"/>
             <a:chExt cx="3874666" cy="545458"/>
@@ -17156,10 +17163,10 @@
         </p:nvGrpSpPr>
         <p:grpSpPr>
           <a:xfrm>
-            <a:off x="9608467" y="4574598"/>
-            <a:ext cx="876724" cy="357497"/>
-            <a:chOff x="10478976" y="5040526"/>
-            <a:chExt cx="966020" cy="393908"/>
+            <a:off x="9579895" y="4479350"/>
+            <a:ext cx="905299" cy="367024"/>
+            <a:chOff x="10447491" y="4935575"/>
+            <a:chExt cx="997505" cy="404405"/>
           </a:xfrm>
         </p:grpSpPr>
         <p:cxnSp>
@@ -17178,8 +17185,8 @@
           </p:nvCxnSpPr>
           <p:spPr>
             <a:xfrm>
-              <a:off x="10478976" y="5131048"/>
-              <a:ext cx="936104" cy="303386"/>
+              <a:off x="10447491" y="5036594"/>
+              <a:ext cx="936103" cy="303386"/>
             </a:xfrm>
             <a:prstGeom prst="line">
               <a:avLst/>
@@ -17215,8 +17222,8 @@
           </p:nvSpPr>
           <p:spPr>
             <a:xfrm rot="1381434">
-              <a:off x="10612446" y="5040526"/>
-              <a:ext cx="832550" cy="317222"/>
+              <a:off x="10612446" y="4935575"/>
+              <a:ext cx="832550" cy="317221"/>
             </a:xfrm>
             <a:prstGeom prst="rect">
               <a:avLst/>
@@ -17295,10 +17302,10 @@
         </p:nvGrpSpPr>
         <p:grpSpPr>
           <a:xfrm>
-            <a:off x="9140971" y="4807889"/>
-            <a:ext cx="1294277" cy="777720"/>
-            <a:chOff x="9963870" y="5297582"/>
-            <a:chExt cx="1426102" cy="856932"/>
+            <a:off x="9086078" y="4704816"/>
+            <a:ext cx="1349169" cy="880794"/>
+            <a:chOff x="9903387" y="5184010"/>
+            <a:chExt cx="1486585" cy="970504"/>
           </a:xfrm>
         </p:grpSpPr>
         <p:cxnSp>
@@ -17317,8 +17324,8 @@
           </p:nvCxnSpPr>
           <p:spPr>
             <a:xfrm>
-              <a:off x="9963870" y="5297582"/>
-              <a:ext cx="1325412" cy="856932"/>
+              <a:off x="9903387" y="5184010"/>
+              <a:ext cx="1385895" cy="970504"/>
             </a:xfrm>
             <a:prstGeom prst="line">
               <a:avLst/>
@@ -17434,10 +17441,10 @@
         </p:nvGrpSpPr>
         <p:grpSpPr>
           <a:xfrm>
-            <a:off x="8461480" y="4773518"/>
-            <a:ext cx="2225680" cy="1258300"/>
-            <a:chOff x="9215170" y="5259710"/>
-            <a:chExt cx="2452370" cy="1386460"/>
+            <a:off x="8277224" y="4670916"/>
+            <a:ext cx="2409935" cy="1360903"/>
+            <a:chOff x="9012148" y="5146657"/>
+            <a:chExt cx="2655392" cy="1499513"/>
           </a:xfrm>
         </p:grpSpPr>
         <p:cxnSp>
@@ -17456,8 +17463,8 @@
           </p:nvCxnSpPr>
           <p:spPr>
             <a:xfrm>
-              <a:off x="9215170" y="5259710"/>
-              <a:ext cx="2452370" cy="1386460"/>
+              <a:off x="9012148" y="5146657"/>
+              <a:ext cx="2655392" cy="1499513"/>
             </a:xfrm>
             <a:prstGeom prst="line">
               <a:avLst/>
@@ -17497,7 +17504,7 @@
           </p:nvSpPr>
           <p:spPr>
             <a:xfrm rot="1852564">
-              <a:off x="9947740" y="5931511"/>
+              <a:off x="9790313" y="5774084"/>
               <a:ext cx="878190" cy="317222"/>
             </a:xfrm>
             <a:prstGeom prst="rect">
@@ -17787,7 +17794,7 @@
                                           </p:stCondLst>
                                         </p:cTn>
                                         <p:tgtEl>
-                                          <p:spTgt spid="11"/>
+                                          <p:spTgt spid="43"/>
                                         </p:tgtEl>
                                         <p:attrNameLst>
                                           <p:attrName>style.visibility</p:attrName>

--- a/week06/Lab06.pptx
+++ b/week06/Lab06.pptx
@@ -5,7 +5,7 @@
     <p:sldMasterId id="2147483648" r:id="rId1"/>
   </p:sldMasterIdLst>
   <p:notesMasterIdLst>
-    <p:notesMasterId r:id="rId28"/>
+    <p:notesMasterId r:id="rId31"/>
   </p:notesMasterIdLst>
   <p:sldIdLst>
     <p:sldId id="256" r:id="rId3"/>
@@ -30,9 +30,12 @@
     <p:sldId id="1121" r:id="rId22"/>
     <p:sldId id="1122" r:id="rId23"/>
     <p:sldId id="1123" r:id="rId24"/>
-    <p:sldId id="1030" r:id="rId25"/>
-    <p:sldId id="1029" r:id="rId26"/>
-    <p:sldId id="1119" r:id="rId27"/>
+    <p:sldId id="1125" r:id="rId25"/>
+    <p:sldId id="1126" r:id="rId26"/>
+    <p:sldId id="1127" r:id="rId27"/>
+    <p:sldId id="1030" r:id="rId28"/>
+    <p:sldId id="1029" r:id="rId29"/>
+    <p:sldId id="1119" r:id="rId30"/>
   </p:sldIdLst>
   <p:sldSz cx="12192000" cy="6858000"/>
   <p:notesSz cx="6858000" cy="9144000"/>
@@ -166,6 +169,9 @@
             <p14:sldId id="1121"/>
             <p14:sldId id="1122"/>
             <p14:sldId id="1123"/>
+            <p14:sldId id="1125"/>
+            <p14:sldId id="1126"/>
+            <p14:sldId id="1127"/>
             <p14:sldId id="1030"/>
             <p14:sldId id="1029"/>
             <p14:sldId id="1119"/>
@@ -18321,12 +18327,6 @@
               <a:rPr lang="en-US" altLang="zh-CN" dirty="0">
                 <a:sym typeface="+mn-ea"/>
               </a:rPr>
-              <a:t>Static library in </a:t>
-            </a:r>
-            <a:r>
-              <a:rPr lang="en-US" altLang="zh-CN" dirty="0">
-                <a:sym typeface="+mn-ea"/>
-              </a:rPr>
               <a:t>makefile</a:t>
             </a:r>
             <a:endParaRPr lang="en-US" altLang="zh-CN" dirty="0">
@@ -18342,7 +18342,7 @@
               <a:rPr lang="en-US" altLang="zh-CN" dirty="0">
                 <a:sym typeface="+mn-ea"/>
               </a:rPr>
-              <a:t>Creating and linking a static library by CMake</a:t>
+              <a:t>CMake</a:t>
             </a:r>
             <a:endParaRPr lang="en-US" altLang="zh-CN" dirty="0">
               <a:sym typeface="+mn-ea"/>
@@ -18413,6 +18413,18 @@
                 <a:sym typeface="+mn-ea"/>
               </a:rPr>
               <a:t>pass by reference</a:t>
+            </a:r>
+            <a:endParaRPr lang="en-US" sz="2400">
+              <a:sym typeface="+mn-ea"/>
+            </a:endParaRPr>
+          </a:p>
+          <a:p>
+            <a:pPr lvl="1"/>
+            <a:r>
+              <a:rPr lang="en-US" altLang="zh-CN">
+                <a:sym typeface="+mn-ea"/>
+              </a:rPr>
+              <a:t>pass a huge structure vs pass its pointer</a:t>
             </a:r>
             <a:endParaRPr lang="en-US" sz="2400">
               <a:sym typeface="+mn-ea"/>
@@ -21336,14 +21348,7 @@
         <p:cNvGrpSpPr/>
         <p:nvPr/>
       </p:nvGrpSpPr>
-      <p:grpSpPr>
-        <a:xfrm>
-          <a:off x="0" y="0"/>
-          <a:ext cx="0" cy="0"/>
-          <a:chOff x="0" y="0"/>
-          <a:chExt cx="0" cy="0"/>
-        </a:xfrm>
-      </p:grpSpPr>
+      <p:grpSpPr/>
       <p:sp>
         <p:nvSpPr>
           <p:cNvPr id="2" name="标题 1"/>
@@ -21356,21 +21361,1820 @@
         </p:nvSpPr>
         <p:spPr>
           <a:xfrm>
-            <a:off x="1365722" y="115059"/>
-            <a:ext cx="7358730" cy="833631"/>
+            <a:off x="1300914" y="264221"/>
+            <a:ext cx="10515600" cy="833631"/>
           </a:xfrm>
         </p:spPr>
         <p:txBody>
           <a:bodyPr/>
-          <a:lstStyle/>
-          <a:p>
-            <a:r>
-              <a:rPr lang="en-US" altLang="zh-CN" dirty="0">
+          <a:p>
+            <a:r>
+              <a:rPr lang="en-US" altLang="zh-CN"/>
+              <a:t>2.4 pass a huge structure vs pass its pointer(1)</a:t>
+            </a:r>
+            <a:endParaRPr lang="en-US" altLang="zh-CN"/>
+          </a:p>
+        </p:txBody>
+      </p:sp>
+      <p:sp>
+        <p:nvSpPr>
+          <p:cNvPr id="4" name="灯片编号占位符 3"/>
+          <p:cNvSpPr>
+            <a:spLocks noGrp="1"/>
+          </p:cNvSpPr>
+          <p:nvPr>
+            <p:ph type="sldNum" sz="quarter" idx="12"/>
+          </p:nvPr>
+        </p:nvSpPr>
+        <p:spPr/>
+        <p:txBody>
+          <a:bodyPr/>
+          <a:p>
+            <a:fld id="{506F4176-339E-4C4B-80E4-BBE9C4467EFE}" type="slidenum">
+              <a:rPr lang="zh-CN" altLang="en-US" smtClean="0"/>
+            </a:fld>
+            <a:endParaRPr lang="zh-CN" altLang="en-US"/>
+          </a:p>
+        </p:txBody>
+      </p:sp>
+      <p:sp>
+        <p:nvSpPr>
+          <p:cNvPr id="5" name="文本框 4"/>
+          <p:cNvSpPr txBox="1"/>
+          <p:nvPr/>
+        </p:nvSpPr>
+        <p:spPr>
+          <a:xfrm>
+            <a:off x="4327525" y="1327150"/>
+            <a:ext cx="3371850" cy="2676525"/>
+          </a:xfrm>
+          <a:prstGeom prst="rect">
+            <a:avLst/>
+          </a:prstGeom>
+          <a:solidFill>
+            <a:schemeClr val="tx1"/>
+          </a:solidFill>
+        </p:spPr>
+        <p:txBody>
+          <a:bodyPr wrap="square">
+            <a:spAutoFit/>
+          </a:bodyPr>
+          <a:p>
+            <a:pPr indent="0" fontAlgn="auto">
+              <a:lnSpc>
+                <a:spcPct val="100000"/>
+              </a:lnSpc>
+            </a:pPr>
+            <a:r>
+              <a:rPr lang="en-US" altLang="zh-CN" sz="1200" b="0">
+                <a:solidFill>
+                  <a:srgbClr val="C586C0"/>
+                </a:solidFill>
+                <a:latin typeface="Consolas" panose="020B0609020204030204"/>
+                <a:ea typeface="Consolas" panose="020B0609020204030204"/>
+              </a:rPr>
+              <a:t>#include</a:t>
+            </a:r>
+            <a:r>
+              <a:rPr lang="en-US" altLang="zh-CN" sz="1200" b="0">
+                <a:solidFill>
+                  <a:srgbClr val="CE9178"/>
+                </a:solidFill>
+                <a:latin typeface="Consolas" panose="020B0609020204030204"/>
+                <a:ea typeface="Consolas" panose="020B0609020204030204"/>
+              </a:rPr>
+              <a:t>&lt;stdio.h&gt;   //fdemo3.c</a:t>
+            </a:r>
+            <a:endParaRPr lang="en-US" altLang="zh-CN" sz="1200" b="0">
+              <a:solidFill>
+                <a:srgbClr val="CE9178"/>
+              </a:solidFill>
+              <a:latin typeface="Consolas" panose="020B0609020204030204"/>
+              <a:ea typeface="Consolas" panose="020B0609020204030204"/>
+            </a:endParaRPr>
+          </a:p>
+          <a:p>
+            <a:pPr indent="0" fontAlgn="auto">
+              <a:lnSpc>
+                <a:spcPct val="100000"/>
+              </a:lnSpc>
+            </a:pPr>
+            <a:r>
+              <a:rPr lang="en-US" altLang="zh-CN" sz="1200" b="0">
+                <a:solidFill>
+                  <a:srgbClr val="569CD6"/>
+                </a:solidFill>
+                <a:latin typeface="Consolas" panose="020B0609020204030204"/>
+                <a:ea typeface="Consolas" panose="020B0609020204030204"/>
+              </a:rPr>
+              <a:t>typedef struct</a:t>
+            </a:r>
+            <a:r>
+              <a:rPr lang="en-US" altLang="zh-CN" sz="1200" b="0">
+                <a:solidFill>
+                  <a:srgbClr val="CCCCCC"/>
+                </a:solidFill>
+                <a:latin typeface="Consolas" panose="020B0609020204030204"/>
+                <a:ea typeface="Consolas" panose="020B0609020204030204"/>
+              </a:rPr>
+              <a:t> {</a:t>
+            </a:r>
+            <a:endParaRPr lang="en-US" altLang="zh-CN" sz="1200" b="0">
+              <a:solidFill>
+                <a:srgbClr val="CCCCCC"/>
+              </a:solidFill>
+              <a:latin typeface="Consolas" panose="020B0609020204030204"/>
+              <a:ea typeface="Consolas" panose="020B0609020204030204"/>
+            </a:endParaRPr>
+          </a:p>
+          <a:p>
+            <a:pPr indent="0" fontAlgn="auto">
+              <a:lnSpc>
+                <a:spcPct val="100000"/>
+              </a:lnSpc>
+            </a:pPr>
+            <a:r>
+              <a:rPr lang="en-US" altLang="zh-CN" sz="1200" b="0">
+                <a:solidFill>
+                  <a:srgbClr val="CCCCCC"/>
+                </a:solidFill>
+                <a:latin typeface="Consolas" panose="020B0609020204030204"/>
+                <a:ea typeface="Consolas" panose="020B0609020204030204"/>
+              </a:rPr>
+              <a:t>    </a:t>
+            </a:r>
+            <a:r>
+              <a:rPr lang="en-US" altLang="zh-CN" sz="1200" b="0">
+                <a:solidFill>
+                  <a:srgbClr val="569CD6"/>
+                </a:solidFill>
+                <a:latin typeface="Consolas" panose="020B0609020204030204"/>
+                <a:ea typeface="Consolas" panose="020B0609020204030204"/>
+              </a:rPr>
+              <a:t>int </a:t>
+            </a:r>
+            <a:r>
+              <a:rPr lang="en-US" altLang="zh-CN" sz="1200" b="0">
+                <a:solidFill>
+                  <a:srgbClr val="9CDCFE"/>
+                </a:solidFill>
+                <a:latin typeface="Consolas" panose="020B0609020204030204"/>
+                <a:ea typeface="Consolas" panose="020B0609020204030204"/>
+              </a:rPr>
+              <a:t>id</a:t>
+            </a:r>
+            <a:r>
+              <a:rPr lang="en-US" altLang="zh-CN" sz="1200" b="0">
+                <a:solidFill>
+                  <a:srgbClr val="CCCCCC"/>
+                </a:solidFill>
+                <a:latin typeface="Consolas" panose="020B0609020204030204"/>
+                <a:ea typeface="Consolas" panose="020B0609020204030204"/>
+              </a:rPr>
+              <a:t>;</a:t>
+            </a:r>
+            <a:endParaRPr lang="en-US" altLang="zh-CN" sz="1200" b="0">
+              <a:solidFill>
+                <a:srgbClr val="CCCCCC"/>
+              </a:solidFill>
+              <a:latin typeface="Consolas" panose="020B0609020204030204"/>
+              <a:ea typeface="Consolas" panose="020B0609020204030204"/>
+            </a:endParaRPr>
+          </a:p>
+          <a:p>
+            <a:pPr indent="0" fontAlgn="auto">
+              <a:lnSpc>
+                <a:spcPct val="100000"/>
+              </a:lnSpc>
+            </a:pPr>
+            <a:r>
+              <a:rPr lang="en-US" altLang="zh-CN" sz="1200" b="0">
+                <a:solidFill>
+                  <a:srgbClr val="CCCCCC"/>
+                </a:solidFill>
+                <a:latin typeface="Consolas" panose="020B0609020204030204"/>
+                <a:ea typeface="Consolas" panose="020B0609020204030204"/>
+              </a:rPr>
+              <a:t>    </a:t>
+            </a:r>
+            <a:r>
+              <a:rPr lang="en-US" altLang="zh-CN" sz="1200" b="0">
+                <a:solidFill>
+                  <a:srgbClr val="569CD6"/>
+                </a:solidFill>
+                <a:latin typeface="Consolas" panose="020B0609020204030204"/>
+                <a:ea typeface="Consolas" panose="020B0609020204030204"/>
+              </a:rPr>
+              <a:t>char </a:t>
+            </a:r>
+            <a:r>
+              <a:rPr lang="en-US" altLang="zh-CN" sz="1200" b="0">
+                <a:solidFill>
+                  <a:srgbClr val="9CDCFE"/>
+                </a:solidFill>
+                <a:latin typeface="Consolas" panose="020B0609020204030204"/>
+                <a:ea typeface="Consolas" panose="020B0609020204030204"/>
+              </a:rPr>
+              <a:t>description</a:t>
+            </a:r>
+            <a:r>
+              <a:rPr lang="en-US" altLang="zh-CN" sz="1200" b="0">
+                <a:solidFill>
+                  <a:srgbClr val="CCCCCC"/>
+                </a:solidFill>
+                <a:latin typeface="Consolas" panose="020B0609020204030204"/>
+                <a:ea typeface="Consolas" panose="020B0609020204030204"/>
+              </a:rPr>
+              <a:t>[</a:t>
+            </a:r>
+            <a:r>
+              <a:rPr lang="en-US" altLang="zh-CN" sz="1200" b="0">
+                <a:solidFill>
+                  <a:srgbClr val="B5CEA8"/>
+                </a:solidFill>
+                <a:latin typeface="Consolas" panose="020B0609020204030204"/>
+                <a:ea typeface="Consolas" panose="020B0609020204030204"/>
+              </a:rPr>
+              <a:t>1024</a:t>
+            </a:r>
+            <a:r>
+              <a:rPr lang="en-US" altLang="zh-CN" sz="1200" b="0">
+                <a:solidFill>
+                  <a:srgbClr val="CCCCCC"/>
+                </a:solidFill>
+                <a:latin typeface="Consolas" panose="020B0609020204030204"/>
+                <a:ea typeface="Consolas" panose="020B0609020204030204"/>
+              </a:rPr>
+              <a:t>];</a:t>
+            </a:r>
+            <a:endParaRPr lang="en-US" altLang="zh-CN" sz="1200" b="0">
+              <a:solidFill>
+                <a:srgbClr val="CCCCCC"/>
+              </a:solidFill>
+              <a:latin typeface="Consolas" panose="020B0609020204030204"/>
+              <a:ea typeface="Consolas" panose="020B0609020204030204"/>
+            </a:endParaRPr>
+          </a:p>
+          <a:p>
+            <a:pPr indent="0" fontAlgn="auto">
+              <a:lnSpc>
+                <a:spcPct val="100000"/>
+              </a:lnSpc>
+            </a:pPr>
+            <a:r>
+              <a:rPr lang="en-US" altLang="zh-CN" sz="1200" b="0">
+                <a:solidFill>
+                  <a:srgbClr val="CCCCCC"/>
+                </a:solidFill>
+                <a:latin typeface="Consolas" panose="020B0609020204030204"/>
+                <a:ea typeface="Consolas" panose="020B0609020204030204"/>
+              </a:rPr>
+              <a:t>}</a:t>
+            </a:r>
+            <a:r>
+              <a:rPr lang="en-US" altLang="zh-CN" sz="1200" b="0">
+                <a:solidFill>
+                  <a:srgbClr val="4EC9B0"/>
+                </a:solidFill>
+                <a:latin typeface="Consolas" panose="020B0609020204030204"/>
+                <a:ea typeface="Consolas" panose="020B0609020204030204"/>
+              </a:rPr>
+              <a:t>Stu</a:t>
+            </a:r>
+            <a:r>
+              <a:rPr lang="en-US" altLang="zh-CN" sz="1200" b="0">
+                <a:solidFill>
+                  <a:srgbClr val="CCCCCC"/>
+                </a:solidFill>
+                <a:latin typeface="Consolas" panose="020B0609020204030204"/>
+                <a:ea typeface="Consolas" panose="020B0609020204030204"/>
+              </a:rPr>
+              <a:t>;</a:t>
+            </a:r>
+            <a:endParaRPr lang="en-US" altLang="zh-CN" sz="1200" b="0">
+              <a:solidFill>
+                <a:srgbClr val="CCCCCC"/>
+              </a:solidFill>
+              <a:latin typeface="Consolas" panose="020B0609020204030204"/>
+              <a:ea typeface="Consolas" panose="020B0609020204030204"/>
+            </a:endParaRPr>
+          </a:p>
+          <a:p>
+            <a:pPr indent="0" fontAlgn="auto">
+              <a:lnSpc>
+                <a:spcPct val="100000"/>
+              </a:lnSpc>
+            </a:pPr>
+            <a:r>
+              <a:rPr lang="en-US" altLang="zh-CN" sz="1200" b="0">
+                <a:solidFill>
+                  <a:srgbClr val="569CD6"/>
+                </a:solidFill>
+                <a:latin typeface="Consolas" panose="020B0609020204030204"/>
+                <a:ea typeface="Consolas" panose="020B0609020204030204"/>
+              </a:rPr>
+              <a:t>void </a:t>
+            </a:r>
+            <a:r>
+              <a:rPr lang="en-US" altLang="zh-CN" sz="1200" b="0">
+                <a:solidFill>
+                  <a:srgbClr val="DCDCAA"/>
+                </a:solidFill>
+                <a:latin typeface="Consolas" panose="020B0609020204030204"/>
+                <a:ea typeface="Consolas" panose="020B0609020204030204"/>
+              </a:rPr>
+              <a:t>disp_struct</a:t>
+            </a:r>
+            <a:r>
+              <a:rPr lang="en-US" altLang="zh-CN" sz="1200" b="0">
+                <a:solidFill>
+                  <a:srgbClr val="CCCCCC"/>
+                </a:solidFill>
+                <a:latin typeface="Consolas" panose="020B0609020204030204"/>
+                <a:ea typeface="Consolas" panose="020B0609020204030204"/>
+              </a:rPr>
+              <a:t>(</a:t>
+            </a:r>
+            <a:r>
+              <a:rPr lang="en-US" altLang="zh-CN" sz="1200" b="0">
+                <a:solidFill>
+                  <a:srgbClr val="4EC9B0"/>
+                </a:solidFill>
+                <a:latin typeface="Consolas" panose="020B0609020204030204"/>
+                <a:ea typeface="Consolas" panose="020B0609020204030204"/>
+              </a:rPr>
+              <a:t>Stu </a:t>
+            </a:r>
+            <a:r>
+              <a:rPr lang="en-US" altLang="zh-CN" sz="1200" b="0">
+                <a:solidFill>
+                  <a:srgbClr val="9CDCFE"/>
+                </a:solidFill>
+                <a:latin typeface="Consolas" panose="020B0609020204030204"/>
+                <a:ea typeface="Consolas" panose="020B0609020204030204"/>
+              </a:rPr>
+              <a:t>stud</a:t>
+            </a:r>
+            <a:r>
+              <a:rPr lang="en-US" altLang="zh-CN" sz="1200" b="0">
+                <a:solidFill>
+                  <a:srgbClr val="CCCCCC"/>
+                </a:solidFill>
+                <a:latin typeface="Consolas" panose="020B0609020204030204"/>
+                <a:ea typeface="Consolas" panose="020B0609020204030204"/>
+              </a:rPr>
+              <a:t>){</a:t>
+            </a:r>
+            <a:endParaRPr lang="en-US" altLang="zh-CN" sz="1200" b="0">
+              <a:solidFill>
+                <a:srgbClr val="CCCCCC"/>
+              </a:solidFill>
+              <a:latin typeface="Consolas" panose="020B0609020204030204"/>
+              <a:ea typeface="Consolas" panose="020B0609020204030204"/>
+            </a:endParaRPr>
+          </a:p>
+          <a:p>
+            <a:pPr indent="0" fontAlgn="auto">
+              <a:lnSpc>
+                <a:spcPct val="100000"/>
+              </a:lnSpc>
+            </a:pPr>
+            <a:r>
+              <a:rPr lang="en-US" altLang="zh-CN" sz="1200" b="0">
+                <a:solidFill>
+                  <a:srgbClr val="CCCCCC"/>
+                </a:solidFill>
+                <a:latin typeface="Consolas" panose="020B0609020204030204"/>
+                <a:ea typeface="Consolas" panose="020B0609020204030204"/>
+              </a:rPr>
+              <a:t>    </a:t>
+            </a:r>
+            <a:r>
+              <a:rPr lang="en-US" altLang="zh-CN" sz="1200" b="0">
+                <a:solidFill>
+                  <a:srgbClr val="DCDCAA"/>
+                </a:solidFill>
+                <a:latin typeface="Consolas" panose="020B0609020204030204"/>
+                <a:ea typeface="Consolas" panose="020B0609020204030204"/>
+              </a:rPr>
+              <a:t>printf</a:t>
+            </a:r>
+            <a:r>
+              <a:rPr lang="en-US" altLang="zh-CN" sz="1200" b="0">
+                <a:solidFill>
+                  <a:srgbClr val="CCCCCC"/>
+                </a:solidFill>
+                <a:latin typeface="Consolas" panose="020B0609020204030204"/>
+                <a:ea typeface="Consolas" panose="020B0609020204030204"/>
+              </a:rPr>
+              <a:t>(</a:t>
+            </a:r>
+            <a:r>
+              <a:rPr lang="en-US" altLang="zh-CN" sz="1200" b="0">
+                <a:solidFill>
+                  <a:srgbClr val="CE9178"/>
+                </a:solidFill>
+                <a:latin typeface="Consolas" panose="020B0609020204030204"/>
+                <a:ea typeface="Consolas" panose="020B0609020204030204"/>
+              </a:rPr>
+              <a:t>"Student_id:</a:t>
+            </a:r>
+            <a:r>
+              <a:rPr lang="en-US" altLang="zh-CN" sz="1200" b="0">
+                <a:solidFill>
+                  <a:srgbClr val="9CDCFE"/>
+                </a:solidFill>
+                <a:latin typeface="Consolas" panose="020B0609020204030204"/>
+                <a:ea typeface="Consolas" panose="020B0609020204030204"/>
+              </a:rPr>
+              <a:t>%d</a:t>
+            </a:r>
+            <a:r>
+              <a:rPr lang="en-US" altLang="zh-CN" sz="1200" b="0">
+                <a:solidFill>
+                  <a:srgbClr val="D7BA7D"/>
+                </a:solidFill>
+                <a:latin typeface="Consolas" panose="020B0609020204030204"/>
+                <a:ea typeface="Consolas" panose="020B0609020204030204"/>
+              </a:rPr>
+              <a:t>\t</a:t>
+            </a:r>
+            <a:r>
+              <a:rPr lang="en-US" altLang="zh-CN" sz="1200" b="0">
+                <a:solidFill>
+                  <a:srgbClr val="CE9178"/>
+                </a:solidFill>
+                <a:latin typeface="Consolas" panose="020B0609020204030204"/>
+                <a:ea typeface="Consolas" panose="020B0609020204030204"/>
+              </a:rPr>
+              <a:t>info:</a:t>
+            </a:r>
+            <a:r>
+              <a:rPr lang="en-US" altLang="zh-CN" sz="1200" b="0">
+                <a:solidFill>
+                  <a:srgbClr val="9CDCFE"/>
+                </a:solidFill>
+                <a:latin typeface="Consolas" panose="020B0609020204030204"/>
+                <a:ea typeface="Consolas" panose="020B0609020204030204"/>
+              </a:rPr>
+              <a:t>%s</a:t>
+            </a:r>
+            <a:r>
+              <a:rPr lang="en-US" altLang="zh-CN" sz="1200" b="0">
+                <a:solidFill>
+                  <a:srgbClr val="D7BA7D"/>
+                </a:solidFill>
+                <a:latin typeface="Consolas" panose="020B0609020204030204"/>
+                <a:ea typeface="Consolas" panose="020B0609020204030204"/>
+              </a:rPr>
+              <a:t>\n</a:t>
+            </a:r>
+            <a:r>
+              <a:rPr lang="en-US" altLang="zh-CN" sz="1200" b="0">
+                <a:solidFill>
+                  <a:srgbClr val="CE9178"/>
+                </a:solidFill>
+                <a:latin typeface="Consolas" panose="020B0609020204030204"/>
+                <a:ea typeface="Consolas" panose="020B0609020204030204"/>
+              </a:rPr>
+              <a:t>"</a:t>
+            </a:r>
+            <a:r>
+              <a:rPr lang="en-US" altLang="zh-CN" sz="1200" b="0">
+                <a:solidFill>
+                  <a:srgbClr val="CCCCCC"/>
+                </a:solidFill>
+                <a:latin typeface="Consolas" panose="020B0609020204030204"/>
+                <a:ea typeface="Consolas" panose="020B0609020204030204"/>
+              </a:rPr>
+              <a:t>,</a:t>
+            </a:r>
+            <a:endParaRPr lang="en-US" altLang="zh-CN" sz="1200" b="0">
+              <a:solidFill>
+                <a:srgbClr val="CCCCCC"/>
+              </a:solidFill>
+              <a:latin typeface="Consolas" panose="020B0609020204030204"/>
+              <a:ea typeface="Consolas" panose="020B0609020204030204"/>
+            </a:endParaRPr>
+          </a:p>
+          <a:p>
+            <a:pPr indent="0" fontAlgn="auto">
+              <a:lnSpc>
+                <a:spcPct val="100000"/>
+              </a:lnSpc>
+            </a:pPr>
+            <a:r>
+              <a:rPr lang="en-US" altLang="zh-CN" sz="1200" b="0">
+                <a:solidFill>
+                  <a:srgbClr val="CCCCCC"/>
+                </a:solidFill>
+                <a:latin typeface="Consolas" panose="020B0609020204030204"/>
+                <a:ea typeface="Consolas" panose="020B0609020204030204"/>
+              </a:rPr>
+              <a:t>           </a:t>
+            </a:r>
+            <a:r>
+              <a:rPr lang="en-US" altLang="zh-CN" sz="1200" b="0">
+                <a:solidFill>
+                  <a:srgbClr val="9CDCFE"/>
+                </a:solidFill>
+                <a:latin typeface="Consolas" panose="020B0609020204030204"/>
+                <a:ea typeface="Consolas" panose="020B0609020204030204"/>
+              </a:rPr>
+              <a:t>stud</a:t>
+            </a:r>
+            <a:r>
+              <a:rPr lang="en-US" altLang="zh-CN" sz="1200" b="0">
+                <a:solidFill>
+                  <a:srgbClr val="CCCCCC"/>
+                </a:solidFill>
+                <a:latin typeface="Consolas" panose="020B0609020204030204"/>
+                <a:ea typeface="Consolas" panose="020B0609020204030204"/>
+              </a:rPr>
+              <a:t>.</a:t>
+            </a:r>
+            <a:r>
+              <a:rPr lang="en-US" altLang="zh-CN" sz="1200" b="0">
+                <a:solidFill>
+                  <a:srgbClr val="9CDCFE"/>
+                </a:solidFill>
+                <a:latin typeface="Consolas" panose="020B0609020204030204"/>
+                <a:ea typeface="Consolas" panose="020B0609020204030204"/>
+              </a:rPr>
+              <a:t>id</a:t>
+            </a:r>
+            <a:r>
+              <a:rPr lang="en-US" altLang="zh-CN" sz="1200" b="0">
+                <a:solidFill>
+                  <a:srgbClr val="CCCCCC"/>
+                </a:solidFill>
+                <a:latin typeface="Consolas" panose="020B0609020204030204"/>
+                <a:ea typeface="Consolas" panose="020B0609020204030204"/>
+              </a:rPr>
+              <a:t>,</a:t>
+            </a:r>
+            <a:r>
+              <a:rPr lang="en-US" altLang="zh-CN" sz="1200" b="0">
+                <a:solidFill>
+                  <a:srgbClr val="9CDCFE"/>
+                </a:solidFill>
+                <a:latin typeface="Consolas" panose="020B0609020204030204"/>
+                <a:ea typeface="Consolas" panose="020B0609020204030204"/>
+              </a:rPr>
+              <a:t>stud</a:t>
+            </a:r>
+            <a:r>
+              <a:rPr lang="en-US" altLang="zh-CN" sz="1200" b="0">
+                <a:solidFill>
+                  <a:srgbClr val="CCCCCC"/>
+                </a:solidFill>
+                <a:latin typeface="Consolas" panose="020B0609020204030204"/>
+                <a:ea typeface="Consolas" panose="020B0609020204030204"/>
+              </a:rPr>
+              <a:t>.</a:t>
+            </a:r>
+            <a:r>
+              <a:rPr lang="en-US" altLang="zh-CN" sz="1200" b="0">
+                <a:solidFill>
+                  <a:srgbClr val="9CDCFE"/>
+                </a:solidFill>
+                <a:latin typeface="Consolas" panose="020B0609020204030204"/>
+                <a:ea typeface="Consolas" panose="020B0609020204030204"/>
+              </a:rPr>
+              <a:t>description</a:t>
+            </a:r>
+            <a:r>
+              <a:rPr lang="en-US" altLang="zh-CN" sz="1200" b="0">
+                <a:solidFill>
+                  <a:srgbClr val="CCCCCC"/>
+                </a:solidFill>
+                <a:latin typeface="Consolas" panose="020B0609020204030204"/>
+                <a:ea typeface="Consolas" panose="020B0609020204030204"/>
+              </a:rPr>
+              <a:t>);</a:t>
+            </a:r>
+            <a:endParaRPr lang="en-US" altLang="zh-CN" sz="1200" b="0">
+              <a:solidFill>
+                <a:srgbClr val="CCCCCC"/>
+              </a:solidFill>
+              <a:latin typeface="Consolas" panose="020B0609020204030204"/>
+              <a:ea typeface="Consolas" panose="020B0609020204030204"/>
+            </a:endParaRPr>
+          </a:p>
+          <a:p>
+            <a:pPr indent="0" fontAlgn="auto">
+              <a:lnSpc>
+                <a:spcPct val="100000"/>
+              </a:lnSpc>
+            </a:pPr>
+            <a:r>
+              <a:rPr lang="en-US" altLang="zh-CN" sz="1200" b="0">
+                <a:solidFill>
+                  <a:srgbClr val="CCCCCC"/>
+                </a:solidFill>
+                <a:latin typeface="Consolas" panose="020B0609020204030204"/>
+                <a:ea typeface="Consolas" panose="020B0609020204030204"/>
+              </a:rPr>
+              <a:t>}</a:t>
+            </a:r>
+            <a:endParaRPr lang="en-US" altLang="zh-CN" sz="1200" b="0">
+              <a:solidFill>
+                <a:srgbClr val="CCCCCC"/>
+              </a:solidFill>
+              <a:latin typeface="Consolas" panose="020B0609020204030204"/>
+              <a:ea typeface="Consolas" panose="020B0609020204030204"/>
+            </a:endParaRPr>
+          </a:p>
+          <a:p>
+            <a:pPr indent="0" fontAlgn="auto">
+              <a:lnSpc>
+                <a:spcPct val="100000"/>
+              </a:lnSpc>
+            </a:pPr>
+            <a:r>
+              <a:rPr lang="en-US" altLang="zh-CN" sz="1200" b="0">
+                <a:solidFill>
+                  <a:srgbClr val="569CD6"/>
+                </a:solidFill>
+                <a:latin typeface="Consolas" panose="020B0609020204030204"/>
+                <a:ea typeface="Consolas" panose="020B0609020204030204"/>
+              </a:rPr>
+              <a:t>int </a:t>
+            </a:r>
+            <a:r>
+              <a:rPr lang="en-US" altLang="zh-CN" sz="1200" b="0">
+                <a:solidFill>
+                  <a:srgbClr val="DCDCAA"/>
+                </a:solidFill>
+                <a:latin typeface="Consolas" panose="020B0609020204030204"/>
+                <a:ea typeface="Consolas" panose="020B0609020204030204"/>
+              </a:rPr>
+              <a:t>main</a:t>
+            </a:r>
+            <a:r>
+              <a:rPr lang="en-US" altLang="zh-CN" sz="1200" b="0">
+                <a:solidFill>
+                  <a:srgbClr val="CCCCCC"/>
+                </a:solidFill>
+                <a:latin typeface="Consolas" panose="020B0609020204030204"/>
+                <a:ea typeface="Consolas" panose="020B0609020204030204"/>
+              </a:rPr>
+              <a:t>(){</a:t>
+            </a:r>
+            <a:endParaRPr lang="en-US" altLang="zh-CN" sz="1200" b="0">
+              <a:solidFill>
+                <a:srgbClr val="CCCCCC"/>
+              </a:solidFill>
+              <a:latin typeface="Consolas" panose="020B0609020204030204"/>
+              <a:ea typeface="Consolas" panose="020B0609020204030204"/>
+            </a:endParaRPr>
+          </a:p>
+          <a:p>
+            <a:pPr indent="0" fontAlgn="auto">
+              <a:lnSpc>
+                <a:spcPct val="100000"/>
+              </a:lnSpc>
+            </a:pPr>
+            <a:r>
+              <a:rPr lang="en-US" altLang="zh-CN" sz="1200" b="0">
+                <a:solidFill>
+                  <a:srgbClr val="CCCCCC"/>
+                </a:solidFill>
+                <a:latin typeface="Consolas" panose="020B0609020204030204"/>
+                <a:ea typeface="Consolas" panose="020B0609020204030204"/>
+              </a:rPr>
+              <a:t>     </a:t>
+            </a:r>
+            <a:r>
+              <a:rPr lang="en-US" altLang="zh-CN" sz="1200" b="0">
+                <a:solidFill>
+                  <a:srgbClr val="4EC9B0"/>
+                </a:solidFill>
+                <a:latin typeface="Consolas" panose="020B0609020204030204"/>
+                <a:ea typeface="Consolas" panose="020B0609020204030204"/>
+              </a:rPr>
+              <a:t>Stu </a:t>
+            </a:r>
+            <a:r>
+              <a:rPr lang="en-US" altLang="zh-CN" sz="1200" b="0">
+                <a:solidFill>
+                  <a:srgbClr val="9CDCFE"/>
+                </a:solidFill>
+                <a:latin typeface="Consolas" panose="020B0609020204030204"/>
+                <a:ea typeface="Consolas" panose="020B0609020204030204"/>
+              </a:rPr>
+              <a:t>stum</a:t>
+            </a:r>
+            <a:r>
+              <a:rPr lang="en-US" altLang="zh-CN" sz="1200" b="0">
+                <a:solidFill>
+                  <a:srgbClr val="D4D4D4"/>
+                </a:solidFill>
+                <a:latin typeface="Consolas" panose="020B0609020204030204"/>
+                <a:ea typeface="Consolas" panose="020B0609020204030204"/>
+              </a:rPr>
+              <a:t>=</a:t>
+            </a:r>
+            <a:r>
+              <a:rPr lang="en-US" altLang="zh-CN" sz="1200" b="0">
+                <a:solidFill>
+                  <a:srgbClr val="CCCCCC"/>
+                </a:solidFill>
+                <a:latin typeface="Consolas" panose="020B0609020204030204"/>
+                <a:ea typeface="Consolas" panose="020B0609020204030204"/>
+              </a:rPr>
+              <a:t>{</a:t>
+            </a:r>
+            <a:r>
+              <a:rPr lang="en-US" altLang="zh-CN" sz="1200" b="0">
+                <a:solidFill>
+                  <a:srgbClr val="B5CEA8"/>
+                </a:solidFill>
+                <a:latin typeface="Consolas" panose="020B0609020204030204"/>
+                <a:ea typeface="Consolas" panose="020B0609020204030204"/>
+              </a:rPr>
+              <a:t>3</a:t>
+            </a:r>
+            <a:r>
+              <a:rPr lang="en-US" altLang="zh-CN" sz="1200" b="0">
+                <a:solidFill>
+                  <a:srgbClr val="CCCCCC"/>
+                </a:solidFill>
+                <a:latin typeface="Consolas" panose="020B0609020204030204"/>
+                <a:ea typeface="Consolas" panose="020B0609020204030204"/>
+              </a:rPr>
+              <a:t>,</a:t>
+            </a:r>
+            <a:r>
+              <a:rPr lang="en-US" altLang="zh-CN" sz="1200" b="0">
+                <a:solidFill>
+                  <a:srgbClr val="CE9178"/>
+                </a:solidFill>
+                <a:latin typeface="Consolas" panose="020B0609020204030204"/>
+                <a:ea typeface="Consolas" panose="020B0609020204030204"/>
+              </a:rPr>
+              <a:t>"NAZHA"</a:t>
+            </a:r>
+            <a:r>
+              <a:rPr lang="en-US" altLang="zh-CN" sz="1200" b="0">
+                <a:solidFill>
+                  <a:srgbClr val="CCCCCC"/>
+                </a:solidFill>
+                <a:latin typeface="Consolas" panose="020B0609020204030204"/>
+                <a:ea typeface="Consolas" panose="020B0609020204030204"/>
+              </a:rPr>
+              <a:t>};</a:t>
+            </a:r>
+            <a:endParaRPr lang="en-US" altLang="zh-CN" sz="1200" b="0">
+              <a:solidFill>
+                <a:srgbClr val="CCCCCC"/>
+              </a:solidFill>
+              <a:latin typeface="Consolas" panose="020B0609020204030204"/>
+              <a:ea typeface="Consolas" panose="020B0609020204030204"/>
+            </a:endParaRPr>
+          </a:p>
+          <a:p>
+            <a:pPr indent="0" fontAlgn="auto">
+              <a:lnSpc>
+                <a:spcPct val="100000"/>
+              </a:lnSpc>
+            </a:pPr>
+            <a:r>
+              <a:rPr lang="en-US" altLang="zh-CN" sz="1200" b="0">
+                <a:solidFill>
+                  <a:srgbClr val="CCCCCC"/>
+                </a:solidFill>
+                <a:latin typeface="Consolas" panose="020B0609020204030204"/>
+                <a:ea typeface="Consolas" panose="020B0609020204030204"/>
+              </a:rPr>
+              <a:t>    </a:t>
+            </a:r>
+            <a:r>
+              <a:rPr lang="en-US" altLang="zh-CN" sz="1200" b="0">
+                <a:solidFill>
+                  <a:srgbClr val="DCDCAA"/>
+                </a:solidFill>
+                <a:latin typeface="Consolas" panose="020B0609020204030204"/>
+                <a:ea typeface="Consolas" panose="020B0609020204030204"/>
+              </a:rPr>
+              <a:t>disp_struct</a:t>
+            </a:r>
+            <a:r>
+              <a:rPr lang="en-US" altLang="zh-CN" sz="1200" b="0">
+                <a:solidFill>
+                  <a:srgbClr val="CCCCCC"/>
+                </a:solidFill>
+                <a:latin typeface="Consolas" panose="020B0609020204030204"/>
+                <a:ea typeface="Consolas" panose="020B0609020204030204"/>
+              </a:rPr>
+              <a:t>(</a:t>
+            </a:r>
+            <a:r>
+              <a:rPr lang="en-US" altLang="zh-CN" sz="1200" b="0">
+                <a:solidFill>
+                  <a:srgbClr val="9CDCFE"/>
+                </a:solidFill>
+                <a:latin typeface="Consolas" panose="020B0609020204030204"/>
+                <a:ea typeface="Consolas" panose="020B0609020204030204"/>
+              </a:rPr>
+              <a:t>stum</a:t>
+            </a:r>
+            <a:r>
+              <a:rPr lang="en-US" altLang="zh-CN" sz="1200" b="0">
+                <a:solidFill>
+                  <a:srgbClr val="CCCCCC"/>
+                </a:solidFill>
+                <a:latin typeface="Consolas" panose="020B0609020204030204"/>
+                <a:ea typeface="Consolas" panose="020B0609020204030204"/>
+              </a:rPr>
+              <a:t>);</a:t>
+            </a:r>
+            <a:endParaRPr lang="en-US" altLang="zh-CN" sz="1200" b="0">
+              <a:solidFill>
+                <a:srgbClr val="CCCCCC"/>
+              </a:solidFill>
+              <a:latin typeface="Consolas" panose="020B0609020204030204"/>
+              <a:ea typeface="Consolas" panose="020B0609020204030204"/>
+            </a:endParaRPr>
+          </a:p>
+          <a:p>
+            <a:pPr indent="0" fontAlgn="auto">
+              <a:lnSpc>
+                <a:spcPct val="100000"/>
+              </a:lnSpc>
+            </a:pPr>
+            <a:r>
+              <a:rPr lang="en-US" altLang="zh-CN" sz="1200" b="0">
+                <a:solidFill>
+                  <a:srgbClr val="CCCCCC"/>
+                </a:solidFill>
+                <a:latin typeface="Consolas" panose="020B0609020204030204"/>
+                <a:ea typeface="Consolas" panose="020B0609020204030204"/>
+              </a:rPr>
+              <a:t>    </a:t>
+            </a:r>
+            <a:r>
+              <a:rPr lang="en-US" altLang="zh-CN" sz="1200" b="0">
+                <a:solidFill>
+                  <a:srgbClr val="C586C0"/>
+                </a:solidFill>
+                <a:latin typeface="Consolas" panose="020B0609020204030204"/>
+                <a:ea typeface="Consolas" panose="020B0609020204030204"/>
+              </a:rPr>
+              <a:t>return </a:t>
+            </a:r>
+            <a:r>
+              <a:rPr lang="en-US" altLang="zh-CN" sz="1200" b="0">
+                <a:solidFill>
+                  <a:srgbClr val="B5CEA8"/>
+                </a:solidFill>
+                <a:latin typeface="Consolas" panose="020B0609020204030204"/>
+                <a:ea typeface="Consolas" panose="020B0609020204030204"/>
+              </a:rPr>
+              <a:t>0</a:t>
+            </a:r>
+            <a:r>
+              <a:rPr lang="en-US" altLang="zh-CN" sz="1200" b="0">
+                <a:solidFill>
+                  <a:srgbClr val="CCCCCC"/>
+                </a:solidFill>
+                <a:latin typeface="Consolas" panose="020B0609020204030204"/>
+                <a:ea typeface="Consolas" panose="020B0609020204030204"/>
+              </a:rPr>
+              <a:t>;</a:t>
+            </a:r>
+            <a:endParaRPr lang="en-US" altLang="zh-CN" sz="1200" b="0">
+              <a:solidFill>
+                <a:srgbClr val="CCCCCC"/>
+              </a:solidFill>
+              <a:latin typeface="Consolas" panose="020B0609020204030204"/>
+              <a:ea typeface="Consolas" panose="020B0609020204030204"/>
+            </a:endParaRPr>
+          </a:p>
+          <a:p>
+            <a:pPr indent="0" fontAlgn="auto">
+              <a:lnSpc>
+                <a:spcPct val="100000"/>
+              </a:lnSpc>
+            </a:pPr>
+            <a:r>
+              <a:rPr lang="en-US" altLang="zh-CN" sz="1200" b="0">
+                <a:solidFill>
+                  <a:srgbClr val="CCCCCC"/>
+                </a:solidFill>
+                <a:latin typeface="Consolas" panose="020B0609020204030204"/>
+                <a:ea typeface="Consolas" panose="020B0609020204030204"/>
+              </a:rPr>
+              <a:t>}</a:t>
+            </a:r>
+            <a:endParaRPr lang="en-US" altLang="zh-CN" sz="1200" b="0">
+              <a:solidFill>
+                <a:srgbClr val="CCCCCC"/>
+              </a:solidFill>
+              <a:latin typeface="Consolas" panose="020B0609020204030204"/>
+              <a:ea typeface="Consolas" panose="020B0609020204030204"/>
+            </a:endParaRPr>
+          </a:p>
+        </p:txBody>
+      </p:sp>
+      <p:sp>
+        <p:nvSpPr>
+          <p:cNvPr id="6" name="文本框 5"/>
+          <p:cNvSpPr txBox="1"/>
+          <p:nvPr/>
+        </p:nvSpPr>
+        <p:spPr>
+          <a:xfrm>
+            <a:off x="7938770" y="1327150"/>
+            <a:ext cx="3556000" cy="2617470"/>
+          </a:xfrm>
+          <a:prstGeom prst="rect">
+            <a:avLst/>
+          </a:prstGeom>
+          <a:solidFill>
+            <a:schemeClr val="tx1"/>
+          </a:solidFill>
+        </p:spPr>
+        <p:txBody>
+          <a:bodyPr wrap="square">
+            <a:noAutofit/>
+          </a:bodyPr>
+          <a:p>
+            <a:pPr indent="0" fontAlgn="auto">
+              <a:lnSpc>
+                <a:spcPct val="100000"/>
+              </a:lnSpc>
+            </a:pPr>
+            <a:r>
+              <a:rPr lang="en-US" altLang="zh-CN" sz="1200" b="0">
+                <a:solidFill>
+                  <a:srgbClr val="C586C0"/>
+                </a:solidFill>
+                <a:latin typeface="Consolas" panose="020B0609020204030204"/>
+                <a:ea typeface="Consolas" panose="020B0609020204030204"/>
+              </a:rPr>
+              <a:t>#include</a:t>
+            </a:r>
+            <a:r>
+              <a:rPr lang="en-US" altLang="zh-CN" sz="1200" b="0">
+                <a:solidFill>
+                  <a:srgbClr val="CE9178"/>
+                </a:solidFill>
+                <a:latin typeface="Consolas" panose="020B0609020204030204"/>
+                <a:ea typeface="Consolas" panose="020B0609020204030204"/>
+              </a:rPr>
+              <a:t>&lt;stdio.h&gt;  </a:t>
+            </a:r>
+            <a:r>
+              <a:rPr lang="en-US" altLang="zh-CN" sz="1200">
+                <a:solidFill>
+                  <a:srgbClr val="CE9178"/>
+                </a:solidFill>
+                <a:latin typeface="Consolas" panose="020B0609020204030204"/>
+                <a:ea typeface="Consolas" panose="020B0609020204030204"/>
                 <a:sym typeface="+mn-ea"/>
               </a:rPr>
-              <a:t>Exercise 1</a:t>
-            </a:r>
-            <a:endParaRPr lang="zh-CN" altLang="en-US" dirty="0"/>
+              <a:t>//fdemo3_ptr.c</a:t>
+            </a:r>
+            <a:endParaRPr lang="en-US" altLang="zh-CN" sz="1200" b="0">
+              <a:solidFill>
+                <a:srgbClr val="CE9178"/>
+              </a:solidFill>
+              <a:latin typeface="Consolas" panose="020B0609020204030204"/>
+              <a:ea typeface="Consolas" panose="020B0609020204030204"/>
+            </a:endParaRPr>
+          </a:p>
+          <a:p>
+            <a:pPr indent="0" fontAlgn="auto">
+              <a:lnSpc>
+                <a:spcPct val="100000"/>
+              </a:lnSpc>
+            </a:pPr>
+            <a:r>
+              <a:rPr lang="en-US" altLang="zh-CN" sz="1200" b="0">
+                <a:solidFill>
+                  <a:srgbClr val="569CD6"/>
+                </a:solidFill>
+                <a:latin typeface="Consolas" panose="020B0609020204030204"/>
+                <a:ea typeface="Consolas" panose="020B0609020204030204"/>
+              </a:rPr>
+              <a:t>typedef struct</a:t>
+            </a:r>
+            <a:r>
+              <a:rPr lang="en-US" altLang="zh-CN" sz="1200" b="0">
+                <a:solidFill>
+                  <a:srgbClr val="CCCCCC"/>
+                </a:solidFill>
+                <a:latin typeface="Consolas" panose="020B0609020204030204"/>
+                <a:ea typeface="Consolas" panose="020B0609020204030204"/>
+              </a:rPr>
+              <a:t> {</a:t>
+            </a:r>
+            <a:endParaRPr lang="en-US" altLang="zh-CN" sz="1200" b="0">
+              <a:solidFill>
+                <a:srgbClr val="CCCCCC"/>
+              </a:solidFill>
+              <a:latin typeface="Consolas" panose="020B0609020204030204"/>
+              <a:ea typeface="Consolas" panose="020B0609020204030204"/>
+            </a:endParaRPr>
+          </a:p>
+          <a:p>
+            <a:pPr indent="0" fontAlgn="auto">
+              <a:lnSpc>
+                <a:spcPct val="100000"/>
+              </a:lnSpc>
+            </a:pPr>
+            <a:r>
+              <a:rPr lang="en-US" altLang="zh-CN" sz="1200" b="0">
+                <a:solidFill>
+                  <a:srgbClr val="CCCCCC"/>
+                </a:solidFill>
+                <a:latin typeface="Consolas" panose="020B0609020204030204"/>
+                <a:ea typeface="Consolas" panose="020B0609020204030204"/>
+              </a:rPr>
+              <a:t>    </a:t>
+            </a:r>
+            <a:r>
+              <a:rPr lang="en-US" altLang="zh-CN" sz="1200" b="0">
+                <a:solidFill>
+                  <a:srgbClr val="569CD6"/>
+                </a:solidFill>
+                <a:latin typeface="Consolas" panose="020B0609020204030204"/>
+                <a:ea typeface="Consolas" panose="020B0609020204030204"/>
+              </a:rPr>
+              <a:t>int </a:t>
+            </a:r>
+            <a:r>
+              <a:rPr lang="en-US" altLang="zh-CN" sz="1200" b="0">
+                <a:solidFill>
+                  <a:srgbClr val="9CDCFE"/>
+                </a:solidFill>
+                <a:latin typeface="Consolas" panose="020B0609020204030204"/>
+                <a:ea typeface="Consolas" panose="020B0609020204030204"/>
+              </a:rPr>
+              <a:t>id</a:t>
+            </a:r>
+            <a:r>
+              <a:rPr lang="en-US" altLang="zh-CN" sz="1200" b="0">
+                <a:solidFill>
+                  <a:srgbClr val="CCCCCC"/>
+                </a:solidFill>
+                <a:latin typeface="Consolas" panose="020B0609020204030204"/>
+                <a:ea typeface="Consolas" panose="020B0609020204030204"/>
+              </a:rPr>
+              <a:t>;</a:t>
+            </a:r>
+            <a:endParaRPr lang="en-US" altLang="zh-CN" sz="1200" b="0">
+              <a:solidFill>
+                <a:srgbClr val="CCCCCC"/>
+              </a:solidFill>
+              <a:latin typeface="Consolas" panose="020B0609020204030204"/>
+              <a:ea typeface="Consolas" panose="020B0609020204030204"/>
+            </a:endParaRPr>
+          </a:p>
+          <a:p>
+            <a:pPr indent="0" fontAlgn="auto">
+              <a:lnSpc>
+                <a:spcPct val="100000"/>
+              </a:lnSpc>
+            </a:pPr>
+            <a:r>
+              <a:rPr lang="en-US" altLang="zh-CN" sz="1200" b="0">
+                <a:solidFill>
+                  <a:srgbClr val="CCCCCC"/>
+                </a:solidFill>
+                <a:latin typeface="Consolas" panose="020B0609020204030204"/>
+                <a:ea typeface="Consolas" panose="020B0609020204030204"/>
+              </a:rPr>
+              <a:t>    </a:t>
+            </a:r>
+            <a:r>
+              <a:rPr lang="en-US" altLang="zh-CN" sz="1200" b="0">
+                <a:solidFill>
+                  <a:srgbClr val="569CD6"/>
+                </a:solidFill>
+                <a:latin typeface="Consolas" panose="020B0609020204030204"/>
+                <a:ea typeface="Consolas" panose="020B0609020204030204"/>
+              </a:rPr>
+              <a:t>char </a:t>
+            </a:r>
+            <a:r>
+              <a:rPr lang="en-US" altLang="zh-CN" sz="1200" b="0">
+                <a:solidFill>
+                  <a:srgbClr val="9CDCFE"/>
+                </a:solidFill>
+                <a:latin typeface="Consolas" panose="020B0609020204030204"/>
+                <a:ea typeface="Consolas" panose="020B0609020204030204"/>
+              </a:rPr>
+              <a:t>description</a:t>
+            </a:r>
+            <a:r>
+              <a:rPr lang="en-US" altLang="zh-CN" sz="1200" b="0">
+                <a:solidFill>
+                  <a:srgbClr val="CCCCCC"/>
+                </a:solidFill>
+                <a:latin typeface="Consolas" panose="020B0609020204030204"/>
+                <a:ea typeface="Consolas" panose="020B0609020204030204"/>
+              </a:rPr>
+              <a:t>[</a:t>
+            </a:r>
+            <a:r>
+              <a:rPr lang="en-US" altLang="zh-CN" sz="1200" b="0">
+                <a:solidFill>
+                  <a:srgbClr val="B5CEA8"/>
+                </a:solidFill>
+                <a:latin typeface="Consolas" panose="020B0609020204030204"/>
+                <a:ea typeface="Consolas" panose="020B0609020204030204"/>
+              </a:rPr>
+              <a:t>1024</a:t>
+            </a:r>
+            <a:r>
+              <a:rPr lang="en-US" altLang="zh-CN" sz="1200" b="0">
+                <a:solidFill>
+                  <a:srgbClr val="CCCCCC"/>
+                </a:solidFill>
+                <a:latin typeface="Consolas" panose="020B0609020204030204"/>
+                <a:ea typeface="Consolas" panose="020B0609020204030204"/>
+              </a:rPr>
+              <a:t>];</a:t>
+            </a:r>
+            <a:endParaRPr lang="en-US" altLang="zh-CN" sz="1200" b="0">
+              <a:solidFill>
+                <a:srgbClr val="CCCCCC"/>
+              </a:solidFill>
+              <a:latin typeface="Consolas" panose="020B0609020204030204"/>
+              <a:ea typeface="Consolas" panose="020B0609020204030204"/>
+            </a:endParaRPr>
+          </a:p>
+          <a:p>
+            <a:pPr indent="0" fontAlgn="auto">
+              <a:lnSpc>
+                <a:spcPct val="100000"/>
+              </a:lnSpc>
+            </a:pPr>
+            <a:r>
+              <a:rPr lang="en-US" altLang="zh-CN" sz="1200" b="0">
+                <a:solidFill>
+                  <a:srgbClr val="CCCCCC"/>
+                </a:solidFill>
+                <a:latin typeface="Consolas" panose="020B0609020204030204"/>
+                <a:ea typeface="Consolas" panose="020B0609020204030204"/>
+              </a:rPr>
+              <a:t>}</a:t>
+            </a:r>
+            <a:r>
+              <a:rPr lang="en-US" altLang="zh-CN" sz="1200" b="0">
+                <a:solidFill>
+                  <a:srgbClr val="4EC9B0"/>
+                </a:solidFill>
+                <a:latin typeface="Consolas" panose="020B0609020204030204"/>
+                <a:ea typeface="Consolas" panose="020B0609020204030204"/>
+              </a:rPr>
+              <a:t>Stu</a:t>
+            </a:r>
+            <a:r>
+              <a:rPr lang="en-US" altLang="zh-CN" sz="1200" b="0">
+                <a:solidFill>
+                  <a:srgbClr val="CCCCCC"/>
+                </a:solidFill>
+                <a:latin typeface="Consolas" panose="020B0609020204030204"/>
+                <a:ea typeface="Consolas" panose="020B0609020204030204"/>
+              </a:rPr>
+              <a:t>;</a:t>
+            </a:r>
+            <a:endParaRPr lang="en-US" altLang="zh-CN" sz="1200" b="0">
+              <a:solidFill>
+                <a:srgbClr val="CCCCCC"/>
+              </a:solidFill>
+              <a:latin typeface="Consolas" panose="020B0609020204030204"/>
+              <a:ea typeface="Consolas" panose="020B0609020204030204"/>
+            </a:endParaRPr>
+          </a:p>
+          <a:p>
+            <a:pPr indent="0" fontAlgn="auto">
+              <a:lnSpc>
+                <a:spcPct val="100000"/>
+              </a:lnSpc>
+            </a:pPr>
+            <a:r>
+              <a:rPr lang="en-US" altLang="zh-CN" sz="1200" b="0">
+                <a:solidFill>
+                  <a:srgbClr val="569CD6"/>
+                </a:solidFill>
+                <a:latin typeface="Consolas" panose="020B0609020204030204"/>
+                <a:ea typeface="Consolas" panose="020B0609020204030204"/>
+              </a:rPr>
+              <a:t>void </a:t>
+            </a:r>
+            <a:r>
+              <a:rPr lang="en-US" altLang="zh-CN" sz="1200" b="0">
+                <a:solidFill>
+                  <a:srgbClr val="DCDCAA"/>
+                </a:solidFill>
+                <a:latin typeface="Consolas" panose="020B0609020204030204"/>
+                <a:ea typeface="Consolas" panose="020B0609020204030204"/>
+              </a:rPr>
+              <a:t>disp_struct</a:t>
+            </a:r>
+            <a:r>
+              <a:rPr lang="en-US" altLang="zh-CN" sz="1200" b="0">
+                <a:solidFill>
+                  <a:srgbClr val="CCCCCC"/>
+                </a:solidFill>
+                <a:latin typeface="Consolas" panose="020B0609020204030204"/>
+                <a:ea typeface="Consolas" panose="020B0609020204030204"/>
+              </a:rPr>
+              <a:t>(</a:t>
+            </a:r>
+            <a:r>
+              <a:rPr lang="en-US" altLang="zh-CN" sz="1200" b="0">
+                <a:solidFill>
+                  <a:srgbClr val="4EC9B0"/>
+                </a:solidFill>
+                <a:latin typeface="Consolas" panose="020B0609020204030204"/>
+                <a:ea typeface="Consolas" panose="020B0609020204030204"/>
+              </a:rPr>
+              <a:t>Stu</a:t>
+            </a:r>
+            <a:r>
+              <a:rPr lang="en-US" altLang="zh-CN" sz="1200" b="0">
+                <a:solidFill>
+                  <a:srgbClr val="D4D4D4"/>
+                </a:solidFill>
+                <a:latin typeface="Consolas" panose="020B0609020204030204"/>
+                <a:ea typeface="Consolas" panose="020B0609020204030204"/>
+              </a:rPr>
+              <a:t>* </a:t>
+            </a:r>
+            <a:r>
+              <a:rPr lang="en-US" altLang="zh-CN" sz="1200" b="0">
+                <a:solidFill>
+                  <a:srgbClr val="9CDCFE"/>
+                </a:solidFill>
+                <a:latin typeface="Consolas" panose="020B0609020204030204"/>
+                <a:ea typeface="Consolas" panose="020B0609020204030204"/>
+              </a:rPr>
+              <a:t>stud</a:t>
+            </a:r>
+            <a:r>
+              <a:rPr lang="en-US" altLang="zh-CN" sz="1200" b="0">
+                <a:solidFill>
+                  <a:srgbClr val="CCCCCC"/>
+                </a:solidFill>
+                <a:latin typeface="Consolas" panose="020B0609020204030204"/>
+                <a:ea typeface="Consolas" panose="020B0609020204030204"/>
+              </a:rPr>
+              <a:t>){</a:t>
+            </a:r>
+            <a:endParaRPr lang="en-US" altLang="zh-CN" sz="1200" b="0">
+              <a:solidFill>
+                <a:srgbClr val="CCCCCC"/>
+              </a:solidFill>
+              <a:latin typeface="Consolas" panose="020B0609020204030204"/>
+              <a:ea typeface="Consolas" panose="020B0609020204030204"/>
+            </a:endParaRPr>
+          </a:p>
+          <a:p>
+            <a:pPr indent="0" fontAlgn="auto">
+              <a:lnSpc>
+                <a:spcPct val="100000"/>
+              </a:lnSpc>
+            </a:pPr>
+            <a:r>
+              <a:rPr lang="en-US" altLang="zh-CN" sz="1200" b="0">
+                <a:solidFill>
+                  <a:srgbClr val="CCCCCC"/>
+                </a:solidFill>
+                <a:latin typeface="Consolas" panose="020B0609020204030204"/>
+                <a:ea typeface="Consolas" panose="020B0609020204030204"/>
+              </a:rPr>
+              <a:t>    </a:t>
+            </a:r>
+            <a:r>
+              <a:rPr lang="en-US" altLang="zh-CN" sz="1200" b="0">
+                <a:solidFill>
+                  <a:srgbClr val="DCDCAA"/>
+                </a:solidFill>
+                <a:latin typeface="Consolas" panose="020B0609020204030204"/>
+                <a:ea typeface="Consolas" panose="020B0609020204030204"/>
+              </a:rPr>
+              <a:t>printf</a:t>
+            </a:r>
+            <a:r>
+              <a:rPr lang="en-US" altLang="zh-CN" sz="1200" b="0">
+                <a:solidFill>
+                  <a:srgbClr val="CCCCCC"/>
+                </a:solidFill>
+                <a:latin typeface="Consolas" panose="020B0609020204030204"/>
+                <a:ea typeface="Consolas" panose="020B0609020204030204"/>
+              </a:rPr>
+              <a:t>(</a:t>
+            </a:r>
+            <a:r>
+              <a:rPr lang="en-US" altLang="zh-CN" sz="1200" b="0">
+                <a:solidFill>
+                  <a:srgbClr val="CE9178"/>
+                </a:solidFill>
+                <a:latin typeface="Consolas" panose="020B0609020204030204"/>
+                <a:ea typeface="Consolas" panose="020B0609020204030204"/>
+              </a:rPr>
+              <a:t>"Student_id: </a:t>
+            </a:r>
+            <a:r>
+              <a:rPr lang="en-US" altLang="zh-CN" sz="1200" b="0">
+                <a:solidFill>
+                  <a:srgbClr val="9CDCFE"/>
+                </a:solidFill>
+                <a:latin typeface="Consolas" panose="020B0609020204030204"/>
+                <a:ea typeface="Consolas" panose="020B0609020204030204"/>
+              </a:rPr>
+              <a:t>%d</a:t>
+            </a:r>
+            <a:r>
+              <a:rPr lang="en-US" altLang="zh-CN" sz="1200" b="0">
+                <a:solidFill>
+                  <a:srgbClr val="D7BA7D"/>
+                </a:solidFill>
+                <a:latin typeface="Consolas" panose="020B0609020204030204"/>
+                <a:ea typeface="Consolas" panose="020B0609020204030204"/>
+              </a:rPr>
+              <a:t>\t</a:t>
+            </a:r>
+            <a:r>
+              <a:rPr lang="en-US" altLang="zh-CN" sz="1200" b="0">
+                <a:solidFill>
+                  <a:srgbClr val="CE9178"/>
+                </a:solidFill>
+                <a:latin typeface="Consolas" panose="020B0609020204030204"/>
+                <a:ea typeface="Consolas" panose="020B0609020204030204"/>
+              </a:rPr>
+              <a:t>info:</a:t>
+            </a:r>
+            <a:r>
+              <a:rPr lang="en-US" altLang="zh-CN" sz="1200" b="0">
+                <a:solidFill>
+                  <a:srgbClr val="9CDCFE"/>
+                </a:solidFill>
+                <a:latin typeface="Consolas" panose="020B0609020204030204"/>
+                <a:ea typeface="Consolas" panose="020B0609020204030204"/>
+              </a:rPr>
+              <a:t>%s</a:t>
+            </a:r>
+            <a:r>
+              <a:rPr lang="en-US" altLang="zh-CN" sz="1200" b="0">
+                <a:solidFill>
+                  <a:srgbClr val="D7BA7D"/>
+                </a:solidFill>
+                <a:latin typeface="Consolas" panose="020B0609020204030204"/>
+                <a:ea typeface="Consolas" panose="020B0609020204030204"/>
+              </a:rPr>
+              <a:t>\n</a:t>
+            </a:r>
+            <a:r>
+              <a:rPr lang="en-US" altLang="zh-CN" sz="1200" b="0">
+                <a:solidFill>
+                  <a:srgbClr val="CE9178"/>
+                </a:solidFill>
+                <a:latin typeface="Consolas" panose="020B0609020204030204"/>
+                <a:ea typeface="Consolas" panose="020B0609020204030204"/>
+              </a:rPr>
+              <a:t>"</a:t>
+            </a:r>
+            <a:r>
+              <a:rPr lang="en-US" altLang="zh-CN" sz="1200" b="0">
+                <a:solidFill>
+                  <a:srgbClr val="CCCCCC"/>
+                </a:solidFill>
+                <a:latin typeface="Consolas" panose="020B0609020204030204"/>
+                <a:ea typeface="Consolas" panose="020B0609020204030204"/>
+              </a:rPr>
+              <a:t>,</a:t>
+            </a:r>
+            <a:endParaRPr lang="en-US" altLang="zh-CN" sz="1200" b="0">
+              <a:solidFill>
+                <a:srgbClr val="CCCCCC"/>
+              </a:solidFill>
+              <a:latin typeface="Consolas" panose="020B0609020204030204"/>
+              <a:ea typeface="Consolas" panose="020B0609020204030204"/>
+            </a:endParaRPr>
+          </a:p>
+          <a:p>
+            <a:pPr indent="0" fontAlgn="auto">
+              <a:lnSpc>
+                <a:spcPct val="100000"/>
+              </a:lnSpc>
+            </a:pPr>
+            <a:r>
+              <a:rPr lang="en-US" altLang="zh-CN" sz="1200" b="0">
+                <a:solidFill>
+                  <a:srgbClr val="9CDCFE"/>
+                </a:solidFill>
+                <a:latin typeface="Consolas" panose="020B0609020204030204"/>
+                <a:ea typeface="Consolas" panose="020B0609020204030204"/>
+              </a:rPr>
+              <a:t>           stud</a:t>
+            </a:r>
+            <a:r>
+              <a:rPr lang="en-US" altLang="zh-CN" sz="1200" b="0">
+                <a:solidFill>
+                  <a:srgbClr val="CCCCCC"/>
+                </a:solidFill>
+                <a:latin typeface="Consolas" panose="020B0609020204030204"/>
+                <a:ea typeface="Consolas" panose="020B0609020204030204"/>
+              </a:rPr>
+              <a:t>-&gt;</a:t>
+            </a:r>
+            <a:r>
+              <a:rPr lang="en-US" altLang="zh-CN" sz="1200" b="0">
+                <a:solidFill>
+                  <a:srgbClr val="9CDCFE"/>
+                </a:solidFill>
+                <a:latin typeface="Consolas" panose="020B0609020204030204"/>
+                <a:ea typeface="Consolas" panose="020B0609020204030204"/>
+              </a:rPr>
+              <a:t>id</a:t>
+            </a:r>
+            <a:r>
+              <a:rPr lang="en-US" altLang="zh-CN" sz="1200" b="0">
+                <a:solidFill>
+                  <a:srgbClr val="CCCCCC"/>
+                </a:solidFill>
+                <a:latin typeface="Consolas" panose="020B0609020204030204"/>
+                <a:ea typeface="Consolas" panose="020B0609020204030204"/>
+              </a:rPr>
+              <a:t>,</a:t>
+            </a:r>
+            <a:r>
+              <a:rPr lang="en-US" altLang="zh-CN" sz="1200" b="0">
+                <a:solidFill>
+                  <a:srgbClr val="9CDCFE"/>
+                </a:solidFill>
+                <a:latin typeface="Consolas" panose="020B0609020204030204"/>
+                <a:ea typeface="Consolas" panose="020B0609020204030204"/>
+              </a:rPr>
+              <a:t>stud</a:t>
+            </a:r>
+            <a:r>
+              <a:rPr lang="en-US" altLang="zh-CN" sz="1200" b="0">
+                <a:solidFill>
+                  <a:srgbClr val="CCCCCC"/>
+                </a:solidFill>
+                <a:latin typeface="Consolas" panose="020B0609020204030204"/>
+                <a:ea typeface="Consolas" panose="020B0609020204030204"/>
+              </a:rPr>
+              <a:t>-&gt;</a:t>
+            </a:r>
+            <a:r>
+              <a:rPr lang="en-US" altLang="zh-CN" sz="1200" b="0">
+                <a:solidFill>
+                  <a:srgbClr val="9CDCFE"/>
+                </a:solidFill>
+                <a:latin typeface="Consolas" panose="020B0609020204030204"/>
+                <a:ea typeface="Consolas" panose="020B0609020204030204"/>
+              </a:rPr>
+              <a:t>description</a:t>
+            </a:r>
+            <a:r>
+              <a:rPr lang="en-US" altLang="zh-CN" sz="1200" b="0">
+                <a:solidFill>
+                  <a:srgbClr val="CCCCCC"/>
+                </a:solidFill>
+                <a:latin typeface="Consolas" panose="020B0609020204030204"/>
+                <a:ea typeface="Consolas" panose="020B0609020204030204"/>
+              </a:rPr>
+              <a:t>);</a:t>
+            </a:r>
+            <a:endParaRPr lang="en-US" altLang="zh-CN" sz="1200" b="0">
+              <a:solidFill>
+                <a:srgbClr val="CCCCCC"/>
+              </a:solidFill>
+              <a:latin typeface="Consolas" panose="020B0609020204030204"/>
+              <a:ea typeface="Consolas" panose="020B0609020204030204"/>
+            </a:endParaRPr>
+          </a:p>
+          <a:p>
+            <a:pPr indent="0" fontAlgn="auto">
+              <a:lnSpc>
+                <a:spcPct val="100000"/>
+              </a:lnSpc>
+            </a:pPr>
+            <a:r>
+              <a:rPr lang="en-US" altLang="zh-CN" sz="1200" b="0">
+                <a:solidFill>
+                  <a:srgbClr val="CCCCCC"/>
+                </a:solidFill>
+                <a:latin typeface="Consolas" panose="020B0609020204030204"/>
+                <a:ea typeface="Consolas" panose="020B0609020204030204"/>
+              </a:rPr>
+              <a:t>}</a:t>
+            </a:r>
+            <a:endParaRPr lang="en-US" altLang="zh-CN" sz="1200" b="0">
+              <a:solidFill>
+                <a:srgbClr val="CCCCCC"/>
+              </a:solidFill>
+              <a:latin typeface="Consolas" panose="020B0609020204030204"/>
+              <a:ea typeface="Consolas" panose="020B0609020204030204"/>
+            </a:endParaRPr>
+          </a:p>
+          <a:p>
+            <a:pPr indent="0" fontAlgn="auto">
+              <a:lnSpc>
+                <a:spcPct val="100000"/>
+              </a:lnSpc>
+            </a:pPr>
+            <a:r>
+              <a:rPr lang="en-US" altLang="zh-CN" sz="1200" b="0">
+                <a:solidFill>
+                  <a:srgbClr val="569CD6"/>
+                </a:solidFill>
+                <a:latin typeface="Consolas" panose="020B0609020204030204"/>
+                <a:ea typeface="Consolas" panose="020B0609020204030204"/>
+              </a:rPr>
+              <a:t>int </a:t>
+            </a:r>
+            <a:r>
+              <a:rPr lang="en-US" altLang="zh-CN" sz="1200" b="0">
+                <a:solidFill>
+                  <a:srgbClr val="DCDCAA"/>
+                </a:solidFill>
+                <a:latin typeface="Consolas" panose="020B0609020204030204"/>
+                <a:ea typeface="Consolas" panose="020B0609020204030204"/>
+              </a:rPr>
+              <a:t>main</a:t>
+            </a:r>
+            <a:r>
+              <a:rPr lang="en-US" altLang="zh-CN" sz="1200" b="0">
+                <a:solidFill>
+                  <a:srgbClr val="CCCCCC"/>
+                </a:solidFill>
+                <a:latin typeface="Consolas" panose="020B0609020204030204"/>
+                <a:ea typeface="Consolas" panose="020B0609020204030204"/>
+              </a:rPr>
+              <a:t>(){</a:t>
+            </a:r>
+            <a:endParaRPr lang="en-US" altLang="zh-CN" sz="1200" b="0">
+              <a:solidFill>
+                <a:srgbClr val="CCCCCC"/>
+              </a:solidFill>
+              <a:latin typeface="Consolas" panose="020B0609020204030204"/>
+              <a:ea typeface="Consolas" panose="020B0609020204030204"/>
+            </a:endParaRPr>
+          </a:p>
+          <a:p>
+            <a:pPr indent="0" fontAlgn="auto">
+              <a:lnSpc>
+                <a:spcPct val="100000"/>
+              </a:lnSpc>
+            </a:pPr>
+            <a:r>
+              <a:rPr lang="en-US" altLang="zh-CN" sz="1200" b="0">
+                <a:solidFill>
+                  <a:srgbClr val="CCCCCC"/>
+                </a:solidFill>
+                <a:latin typeface="Consolas" panose="020B0609020204030204"/>
+                <a:ea typeface="Consolas" panose="020B0609020204030204"/>
+              </a:rPr>
+              <a:t>     </a:t>
+            </a:r>
+            <a:r>
+              <a:rPr lang="en-US" altLang="zh-CN" sz="1200" b="0">
+                <a:solidFill>
+                  <a:srgbClr val="4EC9B0"/>
+                </a:solidFill>
+                <a:latin typeface="Consolas" panose="020B0609020204030204"/>
+                <a:ea typeface="Consolas" panose="020B0609020204030204"/>
+              </a:rPr>
+              <a:t>Stu </a:t>
+            </a:r>
+            <a:r>
+              <a:rPr lang="en-US" altLang="zh-CN" sz="1200" b="0">
+                <a:solidFill>
+                  <a:srgbClr val="9CDCFE"/>
+                </a:solidFill>
+                <a:latin typeface="Consolas" panose="020B0609020204030204"/>
+                <a:ea typeface="Consolas" panose="020B0609020204030204"/>
+              </a:rPr>
+              <a:t>stum</a:t>
+            </a:r>
+            <a:r>
+              <a:rPr lang="en-US" altLang="zh-CN" sz="1200" b="0">
+                <a:solidFill>
+                  <a:srgbClr val="D4D4D4"/>
+                </a:solidFill>
+                <a:latin typeface="Consolas" panose="020B0609020204030204"/>
+                <a:ea typeface="Consolas" panose="020B0609020204030204"/>
+              </a:rPr>
+              <a:t>=</a:t>
+            </a:r>
+            <a:r>
+              <a:rPr lang="en-US" altLang="zh-CN" sz="1200" b="0">
+                <a:solidFill>
+                  <a:srgbClr val="CCCCCC"/>
+                </a:solidFill>
+                <a:latin typeface="Consolas" panose="020B0609020204030204"/>
+                <a:ea typeface="Consolas" panose="020B0609020204030204"/>
+              </a:rPr>
+              <a:t>{</a:t>
+            </a:r>
+            <a:r>
+              <a:rPr lang="en-US" altLang="zh-CN" sz="1200" b="0">
+                <a:solidFill>
+                  <a:srgbClr val="B5CEA8"/>
+                </a:solidFill>
+                <a:latin typeface="Consolas" panose="020B0609020204030204"/>
+                <a:ea typeface="Consolas" panose="020B0609020204030204"/>
+              </a:rPr>
+              <a:t>3</a:t>
+            </a:r>
+            <a:r>
+              <a:rPr lang="en-US" altLang="zh-CN" sz="1200" b="0">
+                <a:solidFill>
+                  <a:srgbClr val="CCCCCC"/>
+                </a:solidFill>
+                <a:latin typeface="Consolas" panose="020B0609020204030204"/>
+                <a:ea typeface="Consolas" panose="020B0609020204030204"/>
+              </a:rPr>
+              <a:t>,</a:t>
+            </a:r>
+            <a:r>
+              <a:rPr lang="en-US" altLang="zh-CN" sz="1200" b="0">
+                <a:solidFill>
+                  <a:srgbClr val="CE9178"/>
+                </a:solidFill>
+                <a:latin typeface="Consolas" panose="020B0609020204030204"/>
+                <a:ea typeface="Consolas" panose="020B0609020204030204"/>
+              </a:rPr>
+              <a:t>"NAZHA"</a:t>
+            </a:r>
+            <a:r>
+              <a:rPr lang="en-US" altLang="zh-CN" sz="1200" b="0">
+                <a:solidFill>
+                  <a:srgbClr val="CCCCCC"/>
+                </a:solidFill>
+                <a:latin typeface="Consolas" panose="020B0609020204030204"/>
+                <a:ea typeface="Consolas" panose="020B0609020204030204"/>
+              </a:rPr>
+              <a:t>};</a:t>
+            </a:r>
+            <a:endParaRPr lang="en-US" altLang="zh-CN" sz="1200" b="0">
+              <a:solidFill>
+                <a:srgbClr val="CCCCCC"/>
+              </a:solidFill>
+              <a:latin typeface="Consolas" panose="020B0609020204030204"/>
+              <a:ea typeface="Consolas" panose="020B0609020204030204"/>
+            </a:endParaRPr>
+          </a:p>
+          <a:p>
+            <a:pPr indent="0" fontAlgn="auto">
+              <a:lnSpc>
+                <a:spcPct val="100000"/>
+              </a:lnSpc>
+            </a:pPr>
+            <a:r>
+              <a:rPr lang="en-US" altLang="zh-CN" sz="1200" b="0">
+                <a:solidFill>
+                  <a:srgbClr val="CCCCCC"/>
+                </a:solidFill>
+                <a:latin typeface="Consolas" panose="020B0609020204030204"/>
+                <a:ea typeface="Consolas" panose="020B0609020204030204"/>
+              </a:rPr>
+              <a:t>    </a:t>
+            </a:r>
+            <a:r>
+              <a:rPr lang="en-US" altLang="zh-CN" sz="1200" b="0">
+                <a:solidFill>
+                  <a:srgbClr val="DCDCAA"/>
+                </a:solidFill>
+                <a:latin typeface="Consolas" panose="020B0609020204030204"/>
+                <a:ea typeface="Consolas" panose="020B0609020204030204"/>
+              </a:rPr>
+              <a:t>disp_struct</a:t>
+            </a:r>
+            <a:r>
+              <a:rPr lang="en-US" altLang="zh-CN" sz="1200" b="0">
+                <a:solidFill>
+                  <a:srgbClr val="CCCCCC"/>
+                </a:solidFill>
+                <a:latin typeface="Consolas" panose="020B0609020204030204"/>
+                <a:ea typeface="Consolas" panose="020B0609020204030204"/>
+              </a:rPr>
+              <a:t>(</a:t>
+            </a:r>
+            <a:r>
+              <a:rPr lang="en-US" altLang="zh-CN" sz="1200" b="0">
+                <a:solidFill>
+                  <a:srgbClr val="D4D4D4"/>
+                </a:solidFill>
+                <a:latin typeface="Consolas" panose="020B0609020204030204"/>
+                <a:ea typeface="Consolas" panose="020B0609020204030204"/>
+              </a:rPr>
+              <a:t>&amp;</a:t>
+            </a:r>
+            <a:r>
+              <a:rPr lang="en-US" altLang="zh-CN" sz="1200" b="0">
+                <a:solidFill>
+                  <a:srgbClr val="9CDCFE"/>
+                </a:solidFill>
+                <a:latin typeface="Consolas" panose="020B0609020204030204"/>
+                <a:ea typeface="Consolas" panose="020B0609020204030204"/>
+              </a:rPr>
+              <a:t>stum</a:t>
+            </a:r>
+            <a:r>
+              <a:rPr lang="en-US" altLang="zh-CN" sz="1200" b="0">
+                <a:solidFill>
+                  <a:srgbClr val="CCCCCC"/>
+                </a:solidFill>
+                <a:latin typeface="Consolas" panose="020B0609020204030204"/>
+                <a:ea typeface="Consolas" panose="020B0609020204030204"/>
+              </a:rPr>
+              <a:t>);</a:t>
+            </a:r>
+            <a:endParaRPr lang="en-US" altLang="zh-CN" sz="1200" b="0">
+              <a:solidFill>
+                <a:srgbClr val="CCCCCC"/>
+              </a:solidFill>
+              <a:latin typeface="Consolas" panose="020B0609020204030204"/>
+              <a:ea typeface="Consolas" panose="020B0609020204030204"/>
+            </a:endParaRPr>
+          </a:p>
+          <a:p>
+            <a:pPr indent="0" fontAlgn="auto">
+              <a:lnSpc>
+                <a:spcPct val="100000"/>
+              </a:lnSpc>
+            </a:pPr>
+            <a:r>
+              <a:rPr lang="en-US" altLang="zh-CN" sz="1200" b="0">
+                <a:solidFill>
+                  <a:srgbClr val="CCCCCC"/>
+                </a:solidFill>
+                <a:latin typeface="Consolas" panose="020B0609020204030204"/>
+                <a:ea typeface="Consolas" panose="020B0609020204030204"/>
+              </a:rPr>
+              <a:t>    </a:t>
+            </a:r>
+            <a:r>
+              <a:rPr lang="en-US" altLang="zh-CN" sz="1200" b="0">
+                <a:solidFill>
+                  <a:srgbClr val="C586C0"/>
+                </a:solidFill>
+                <a:latin typeface="Consolas" panose="020B0609020204030204"/>
+                <a:ea typeface="Consolas" panose="020B0609020204030204"/>
+              </a:rPr>
+              <a:t>return</a:t>
+            </a:r>
+            <a:r>
+              <a:rPr lang="en-US" altLang="zh-CN" sz="1200" b="0">
+                <a:solidFill>
+                  <a:srgbClr val="B5CEA8"/>
+                </a:solidFill>
+                <a:latin typeface="Consolas" panose="020B0609020204030204"/>
+                <a:ea typeface="Consolas" panose="020B0609020204030204"/>
+              </a:rPr>
+              <a:t>0</a:t>
+            </a:r>
+            <a:r>
+              <a:rPr lang="en-US" altLang="zh-CN" sz="1200" b="0">
+                <a:solidFill>
+                  <a:srgbClr val="CCCCCC"/>
+                </a:solidFill>
+                <a:latin typeface="Consolas" panose="020B0609020204030204"/>
+                <a:ea typeface="Consolas" panose="020B0609020204030204"/>
+              </a:rPr>
+              <a:t>;</a:t>
+            </a:r>
+            <a:endParaRPr lang="en-US" altLang="zh-CN" sz="1200" b="0">
+              <a:solidFill>
+                <a:srgbClr val="CCCCCC"/>
+              </a:solidFill>
+              <a:latin typeface="Consolas" panose="020B0609020204030204"/>
+              <a:ea typeface="Consolas" panose="020B0609020204030204"/>
+            </a:endParaRPr>
+          </a:p>
+          <a:p>
+            <a:pPr indent="0" fontAlgn="auto">
+              <a:lnSpc>
+                <a:spcPct val="100000"/>
+              </a:lnSpc>
+            </a:pPr>
+            <a:r>
+              <a:rPr lang="en-US" altLang="zh-CN" sz="1200" b="0">
+                <a:solidFill>
+                  <a:srgbClr val="CCCCCC"/>
+                </a:solidFill>
+                <a:latin typeface="Consolas" panose="020B0609020204030204"/>
+                <a:ea typeface="Consolas" panose="020B0609020204030204"/>
+              </a:rPr>
+              <a:t>}</a:t>
+            </a:r>
+            <a:endParaRPr lang="en-US" altLang="zh-CN" sz="1200" b="0">
+              <a:solidFill>
+                <a:srgbClr val="CCCCCC"/>
+              </a:solidFill>
+              <a:latin typeface="Consolas" panose="020B0609020204030204"/>
+              <a:ea typeface="Consolas" panose="020B0609020204030204"/>
+            </a:endParaRPr>
           </a:p>
         </p:txBody>
       </p:sp>
@@ -21382,1136 +23186,8 @@
         </p:nvSpPr>
         <p:spPr>
           <a:xfrm>
-            <a:off x="1232453" y="1191439"/>
-            <a:ext cx="4466383" cy="4647426"/>
-          </a:xfrm>
-          <a:prstGeom prst="rect">
-            <a:avLst/>
-          </a:prstGeom>
-          <a:solidFill>
-            <a:schemeClr val="bg2"/>
-          </a:solidFill>
-          <a:ln>
-            <a:solidFill>
-              <a:schemeClr val="tx1"/>
-            </a:solidFill>
-          </a:ln>
-        </p:spPr>
-        <p:txBody>
-          <a:bodyPr wrap="square">
-            <a:spAutoFit/>
-          </a:bodyPr>
-          <a:lstStyle/>
-          <a:p>
-            <a:r>
-              <a:rPr lang="en-US" altLang="zh-CN" sz="1600" b="0" dirty="0">
-                <a:solidFill>
-                  <a:srgbClr val="AF00DB"/>
-                </a:solidFill>
-                <a:effectLst/>
-              </a:rPr>
-              <a:t>#include</a:t>
-            </a:r>
-            <a:r>
-              <a:rPr lang="en-US" altLang="zh-CN" sz="1600" b="0" dirty="0">
-                <a:solidFill>
-                  <a:srgbClr val="0000FF"/>
-                </a:solidFill>
-                <a:effectLst/>
-              </a:rPr>
-              <a:t> </a:t>
-            </a:r>
-            <a:r>
-              <a:rPr lang="en-US" altLang="zh-CN" sz="1600" b="0" dirty="0">
-                <a:solidFill>
-                  <a:srgbClr val="A31515"/>
-                </a:solidFill>
-                <a:effectLst/>
-              </a:rPr>
-              <a:t>&lt;iostream&gt;</a:t>
-            </a:r>
-            <a:endParaRPr lang="en-US" altLang="zh-CN" sz="1600" b="0" dirty="0">
-              <a:solidFill>
-                <a:srgbClr val="000000"/>
-              </a:solidFill>
-              <a:effectLst/>
-            </a:endParaRPr>
-          </a:p>
-          <a:p>
-            <a:r>
-              <a:rPr lang="en-US" altLang="zh-CN" sz="1600" b="0" dirty="0">
-                <a:solidFill>
-                  <a:srgbClr val="AF00DB"/>
-                </a:solidFill>
-                <a:effectLst/>
-              </a:rPr>
-              <a:t>using</a:t>
-            </a:r>
-            <a:r>
-              <a:rPr lang="en-US" altLang="zh-CN" sz="1600" b="0" dirty="0">
-                <a:solidFill>
-                  <a:srgbClr val="000000"/>
-                </a:solidFill>
-                <a:effectLst/>
-              </a:rPr>
-              <a:t> </a:t>
-            </a:r>
-            <a:r>
-              <a:rPr lang="en-US" altLang="zh-CN" sz="1600" b="0" dirty="0">
-                <a:solidFill>
-                  <a:srgbClr val="0000FF"/>
-                </a:solidFill>
-                <a:effectLst/>
-              </a:rPr>
-              <a:t>namespace</a:t>
-            </a:r>
-            <a:r>
-              <a:rPr lang="en-US" altLang="zh-CN" sz="1600" b="0" dirty="0">
-                <a:solidFill>
-                  <a:srgbClr val="000000"/>
-                </a:solidFill>
-                <a:effectLst/>
-              </a:rPr>
-              <a:t> </a:t>
-            </a:r>
-            <a:r>
-              <a:rPr lang="en-US" altLang="zh-CN" sz="1600" b="0" dirty="0">
-                <a:solidFill>
-                  <a:srgbClr val="267F99"/>
-                </a:solidFill>
-                <a:effectLst/>
-              </a:rPr>
-              <a:t>std</a:t>
-            </a:r>
-            <a:r>
-              <a:rPr lang="en-US" altLang="zh-CN" sz="1600" b="0" dirty="0">
-                <a:solidFill>
-                  <a:srgbClr val="000000"/>
-                </a:solidFill>
-                <a:effectLst/>
-              </a:rPr>
-              <a:t>;</a:t>
-            </a:r>
-            <a:endParaRPr lang="en-US" altLang="zh-CN" sz="1600" b="0" dirty="0">
-              <a:solidFill>
-                <a:srgbClr val="000000"/>
-              </a:solidFill>
-              <a:effectLst/>
-            </a:endParaRPr>
-          </a:p>
-          <a:p>
-            <a:r>
-              <a:rPr lang="en-US" altLang="zh-CN" sz="1600" b="0" dirty="0">
-                <a:solidFill>
-                  <a:srgbClr val="0000FF"/>
-                </a:solidFill>
-                <a:effectLst/>
-              </a:rPr>
-              <a:t>int</a:t>
-            </a:r>
-            <a:r>
-              <a:rPr lang="en-US" altLang="zh-CN" sz="1600" b="0" dirty="0">
-                <a:solidFill>
-                  <a:srgbClr val="000000"/>
-                </a:solidFill>
-                <a:effectLst/>
-              </a:rPr>
-              <a:t> </a:t>
-            </a:r>
-            <a:r>
-              <a:rPr lang="en-US" altLang="zh-CN" sz="1600" b="0" dirty="0">
-                <a:solidFill>
-                  <a:srgbClr val="0000FF"/>
-                </a:solidFill>
-                <a:effectLst/>
-              </a:rPr>
-              <a:t>*</a:t>
-            </a:r>
-            <a:r>
-              <a:rPr lang="en-US" altLang="zh-CN" sz="1600" b="0" dirty="0">
-                <a:solidFill>
-                  <a:srgbClr val="000000"/>
-                </a:solidFill>
-                <a:effectLst/>
-              </a:rPr>
-              <a:t> </a:t>
-            </a:r>
-            <a:r>
-              <a:rPr lang="en-US" altLang="zh-CN" sz="1600" b="0" dirty="0" err="1">
-                <a:solidFill>
-                  <a:srgbClr val="795E26"/>
-                </a:solidFill>
-                <a:effectLst/>
-              </a:rPr>
-              <a:t>create_array</a:t>
-            </a:r>
-            <a:r>
-              <a:rPr lang="en-US" altLang="zh-CN" sz="1600" b="0" dirty="0">
-                <a:solidFill>
-                  <a:srgbClr val="000000"/>
-                </a:solidFill>
-                <a:effectLst/>
-              </a:rPr>
-              <a:t>(</a:t>
-            </a:r>
-            <a:r>
-              <a:rPr lang="en-US" altLang="zh-CN" sz="1600" b="0" dirty="0">
-                <a:solidFill>
-                  <a:srgbClr val="0000FF"/>
-                </a:solidFill>
-                <a:effectLst/>
-              </a:rPr>
-              <a:t>int</a:t>
-            </a:r>
-            <a:r>
-              <a:rPr lang="en-US" altLang="zh-CN" sz="1600" b="0" dirty="0">
-                <a:solidFill>
-                  <a:srgbClr val="000000"/>
-                </a:solidFill>
-                <a:effectLst/>
-              </a:rPr>
-              <a:t> </a:t>
-            </a:r>
-            <a:r>
-              <a:rPr lang="en-US" altLang="zh-CN" sz="1600" b="0" dirty="0">
-                <a:solidFill>
-                  <a:srgbClr val="001080"/>
-                </a:solidFill>
-                <a:effectLst/>
-              </a:rPr>
-              <a:t>size</a:t>
-            </a:r>
-            <a:r>
-              <a:rPr lang="en-US" altLang="zh-CN" sz="1600" b="0" dirty="0">
-                <a:solidFill>
-                  <a:srgbClr val="000000"/>
-                </a:solidFill>
-                <a:effectLst/>
-              </a:rPr>
-              <a:t>)</a:t>
-            </a:r>
-            <a:endParaRPr lang="en-US" altLang="zh-CN" sz="1600" b="0" dirty="0">
-              <a:solidFill>
-                <a:srgbClr val="000000"/>
-              </a:solidFill>
-              <a:effectLst/>
-            </a:endParaRPr>
-          </a:p>
-          <a:p>
-            <a:r>
-              <a:rPr lang="en-US" altLang="zh-CN" sz="1600" b="0" dirty="0">
-                <a:solidFill>
-                  <a:srgbClr val="000000"/>
-                </a:solidFill>
-                <a:effectLst/>
-              </a:rPr>
-              <a:t>{</a:t>
-            </a:r>
-            <a:endParaRPr lang="en-US" altLang="zh-CN" sz="1600" b="0" dirty="0">
-              <a:solidFill>
-                <a:srgbClr val="000000"/>
-              </a:solidFill>
-              <a:effectLst/>
-            </a:endParaRPr>
-          </a:p>
-          <a:p>
-            <a:r>
-              <a:rPr lang="en-US" altLang="zh-CN" sz="1600" b="0" dirty="0">
-                <a:solidFill>
-                  <a:srgbClr val="0000FF"/>
-                </a:solidFill>
-                <a:effectLst/>
-              </a:rPr>
-              <a:t>    int</a:t>
-            </a:r>
-            <a:r>
-              <a:rPr lang="en-US" altLang="zh-CN" sz="1600" b="0" dirty="0">
-                <a:solidFill>
-                  <a:srgbClr val="000000"/>
-                </a:solidFill>
-                <a:effectLst/>
-              </a:rPr>
-              <a:t> </a:t>
-            </a:r>
-            <a:r>
-              <a:rPr lang="en-US" altLang="zh-CN" sz="1600" b="0" dirty="0" err="1">
-                <a:solidFill>
-                  <a:srgbClr val="001080"/>
-                </a:solidFill>
-                <a:effectLst/>
-              </a:rPr>
-              <a:t>arr</a:t>
-            </a:r>
-            <a:r>
-              <a:rPr lang="en-US" altLang="zh-CN" sz="1600" b="0" dirty="0">
-                <a:solidFill>
-                  <a:srgbClr val="000000"/>
-                </a:solidFill>
-                <a:effectLst/>
-              </a:rPr>
-              <a:t>[</a:t>
-            </a:r>
-            <a:r>
-              <a:rPr lang="en-US" altLang="zh-CN" sz="1600" b="0" dirty="0">
-                <a:solidFill>
-                  <a:srgbClr val="001080"/>
-                </a:solidFill>
-                <a:effectLst/>
-              </a:rPr>
-              <a:t>size</a:t>
-            </a:r>
-            <a:r>
-              <a:rPr lang="en-US" altLang="zh-CN" sz="1600" b="0" dirty="0">
-                <a:solidFill>
-                  <a:srgbClr val="000000"/>
-                </a:solidFill>
-                <a:effectLst/>
-              </a:rPr>
-              <a:t>];</a:t>
-            </a:r>
-            <a:endParaRPr lang="en-US" altLang="zh-CN" sz="1600" b="0" dirty="0">
-              <a:solidFill>
-                <a:srgbClr val="000000"/>
-              </a:solidFill>
-              <a:effectLst/>
-            </a:endParaRPr>
-          </a:p>
-          <a:p>
-            <a:br>
-              <a:rPr lang="en-US" altLang="zh-CN" sz="1600" b="0" dirty="0">
-                <a:solidFill>
-                  <a:srgbClr val="000000"/>
-                </a:solidFill>
-                <a:effectLst/>
-              </a:rPr>
-            </a:br>
-            <a:r>
-              <a:rPr lang="en-US" altLang="zh-CN" sz="1600" b="0" dirty="0">
-                <a:solidFill>
-                  <a:srgbClr val="000000"/>
-                </a:solidFill>
-                <a:effectLst/>
-              </a:rPr>
-              <a:t>    </a:t>
-            </a:r>
-            <a:r>
-              <a:rPr lang="en-US" altLang="zh-CN" sz="1600" b="0" dirty="0">
-                <a:solidFill>
-                  <a:srgbClr val="AF00DB"/>
-                </a:solidFill>
-                <a:effectLst/>
-              </a:rPr>
-              <a:t>for</a:t>
-            </a:r>
-            <a:r>
-              <a:rPr lang="en-US" altLang="zh-CN" sz="1600" b="0" dirty="0">
-                <a:solidFill>
-                  <a:srgbClr val="000000"/>
-                </a:solidFill>
-                <a:effectLst/>
-              </a:rPr>
-              <a:t>(</a:t>
-            </a:r>
-            <a:r>
-              <a:rPr lang="en-US" altLang="zh-CN" sz="1600" b="0" dirty="0">
-                <a:solidFill>
-                  <a:srgbClr val="0000FF"/>
-                </a:solidFill>
-                <a:effectLst/>
-              </a:rPr>
-              <a:t>int</a:t>
-            </a:r>
-            <a:r>
-              <a:rPr lang="en-US" altLang="zh-CN" sz="1600" b="0" dirty="0">
-                <a:solidFill>
-                  <a:srgbClr val="000000"/>
-                </a:solidFill>
-                <a:effectLst/>
-              </a:rPr>
-              <a:t> </a:t>
-            </a:r>
-            <a:r>
-              <a:rPr lang="en-US" altLang="zh-CN" sz="1600" b="0" dirty="0" err="1">
-                <a:solidFill>
-                  <a:srgbClr val="001080"/>
-                </a:solidFill>
-                <a:effectLst/>
-              </a:rPr>
-              <a:t>i</a:t>
-            </a:r>
-            <a:r>
-              <a:rPr lang="en-US" altLang="zh-CN" sz="1600" b="0" dirty="0">
-                <a:solidFill>
-                  <a:srgbClr val="000000"/>
-                </a:solidFill>
-                <a:effectLst/>
-              </a:rPr>
-              <a:t> = </a:t>
-            </a:r>
-            <a:r>
-              <a:rPr lang="en-US" altLang="zh-CN" sz="1600" b="0" dirty="0">
-                <a:solidFill>
-                  <a:srgbClr val="098658"/>
-                </a:solidFill>
-                <a:effectLst/>
-              </a:rPr>
-              <a:t>0</a:t>
-            </a:r>
-            <a:r>
-              <a:rPr lang="en-US" altLang="zh-CN" sz="1600" b="0" dirty="0">
-                <a:solidFill>
-                  <a:srgbClr val="000000"/>
-                </a:solidFill>
-                <a:effectLst/>
-              </a:rPr>
-              <a:t>; </a:t>
-            </a:r>
-            <a:r>
-              <a:rPr lang="en-US" altLang="zh-CN" sz="1600" b="0" dirty="0" err="1">
-                <a:solidFill>
-                  <a:srgbClr val="001080"/>
-                </a:solidFill>
-                <a:effectLst/>
-              </a:rPr>
-              <a:t>i</a:t>
-            </a:r>
-            <a:r>
-              <a:rPr lang="en-US" altLang="zh-CN" sz="1600" b="0" dirty="0">
-                <a:solidFill>
-                  <a:srgbClr val="000000"/>
-                </a:solidFill>
-                <a:effectLst/>
-              </a:rPr>
-              <a:t> &lt; </a:t>
-            </a:r>
-            <a:r>
-              <a:rPr lang="en-US" altLang="zh-CN" sz="1600" b="0" dirty="0">
-                <a:solidFill>
-                  <a:srgbClr val="001080"/>
-                </a:solidFill>
-                <a:effectLst/>
-              </a:rPr>
-              <a:t>size</a:t>
-            </a:r>
-            <a:r>
-              <a:rPr lang="en-US" altLang="zh-CN" sz="1600" b="0" dirty="0">
-                <a:solidFill>
-                  <a:srgbClr val="000000"/>
-                </a:solidFill>
-                <a:effectLst/>
-              </a:rPr>
-              <a:t>; </a:t>
-            </a:r>
-            <a:r>
-              <a:rPr lang="en-US" altLang="zh-CN" sz="1600" b="0" dirty="0" err="1">
-                <a:solidFill>
-                  <a:srgbClr val="001080"/>
-                </a:solidFill>
-                <a:effectLst/>
-              </a:rPr>
-              <a:t>i</a:t>
-            </a:r>
-            <a:r>
-              <a:rPr lang="en-US" altLang="zh-CN" sz="1600" b="0" dirty="0">
-                <a:solidFill>
-                  <a:srgbClr val="000000"/>
-                </a:solidFill>
-                <a:effectLst/>
-              </a:rPr>
-              <a:t>++)</a:t>
-            </a:r>
-            <a:endParaRPr lang="en-US" altLang="zh-CN" sz="1600" b="0" dirty="0">
-              <a:solidFill>
-                <a:srgbClr val="000000"/>
-              </a:solidFill>
-              <a:effectLst/>
-            </a:endParaRPr>
-          </a:p>
-          <a:p>
-            <a:r>
-              <a:rPr lang="en-US" altLang="zh-CN" sz="1600" b="0" dirty="0">
-                <a:solidFill>
-                  <a:srgbClr val="001080"/>
-                </a:solidFill>
-                <a:effectLst/>
-              </a:rPr>
-              <a:t>        </a:t>
-            </a:r>
-            <a:r>
-              <a:rPr lang="en-US" altLang="zh-CN" sz="1600" b="0" dirty="0" err="1">
-                <a:solidFill>
-                  <a:srgbClr val="001080"/>
-                </a:solidFill>
-                <a:effectLst/>
-              </a:rPr>
-              <a:t>arr</a:t>
-            </a:r>
-            <a:r>
-              <a:rPr lang="en-US" altLang="zh-CN" sz="1600" b="0" dirty="0">
-                <a:solidFill>
-                  <a:srgbClr val="000000"/>
-                </a:solidFill>
-                <a:effectLst/>
-              </a:rPr>
-              <a:t>[</a:t>
-            </a:r>
-            <a:r>
-              <a:rPr lang="en-US" altLang="zh-CN" sz="1600" b="0" dirty="0" err="1">
-                <a:solidFill>
-                  <a:srgbClr val="001080"/>
-                </a:solidFill>
-                <a:effectLst/>
-              </a:rPr>
-              <a:t>i</a:t>
-            </a:r>
-            <a:r>
-              <a:rPr lang="en-US" altLang="zh-CN" sz="1600" b="0" dirty="0">
-                <a:solidFill>
-                  <a:srgbClr val="000000"/>
-                </a:solidFill>
-                <a:effectLst/>
-              </a:rPr>
-              <a:t>] = </a:t>
-            </a:r>
-            <a:r>
-              <a:rPr lang="en-US" altLang="zh-CN" sz="1600" b="0" dirty="0" err="1">
-                <a:solidFill>
-                  <a:srgbClr val="001080"/>
-                </a:solidFill>
-                <a:effectLst/>
-              </a:rPr>
-              <a:t>i</a:t>
-            </a:r>
-            <a:r>
-              <a:rPr lang="en-US" altLang="zh-CN" sz="1600" b="0" dirty="0">
-                <a:solidFill>
-                  <a:srgbClr val="000000"/>
-                </a:solidFill>
-                <a:effectLst/>
-              </a:rPr>
-              <a:t> * </a:t>
-            </a:r>
-            <a:r>
-              <a:rPr lang="en-US" altLang="zh-CN" sz="1600" b="0" dirty="0">
-                <a:solidFill>
-                  <a:srgbClr val="098658"/>
-                </a:solidFill>
-                <a:effectLst/>
-              </a:rPr>
-              <a:t>10</a:t>
-            </a:r>
-            <a:r>
-              <a:rPr lang="en-US" altLang="zh-CN" sz="1600" b="0" dirty="0">
-                <a:solidFill>
-                  <a:srgbClr val="000000"/>
-                </a:solidFill>
-                <a:effectLst/>
-              </a:rPr>
-              <a:t>;</a:t>
-            </a:r>
-            <a:endParaRPr lang="en-US" altLang="zh-CN" sz="1600" b="0" dirty="0">
-              <a:solidFill>
-                <a:srgbClr val="000000"/>
-              </a:solidFill>
-              <a:effectLst/>
-            </a:endParaRPr>
-          </a:p>
-          <a:p>
-            <a:r>
-              <a:rPr lang="en-US" altLang="zh-CN" sz="1600" b="0" dirty="0">
-                <a:solidFill>
-                  <a:srgbClr val="AF00DB"/>
-                </a:solidFill>
-                <a:effectLst/>
-              </a:rPr>
-              <a:t>    return</a:t>
-            </a:r>
-            <a:r>
-              <a:rPr lang="en-US" altLang="zh-CN" sz="1600" b="0" dirty="0">
-                <a:solidFill>
-                  <a:srgbClr val="000000"/>
-                </a:solidFill>
-                <a:effectLst/>
-              </a:rPr>
-              <a:t> </a:t>
-            </a:r>
-            <a:r>
-              <a:rPr lang="en-US" altLang="zh-CN" sz="1600" b="0" dirty="0" err="1">
-                <a:solidFill>
-                  <a:srgbClr val="001080"/>
-                </a:solidFill>
-                <a:effectLst/>
-              </a:rPr>
-              <a:t>arr</a:t>
-            </a:r>
-            <a:r>
-              <a:rPr lang="en-US" altLang="zh-CN" sz="1600" b="0" dirty="0">
-                <a:solidFill>
-                  <a:srgbClr val="000000"/>
-                </a:solidFill>
-                <a:effectLst/>
-              </a:rPr>
-              <a:t>;</a:t>
-            </a:r>
-            <a:endParaRPr lang="en-US" altLang="zh-CN" sz="1600" b="0" dirty="0">
-              <a:solidFill>
-                <a:srgbClr val="000000"/>
-              </a:solidFill>
-              <a:effectLst/>
-            </a:endParaRPr>
-          </a:p>
-          <a:p>
-            <a:r>
-              <a:rPr lang="en-US" altLang="zh-CN" sz="1600" b="0" dirty="0">
-                <a:solidFill>
-                  <a:srgbClr val="000000"/>
-                </a:solidFill>
-                <a:effectLst/>
-              </a:rPr>
-              <a:t>}</a:t>
-            </a:r>
-            <a:endParaRPr lang="en-US" altLang="zh-CN" sz="1600" b="0" dirty="0">
-              <a:solidFill>
-                <a:srgbClr val="000000"/>
-              </a:solidFill>
-              <a:effectLst/>
-            </a:endParaRPr>
-          </a:p>
-          <a:p>
-            <a:r>
-              <a:rPr lang="en-US" altLang="zh-CN" sz="1600" b="0" dirty="0">
-                <a:solidFill>
-                  <a:srgbClr val="0000FF"/>
-                </a:solidFill>
-                <a:effectLst/>
-              </a:rPr>
-              <a:t>int</a:t>
-            </a:r>
-            <a:r>
-              <a:rPr lang="en-US" altLang="zh-CN" sz="1600" b="0" dirty="0">
-                <a:solidFill>
-                  <a:srgbClr val="000000"/>
-                </a:solidFill>
-                <a:effectLst/>
-              </a:rPr>
-              <a:t> </a:t>
-            </a:r>
-            <a:r>
-              <a:rPr lang="en-US" altLang="zh-CN" sz="1600" b="0" dirty="0">
-                <a:solidFill>
-                  <a:srgbClr val="795E26"/>
-                </a:solidFill>
-                <a:effectLst/>
-              </a:rPr>
-              <a:t>main</a:t>
-            </a:r>
-            <a:r>
-              <a:rPr lang="en-US" altLang="zh-CN" sz="1600" b="0" dirty="0">
-                <a:solidFill>
-                  <a:srgbClr val="000000"/>
-                </a:solidFill>
-                <a:effectLst/>
-              </a:rPr>
-              <a:t>()</a:t>
-            </a:r>
-            <a:endParaRPr lang="en-US" altLang="zh-CN" sz="1600" b="0" dirty="0">
-              <a:solidFill>
-                <a:srgbClr val="000000"/>
-              </a:solidFill>
-              <a:effectLst/>
-            </a:endParaRPr>
-          </a:p>
-          <a:p>
-            <a:r>
-              <a:rPr lang="en-US" altLang="zh-CN" sz="1600" b="0" dirty="0">
-                <a:solidFill>
-                  <a:srgbClr val="000000"/>
-                </a:solidFill>
-                <a:effectLst/>
-              </a:rPr>
-              <a:t>{</a:t>
-            </a:r>
-            <a:endParaRPr lang="en-US" altLang="zh-CN" sz="1600" b="0" dirty="0">
-              <a:solidFill>
-                <a:srgbClr val="000000"/>
-              </a:solidFill>
-              <a:effectLst/>
-            </a:endParaRPr>
-          </a:p>
-          <a:p>
-            <a:r>
-              <a:rPr lang="en-US" altLang="zh-CN" sz="1600" b="0" dirty="0">
-                <a:solidFill>
-                  <a:srgbClr val="0000FF"/>
-                </a:solidFill>
-                <a:effectLst/>
-              </a:rPr>
-              <a:t>    int</a:t>
-            </a:r>
-            <a:r>
-              <a:rPr lang="en-US" altLang="zh-CN" sz="1600" b="0" dirty="0">
-                <a:solidFill>
-                  <a:srgbClr val="000000"/>
-                </a:solidFill>
-                <a:effectLst/>
-              </a:rPr>
-              <a:t> </a:t>
-            </a:r>
-            <a:r>
-              <a:rPr lang="en-US" altLang="zh-CN" sz="1600" b="0" dirty="0" err="1">
-                <a:solidFill>
-                  <a:srgbClr val="001080"/>
-                </a:solidFill>
-                <a:effectLst/>
-              </a:rPr>
-              <a:t>len</a:t>
-            </a:r>
-            <a:r>
-              <a:rPr lang="en-US" altLang="zh-CN" sz="1600" b="0" dirty="0">
-                <a:solidFill>
-                  <a:srgbClr val="000000"/>
-                </a:solidFill>
-                <a:effectLst/>
-              </a:rPr>
-              <a:t> = </a:t>
-            </a:r>
-            <a:r>
-              <a:rPr lang="en-US" altLang="zh-CN" sz="1600" b="0" dirty="0">
-                <a:solidFill>
-                  <a:srgbClr val="098658"/>
-                </a:solidFill>
-                <a:effectLst/>
-              </a:rPr>
-              <a:t>16</a:t>
-            </a:r>
-            <a:r>
-              <a:rPr lang="en-US" altLang="zh-CN" sz="1600" b="0" dirty="0">
-                <a:solidFill>
-                  <a:srgbClr val="000000"/>
-                </a:solidFill>
-                <a:effectLst/>
-              </a:rPr>
-              <a:t>;</a:t>
-            </a:r>
-            <a:endParaRPr lang="en-US" altLang="zh-CN" sz="1600" b="0" dirty="0">
-              <a:solidFill>
-                <a:srgbClr val="000000"/>
-              </a:solidFill>
-              <a:effectLst/>
-            </a:endParaRPr>
-          </a:p>
-          <a:p>
-            <a:r>
-              <a:rPr lang="en-US" altLang="zh-CN" sz="1600" b="0" dirty="0">
-                <a:solidFill>
-                  <a:srgbClr val="0000FF"/>
-                </a:solidFill>
-                <a:effectLst/>
-              </a:rPr>
-              <a:t>    int</a:t>
-            </a:r>
-            <a:r>
-              <a:rPr lang="en-US" altLang="zh-CN" sz="1600" b="0" dirty="0">
-                <a:solidFill>
-                  <a:srgbClr val="000000"/>
-                </a:solidFill>
-                <a:effectLst/>
-              </a:rPr>
-              <a:t> *</a:t>
-            </a:r>
-            <a:r>
-              <a:rPr lang="en-US" altLang="zh-CN" sz="1600" b="0" dirty="0" err="1">
-                <a:solidFill>
-                  <a:srgbClr val="001080"/>
-                </a:solidFill>
-                <a:effectLst/>
-              </a:rPr>
-              <a:t>ptr</a:t>
-            </a:r>
-            <a:r>
-              <a:rPr lang="en-US" altLang="zh-CN" sz="1600" b="0" dirty="0">
-                <a:solidFill>
-                  <a:srgbClr val="000000"/>
-                </a:solidFill>
-                <a:effectLst/>
-              </a:rPr>
-              <a:t> = </a:t>
-            </a:r>
-            <a:r>
-              <a:rPr lang="en-US" altLang="zh-CN" sz="1600" b="0" dirty="0" err="1">
-                <a:solidFill>
-                  <a:srgbClr val="795E26"/>
-                </a:solidFill>
-                <a:effectLst/>
-              </a:rPr>
-              <a:t>create_array</a:t>
-            </a:r>
-            <a:r>
-              <a:rPr lang="en-US" altLang="zh-CN" sz="1600" b="0" dirty="0">
-                <a:solidFill>
-                  <a:srgbClr val="000000"/>
-                </a:solidFill>
-                <a:effectLst/>
-              </a:rPr>
-              <a:t>(</a:t>
-            </a:r>
-            <a:r>
-              <a:rPr lang="en-US" altLang="zh-CN" sz="1600" b="0" dirty="0" err="1">
-                <a:solidFill>
-                  <a:srgbClr val="001080"/>
-                </a:solidFill>
-                <a:effectLst/>
-              </a:rPr>
-              <a:t>len</a:t>
-            </a:r>
-            <a:r>
-              <a:rPr lang="en-US" altLang="zh-CN" sz="1600" b="0" dirty="0">
-                <a:solidFill>
-                  <a:srgbClr val="000000"/>
-                </a:solidFill>
-                <a:effectLst/>
-              </a:rPr>
-              <a:t>);</a:t>
-            </a:r>
-            <a:endParaRPr lang="en-US" altLang="zh-CN" sz="1600" b="0" dirty="0">
-              <a:solidFill>
-                <a:srgbClr val="000000"/>
-              </a:solidFill>
-              <a:effectLst/>
-            </a:endParaRPr>
-          </a:p>
-          <a:p>
-            <a:r>
-              <a:rPr lang="en-US" altLang="zh-CN" sz="1600" b="0" dirty="0">
-                <a:solidFill>
-                  <a:srgbClr val="AF00DB"/>
-                </a:solidFill>
-                <a:effectLst/>
-              </a:rPr>
-              <a:t>    for</a:t>
-            </a:r>
-            <a:r>
-              <a:rPr lang="en-US" altLang="zh-CN" sz="1600" b="0" dirty="0">
-                <a:solidFill>
-                  <a:srgbClr val="000000"/>
-                </a:solidFill>
-                <a:effectLst/>
-              </a:rPr>
-              <a:t>(</a:t>
-            </a:r>
-            <a:r>
-              <a:rPr lang="en-US" altLang="zh-CN" sz="1600" b="0" dirty="0">
-                <a:solidFill>
-                  <a:srgbClr val="0000FF"/>
-                </a:solidFill>
-                <a:effectLst/>
-              </a:rPr>
-              <a:t>int</a:t>
-            </a:r>
-            <a:r>
-              <a:rPr lang="en-US" altLang="zh-CN" sz="1600" b="0" dirty="0">
-                <a:solidFill>
-                  <a:srgbClr val="000000"/>
-                </a:solidFill>
-                <a:effectLst/>
-              </a:rPr>
-              <a:t> </a:t>
-            </a:r>
-            <a:r>
-              <a:rPr lang="en-US" altLang="zh-CN" sz="1600" b="0" dirty="0" err="1">
-                <a:solidFill>
-                  <a:srgbClr val="001080"/>
-                </a:solidFill>
-                <a:effectLst/>
-              </a:rPr>
-              <a:t>i</a:t>
-            </a:r>
-            <a:r>
-              <a:rPr lang="en-US" altLang="zh-CN" sz="1600" b="0" dirty="0">
-                <a:solidFill>
-                  <a:srgbClr val="000000"/>
-                </a:solidFill>
-                <a:effectLst/>
-              </a:rPr>
-              <a:t> = </a:t>
-            </a:r>
-            <a:r>
-              <a:rPr lang="en-US" altLang="zh-CN" sz="1600" b="0" dirty="0">
-                <a:solidFill>
-                  <a:srgbClr val="098658"/>
-                </a:solidFill>
-                <a:effectLst/>
-              </a:rPr>
-              <a:t>0</a:t>
-            </a:r>
-            <a:r>
-              <a:rPr lang="en-US" altLang="zh-CN" sz="1600" b="0" dirty="0">
-                <a:solidFill>
-                  <a:srgbClr val="000000"/>
-                </a:solidFill>
-                <a:effectLst/>
-              </a:rPr>
-              <a:t>; </a:t>
-            </a:r>
-            <a:r>
-              <a:rPr lang="en-US" altLang="zh-CN" sz="1600" b="0" dirty="0" err="1">
-                <a:solidFill>
-                  <a:srgbClr val="001080"/>
-                </a:solidFill>
-                <a:effectLst/>
-              </a:rPr>
-              <a:t>i</a:t>
-            </a:r>
-            <a:r>
-              <a:rPr lang="en-US" altLang="zh-CN" sz="1600" b="0" dirty="0">
-                <a:solidFill>
-                  <a:srgbClr val="000000"/>
-                </a:solidFill>
-                <a:effectLst/>
-              </a:rPr>
-              <a:t> &lt; </a:t>
-            </a:r>
-            <a:r>
-              <a:rPr lang="en-US" altLang="zh-CN" sz="1600" b="0" dirty="0" err="1">
-                <a:solidFill>
-                  <a:srgbClr val="001080"/>
-                </a:solidFill>
-                <a:effectLst/>
-              </a:rPr>
-              <a:t>len</a:t>
-            </a:r>
-            <a:r>
-              <a:rPr lang="en-US" altLang="zh-CN" sz="1600" b="0" dirty="0">
-                <a:solidFill>
-                  <a:srgbClr val="000000"/>
-                </a:solidFill>
-                <a:effectLst/>
-              </a:rPr>
-              <a:t>; </a:t>
-            </a:r>
-            <a:r>
-              <a:rPr lang="en-US" altLang="zh-CN" sz="1600" b="0" dirty="0" err="1">
-                <a:solidFill>
-                  <a:srgbClr val="001080"/>
-                </a:solidFill>
-                <a:effectLst/>
-              </a:rPr>
-              <a:t>i</a:t>
-            </a:r>
-            <a:r>
-              <a:rPr lang="en-US" altLang="zh-CN" sz="1600" b="0" dirty="0">
-                <a:solidFill>
-                  <a:srgbClr val="000000"/>
-                </a:solidFill>
-                <a:effectLst/>
-              </a:rPr>
-              <a:t>++)</a:t>
-            </a:r>
-            <a:endParaRPr lang="en-US" altLang="zh-CN" sz="1600" b="0" dirty="0">
-              <a:solidFill>
-                <a:srgbClr val="000000"/>
-              </a:solidFill>
-              <a:effectLst/>
-            </a:endParaRPr>
-          </a:p>
-          <a:p>
-            <a:r>
-              <a:rPr lang="en-US" altLang="zh-CN" sz="1600" b="0" dirty="0">
-                <a:solidFill>
-                  <a:srgbClr val="001080"/>
-                </a:solidFill>
-                <a:effectLst/>
-              </a:rPr>
-              <a:t>        </a:t>
-            </a:r>
-            <a:r>
-              <a:rPr lang="en-US" altLang="zh-CN" sz="1600" b="0" dirty="0" err="1">
-                <a:solidFill>
-                  <a:srgbClr val="001080"/>
-                </a:solidFill>
-                <a:effectLst/>
-              </a:rPr>
-              <a:t>cout</a:t>
-            </a:r>
-            <a:r>
-              <a:rPr lang="en-US" altLang="zh-CN" sz="1600" b="0" dirty="0">
-                <a:solidFill>
-                  <a:srgbClr val="000000"/>
-                </a:solidFill>
-                <a:effectLst/>
-              </a:rPr>
-              <a:t> </a:t>
-            </a:r>
-            <a:r>
-              <a:rPr lang="en-US" altLang="zh-CN" sz="1600" b="0" dirty="0">
-                <a:solidFill>
-                  <a:srgbClr val="795E26"/>
-                </a:solidFill>
-                <a:effectLst/>
-              </a:rPr>
-              <a:t>&lt;&lt;</a:t>
-            </a:r>
-            <a:r>
-              <a:rPr lang="en-US" altLang="zh-CN" sz="1600" b="0" dirty="0">
-                <a:solidFill>
-                  <a:srgbClr val="000000"/>
-                </a:solidFill>
-                <a:effectLst/>
-              </a:rPr>
-              <a:t> </a:t>
-            </a:r>
-            <a:r>
-              <a:rPr lang="en-US" altLang="zh-CN" sz="1600" b="0" dirty="0" err="1">
-                <a:solidFill>
-                  <a:srgbClr val="001080"/>
-                </a:solidFill>
-                <a:effectLst/>
-              </a:rPr>
-              <a:t>ptr</a:t>
-            </a:r>
-            <a:r>
-              <a:rPr lang="en-US" altLang="zh-CN" sz="1600" b="0" dirty="0">
-                <a:solidFill>
-                  <a:srgbClr val="000000"/>
-                </a:solidFill>
-                <a:effectLst/>
-              </a:rPr>
-              <a:t>[</a:t>
-            </a:r>
-            <a:r>
-              <a:rPr lang="en-US" altLang="zh-CN" sz="1600" b="0" dirty="0" err="1">
-                <a:solidFill>
-                  <a:srgbClr val="001080"/>
-                </a:solidFill>
-                <a:effectLst/>
-              </a:rPr>
-              <a:t>i</a:t>
-            </a:r>
-            <a:r>
-              <a:rPr lang="en-US" altLang="zh-CN" sz="1600" b="0" dirty="0">
-                <a:solidFill>
-                  <a:srgbClr val="000000"/>
-                </a:solidFill>
-                <a:effectLst/>
-              </a:rPr>
-              <a:t>] </a:t>
-            </a:r>
-            <a:r>
-              <a:rPr lang="en-US" altLang="zh-CN" sz="1600" b="0" dirty="0">
-                <a:solidFill>
-                  <a:srgbClr val="795E26"/>
-                </a:solidFill>
-                <a:effectLst/>
-              </a:rPr>
-              <a:t>&lt;&lt;</a:t>
-            </a:r>
-            <a:r>
-              <a:rPr lang="en-US" altLang="zh-CN" sz="1600" b="0" dirty="0">
-                <a:solidFill>
-                  <a:srgbClr val="000000"/>
-                </a:solidFill>
-                <a:effectLst/>
-              </a:rPr>
-              <a:t> </a:t>
-            </a:r>
-            <a:r>
-              <a:rPr lang="en-US" altLang="zh-CN" sz="1600" b="0" dirty="0">
-                <a:solidFill>
-                  <a:srgbClr val="A31515"/>
-                </a:solidFill>
-                <a:effectLst/>
-              </a:rPr>
-              <a:t>" "</a:t>
-            </a:r>
-            <a:r>
-              <a:rPr lang="en-US" altLang="zh-CN" sz="1600" b="0" dirty="0">
-                <a:solidFill>
-                  <a:srgbClr val="000000"/>
-                </a:solidFill>
-                <a:effectLst/>
-              </a:rPr>
-              <a:t>;</a:t>
-            </a:r>
-            <a:endParaRPr lang="en-US" altLang="zh-CN" sz="1600" b="0" dirty="0">
-              <a:solidFill>
-                <a:srgbClr val="000000"/>
-              </a:solidFill>
-              <a:effectLst/>
-            </a:endParaRPr>
-          </a:p>
-          <a:p>
-            <a:r>
-              <a:rPr lang="en-US" altLang="zh-CN" sz="1600" b="0" dirty="0">
-                <a:solidFill>
-                  <a:srgbClr val="AF00DB"/>
-                </a:solidFill>
-                <a:effectLst/>
-              </a:rPr>
-              <a:t>    return</a:t>
-            </a:r>
-            <a:r>
-              <a:rPr lang="en-US" altLang="zh-CN" sz="1600" b="0" dirty="0">
-                <a:solidFill>
-                  <a:srgbClr val="000000"/>
-                </a:solidFill>
-                <a:effectLst/>
-              </a:rPr>
-              <a:t> </a:t>
-            </a:r>
-            <a:r>
-              <a:rPr lang="en-US" altLang="zh-CN" sz="1600" b="0" dirty="0">
-                <a:solidFill>
-                  <a:srgbClr val="098658"/>
-                </a:solidFill>
-                <a:effectLst/>
-              </a:rPr>
-              <a:t>0</a:t>
-            </a:r>
-            <a:r>
-              <a:rPr lang="en-US" altLang="zh-CN" sz="1600" b="0" dirty="0">
-                <a:solidFill>
-                  <a:srgbClr val="000000"/>
-                </a:solidFill>
-                <a:effectLst/>
-              </a:rPr>
-              <a:t>;</a:t>
-            </a:r>
-            <a:endParaRPr lang="en-US" altLang="zh-CN" sz="1600" b="0" dirty="0">
-              <a:solidFill>
-                <a:srgbClr val="000000"/>
-              </a:solidFill>
-              <a:effectLst/>
-            </a:endParaRPr>
-          </a:p>
-          <a:p>
-            <a:r>
-              <a:rPr lang="en-US" altLang="zh-CN" sz="1600" b="0" dirty="0">
-                <a:solidFill>
-                  <a:srgbClr val="000000"/>
-                </a:solidFill>
-                <a:effectLst/>
-              </a:rPr>
-              <a:t>}</a:t>
-            </a:r>
-            <a:endParaRPr lang="en-US" altLang="zh-CN" sz="1600" b="0" dirty="0">
-              <a:solidFill>
-                <a:srgbClr val="000000"/>
-              </a:solidFill>
-              <a:effectLst/>
-            </a:endParaRPr>
-          </a:p>
-        </p:txBody>
-      </p:sp>
-      <p:sp>
-        <p:nvSpPr>
-          <p:cNvPr id="8" name="文本框 7"/>
-          <p:cNvSpPr txBox="1"/>
-          <p:nvPr/>
-        </p:nvSpPr>
-        <p:spPr>
-          <a:xfrm>
-            <a:off x="6225094" y="1598902"/>
-            <a:ext cx="5649111" cy="2308324"/>
+            <a:off x="434975" y="1327150"/>
+            <a:ext cx="3583940" cy="2999740"/>
           </a:xfrm>
           <a:prstGeom prst="rect">
             <a:avLst/>
@@ -22519,72 +23195,181 @@
           <a:noFill/>
         </p:spPr>
         <p:txBody>
-          <a:bodyPr wrap="none" rtlCol="0">
+          <a:bodyPr wrap="square" rtlCol="0" anchor="t">
             <a:spAutoFit/>
           </a:bodyPr>
-          <a:lstStyle/>
-          <a:p>
-            <a:r>
-              <a:rPr lang="en-US" altLang="zh-CN" sz="2400" dirty="0"/>
-              <a:t>What compilation warnings occur when </a:t>
-            </a:r>
-            <a:endParaRPr lang="en-US" altLang="zh-CN" sz="2400" dirty="0"/>
-          </a:p>
-          <a:p>
-            <a:r>
-              <a:rPr lang="en-US" altLang="zh-CN" sz="2400" dirty="0"/>
-              <a:t>you compile the program? Why?</a:t>
-            </a:r>
-            <a:endParaRPr lang="en-US" altLang="zh-CN" sz="2400" dirty="0"/>
-          </a:p>
-          <a:p>
-            <a:r>
-              <a:rPr lang="en-US" altLang="zh-CN" sz="2400" dirty="0"/>
-              <a:t>What will happen if you ignore the warning </a:t>
-            </a:r>
-            <a:endParaRPr lang="en-US" altLang="zh-CN" sz="2400" dirty="0"/>
-          </a:p>
-          <a:p>
-            <a:r>
-              <a:rPr lang="en-US" altLang="zh-CN" sz="2400" dirty="0"/>
-              <a:t>and run the program?</a:t>
-            </a:r>
-            <a:endParaRPr lang="en-US" altLang="zh-CN" sz="2400" dirty="0"/>
-          </a:p>
-          <a:p>
-            <a:r>
-              <a:rPr lang="en-US" altLang="zh-CN" sz="2400" dirty="0"/>
-              <a:t>Fix bugs of the program and run it correctly </a:t>
-            </a:r>
-            <a:endParaRPr lang="en-US" altLang="zh-CN" sz="2400" dirty="0"/>
-          </a:p>
-          <a:p>
-            <a:r>
-              <a:rPr lang="en-US" altLang="zh-CN" sz="2400" dirty="0"/>
-              <a:t>without memory leak.</a:t>
-            </a:r>
-            <a:endParaRPr lang="zh-CN" altLang="en-US" sz="2400" dirty="0"/>
+          <a:p>
+            <a:pPr marL="285750" indent="-285750">
+              <a:buFont typeface="Wingdings" panose="05000000000000000000" charset="0"/>
+              <a:buChar char="Ø"/>
+            </a:pPr>
+            <a:r>
+              <a:rPr lang="en-US" altLang="zh-CN" sz="1600">
+                <a:sym typeface="+mn-ea"/>
+              </a:rPr>
+              <a:t>using  “</a:t>
+            </a:r>
+            <a:r>
+              <a:rPr lang="en-US" altLang="zh-CN" sz="1600" b="1"/>
+              <a:t>g++ -S -o</a:t>
+            </a:r>
+            <a:r>
+              <a:rPr lang="en-US" altLang="zh-CN" sz="1600"/>
+              <a:t>”  to generate assembly code based on </a:t>
+            </a:r>
+            <a:r>
+              <a:rPr lang="en-US" altLang="zh-CN" sz="1600" b="1"/>
+              <a:t>x64</a:t>
+            </a:r>
+            <a:r>
+              <a:rPr lang="en-US" altLang="zh-CN" sz="1600"/>
+              <a:t>.</a:t>
+            </a:r>
+            <a:endParaRPr lang="en-US" altLang="zh-CN" sz="1600"/>
+          </a:p>
+          <a:p>
+            <a:pPr indent="0">
+              <a:buFont typeface="Wingdings" panose="05000000000000000000" charset="0"/>
+              <a:buNone/>
+            </a:pPr>
+            <a:r>
+              <a:rPr lang="en-US" altLang="zh-CN" sz="1300">
+                <a:sym typeface="+mn-ea"/>
+              </a:rPr>
+              <a:t> (The CPU of the testing machine is based on x64)</a:t>
+            </a:r>
+            <a:endParaRPr lang="en-US" altLang="zh-CN" sz="1300">
+              <a:sym typeface="+mn-ea"/>
+            </a:endParaRPr>
+          </a:p>
+          <a:p>
+            <a:pPr indent="0">
+              <a:buFont typeface="Wingdings" panose="05000000000000000000" charset="0"/>
+              <a:buNone/>
+            </a:pPr>
+            <a:endParaRPr lang="en-US" altLang="zh-CN" sz="1600"/>
+          </a:p>
+          <a:p>
+            <a:pPr marL="285750" indent="-285750">
+              <a:buFont typeface="Wingdings" panose="05000000000000000000" charset="0"/>
+              <a:buChar char="Ø"/>
+            </a:pPr>
+            <a:r>
+              <a:rPr lang="en-US" altLang="zh-CN" sz="1600">
+                <a:sym typeface="+mn-ea"/>
+              </a:rPr>
+              <a:t>In x64, register “</a:t>
+            </a:r>
+            <a:r>
+              <a:rPr lang="en-US" altLang="zh-CN" sz="1600" b="1">
+                <a:sym typeface="+mn-ea"/>
+              </a:rPr>
+              <a:t>rsp</a:t>
+            </a:r>
+            <a:r>
+              <a:rPr lang="en-US" altLang="zh-CN" sz="1600">
+                <a:sym typeface="+mn-ea"/>
+              </a:rPr>
+              <a:t>” is stack pointer.</a:t>
+            </a:r>
+            <a:endParaRPr lang="en-US" altLang="zh-CN" sz="1600">
+              <a:sym typeface="+mn-ea"/>
+            </a:endParaRPr>
+          </a:p>
+          <a:p>
+            <a:pPr marL="285750" indent="-285750">
+              <a:buFont typeface="Wingdings" panose="05000000000000000000" charset="0"/>
+              <a:buChar char="Ø"/>
+            </a:pPr>
+            <a:endParaRPr lang="en-US" altLang="zh-CN" sz="1600"/>
+          </a:p>
+          <a:p>
+            <a:pPr marL="285750" indent="-285750">
+              <a:buFont typeface="Wingdings" panose="05000000000000000000" charset="0"/>
+              <a:buChar char="Ø"/>
+            </a:pPr>
+            <a:endParaRPr lang="en-US" altLang="zh-CN" sz="1600"/>
+          </a:p>
+          <a:p>
+            <a:pPr indent="0">
+              <a:buFont typeface="Wingdings" panose="05000000000000000000" charset="0"/>
+              <a:buNone/>
+            </a:pPr>
+            <a:r>
+              <a:rPr lang="en-US" altLang="zh-CN" sz="1600">
+                <a:sym typeface="+mn-ea"/>
+              </a:rPr>
+              <a:t>here </a:t>
+            </a:r>
+            <a:r>
+              <a:rPr lang="en-US" altLang="zh-CN" sz="1600">
+                <a:sym typeface="+mn-ea"/>
+              </a:rPr>
+              <a:t>passing the value of a huge struct needs more stack space (1040+8+1032) than passing the value of a pointer which points the buge struct(16+1040). </a:t>
+            </a:r>
+            <a:r>
+              <a:rPr lang="en-US" altLang="zh-CN" sz="1600">
+                <a:sym typeface="+mn-ea"/>
+              </a:rPr>
+              <a:t> </a:t>
+            </a:r>
+            <a:endParaRPr lang="en-US" altLang="zh-CN" sz="1600"/>
+          </a:p>
+          <a:p>
+            <a:pPr marL="285750" indent="-285750">
+              <a:buFont typeface="Wingdings" panose="05000000000000000000" charset="0"/>
+              <a:buChar char="Ø"/>
+            </a:pPr>
+            <a:endParaRPr lang="en-US" altLang="zh-CN" sz="1600"/>
           </a:p>
         </p:txBody>
       </p:sp>
+      <p:pic>
+        <p:nvPicPr>
+          <p:cNvPr id="9" name="图片 8"/>
+          <p:cNvPicPr>
+            <a:picLocks noChangeAspect="1"/>
+          </p:cNvPicPr>
+          <p:nvPr/>
+        </p:nvPicPr>
+        <p:blipFill>
+          <a:blip r:embed="rId1"/>
+          <a:stretch>
+            <a:fillRect/>
+          </a:stretch>
+        </p:blipFill>
+        <p:spPr>
+          <a:xfrm>
+            <a:off x="1564005" y="4208780"/>
+            <a:ext cx="9734550" cy="1943100"/>
+          </a:xfrm>
+          <a:prstGeom prst="rect">
+            <a:avLst/>
+          </a:prstGeom>
+        </p:spPr>
+      </p:pic>
       <p:sp>
         <p:nvSpPr>
-          <p:cNvPr id="3" name="灯片编号占位符 2"/>
-          <p:cNvSpPr>
-            <a:spLocks noGrp="1"/>
-          </p:cNvSpPr>
-          <p:nvPr>
-            <p:ph type="sldNum" sz="quarter" idx="12"/>
-          </p:nvPr>
+          <p:cNvPr id="10" name="文本框 9"/>
+          <p:cNvSpPr txBox="1"/>
+          <p:nvPr/>
         </p:nvSpPr>
-        <p:spPr/>
+        <p:spPr>
+          <a:xfrm>
+            <a:off x="435610" y="3817620"/>
+            <a:ext cx="1650365" cy="2547620"/>
+          </a:xfrm>
+          <a:prstGeom prst="rect">
+            <a:avLst/>
+          </a:prstGeom>
+          <a:noFill/>
+        </p:spPr>
         <p:txBody>
-          <a:bodyPr/>
-          <a:p>
-            <a:fld id="{506F4176-339E-4C4B-80E4-BBE9C4467EFE}" type="slidenum">
-              <a:rPr lang="zh-CN" altLang="en-US" smtClean="0"/>
-            </a:fld>
-            <a:endParaRPr lang="zh-CN" altLang="en-US"/>
+          <a:bodyPr wrap="square" rtlCol="0">
+            <a:noAutofit/>
+          </a:bodyPr>
+          <a:p>
+            <a:endParaRPr lang="en-US" altLang="zh-CN"/>
           </a:p>
         </p:txBody>
       </p:sp>
@@ -22605,14 +23390,7 @@
         <p:cNvGrpSpPr/>
         <p:nvPr/>
       </p:nvGrpSpPr>
-      <p:grpSpPr>
-        <a:xfrm>
-          <a:off x="0" y="0"/>
-          <a:ext cx="0" cy="0"/>
-          <a:chOff x="0" y="0"/>
-          <a:chExt cx="0" cy="0"/>
-        </a:xfrm>
-      </p:grpSpPr>
+      <p:grpSpPr/>
       <p:sp>
         <p:nvSpPr>
           <p:cNvPr id="2" name="标题 1"/>
@@ -22626,77 +23404,14 @@
         <p:spPr/>
         <p:txBody>
           <a:bodyPr/>
-          <a:lstStyle/>
-          <a:p>
-            <a:r>
-              <a:rPr lang="en-US" altLang="zh-CN" dirty="0">
+          <a:p>
+            <a:r>
+              <a:rPr lang="en-US" altLang="zh-CN">
                 <a:sym typeface="+mn-ea"/>
               </a:rPr>
-              <a:t>Exercise 2</a:t>
-            </a:r>
-            <a:endParaRPr lang="zh-CN" altLang="en-US" dirty="0"/>
-          </a:p>
-        </p:txBody>
-      </p:sp>
-      <p:sp>
-        <p:nvSpPr>
-          <p:cNvPr id="3" name="内容占位符 2"/>
-          <p:cNvSpPr>
-            <a:spLocks noGrp="1"/>
-          </p:cNvSpPr>
-          <p:nvPr>
-            <p:ph idx="1"/>
-          </p:nvPr>
-        </p:nvSpPr>
-        <p:spPr/>
-        <p:txBody>
-          <a:bodyPr/>
-          <a:lstStyle/>
-          <a:p>
-            <a:pPr marL="109220" lvl="1" indent="0">
-              <a:spcBef>
-                <a:spcPts val="1200"/>
-              </a:spcBef>
-              <a:buSzPct val="68000"/>
-              <a:buNone/>
-            </a:pPr>
-            <a:r>
-              <a:rPr lang="en-US" altLang="zh-CN" sz="2800" dirty="0"/>
-              <a:t>Define a function that swaps two values of integers. Write a test program to call the function and display the result.</a:t>
-            </a:r>
-            <a:endParaRPr lang="en-US" altLang="zh-CN" sz="2800" dirty="0"/>
-          </a:p>
-          <a:p>
-            <a:pPr marL="109220" lvl="1" indent="0">
-              <a:spcBef>
-                <a:spcPts val="1200"/>
-              </a:spcBef>
-              <a:buSzPct val="68000"/>
-              <a:buNone/>
-            </a:pPr>
-            <a:endParaRPr lang="zh-CN" altLang="en-US" dirty="0"/>
-          </a:p>
-          <a:p>
-            <a:pPr marL="109220" lvl="1" indent="0">
-              <a:spcBef>
-                <a:spcPts val="1200"/>
-              </a:spcBef>
-              <a:buSzPct val="68000"/>
-              <a:buNone/>
-            </a:pPr>
-            <a:r>
-              <a:rPr lang="en-US" altLang="zh-CN" dirty="0"/>
-              <a:t>You are required to compile the function into a static library “</a:t>
-            </a:r>
-            <a:r>
-              <a:rPr lang="en-US" altLang="zh-CN" dirty="0" err="1"/>
-              <a:t>libswap.a</a:t>
-            </a:r>
-            <a:r>
-              <a:rPr lang="en-US" altLang="zh-CN" dirty="0"/>
-              <a:t>”, and then compile and run your program with this static library.</a:t>
-            </a:r>
-            <a:endParaRPr lang="en-US" altLang="zh-CN" dirty="0"/>
+              <a:t>2.4 pass a huge structure vs pass its pointer(2)</a:t>
+            </a:r>
+            <a:endParaRPr lang="zh-CN" altLang="en-US"/>
           </a:p>
         </p:txBody>
       </p:sp>
@@ -22721,6 +23436,1961 @@
           </a:p>
         </p:txBody>
       </p:sp>
+      <p:sp>
+        <p:nvSpPr>
+          <p:cNvPr id="7" name="文本框 6"/>
+          <p:cNvSpPr txBox="1"/>
+          <p:nvPr/>
+        </p:nvSpPr>
+        <p:spPr>
+          <a:xfrm>
+            <a:off x="450850" y="1211580"/>
+            <a:ext cx="4046220" cy="3969385"/>
+          </a:xfrm>
+          <a:prstGeom prst="rect">
+            <a:avLst/>
+          </a:prstGeom>
+          <a:noFill/>
+        </p:spPr>
+        <p:txBody>
+          <a:bodyPr wrap="square" rtlCol="0" anchor="t">
+            <a:spAutoFit/>
+          </a:bodyPr>
+          <a:p>
+            <a:pPr marL="285750" indent="-285750">
+              <a:buFont typeface="Wingdings" panose="05000000000000000000" charset="0"/>
+              <a:buChar char="Ø"/>
+            </a:pPr>
+            <a:r>
+              <a:rPr lang="en-US" altLang="zh-CN">
+                <a:sym typeface="+mn-ea"/>
+              </a:rPr>
+              <a:t>using  “</a:t>
+            </a:r>
+            <a:r>
+              <a:rPr lang="en-US" altLang="zh-CN">
+                <a:sym typeface="+mn-ea"/>
+              </a:rPr>
+              <a:t>aarch64-linux-gnu-g++ -S -o”  to generate assembly code based on </a:t>
+            </a:r>
+            <a:r>
+              <a:rPr lang="en-US" altLang="zh-CN" b="1">
+                <a:sym typeface="+mn-ea"/>
+              </a:rPr>
+              <a:t>ARM64</a:t>
+            </a:r>
+            <a:r>
+              <a:rPr lang="en-US" altLang="zh-CN">
+                <a:sym typeface="+mn-ea"/>
+              </a:rPr>
+              <a:t>.</a:t>
+            </a:r>
+            <a:endParaRPr lang="en-US" altLang="zh-CN">
+              <a:sym typeface="+mn-ea"/>
+            </a:endParaRPr>
+          </a:p>
+          <a:p>
+            <a:pPr marL="285750" indent="-285750">
+              <a:buFont typeface="Wingdings" panose="05000000000000000000" charset="0"/>
+              <a:buChar char="Ø"/>
+            </a:pPr>
+            <a:endParaRPr lang="en-US" altLang="zh-CN">
+              <a:sym typeface="+mn-ea"/>
+            </a:endParaRPr>
+          </a:p>
+          <a:p>
+            <a:pPr marL="285750" indent="-285750">
+              <a:buFont typeface="Wingdings" panose="05000000000000000000" charset="0"/>
+              <a:buChar char="Ø"/>
+            </a:pPr>
+            <a:r>
+              <a:rPr lang="en-US" altLang="zh-CN">
+                <a:sym typeface="+mn-ea"/>
+              </a:rPr>
+              <a:t>In ARM64, register “</a:t>
+            </a:r>
+            <a:r>
+              <a:rPr lang="en-US" altLang="zh-CN" b="1">
+                <a:sym typeface="+mn-ea"/>
+              </a:rPr>
+              <a:t>sp</a:t>
+            </a:r>
+            <a:r>
+              <a:rPr lang="en-US" altLang="zh-CN">
+                <a:sym typeface="+mn-ea"/>
+              </a:rPr>
+              <a:t>” is stack pointer.</a:t>
+            </a:r>
+            <a:endParaRPr lang="en-US" altLang="zh-CN">
+              <a:sym typeface="+mn-ea"/>
+            </a:endParaRPr>
+          </a:p>
+          <a:p>
+            <a:pPr marL="285750" indent="-285750">
+              <a:buFont typeface="Wingdings" panose="05000000000000000000" charset="0"/>
+              <a:buChar char="Ø"/>
+            </a:pPr>
+            <a:endParaRPr lang="en-US" altLang="zh-CN">
+              <a:sym typeface="+mn-ea"/>
+            </a:endParaRPr>
+          </a:p>
+          <a:p>
+            <a:pPr indent="0">
+              <a:buFont typeface="Wingdings" panose="05000000000000000000" charset="0"/>
+              <a:buNone/>
+            </a:pPr>
+            <a:r>
+              <a:rPr lang="en-US" altLang="zh-CN">
+                <a:sym typeface="+mn-ea"/>
+              </a:rPr>
+              <a:t>here </a:t>
+            </a:r>
+            <a:r>
+              <a:rPr lang="en-US" altLang="zh-CN">
+                <a:sym typeface="+mn-ea"/>
+              </a:rPr>
+              <a:t>passing the value of the huge struct needs more stack space (2096) than passing the value of a pointer which points the buge struct(1056). </a:t>
+            </a:r>
+            <a:r>
+              <a:rPr lang="en-US" altLang="zh-CN">
+                <a:sym typeface="+mn-ea"/>
+              </a:rPr>
+              <a:t> </a:t>
+            </a:r>
+            <a:endParaRPr lang="en-US" altLang="zh-CN"/>
+          </a:p>
+          <a:p>
+            <a:pPr marL="285750" indent="-285750">
+              <a:buFont typeface="Wingdings" panose="05000000000000000000" charset="0"/>
+              <a:buChar char="Ø"/>
+            </a:pPr>
+            <a:endParaRPr lang="en-US" altLang="zh-CN">
+              <a:sym typeface="+mn-ea"/>
+            </a:endParaRPr>
+          </a:p>
+          <a:p>
+            <a:pPr marL="285750" indent="-285750">
+              <a:buFont typeface="Wingdings" panose="05000000000000000000" charset="0"/>
+              <a:buChar char="Ø"/>
+            </a:pPr>
+            <a:endParaRPr lang="zh-CN" altLang="en-US"/>
+          </a:p>
+          <a:p>
+            <a:pPr marL="285750" indent="-285750">
+              <a:buFont typeface="Wingdings" panose="05000000000000000000" charset="0"/>
+              <a:buChar char="Ø"/>
+            </a:pPr>
+            <a:endParaRPr lang="zh-CN" altLang="en-US"/>
+          </a:p>
+        </p:txBody>
+      </p:sp>
+      <p:sp>
+        <p:nvSpPr>
+          <p:cNvPr id="8" name="文本框 7"/>
+          <p:cNvSpPr txBox="1"/>
+          <p:nvPr/>
+        </p:nvSpPr>
+        <p:spPr>
+          <a:xfrm>
+            <a:off x="4736465" y="1211580"/>
+            <a:ext cx="3371850" cy="2676525"/>
+          </a:xfrm>
+          <a:prstGeom prst="rect">
+            <a:avLst/>
+          </a:prstGeom>
+          <a:solidFill>
+            <a:schemeClr val="tx1"/>
+          </a:solidFill>
+        </p:spPr>
+        <p:txBody>
+          <a:bodyPr wrap="square">
+            <a:spAutoFit/>
+          </a:bodyPr>
+          <a:p>
+            <a:pPr indent="0" fontAlgn="auto">
+              <a:lnSpc>
+                <a:spcPct val="100000"/>
+              </a:lnSpc>
+            </a:pPr>
+            <a:r>
+              <a:rPr lang="en-US" altLang="zh-CN" sz="1200" b="0">
+                <a:solidFill>
+                  <a:srgbClr val="C586C0"/>
+                </a:solidFill>
+                <a:latin typeface="Consolas" panose="020B0609020204030204"/>
+                <a:ea typeface="Consolas" panose="020B0609020204030204"/>
+              </a:rPr>
+              <a:t>#include</a:t>
+            </a:r>
+            <a:r>
+              <a:rPr lang="en-US" altLang="zh-CN" sz="1200" b="0">
+                <a:solidFill>
+                  <a:srgbClr val="CE9178"/>
+                </a:solidFill>
+                <a:latin typeface="Consolas" panose="020B0609020204030204"/>
+                <a:ea typeface="Consolas" panose="020B0609020204030204"/>
+              </a:rPr>
+              <a:t>&lt;stdio.h&gt;   //fdemo3.c</a:t>
+            </a:r>
+            <a:endParaRPr lang="en-US" altLang="zh-CN" sz="1200" b="0">
+              <a:solidFill>
+                <a:srgbClr val="CE9178"/>
+              </a:solidFill>
+              <a:latin typeface="Consolas" panose="020B0609020204030204"/>
+              <a:ea typeface="Consolas" panose="020B0609020204030204"/>
+            </a:endParaRPr>
+          </a:p>
+          <a:p>
+            <a:pPr indent="0" fontAlgn="auto">
+              <a:lnSpc>
+                <a:spcPct val="100000"/>
+              </a:lnSpc>
+            </a:pPr>
+            <a:r>
+              <a:rPr lang="en-US" altLang="zh-CN" sz="1200" b="0">
+                <a:solidFill>
+                  <a:srgbClr val="569CD6"/>
+                </a:solidFill>
+                <a:latin typeface="Consolas" panose="020B0609020204030204"/>
+                <a:ea typeface="Consolas" panose="020B0609020204030204"/>
+              </a:rPr>
+              <a:t>typedef struct</a:t>
+            </a:r>
+            <a:r>
+              <a:rPr lang="en-US" altLang="zh-CN" sz="1200" b="0">
+                <a:solidFill>
+                  <a:srgbClr val="CCCCCC"/>
+                </a:solidFill>
+                <a:latin typeface="Consolas" panose="020B0609020204030204"/>
+                <a:ea typeface="Consolas" panose="020B0609020204030204"/>
+              </a:rPr>
+              <a:t> {</a:t>
+            </a:r>
+            <a:endParaRPr lang="en-US" altLang="zh-CN" sz="1200" b="0">
+              <a:solidFill>
+                <a:srgbClr val="CCCCCC"/>
+              </a:solidFill>
+              <a:latin typeface="Consolas" panose="020B0609020204030204"/>
+              <a:ea typeface="Consolas" panose="020B0609020204030204"/>
+            </a:endParaRPr>
+          </a:p>
+          <a:p>
+            <a:pPr indent="0" fontAlgn="auto">
+              <a:lnSpc>
+                <a:spcPct val="100000"/>
+              </a:lnSpc>
+            </a:pPr>
+            <a:r>
+              <a:rPr lang="en-US" altLang="zh-CN" sz="1200" b="0">
+                <a:solidFill>
+                  <a:srgbClr val="CCCCCC"/>
+                </a:solidFill>
+                <a:latin typeface="Consolas" panose="020B0609020204030204"/>
+                <a:ea typeface="Consolas" panose="020B0609020204030204"/>
+              </a:rPr>
+              <a:t>    </a:t>
+            </a:r>
+            <a:r>
+              <a:rPr lang="en-US" altLang="zh-CN" sz="1200" b="0">
+                <a:solidFill>
+                  <a:srgbClr val="569CD6"/>
+                </a:solidFill>
+                <a:latin typeface="Consolas" panose="020B0609020204030204"/>
+                <a:ea typeface="Consolas" panose="020B0609020204030204"/>
+              </a:rPr>
+              <a:t>int </a:t>
+            </a:r>
+            <a:r>
+              <a:rPr lang="en-US" altLang="zh-CN" sz="1200" b="0">
+                <a:solidFill>
+                  <a:srgbClr val="9CDCFE"/>
+                </a:solidFill>
+                <a:latin typeface="Consolas" panose="020B0609020204030204"/>
+                <a:ea typeface="Consolas" panose="020B0609020204030204"/>
+              </a:rPr>
+              <a:t>id</a:t>
+            </a:r>
+            <a:r>
+              <a:rPr lang="en-US" altLang="zh-CN" sz="1200" b="0">
+                <a:solidFill>
+                  <a:srgbClr val="CCCCCC"/>
+                </a:solidFill>
+                <a:latin typeface="Consolas" panose="020B0609020204030204"/>
+                <a:ea typeface="Consolas" panose="020B0609020204030204"/>
+              </a:rPr>
+              <a:t>;</a:t>
+            </a:r>
+            <a:endParaRPr lang="en-US" altLang="zh-CN" sz="1200" b="0">
+              <a:solidFill>
+                <a:srgbClr val="CCCCCC"/>
+              </a:solidFill>
+              <a:latin typeface="Consolas" panose="020B0609020204030204"/>
+              <a:ea typeface="Consolas" panose="020B0609020204030204"/>
+            </a:endParaRPr>
+          </a:p>
+          <a:p>
+            <a:pPr indent="0" fontAlgn="auto">
+              <a:lnSpc>
+                <a:spcPct val="100000"/>
+              </a:lnSpc>
+            </a:pPr>
+            <a:r>
+              <a:rPr lang="en-US" altLang="zh-CN" sz="1200" b="0">
+                <a:solidFill>
+                  <a:srgbClr val="CCCCCC"/>
+                </a:solidFill>
+                <a:latin typeface="Consolas" panose="020B0609020204030204"/>
+                <a:ea typeface="Consolas" panose="020B0609020204030204"/>
+              </a:rPr>
+              <a:t>    </a:t>
+            </a:r>
+            <a:r>
+              <a:rPr lang="en-US" altLang="zh-CN" sz="1200" b="0">
+                <a:solidFill>
+                  <a:srgbClr val="569CD6"/>
+                </a:solidFill>
+                <a:latin typeface="Consolas" panose="020B0609020204030204"/>
+                <a:ea typeface="Consolas" panose="020B0609020204030204"/>
+              </a:rPr>
+              <a:t>char </a:t>
+            </a:r>
+            <a:r>
+              <a:rPr lang="en-US" altLang="zh-CN" sz="1200" b="0">
+                <a:solidFill>
+                  <a:srgbClr val="9CDCFE"/>
+                </a:solidFill>
+                <a:latin typeface="Consolas" panose="020B0609020204030204"/>
+                <a:ea typeface="Consolas" panose="020B0609020204030204"/>
+              </a:rPr>
+              <a:t>description</a:t>
+            </a:r>
+            <a:r>
+              <a:rPr lang="en-US" altLang="zh-CN" sz="1200" b="0">
+                <a:solidFill>
+                  <a:srgbClr val="CCCCCC"/>
+                </a:solidFill>
+                <a:latin typeface="Consolas" panose="020B0609020204030204"/>
+                <a:ea typeface="Consolas" panose="020B0609020204030204"/>
+              </a:rPr>
+              <a:t>[</a:t>
+            </a:r>
+            <a:r>
+              <a:rPr lang="en-US" altLang="zh-CN" sz="1200" b="0">
+                <a:solidFill>
+                  <a:srgbClr val="B5CEA8"/>
+                </a:solidFill>
+                <a:latin typeface="Consolas" panose="020B0609020204030204"/>
+                <a:ea typeface="Consolas" panose="020B0609020204030204"/>
+              </a:rPr>
+              <a:t>1024</a:t>
+            </a:r>
+            <a:r>
+              <a:rPr lang="en-US" altLang="zh-CN" sz="1200" b="0">
+                <a:solidFill>
+                  <a:srgbClr val="CCCCCC"/>
+                </a:solidFill>
+                <a:latin typeface="Consolas" panose="020B0609020204030204"/>
+                <a:ea typeface="Consolas" panose="020B0609020204030204"/>
+              </a:rPr>
+              <a:t>];</a:t>
+            </a:r>
+            <a:endParaRPr lang="en-US" altLang="zh-CN" sz="1200" b="0">
+              <a:solidFill>
+                <a:srgbClr val="CCCCCC"/>
+              </a:solidFill>
+              <a:latin typeface="Consolas" panose="020B0609020204030204"/>
+              <a:ea typeface="Consolas" panose="020B0609020204030204"/>
+            </a:endParaRPr>
+          </a:p>
+          <a:p>
+            <a:pPr indent="0" fontAlgn="auto">
+              <a:lnSpc>
+                <a:spcPct val="100000"/>
+              </a:lnSpc>
+            </a:pPr>
+            <a:r>
+              <a:rPr lang="en-US" altLang="zh-CN" sz="1200" b="0">
+                <a:solidFill>
+                  <a:srgbClr val="CCCCCC"/>
+                </a:solidFill>
+                <a:latin typeface="Consolas" panose="020B0609020204030204"/>
+                <a:ea typeface="Consolas" panose="020B0609020204030204"/>
+              </a:rPr>
+              <a:t>}</a:t>
+            </a:r>
+            <a:r>
+              <a:rPr lang="en-US" altLang="zh-CN" sz="1200" b="0">
+                <a:solidFill>
+                  <a:srgbClr val="4EC9B0"/>
+                </a:solidFill>
+                <a:latin typeface="Consolas" panose="020B0609020204030204"/>
+                <a:ea typeface="Consolas" panose="020B0609020204030204"/>
+              </a:rPr>
+              <a:t>Stu</a:t>
+            </a:r>
+            <a:r>
+              <a:rPr lang="en-US" altLang="zh-CN" sz="1200" b="0">
+                <a:solidFill>
+                  <a:srgbClr val="CCCCCC"/>
+                </a:solidFill>
+                <a:latin typeface="Consolas" panose="020B0609020204030204"/>
+                <a:ea typeface="Consolas" panose="020B0609020204030204"/>
+              </a:rPr>
+              <a:t>;</a:t>
+            </a:r>
+            <a:endParaRPr lang="en-US" altLang="zh-CN" sz="1200" b="0">
+              <a:solidFill>
+                <a:srgbClr val="CCCCCC"/>
+              </a:solidFill>
+              <a:latin typeface="Consolas" panose="020B0609020204030204"/>
+              <a:ea typeface="Consolas" panose="020B0609020204030204"/>
+            </a:endParaRPr>
+          </a:p>
+          <a:p>
+            <a:pPr indent="0" fontAlgn="auto">
+              <a:lnSpc>
+                <a:spcPct val="100000"/>
+              </a:lnSpc>
+            </a:pPr>
+            <a:r>
+              <a:rPr lang="en-US" altLang="zh-CN" sz="1200" b="0">
+                <a:solidFill>
+                  <a:srgbClr val="569CD6"/>
+                </a:solidFill>
+                <a:latin typeface="Consolas" panose="020B0609020204030204"/>
+                <a:ea typeface="Consolas" panose="020B0609020204030204"/>
+              </a:rPr>
+              <a:t>void </a:t>
+            </a:r>
+            <a:r>
+              <a:rPr lang="en-US" altLang="zh-CN" sz="1200" b="0">
+                <a:solidFill>
+                  <a:srgbClr val="DCDCAA"/>
+                </a:solidFill>
+                <a:latin typeface="Consolas" panose="020B0609020204030204"/>
+                <a:ea typeface="Consolas" panose="020B0609020204030204"/>
+              </a:rPr>
+              <a:t>disp_struct</a:t>
+            </a:r>
+            <a:r>
+              <a:rPr lang="en-US" altLang="zh-CN" sz="1200" b="0">
+                <a:solidFill>
+                  <a:srgbClr val="CCCCCC"/>
+                </a:solidFill>
+                <a:latin typeface="Consolas" panose="020B0609020204030204"/>
+                <a:ea typeface="Consolas" panose="020B0609020204030204"/>
+              </a:rPr>
+              <a:t>(</a:t>
+            </a:r>
+            <a:r>
+              <a:rPr lang="en-US" altLang="zh-CN" sz="1200" b="0">
+                <a:solidFill>
+                  <a:srgbClr val="4EC9B0"/>
+                </a:solidFill>
+                <a:latin typeface="Consolas" panose="020B0609020204030204"/>
+                <a:ea typeface="Consolas" panose="020B0609020204030204"/>
+              </a:rPr>
+              <a:t>Stu </a:t>
+            </a:r>
+            <a:r>
+              <a:rPr lang="en-US" altLang="zh-CN" sz="1200" b="0">
+                <a:solidFill>
+                  <a:srgbClr val="9CDCFE"/>
+                </a:solidFill>
+                <a:latin typeface="Consolas" panose="020B0609020204030204"/>
+                <a:ea typeface="Consolas" panose="020B0609020204030204"/>
+              </a:rPr>
+              <a:t>stud</a:t>
+            </a:r>
+            <a:r>
+              <a:rPr lang="en-US" altLang="zh-CN" sz="1200" b="0">
+                <a:solidFill>
+                  <a:srgbClr val="CCCCCC"/>
+                </a:solidFill>
+                <a:latin typeface="Consolas" panose="020B0609020204030204"/>
+                <a:ea typeface="Consolas" panose="020B0609020204030204"/>
+              </a:rPr>
+              <a:t>){</a:t>
+            </a:r>
+            <a:endParaRPr lang="en-US" altLang="zh-CN" sz="1200" b="0">
+              <a:solidFill>
+                <a:srgbClr val="CCCCCC"/>
+              </a:solidFill>
+              <a:latin typeface="Consolas" panose="020B0609020204030204"/>
+              <a:ea typeface="Consolas" panose="020B0609020204030204"/>
+            </a:endParaRPr>
+          </a:p>
+          <a:p>
+            <a:pPr indent="0" fontAlgn="auto">
+              <a:lnSpc>
+                <a:spcPct val="100000"/>
+              </a:lnSpc>
+            </a:pPr>
+            <a:r>
+              <a:rPr lang="en-US" altLang="zh-CN" sz="1200" b="0">
+                <a:solidFill>
+                  <a:srgbClr val="CCCCCC"/>
+                </a:solidFill>
+                <a:latin typeface="Consolas" panose="020B0609020204030204"/>
+                <a:ea typeface="Consolas" panose="020B0609020204030204"/>
+              </a:rPr>
+              <a:t>    </a:t>
+            </a:r>
+            <a:r>
+              <a:rPr lang="en-US" altLang="zh-CN" sz="1200" b="0">
+                <a:solidFill>
+                  <a:srgbClr val="DCDCAA"/>
+                </a:solidFill>
+                <a:latin typeface="Consolas" panose="020B0609020204030204"/>
+                <a:ea typeface="Consolas" panose="020B0609020204030204"/>
+              </a:rPr>
+              <a:t>printf</a:t>
+            </a:r>
+            <a:r>
+              <a:rPr lang="en-US" altLang="zh-CN" sz="1200" b="0">
+                <a:solidFill>
+                  <a:srgbClr val="CCCCCC"/>
+                </a:solidFill>
+                <a:latin typeface="Consolas" panose="020B0609020204030204"/>
+                <a:ea typeface="Consolas" panose="020B0609020204030204"/>
+              </a:rPr>
+              <a:t>(</a:t>
+            </a:r>
+            <a:r>
+              <a:rPr lang="en-US" altLang="zh-CN" sz="1200" b="0">
+                <a:solidFill>
+                  <a:srgbClr val="CE9178"/>
+                </a:solidFill>
+                <a:latin typeface="Consolas" panose="020B0609020204030204"/>
+                <a:ea typeface="Consolas" panose="020B0609020204030204"/>
+              </a:rPr>
+              <a:t>"Student_id:</a:t>
+            </a:r>
+            <a:r>
+              <a:rPr lang="en-US" altLang="zh-CN" sz="1200" b="0">
+                <a:solidFill>
+                  <a:srgbClr val="9CDCFE"/>
+                </a:solidFill>
+                <a:latin typeface="Consolas" panose="020B0609020204030204"/>
+                <a:ea typeface="Consolas" panose="020B0609020204030204"/>
+              </a:rPr>
+              <a:t>%d</a:t>
+            </a:r>
+            <a:r>
+              <a:rPr lang="en-US" altLang="zh-CN" sz="1200" b="0">
+                <a:solidFill>
+                  <a:srgbClr val="D7BA7D"/>
+                </a:solidFill>
+                <a:latin typeface="Consolas" panose="020B0609020204030204"/>
+                <a:ea typeface="Consolas" panose="020B0609020204030204"/>
+              </a:rPr>
+              <a:t>\t</a:t>
+            </a:r>
+            <a:r>
+              <a:rPr lang="en-US" altLang="zh-CN" sz="1200" b="0">
+                <a:solidFill>
+                  <a:srgbClr val="CE9178"/>
+                </a:solidFill>
+                <a:latin typeface="Consolas" panose="020B0609020204030204"/>
+                <a:ea typeface="Consolas" panose="020B0609020204030204"/>
+              </a:rPr>
+              <a:t>info:</a:t>
+            </a:r>
+            <a:r>
+              <a:rPr lang="en-US" altLang="zh-CN" sz="1200" b="0">
+                <a:solidFill>
+                  <a:srgbClr val="9CDCFE"/>
+                </a:solidFill>
+                <a:latin typeface="Consolas" panose="020B0609020204030204"/>
+                <a:ea typeface="Consolas" panose="020B0609020204030204"/>
+              </a:rPr>
+              <a:t>%s</a:t>
+            </a:r>
+            <a:r>
+              <a:rPr lang="en-US" altLang="zh-CN" sz="1200" b="0">
+                <a:solidFill>
+                  <a:srgbClr val="D7BA7D"/>
+                </a:solidFill>
+                <a:latin typeface="Consolas" panose="020B0609020204030204"/>
+                <a:ea typeface="Consolas" panose="020B0609020204030204"/>
+              </a:rPr>
+              <a:t>\n</a:t>
+            </a:r>
+            <a:r>
+              <a:rPr lang="en-US" altLang="zh-CN" sz="1200" b="0">
+                <a:solidFill>
+                  <a:srgbClr val="CE9178"/>
+                </a:solidFill>
+                <a:latin typeface="Consolas" panose="020B0609020204030204"/>
+                <a:ea typeface="Consolas" panose="020B0609020204030204"/>
+              </a:rPr>
+              <a:t>"</a:t>
+            </a:r>
+            <a:r>
+              <a:rPr lang="en-US" altLang="zh-CN" sz="1200" b="0">
+                <a:solidFill>
+                  <a:srgbClr val="CCCCCC"/>
+                </a:solidFill>
+                <a:latin typeface="Consolas" panose="020B0609020204030204"/>
+                <a:ea typeface="Consolas" panose="020B0609020204030204"/>
+              </a:rPr>
+              <a:t>,</a:t>
+            </a:r>
+            <a:endParaRPr lang="en-US" altLang="zh-CN" sz="1200" b="0">
+              <a:solidFill>
+                <a:srgbClr val="CCCCCC"/>
+              </a:solidFill>
+              <a:latin typeface="Consolas" panose="020B0609020204030204"/>
+              <a:ea typeface="Consolas" panose="020B0609020204030204"/>
+            </a:endParaRPr>
+          </a:p>
+          <a:p>
+            <a:pPr indent="0" fontAlgn="auto">
+              <a:lnSpc>
+                <a:spcPct val="100000"/>
+              </a:lnSpc>
+            </a:pPr>
+            <a:r>
+              <a:rPr lang="en-US" altLang="zh-CN" sz="1200" b="0">
+                <a:solidFill>
+                  <a:srgbClr val="CCCCCC"/>
+                </a:solidFill>
+                <a:latin typeface="Consolas" panose="020B0609020204030204"/>
+                <a:ea typeface="Consolas" panose="020B0609020204030204"/>
+              </a:rPr>
+              <a:t>           </a:t>
+            </a:r>
+            <a:r>
+              <a:rPr lang="en-US" altLang="zh-CN" sz="1200" b="0">
+                <a:solidFill>
+                  <a:srgbClr val="9CDCFE"/>
+                </a:solidFill>
+                <a:latin typeface="Consolas" panose="020B0609020204030204"/>
+                <a:ea typeface="Consolas" panose="020B0609020204030204"/>
+              </a:rPr>
+              <a:t>stud</a:t>
+            </a:r>
+            <a:r>
+              <a:rPr lang="en-US" altLang="zh-CN" sz="1200" b="0">
+                <a:solidFill>
+                  <a:srgbClr val="CCCCCC"/>
+                </a:solidFill>
+                <a:latin typeface="Consolas" panose="020B0609020204030204"/>
+                <a:ea typeface="Consolas" panose="020B0609020204030204"/>
+              </a:rPr>
+              <a:t>.</a:t>
+            </a:r>
+            <a:r>
+              <a:rPr lang="en-US" altLang="zh-CN" sz="1200" b="0">
+                <a:solidFill>
+                  <a:srgbClr val="9CDCFE"/>
+                </a:solidFill>
+                <a:latin typeface="Consolas" panose="020B0609020204030204"/>
+                <a:ea typeface="Consolas" panose="020B0609020204030204"/>
+              </a:rPr>
+              <a:t>id</a:t>
+            </a:r>
+            <a:r>
+              <a:rPr lang="en-US" altLang="zh-CN" sz="1200" b="0">
+                <a:solidFill>
+                  <a:srgbClr val="CCCCCC"/>
+                </a:solidFill>
+                <a:latin typeface="Consolas" panose="020B0609020204030204"/>
+                <a:ea typeface="Consolas" panose="020B0609020204030204"/>
+              </a:rPr>
+              <a:t>,</a:t>
+            </a:r>
+            <a:r>
+              <a:rPr lang="en-US" altLang="zh-CN" sz="1200" b="0">
+                <a:solidFill>
+                  <a:srgbClr val="9CDCFE"/>
+                </a:solidFill>
+                <a:latin typeface="Consolas" panose="020B0609020204030204"/>
+                <a:ea typeface="Consolas" panose="020B0609020204030204"/>
+              </a:rPr>
+              <a:t>stud</a:t>
+            </a:r>
+            <a:r>
+              <a:rPr lang="en-US" altLang="zh-CN" sz="1200" b="0">
+                <a:solidFill>
+                  <a:srgbClr val="CCCCCC"/>
+                </a:solidFill>
+                <a:latin typeface="Consolas" panose="020B0609020204030204"/>
+                <a:ea typeface="Consolas" panose="020B0609020204030204"/>
+              </a:rPr>
+              <a:t>.</a:t>
+            </a:r>
+            <a:r>
+              <a:rPr lang="en-US" altLang="zh-CN" sz="1200" b="0">
+                <a:solidFill>
+                  <a:srgbClr val="9CDCFE"/>
+                </a:solidFill>
+                <a:latin typeface="Consolas" panose="020B0609020204030204"/>
+                <a:ea typeface="Consolas" panose="020B0609020204030204"/>
+              </a:rPr>
+              <a:t>description</a:t>
+            </a:r>
+            <a:r>
+              <a:rPr lang="en-US" altLang="zh-CN" sz="1200" b="0">
+                <a:solidFill>
+                  <a:srgbClr val="CCCCCC"/>
+                </a:solidFill>
+                <a:latin typeface="Consolas" panose="020B0609020204030204"/>
+                <a:ea typeface="Consolas" panose="020B0609020204030204"/>
+              </a:rPr>
+              <a:t>);</a:t>
+            </a:r>
+            <a:endParaRPr lang="en-US" altLang="zh-CN" sz="1200" b="0">
+              <a:solidFill>
+                <a:srgbClr val="CCCCCC"/>
+              </a:solidFill>
+              <a:latin typeface="Consolas" panose="020B0609020204030204"/>
+              <a:ea typeface="Consolas" panose="020B0609020204030204"/>
+            </a:endParaRPr>
+          </a:p>
+          <a:p>
+            <a:pPr indent="0" fontAlgn="auto">
+              <a:lnSpc>
+                <a:spcPct val="100000"/>
+              </a:lnSpc>
+            </a:pPr>
+            <a:r>
+              <a:rPr lang="en-US" altLang="zh-CN" sz="1200" b="0">
+                <a:solidFill>
+                  <a:srgbClr val="CCCCCC"/>
+                </a:solidFill>
+                <a:latin typeface="Consolas" panose="020B0609020204030204"/>
+                <a:ea typeface="Consolas" panose="020B0609020204030204"/>
+              </a:rPr>
+              <a:t>}</a:t>
+            </a:r>
+            <a:endParaRPr lang="en-US" altLang="zh-CN" sz="1200" b="0">
+              <a:solidFill>
+                <a:srgbClr val="CCCCCC"/>
+              </a:solidFill>
+              <a:latin typeface="Consolas" panose="020B0609020204030204"/>
+              <a:ea typeface="Consolas" panose="020B0609020204030204"/>
+            </a:endParaRPr>
+          </a:p>
+          <a:p>
+            <a:pPr indent="0" fontAlgn="auto">
+              <a:lnSpc>
+                <a:spcPct val="100000"/>
+              </a:lnSpc>
+            </a:pPr>
+            <a:r>
+              <a:rPr lang="en-US" altLang="zh-CN" sz="1200" b="0">
+                <a:solidFill>
+                  <a:srgbClr val="569CD6"/>
+                </a:solidFill>
+                <a:latin typeface="Consolas" panose="020B0609020204030204"/>
+                <a:ea typeface="Consolas" panose="020B0609020204030204"/>
+              </a:rPr>
+              <a:t>int </a:t>
+            </a:r>
+            <a:r>
+              <a:rPr lang="en-US" altLang="zh-CN" sz="1200" b="0">
+                <a:solidFill>
+                  <a:srgbClr val="DCDCAA"/>
+                </a:solidFill>
+                <a:latin typeface="Consolas" panose="020B0609020204030204"/>
+                <a:ea typeface="Consolas" panose="020B0609020204030204"/>
+              </a:rPr>
+              <a:t>main</a:t>
+            </a:r>
+            <a:r>
+              <a:rPr lang="en-US" altLang="zh-CN" sz="1200" b="0">
+                <a:solidFill>
+                  <a:srgbClr val="CCCCCC"/>
+                </a:solidFill>
+                <a:latin typeface="Consolas" panose="020B0609020204030204"/>
+                <a:ea typeface="Consolas" panose="020B0609020204030204"/>
+              </a:rPr>
+              <a:t>(){</a:t>
+            </a:r>
+            <a:endParaRPr lang="en-US" altLang="zh-CN" sz="1200" b="0">
+              <a:solidFill>
+                <a:srgbClr val="CCCCCC"/>
+              </a:solidFill>
+              <a:latin typeface="Consolas" panose="020B0609020204030204"/>
+              <a:ea typeface="Consolas" panose="020B0609020204030204"/>
+            </a:endParaRPr>
+          </a:p>
+          <a:p>
+            <a:pPr indent="0" fontAlgn="auto">
+              <a:lnSpc>
+                <a:spcPct val="100000"/>
+              </a:lnSpc>
+            </a:pPr>
+            <a:r>
+              <a:rPr lang="en-US" altLang="zh-CN" sz="1200" b="0">
+                <a:solidFill>
+                  <a:srgbClr val="CCCCCC"/>
+                </a:solidFill>
+                <a:latin typeface="Consolas" panose="020B0609020204030204"/>
+                <a:ea typeface="Consolas" panose="020B0609020204030204"/>
+              </a:rPr>
+              <a:t>     </a:t>
+            </a:r>
+            <a:r>
+              <a:rPr lang="en-US" altLang="zh-CN" sz="1200" b="0">
+                <a:solidFill>
+                  <a:srgbClr val="4EC9B0"/>
+                </a:solidFill>
+                <a:latin typeface="Consolas" panose="020B0609020204030204"/>
+                <a:ea typeface="Consolas" panose="020B0609020204030204"/>
+              </a:rPr>
+              <a:t>Stu </a:t>
+            </a:r>
+            <a:r>
+              <a:rPr lang="en-US" altLang="zh-CN" sz="1200" b="0">
+                <a:solidFill>
+                  <a:srgbClr val="9CDCFE"/>
+                </a:solidFill>
+                <a:latin typeface="Consolas" panose="020B0609020204030204"/>
+                <a:ea typeface="Consolas" panose="020B0609020204030204"/>
+              </a:rPr>
+              <a:t>stum</a:t>
+            </a:r>
+            <a:r>
+              <a:rPr lang="en-US" altLang="zh-CN" sz="1200" b="0">
+                <a:solidFill>
+                  <a:srgbClr val="D4D4D4"/>
+                </a:solidFill>
+                <a:latin typeface="Consolas" panose="020B0609020204030204"/>
+                <a:ea typeface="Consolas" panose="020B0609020204030204"/>
+              </a:rPr>
+              <a:t>=</a:t>
+            </a:r>
+            <a:r>
+              <a:rPr lang="en-US" altLang="zh-CN" sz="1200" b="0">
+                <a:solidFill>
+                  <a:srgbClr val="CCCCCC"/>
+                </a:solidFill>
+                <a:latin typeface="Consolas" panose="020B0609020204030204"/>
+                <a:ea typeface="Consolas" panose="020B0609020204030204"/>
+              </a:rPr>
+              <a:t>{</a:t>
+            </a:r>
+            <a:r>
+              <a:rPr lang="en-US" altLang="zh-CN" sz="1200" b="0">
+                <a:solidFill>
+                  <a:srgbClr val="B5CEA8"/>
+                </a:solidFill>
+                <a:latin typeface="Consolas" panose="020B0609020204030204"/>
+                <a:ea typeface="Consolas" panose="020B0609020204030204"/>
+              </a:rPr>
+              <a:t>3</a:t>
+            </a:r>
+            <a:r>
+              <a:rPr lang="en-US" altLang="zh-CN" sz="1200" b="0">
+                <a:solidFill>
+                  <a:srgbClr val="CCCCCC"/>
+                </a:solidFill>
+                <a:latin typeface="Consolas" panose="020B0609020204030204"/>
+                <a:ea typeface="Consolas" panose="020B0609020204030204"/>
+              </a:rPr>
+              <a:t>,</a:t>
+            </a:r>
+            <a:r>
+              <a:rPr lang="en-US" altLang="zh-CN" sz="1200" b="0">
+                <a:solidFill>
+                  <a:srgbClr val="CE9178"/>
+                </a:solidFill>
+                <a:latin typeface="Consolas" panose="020B0609020204030204"/>
+                <a:ea typeface="Consolas" panose="020B0609020204030204"/>
+              </a:rPr>
+              <a:t>"NAZHA"</a:t>
+            </a:r>
+            <a:r>
+              <a:rPr lang="en-US" altLang="zh-CN" sz="1200" b="0">
+                <a:solidFill>
+                  <a:srgbClr val="CCCCCC"/>
+                </a:solidFill>
+                <a:latin typeface="Consolas" panose="020B0609020204030204"/>
+                <a:ea typeface="Consolas" panose="020B0609020204030204"/>
+              </a:rPr>
+              <a:t>};</a:t>
+            </a:r>
+            <a:endParaRPr lang="en-US" altLang="zh-CN" sz="1200" b="0">
+              <a:solidFill>
+                <a:srgbClr val="CCCCCC"/>
+              </a:solidFill>
+              <a:latin typeface="Consolas" panose="020B0609020204030204"/>
+              <a:ea typeface="Consolas" panose="020B0609020204030204"/>
+            </a:endParaRPr>
+          </a:p>
+          <a:p>
+            <a:pPr indent="0" fontAlgn="auto">
+              <a:lnSpc>
+                <a:spcPct val="100000"/>
+              </a:lnSpc>
+            </a:pPr>
+            <a:r>
+              <a:rPr lang="en-US" altLang="zh-CN" sz="1200" b="0">
+                <a:solidFill>
+                  <a:srgbClr val="CCCCCC"/>
+                </a:solidFill>
+                <a:latin typeface="Consolas" panose="020B0609020204030204"/>
+                <a:ea typeface="Consolas" panose="020B0609020204030204"/>
+              </a:rPr>
+              <a:t>    </a:t>
+            </a:r>
+            <a:r>
+              <a:rPr lang="en-US" altLang="zh-CN" sz="1200" b="0">
+                <a:solidFill>
+                  <a:srgbClr val="DCDCAA"/>
+                </a:solidFill>
+                <a:latin typeface="Consolas" panose="020B0609020204030204"/>
+                <a:ea typeface="Consolas" panose="020B0609020204030204"/>
+              </a:rPr>
+              <a:t>disp_struct</a:t>
+            </a:r>
+            <a:r>
+              <a:rPr lang="en-US" altLang="zh-CN" sz="1200" b="0">
+                <a:solidFill>
+                  <a:srgbClr val="CCCCCC"/>
+                </a:solidFill>
+                <a:latin typeface="Consolas" panose="020B0609020204030204"/>
+                <a:ea typeface="Consolas" panose="020B0609020204030204"/>
+              </a:rPr>
+              <a:t>(</a:t>
+            </a:r>
+            <a:r>
+              <a:rPr lang="en-US" altLang="zh-CN" sz="1200" b="0">
+                <a:solidFill>
+                  <a:srgbClr val="9CDCFE"/>
+                </a:solidFill>
+                <a:latin typeface="Consolas" panose="020B0609020204030204"/>
+                <a:ea typeface="Consolas" panose="020B0609020204030204"/>
+              </a:rPr>
+              <a:t>stum</a:t>
+            </a:r>
+            <a:r>
+              <a:rPr lang="en-US" altLang="zh-CN" sz="1200" b="0">
+                <a:solidFill>
+                  <a:srgbClr val="CCCCCC"/>
+                </a:solidFill>
+                <a:latin typeface="Consolas" panose="020B0609020204030204"/>
+                <a:ea typeface="Consolas" panose="020B0609020204030204"/>
+              </a:rPr>
+              <a:t>);</a:t>
+            </a:r>
+            <a:endParaRPr lang="en-US" altLang="zh-CN" sz="1200" b="0">
+              <a:solidFill>
+                <a:srgbClr val="CCCCCC"/>
+              </a:solidFill>
+              <a:latin typeface="Consolas" panose="020B0609020204030204"/>
+              <a:ea typeface="Consolas" panose="020B0609020204030204"/>
+            </a:endParaRPr>
+          </a:p>
+          <a:p>
+            <a:pPr indent="0" fontAlgn="auto">
+              <a:lnSpc>
+                <a:spcPct val="100000"/>
+              </a:lnSpc>
+            </a:pPr>
+            <a:r>
+              <a:rPr lang="en-US" altLang="zh-CN" sz="1200" b="0">
+                <a:solidFill>
+                  <a:srgbClr val="CCCCCC"/>
+                </a:solidFill>
+                <a:latin typeface="Consolas" panose="020B0609020204030204"/>
+                <a:ea typeface="Consolas" panose="020B0609020204030204"/>
+              </a:rPr>
+              <a:t>    </a:t>
+            </a:r>
+            <a:r>
+              <a:rPr lang="en-US" altLang="zh-CN" sz="1200" b="0">
+                <a:solidFill>
+                  <a:srgbClr val="C586C0"/>
+                </a:solidFill>
+                <a:latin typeface="Consolas" panose="020B0609020204030204"/>
+                <a:ea typeface="Consolas" panose="020B0609020204030204"/>
+              </a:rPr>
+              <a:t>return </a:t>
+            </a:r>
+            <a:r>
+              <a:rPr lang="en-US" altLang="zh-CN" sz="1200" b="0">
+                <a:solidFill>
+                  <a:srgbClr val="B5CEA8"/>
+                </a:solidFill>
+                <a:latin typeface="Consolas" panose="020B0609020204030204"/>
+                <a:ea typeface="Consolas" panose="020B0609020204030204"/>
+              </a:rPr>
+              <a:t>0</a:t>
+            </a:r>
+            <a:r>
+              <a:rPr lang="en-US" altLang="zh-CN" sz="1200" b="0">
+                <a:solidFill>
+                  <a:srgbClr val="CCCCCC"/>
+                </a:solidFill>
+                <a:latin typeface="Consolas" panose="020B0609020204030204"/>
+                <a:ea typeface="Consolas" panose="020B0609020204030204"/>
+              </a:rPr>
+              <a:t>;</a:t>
+            </a:r>
+            <a:endParaRPr lang="en-US" altLang="zh-CN" sz="1200" b="0">
+              <a:solidFill>
+                <a:srgbClr val="CCCCCC"/>
+              </a:solidFill>
+              <a:latin typeface="Consolas" panose="020B0609020204030204"/>
+              <a:ea typeface="Consolas" panose="020B0609020204030204"/>
+            </a:endParaRPr>
+          </a:p>
+          <a:p>
+            <a:pPr indent="0" fontAlgn="auto">
+              <a:lnSpc>
+                <a:spcPct val="100000"/>
+              </a:lnSpc>
+            </a:pPr>
+            <a:r>
+              <a:rPr lang="en-US" altLang="zh-CN" sz="1200" b="0">
+                <a:solidFill>
+                  <a:srgbClr val="CCCCCC"/>
+                </a:solidFill>
+                <a:latin typeface="Consolas" panose="020B0609020204030204"/>
+                <a:ea typeface="Consolas" panose="020B0609020204030204"/>
+              </a:rPr>
+              <a:t>}</a:t>
+            </a:r>
+            <a:endParaRPr lang="en-US" altLang="zh-CN" sz="1200" b="0">
+              <a:solidFill>
+                <a:srgbClr val="CCCCCC"/>
+              </a:solidFill>
+              <a:latin typeface="Consolas" panose="020B0609020204030204"/>
+              <a:ea typeface="Consolas" panose="020B0609020204030204"/>
+            </a:endParaRPr>
+          </a:p>
+        </p:txBody>
+      </p:sp>
+      <p:sp>
+        <p:nvSpPr>
+          <p:cNvPr id="9" name="文本框 8"/>
+          <p:cNvSpPr txBox="1"/>
+          <p:nvPr/>
+        </p:nvSpPr>
+        <p:spPr>
+          <a:xfrm>
+            <a:off x="8347710" y="1211580"/>
+            <a:ext cx="3556000" cy="2617470"/>
+          </a:xfrm>
+          <a:prstGeom prst="rect">
+            <a:avLst/>
+          </a:prstGeom>
+          <a:solidFill>
+            <a:schemeClr val="tx1"/>
+          </a:solidFill>
+        </p:spPr>
+        <p:txBody>
+          <a:bodyPr wrap="square">
+            <a:noAutofit/>
+          </a:bodyPr>
+          <a:p>
+            <a:pPr indent="0" fontAlgn="auto">
+              <a:lnSpc>
+                <a:spcPct val="100000"/>
+              </a:lnSpc>
+            </a:pPr>
+            <a:r>
+              <a:rPr lang="en-US" altLang="zh-CN" sz="1200" b="0">
+                <a:solidFill>
+                  <a:srgbClr val="C586C0"/>
+                </a:solidFill>
+                <a:latin typeface="Consolas" panose="020B0609020204030204"/>
+                <a:ea typeface="Consolas" panose="020B0609020204030204"/>
+              </a:rPr>
+              <a:t>#include</a:t>
+            </a:r>
+            <a:r>
+              <a:rPr lang="en-US" altLang="zh-CN" sz="1200" b="0">
+                <a:solidFill>
+                  <a:srgbClr val="CE9178"/>
+                </a:solidFill>
+                <a:latin typeface="Consolas" panose="020B0609020204030204"/>
+                <a:ea typeface="Consolas" panose="020B0609020204030204"/>
+              </a:rPr>
+              <a:t>&lt;stdio.h&gt;  </a:t>
+            </a:r>
+            <a:r>
+              <a:rPr lang="en-US" altLang="zh-CN" sz="1200">
+                <a:solidFill>
+                  <a:srgbClr val="CE9178"/>
+                </a:solidFill>
+                <a:latin typeface="Consolas" panose="020B0609020204030204"/>
+                <a:ea typeface="Consolas" panose="020B0609020204030204"/>
+                <a:sym typeface="+mn-ea"/>
+              </a:rPr>
+              <a:t>//fdemo3_ptr.c</a:t>
+            </a:r>
+            <a:endParaRPr lang="en-US" altLang="zh-CN" sz="1200" b="0">
+              <a:solidFill>
+                <a:srgbClr val="CE9178"/>
+              </a:solidFill>
+              <a:latin typeface="Consolas" panose="020B0609020204030204"/>
+              <a:ea typeface="Consolas" panose="020B0609020204030204"/>
+            </a:endParaRPr>
+          </a:p>
+          <a:p>
+            <a:pPr indent="0" fontAlgn="auto">
+              <a:lnSpc>
+                <a:spcPct val="100000"/>
+              </a:lnSpc>
+            </a:pPr>
+            <a:r>
+              <a:rPr lang="en-US" altLang="zh-CN" sz="1200" b="0">
+                <a:solidFill>
+                  <a:srgbClr val="569CD6"/>
+                </a:solidFill>
+                <a:latin typeface="Consolas" panose="020B0609020204030204"/>
+                <a:ea typeface="Consolas" panose="020B0609020204030204"/>
+              </a:rPr>
+              <a:t>typedef struct</a:t>
+            </a:r>
+            <a:r>
+              <a:rPr lang="en-US" altLang="zh-CN" sz="1200" b="0">
+                <a:solidFill>
+                  <a:srgbClr val="CCCCCC"/>
+                </a:solidFill>
+                <a:latin typeface="Consolas" panose="020B0609020204030204"/>
+                <a:ea typeface="Consolas" panose="020B0609020204030204"/>
+              </a:rPr>
+              <a:t> {</a:t>
+            </a:r>
+            <a:endParaRPr lang="en-US" altLang="zh-CN" sz="1200" b="0">
+              <a:solidFill>
+                <a:srgbClr val="CCCCCC"/>
+              </a:solidFill>
+              <a:latin typeface="Consolas" panose="020B0609020204030204"/>
+              <a:ea typeface="Consolas" panose="020B0609020204030204"/>
+            </a:endParaRPr>
+          </a:p>
+          <a:p>
+            <a:pPr indent="0" fontAlgn="auto">
+              <a:lnSpc>
+                <a:spcPct val="100000"/>
+              </a:lnSpc>
+            </a:pPr>
+            <a:r>
+              <a:rPr lang="en-US" altLang="zh-CN" sz="1200" b="0">
+                <a:solidFill>
+                  <a:srgbClr val="CCCCCC"/>
+                </a:solidFill>
+                <a:latin typeface="Consolas" panose="020B0609020204030204"/>
+                <a:ea typeface="Consolas" panose="020B0609020204030204"/>
+              </a:rPr>
+              <a:t>    </a:t>
+            </a:r>
+            <a:r>
+              <a:rPr lang="en-US" altLang="zh-CN" sz="1200" b="0">
+                <a:solidFill>
+                  <a:srgbClr val="569CD6"/>
+                </a:solidFill>
+                <a:latin typeface="Consolas" panose="020B0609020204030204"/>
+                <a:ea typeface="Consolas" panose="020B0609020204030204"/>
+              </a:rPr>
+              <a:t>int </a:t>
+            </a:r>
+            <a:r>
+              <a:rPr lang="en-US" altLang="zh-CN" sz="1200" b="0">
+                <a:solidFill>
+                  <a:srgbClr val="9CDCFE"/>
+                </a:solidFill>
+                <a:latin typeface="Consolas" panose="020B0609020204030204"/>
+                <a:ea typeface="Consolas" panose="020B0609020204030204"/>
+              </a:rPr>
+              <a:t>id</a:t>
+            </a:r>
+            <a:r>
+              <a:rPr lang="en-US" altLang="zh-CN" sz="1200" b="0">
+                <a:solidFill>
+                  <a:srgbClr val="CCCCCC"/>
+                </a:solidFill>
+                <a:latin typeface="Consolas" panose="020B0609020204030204"/>
+                <a:ea typeface="Consolas" panose="020B0609020204030204"/>
+              </a:rPr>
+              <a:t>;</a:t>
+            </a:r>
+            <a:endParaRPr lang="en-US" altLang="zh-CN" sz="1200" b="0">
+              <a:solidFill>
+                <a:srgbClr val="CCCCCC"/>
+              </a:solidFill>
+              <a:latin typeface="Consolas" panose="020B0609020204030204"/>
+              <a:ea typeface="Consolas" panose="020B0609020204030204"/>
+            </a:endParaRPr>
+          </a:p>
+          <a:p>
+            <a:pPr indent="0" fontAlgn="auto">
+              <a:lnSpc>
+                <a:spcPct val="100000"/>
+              </a:lnSpc>
+            </a:pPr>
+            <a:r>
+              <a:rPr lang="en-US" altLang="zh-CN" sz="1200" b="0">
+                <a:solidFill>
+                  <a:srgbClr val="CCCCCC"/>
+                </a:solidFill>
+                <a:latin typeface="Consolas" panose="020B0609020204030204"/>
+                <a:ea typeface="Consolas" panose="020B0609020204030204"/>
+              </a:rPr>
+              <a:t>    </a:t>
+            </a:r>
+            <a:r>
+              <a:rPr lang="en-US" altLang="zh-CN" sz="1200" b="0">
+                <a:solidFill>
+                  <a:srgbClr val="569CD6"/>
+                </a:solidFill>
+                <a:latin typeface="Consolas" panose="020B0609020204030204"/>
+                <a:ea typeface="Consolas" panose="020B0609020204030204"/>
+              </a:rPr>
+              <a:t>char </a:t>
+            </a:r>
+            <a:r>
+              <a:rPr lang="en-US" altLang="zh-CN" sz="1200" b="0">
+                <a:solidFill>
+                  <a:srgbClr val="9CDCFE"/>
+                </a:solidFill>
+                <a:latin typeface="Consolas" panose="020B0609020204030204"/>
+                <a:ea typeface="Consolas" panose="020B0609020204030204"/>
+              </a:rPr>
+              <a:t>description</a:t>
+            </a:r>
+            <a:r>
+              <a:rPr lang="en-US" altLang="zh-CN" sz="1200" b="0">
+                <a:solidFill>
+                  <a:srgbClr val="CCCCCC"/>
+                </a:solidFill>
+                <a:latin typeface="Consolas" panose="020B0609020204030204"/>
+                <a:ea typeface="Consolas" panose="020B0609020204030204"/>
+              </a:rPr>
+              <a:t>[</a:t>
+            </a:r>
+            <a:r>
+              <a:rPr lang="en-US" altLang="zh-CN" sz="1200" b="0">
+                <a:solidFill>
+                  <a:srgbClr val="B5CEA8"/>
+                </a:solidFill>
+                <a:latin typeface="Consolas" panose="020B0609020204030204"/>
+                <a:ea typeface="Consolas" panose="020B0609020204030204"/>
+              </a:rPr>
+              <a:t>1024</a:t>
+            </a:r>
+            <a:r>
+              <a:rPr lang="en-US" altLang="zh-CN" sz="1200" b="0">
+                <a:solidFill>
+                  <a:srgbClr val="CCCCCC"/>
+                </a:solidFill>
+                <a:latin typeface="Consolas" panose="020B0609020204030204"/>
+                <a:ea typeface="Consolas" panose="020B0609020204030204"/>
+              </a:rPr>
+              <a:t>];</a:t>
+            </a:r>
+            <a:endParaRPr lang="en-US" altLang="zh-CN" sz="1200" b="0">
+              <a:solidFill>
+                <a:srgbClr val="CCCCCC"/>
+              </a:solidFill>
+              <a:latin typeface="Consolas" panose="020B0609020204030204"/>
+              <a:ea typeface="Consolas" panose="020B0609020204030204"/>
+            </a:endParaRPr>
+          </a:p>
+          <a:p>
+            <a:pPr indent="0" fontAlgn="auto">
+              <a:lnSpc>
+                <a:spcPct val="100000"/>
+              </a:lnSpc>
+            </a:pPr>
+            <a:r>
+              <a:rPr lang="en-US" altLang="zh-CN" sz="1200" b="0">
+                <a:solidFill>
+                  <a:srgbClr val="CCCCCC"/>
+                </a:solidFill>
+                <a:latin typeface="Consolas" panose="020B0609020204030204"/>
+                <a:ea typeface="Consolas" panose="020B0609020204030204"/>
+              </a:rPr>
+              <a:t>}</a:t>
+            </a:r>
+            <a:r>
+              <a:rPr lang="en-US" altLang="zh-CN" sz="1200" b="0">
+                <a:solidFill>
+                  <a:srgbClr val="4EC9B0"/>
+                </a:solidFill>
+                <a:latin typeface="Consolas" panose="020B0609020204030204"/>
+                <a:ea typeface="Consolas" panose="020B0609020204030204"/>
+              </a:rPr>
+              <a:t>Stu</a:t>
+            </a:r>
+            <a:r>
+              <a:rPr lang="en-US" altLang="zh-CN" sz="1200" b="0">
+                <a:solidFill>
+                  <a:srgbClr val="CCCCCC"/>
+                </a:solidFill>
+                <a:latin typeface="Consolas" panose="020B0609020204030204"/>
+                <a:ea typeface="Consolas" panose="020B0609020204030204"/>
+              </a:rPr>
+              <a:t>;</a:t>
+            </a:r>
+            <a:endParaRPr lang="en-US" altLang="zh-CN" sz="1200" b="0">
+              <a:solidFill>
+                <a:srgbClr val="CCCCCC"/>
+              </a:solidFill>
+              <a:latin typeface="Consolas" panose="020B0609020204030204"/>
+              <a:ea typeface="Consolas" panose="020B0609020204030204"/>
+            </a:endParaRPr>
+          </a:p>
+          <a:p>
+            <a:pPr indent="0" fontAlgn="auto">
+              <a:lnSpc>
+                <a:spcPct val="100000"/>
+              </a:lnSpc>
+            </a:pPr>
+            <a:r>
+              <a:rPr lang="en-US" altLang="zh-CN" sz="1200" b="0">
+                <a:solidFill>
+                  <a:srgbClr val="569CD6"/>
+                </a:solidFill>
+                <a:latin typeface="Consolas" panose="020B0609020204030204"/>
+                <a:ea typeface="Consolas" panose="020B0609020204030204"/>
+              </a:rPr>
+              <a:t>void </a:t>
+            </a:r>
+            <a:r>
+              <a:rPr lang="en-US" altLang="zh-CN" sz="1200" b="0">
+                <a:solidFill>
+                  <a:srgbClr val="DCDCAA"/>
+                </a:solidFill>
+                <a:latin typeface="Consolas" panose="020B0609020204030204"/>
+                <a:ea typeface="Consolas" panose="020B0609020204030204"/>
+              </a:rPr>
+              <a:t>disp_struct</a:t>
+            </a:r>
+            <a:r>
+              <a:rPr lang="en-US" altLang="zh-CN" sz="1200" b="0">
+                <a:solidFill>
+                  <a:srgbClr val="CCCCCC"/>
+                </a:solidFill>
+                <a:latin typeface="Consolas" panose="020B0609020204030204"/>
+                <a:ea typeface="Consolas" panose="020B0609020204030204"/>
+              </a:rPr>
+              <a:t>(</a:t>
+            </a:r>
+            <a:r>
+              <a:rPr lang="en-US" altLang="zh-CN" sz="1200" b="0">
+                <a:solidFill>
+                  <a:srgbClr val="4EC9B0"/>
+                </a:solidFill>
+                <a:latin typeface="Consolas" panose="020B0609020204030204"/>
+                <a:ea typeface="Consolas" panose="020B0609020204030204"/>
+              </a:rPr>
+              <a:t>Stu</a:t>
+            </a:r>
+            <a:r>
+              <a:rPr lang="en-US" altLang="zh-CN" sz="1200" b="0">
+                <a:solidFill>
+                  <a:srgbClr val="D4D4D4"/>
+                </a:solidFill>
+                <a:latin typeface="Consolas" panose="020B0609020204030204"/>
+                <a:ea typeface="Consolas" panose="020B0609020204030204"/>
+              </a:rPr>
+              <a:t>* </a:t>
+            </a:r>
+            <a:r>
+              <a:rPr lang="en-US" altLang="zh-CN" sz="1200" b="0">
+                <a:solidFill>
+                  <a:srgbClr val="9CDCFE"/>
+                </a:solidFill>
+                <a:latin typeface="Consolas" panose="020B0609020204030204"/>
+                <a:ea typeface="Consolas" panose="020B0609020204030204"/>
+              </a:rPr>
+              <a:t>stud</a:t>
+            </a:r>
+            <a:r>
+              <a:rPr lang="en-US" altLang="zh-CN" sz="1200" b="0">
+                <a:solidFill>
+                  <a:srgbClr val="CCCCCC"/>
+                </a:solidFill>
+                <a:latin typeface="Consolas" panose="020B0609020204030204"/>
+                <a:ea typeface="Consolas" panose="020B0609020204030204"/>
+              </a:rPr>
+              <a:t>){</a:t>
+            </a:r>
+            <a:endParaRPr lang="en-US" altLang="zh-CN" sz="1200" b="0">
+              <a:solidFill>
+                <a:srgbClr val="CCCCCC"/>
+              </a:solidFill>
+              <a:latin typeface="Consolas" panose="020B0609020204030204"/>
+              <a:ea typeface="Consolas" panose="020B0609020204030204"/>
+            </a:endParaRPr>
+          </a:p>
+          <a:p>
+            <a:pPr indent="0" fontAlgn="auto">
+              <a:lnSpc>
+                <a:spcPct val="100000"/>
+              </a:lnSpc>
+            </a:pPr>
+            <a:r>
+              <a:rPr lang="en-US" altLang="zh-CN" sz="1200" b="0">
+                <a:solidFill>
+                  <a:srgbClr val="CCCCCC"/>
+                </a:solidFill>
+                <a:latin typeface="Consolas" panose="020B0609020204030204"/>
+                <a:ea typeface="Consolas" panose="020B0609020204030204"/>
+              </a:rPr>
+              <a:t>    </a:t>
+            </a:r>
+            <a:r>
+              <a:rPr lang="en-US" altLang="zh-CN" sz="1200" b="0">
+                <a:solidFill>
+                  <a:srgbClr val="DCDCAA"/>
+                </a:solidFill>
+                <a:latin typeface="Consolas" panose="020B0609020204030204"/>
+                <a:ea typeface="Consolas" panose="020B0609020204030204"/>
+              </a:rPr>
+              <a:t>printf</a:t>
+            </a:r>
+            <a:r>
+              <a:rPr lang="en-US" altLang="zh-CN" sz="1200" b="0">
+                <a:solidFill>
+                  <a:srgbClr val="CCCCCC"/>
+                </a:solidFill>
+                <a:latin typeface="Consolas" panose="020B0609020204030204"/>
+                <a:ea typeface="Consolas" panose="020B0609020204030204"/>
+              </a:rPr>
+              <a:t>(</a:t>
+            </a:r>
+            <a:r>
+              <a:rPr lang="en-US" altLang="zh-CN" sz="1200" b="0">
+                <a:solidFill>
+                  <a:srgbClr val="CE9178"/>
+                </a:solidFill>
+                <a:latin typeface="Consolas" panose="020B0609020204030204"/>
+                <a:ea typeface="Consolas" panose="020B0609020204030204"/>
+              </a:rPr>
+              <a:t>"Student_id: </a:t>
+            </a:r>
+            <a:r>
+              <a:rPr lang="en-US" altLang="zh-CN" sz="1200" b="0">
+                <a:solidFill>
+                  <a:srgbClr val="9CDCFE"/>
+                </a:solidFill>
+                <a:latin typeface="Consolas" panose="020B0609020204030204"/>
+                <a:ea typeface="Consolas" panose="020B0609020204030204"/>
+              </a:rPr>
+              <a:t>%d</a:t>
+            </a:r>
+            <a:r>
+              <a:rPr lang="en-US" altLang="zh-CN" sz="1200" b="0">
+                <a:solidFill>
+                  <a:srgbClr val="D7BA7D"/>
+                </a:solidFill>
+                <a:latin typeface="Consolas" panose="020B0609020204030204"/>
+                <a:ea typeface="Consolas" panose="020B0609020204030204"/>
+              </a:rPr>
+              <a:t>\t</a:t>
+            </a:r>
+            <a:r>
+              <a:rPr lang="en-US" altLang="zh-CN" sz="1200" b="0">
+                <a:solidFill>
+                  <a:srgbClr val="CE9178"/>
+                </a:solidFill>
+                <a:latin typeface="Consolas" panose="020B0609020204030204"/>
+                <a:ea typeface="Consolas" panose="020B0609020204030204"/>
+              </a:rPr>
+              <a:t>info:</a:t>
+            </a:r>
+            <a:r>
+              <a:rPr lang="en-US" altLang="zh-CN" sz="1200" b="0">
+                <a:solidFill>
+                  <a:srgbClr val="9CDCFE"/>
+                </a:solidFill>
+                <a:latin typeface="Consolas" panose="020B0609020204030204"/>
+                <a:ea typeface="Consolas" panose="020B0609020204030204"/>
+              </a:rPr>
+              <a:t>%s</a:t>
+            </a:r>
+            <a:r>
+              <a:rPr lang="en-US" altLang="zh-CN" sz="1200" b="0">
+                <a:solidFill>
+                  <a:srgbClr val="D7BA7D"/>
+                </a:solidFill>
+                <a:latin typeface="Consolas" panose="020B0609020204030204"/>
+                <a:ea typeface="Consolas" panose="020B0609020204030204"/>
+              </a:rPr>
+              <a:t>\n</a:t>
+            </a:r>
+            <a:r>
+              <a:rPr lang="en-US" altLang="zh-CN" sz="1200" b="0">
+                <a:solidFill>
+                  <a:srgbClr val="CE9178"/>
+                </a:solidFill>
+                <a:latin typeface="Consolas" panose="020B0609020204030204"/>
+                <a:ea typeface="Consolas" panose="020B0609020204030204"/>
+              </a:rPr>
+              <a:t>"</a:t>
+            </a:r>
+            <a:r>
+              <a:rPr lang="en-US" altLang="zh-CN" sz="1200" b="0">
+                <a:solidFill>
+                  <a:srgbClr val="CCCCCC"/>
+                </a:solidFill>
+                <a:latin typeface="Consolas" panose="020B0609020204030204"/>
+                <a:ea typeface="Consolas" panose="020B0609020204030204"/>
+              </a:rPr>
+              <a:t>,</a:t>
+            </a:r>
+            <a:endParaRPr lang="en-US" altLang="zh-CN" sz="1200" b="0">
+              <a:solidFill>
+                <a:srgbClr val="CCCCCC"/>
+              </a:solidFill>
+              <a:latin typeface="Consolas" panose="020B0609020204030204"/>
+              <a:ea typeface="Consolas" panose="020B0609020204030204"/>
+            </a:endParaRPr>
+          </a:p>
+          <a:p>
+            <a:pPr indent="0" fontAlgn="auto">
+              <a:lnSpc>
+                <a:spcPct val="100000"/>
+              </a:lnSpc>
+            </a:pPr>
+            <a:r>
+              <a:rPr lang="en-US" altLang="zh-CN" sz="1200" b="0">
+                <a:solidFill>
+                  <a:srgbClr val="9CDCFE"/>
+                </a:solidFill>
+                <a:latin typeface="Consolas" panose="020B0609020204030204"/>
+                <a:ea typeface="Consolas" panose="020B0609020204030204"/>
+              </a:rPr>
+              <a:t>           stud</a:t>
+            </a:r>
+            <a:r>
+              <a:rPr lang="en-US" altLang="zh-CN" sz="1200" b="0">
+                <a:solidFill>
+                  <a:srgbClr val="CCCCCC"/>
+                </a:solidFill>
+                <a:latin typeface="Consolas" panose="020B0609020204030204"/>
+                <a:ea typeface="Consolas" panose="020B0609020204030204"/>
+              </a:rPr>
+              <a:t>-&gt;</a:t>
+            </a:r>
+            <a:r>
+              <a:rPr lang="en-US" altLang="zh-CN" sz="1200" b="0">
+                <a:solidFill>
+                  <a:srgbClr val="9CDCFE"/>
+                </a:solidFill>
+                <a:latin typeface="Consolas" panose="020B0609020204030204"/>
+                <a:ea typeface="Consolas" panose="020B0609020204030204"/>
+              </a:rPr>
+              <a:t>id</a:t>
+            </a:r>
+            <a:r>
+              <a:rPr lang="en-US" altLang="zh-CN" sz="1200" b="0">
+                <a:solidFill>
+                  <a:srgbClr val="CCCCCC"/>
+                </a:solidFill>
+                <a:latin typeface="Consolas" panose="020B0609020204030204"/>
+                <a:ea typeface="Consolas" panose="020B0609020204030204"/>
+              </a:rPr>
+              <a:t>,</a:t>
+            </a:r>
+            <a:r>
+              <a:rPr lang="en-US" altLang="zh-CN" sz="1200" b="0">
+                <a:solidFill>
+                  <a:srgbClr val="9CDCFE"/>
+                </a:solidFill>
+                <a:latin typeface="Consolas" panose="020B0609020204030204"/>
+                <a:ea typeface="Consolas" panose="020B0609020204030204"/>
+              </a:rPr>
+              <a:t>stud</a:t>
+            </a:r>
+            <a:r>
+              <a:rPr lang="en-US" altLang="zh-CN" sz="1200" b="0">
+                <a:solidFill>
+                  <a:srgbClr val="CCCCCC"/>
+                </a:solidFill>
+                <a:latin typeface="Consolas" panose="020B0609020204030204"/>
+                <a:ea typeface="Consolas" panose="020B0609020204030204"/>
+              </a:rPr>
+              <a:t>-&gt;</a:t>
+            </a:r>
+            <a:r>
+              <a:rPr lang="en-US" altLang="zh-CN" sz="1200" b="0">
+                <a:solidFill>
+                  <a:srgbClr val="9CDCFE"/>
+                </a:solidFill>
+                <a:latin typeface="Consolas" panose="020B0609020204030204"/>
+                <a:ea typeface="Consolas" panose="020B0609020204030204"/>
+              </a:rPr>
+              <a:t>description</a:t>
+            </a:r>
+            <a:r>
+              <a:rPr lang="en-US" altLang="zh-CN" sz="1200" b="0">
+                <a:solidFill>
+                  <a:srgbClr val="CCCCCC"/>
+                </a:solidFill>
+                <a:latin typeface="Consolas" panose="020B0609020204030204"/>
+                <a:ea typeface="Consolas" panose="020B0609020204030204"/>
+              </a:rPr>
+              <a:t>);</a:t>
+            </a:r>
+            <a:endParaRPr lang="en-US" altLang="zh-CN" sz="1200" b="0">
+              <a:solidFill>
+                <a:srgbClr val="CCCCCC"/>
+              </a:solidFill>
+              <a:latin typeface="Consolas" panose="020B0609020204030204"/>
+              <a:ea typeface="Consolas" panose="020B0609020204030204"/>
+            </a:endParaRPr>
+          </a:p>
+          <a:p>
+            <a:pPr indent="0" fontAlgn="auto">
+              <a:lnSpc>
+                <a:spcPct val="100000"/>
+              </a:lnSpc>
+            </a:pPr>
+            <a:r>
+              <a:rPr lang="en-US" altLang="zh-CN" sz="1200" b="0">
+                <a:solidFill>
+                  <a:srgbClr val="CCCCCC"/>
+                </a:solidFill>
+                <a:latin typeface="Consolas" panose="020B0609020204030204"/>
+                <a:ea typeface="Consolas" panose="020B0609020204030204"/>
+              </a:rPr>
+              <a:t>}</a:t>
+            </a:r>
+            <a:endParaRPr lang="en-US" altLang="zh-CN" sz="1200" b="0">
+              <a:solidFill>
+                <a:srgbClr val="CCCCCC"/>
+              </a:solidFill>
+              <a:latin typeface="Consolas" panose="020B0609020204030204"/>
+              <a:ea typeface="Consolas" panose="020B0609020204030204"/>
+            </a:endParaRPr>
+          </a:p>
+          <a:p>
+            <a:pPr indent="0" fontAlgn="auto">
+              <a:lnSpc>
+                <a:spcPct val="100000"/>
+              </a:lnSpc>
+            </a:pPr>
+            <a:r>
+              <a:rPr lang="en-US" altLang="zh-CN" sz="1200" b="0">
+                <a:solidFill>
+                  <a:srgbClr val="569CD6"/>
+                </a:solidFill>
+                <a:latin typeface="Consolas" panose="020B0609020204030204"/>
+                <a:ea typeface="Consolas" panose="020B0609020204030204"/>
+              </a:rPr>
+              <a:t>int </a:t>
+            </a:r>
+            <a:r>
+              <a:rPr lang="en-US" altLang="zh-CN" sz="1200" b="0">
+                <a:solidFill>
+                  <a:srgbClr val="DCDCAA"/>
+                </a:solidFill>
+                <a:latin typeface="Consolas" panose="020B0609020204030204"/>
+                <a:ea typeface="Consolas" panose="020B0609020204030204"/>
+              </a:rPr>
+              <a:t>main</a:t>
+            </a:r>
+            <a:r>
+              <a:rPr lang="en-US" altLang="zh-CN" sz="1200" b="0">
+                <a:solidFill>
+                  <a:srgbClr val="CCCCCC"/>
+                </a:solidFill>
+                <a:latin typeface="Consolas" panose="020B0609020204030204"/>
+                <a:ea typeface="Consolas" panose="020B0609020204030204"/>
+              </a:rPr>
+              <a:t>(){</a:t>
+            </a:r>
+            <a:endParaRPr lang="en-US" altLang="zh-CN" sz="1200" b="0">
+              <a:solidFill>
+                <a:srgbClr val="CCCCCC"/>
+              </a:solidFill>
+              <a:latin typeface="Consolas" panose="020B0609020204030204"/>
+              <a:ea typeface="Consolas" panose="020B0609020204030204"/>
+            </a:endParaRPr>
+          </a:p>
+          <a:p>
+            <a:pPr indent="0" fontAlgn="auto">
+              <a:lnSpc>
+                <a:spcPct val="100000"/>
+              </a:lnSpc>
+            </a:pPr>
+            <a:r>
+              <a:rPr lang="en-US" altLang="zh-CN" sz="1200" b="0">
+                <a:solidFill>
+                  <a:srgbClr val="CCCCCC"/>
+                </a:solidFill>
+                <a:latin typeface="Consolas" panose="020B0609020204030204"/>
+                <a:ea typeface="Consolas" panose="020B0609020204030204"/>
+              </a:rPr>
+              <a:t>     </a:t>
+            </a:r>
+            <a:r>
+              <a:rPr lang="en-US" altLang="zh-CN" sz="1200" b="0">
+                <a:solidFill>
+                  <a:srgbClr val="4EC9B0"/>
+                </a:solidFill>
+                <a:latin typeface="Consolas" panose="020B0609020204030204"/>
+                <a:ea typeface="Consolas" panose="020B0609020204030204"/>
+              </a:rPr>
+              <a:t>Stu </a:t>
+            </a:r>
+            <a:r>
+              <a:rPr lang="en-US" altLang="zh-CN" sz="1200" b="0">
+                <a:solidFill>
+                  <a:srgbClr val="9CDCFE"/>
+                </a:solidFill>
+                <a:latin typeface="Consolas" panose="020B0609020204030204"/>
+                <a:ea typeface="Consolas" panose="020B0609020204030204"/>
+              </a:rPr>
+              <a:t>stum</a:t>
+            </a:r>
+            <a:r>
+              <a:rPr lang="en-US" altLang="zh-CN" sz="1200" b="0">
+                <a:solidFill>
+                  <a:srgbClr val="D4D4D4"/>
+                </a:solidFill>
+                <a:latin typeface="Consolas" panose="020B0609020204030204"/>
+                <a:ea typeface="Consolas" panose="020B0609020204030204"/>
+              </a:rPr>
+              <a:t>=</a:t>
+            </a:r>
+            <a:r>
+              <a:rPr lang="en-US" altLang="zh-CN" sz="1200" b="0">
+                <a:solidFill>
+                  <a:srgbClr val="CCCCCC"/>
+                </a:solidFill>
+                <a:latin typeface="Consolas" panose="020B0609020204030204"/>
+                <a:ea typeface="Consolas" panose="020B0609020204030204"/>
+              </a:rPr>
+              <a:t>{</a:t>
+            </a:r>
+            <a:r>
+              <a:rPr lang="en-US" altLang="zh-CN" sz="1200" b="0">
+                <a:solidFill>
+                  <a:srgbClr val="B5CEA8"/>
+                </a:solidFill>
+                <a:latin typeface="Consolas" panose="020B0609020204030204"/>
+                <a:ea typeface="Consolas" panose="020B0609020204030204"/>
+              </a:rPr>
+              <a:t>3</a:t>
+            </a:r>
+            <a:r>
+              <a:rPr lang="en-US" altLang="zh-CN" sz="1200" b="0">
+                <a:solidFill>
+                  <a:srgbClr val="CCCCCC"/>
+                </a:solidFill>
+                <a:latin typeface="Consolas" panose="020B0609020204030204"/>
+                <a:ea typeface="Consolas" panose="020B0609020204030204"/>
+              </a:rPr>
+              <a:t>,</a:t>
+            </a:r>
+            <a:r>
+              <a:rPr lang="en-US" altLang="zh-CN" sz="1200" b="0">
+                <a:solidFill>
+                  <a:srgbClr val="CE9178"/>
+                </a:solidFill>
+                <a:latin typeface="Consolas" panose="020B0609020204030204"/>
+                <a:ea typeface="Consolas" panose="020B0609020204030204"/>
+              </a:rPr>
+              <a:t>"NAZHA"</a:t>
+            </a:r>
+            <a:r>
+              <a:rPr lang="en-US" altLang="zh-CN" sz="1200" b="0">
+                <a:solidFill>
+                  <a:srgbClr val="CCCCCC"/>
+                </a:solidFill>
+                <a:latin typeface="Consolas" panose="020B0609020204030204"/>
+                <a:ea typeface="Consolas" panose="020B0609020204030204"/>
+              </a:rPr>
+              <a:t>};</a:t>
+            </a:r>
+            <a:endParaRPr lang="en-US" altLang="zh-CN" sz="1200" b="0">
+              <a:solidFill>
+                <a:srgbClr val="CCCCCC"/>
+              </a:solidFill>
+              <a:latin typeface="Consolas" panose="020B0609020204030204"/>
+              <a:ea typeface="Consolas" panose="020B0609020204030204"/>
+            </a:endParaRPr>
+          </a:p>
+          <a:p>
+            <a:pPr indent="0" fontAlgn="auto">
+              <a:lnSpc>
+                <a:spcPct val="100000"/>
+              </a:lnSpc>
+            </a:pPr>
+            <a:r>
+              <a:rPr lang="en-US" altLang="zh-CN" sz="1200" b="0">
+                <a:solidFill>
+                  <a:srgbClr val="CCCCCC"/>
+                </a:solidFill>
+                <a:latin typeface="Consolas" panose="020B0609020204030204"/>
+                <a:ea typeface="Consolas" panose="020B0609020204030204"/>
+              </a:rPr>
+              <a:t>    </a:t>
+            </a:r>
+            <a:r>
+              <a:rPr lang="en-US" altLang="zh-CN" sz="1200" b="0">
+                <a:solidFill>
+                  <a:srgbClr val="DCDCAA"/>
+                </a:solidFill>
+                <a:latin typeface="Consolas" panose="020B0609020204030204"/>
+                <a:ea typeface="Consolas" panose="020B0609020204030204"/>
+              </a:rPr>
+              <a:t>disp_struct</a:t>
+            </a:r>
+            <a:r>
+              <a:rPr lang="en-US" altLang="zh-CN" sz="1200" b="0">
+                <a:solidFill>
+                  <a:srgbClr val="CCCCCC"/>
+                </a:solidFill>
+                <a:latin typeface="Consolas" panose="020B0609020204030204"/>
+                <a:ea typeface="Consolas" panose="020B0609020204030204"/>
+              </a:rPr>
+              <a:t>(</a:t>
+            </a:r>
+            <a:r>
+              <a:rPr lang="en-US" altLang="zh-CN" sz="1200" b="0">
+                <a:solidFill>
+                  <a:srgbClr val="D4D4D4"/>
+                </a:solidFill>
+                <a:latin typeface="Consolas" panose="020B0609020204030204"/>
+                <a:ea typeface="Consolas" panose="020B0609020204030204"/>
+              </a:rPr>
+              <a:t>&amp;</a:t>
+            </a:r>
+            <a:r>
+              <a:rPr lang="en-US" altLang="zh-CN" sz="1200" b="0">
+                <a:solidFill>
+                  <a:srgbClr val="9CDCFE"/>
+                </a:solidFill>
+                <a:latin typeface="Consolas" panose="020B0609020204030204"/>
+                <a:ea typeface="Consolas" panose="020B0609020204030204"/>
+              </a:rPr>
+              <a:t>stum</a:t>
+            </a:r>
+            <a:r>
+              <a:rPr lang="en-US" altLang="zh-CN" sz="1200" b="0">
+                <a:solidFill>
+                  <a:srgbClr val="CCCCCC"/>
+                </a:solidFill>
+                <a:latin typeface="Consolas" panose="020B0609020204030204"/>
+                <a:ea typeface="Consolas" panose="020B0609020204030204"/>
+              </a:rPr>
+              <a:t>);</a:t>
+            </a:r>
+            <a:endParaRPr lang="en-US" altLang="zh-CN" sz="1200" b="0">
+              <a:solidFill>
+                <a:srgbClr val="CCCCCC"/>
+              </a:solidFill>
+              <a:latin typeface="Consolas" panose="020B0609020204030204"/>
+              <a:ea typeface="Consolas" panose="020B0609020204030204"/>
+            </a:endParaRPr>
+          </a:p>
+          <a:p>
+            <a:pPr indent="0" fontAlgn="auto">
+              <a:lnSpc>
+                <a:spcPct val="100000"/>
+              </a:lnSpc>
+            </a:pPr>
+            <a:r>
+              <a:rPr lang="en-US" altLang="zh-CN" sz="1200" b="0">
+                <a:solidFill>
+                  <a:srgbClr val="CCCCCC"/>
+                </a:solidFill>
+                <a:latin typeface="Consolas" panose="020B0609020204030204"/>
+                <a:ea typeface="Consolas" panose="020B0609020204030204"/>
+              </a:rPr>
+              <a:t>    </a:t>
+            </a:r>
+            <a:r>
+              <a:rPr lang="en-US" altLang="zh-CN" sz="1200" b="0">
+                <a:solidFill>
+                  <a:srgbClr val="C586C0"/>
+                </a:solidFill>
+                <a:latin typeface="Consolas" panose="020B0609020204030204"/>
+                <a:ea typeface="Consolas" panose="020B0609020204030204"/>
+              </a:rPr>
+              <a:t>return</a:t>
+            </a:r>
+            <a:r>
+              <a:rPr lang="en-US" altLang="zh-CN" sz="1200" b="0">
+                <a:solidFill>
+                  <a:srgbClr val="B5CEA8"/>
+                </a:solidFill>
+                <a:latin typeface="Consolas" panose="020B0609020204030204"/>
+                <a:ea typeface="Consolas" panose="020B0609020204030204"/>
+              </a:rPr>
+              <a:t>0</a:t>
+            </a:r>
+            <a:r>
+              <a:rPr lang="en-US" altLang="zh-CN" sz="1200" b="0">
+                <a:solidFill>
+                  <a:srgbClr val="CCCCCC"/>
+                </a:solidFill>
+                <a:latin typeface="Consolas" panose="020B0609020204030204"/>
+                <a:ea typeface="Consolas" panose="020B0609020204030204"/>
+              </a:rPr>
+              <a:t>;</a:t>
+            </a:r>
+            <a:endParaRPr lang="en-US" altLang="zh-CN" sz="1200" b="0">
+              <a:solidFill>
+                <a:srgbClr val="CCCCCC"/>
+              </a:solidFill>
+              <a:latin typeface="Consolas" panose="020B0609020204030204"/>
+              <a:ea typeface="Consolas" panose="020B0609020204030204"/>
+            </a:endParaRPr>
+          </a:p>
+          <a:p>
+            <a:pPr indent="0" fontAlgn="auto">
+              <a:lnSpc>
+                <a:spcPct val="100000"/>
+              </a:lnSpc>
+            </a:pPr>
+            <a:r>
+              <a:rPr lang="en-US" altLang="zh-CN" sz="1200" b="0">
+                <a:solidFill>
+                  <a:srgbClr val="CCCCCC"/>
+                </a:solidFill>
+                <a:latin typeface="Consolas" panose="020B0609020204030204"/>
+                <a:ea typeface="Consolas" panose="020B0609020204030204"/>
+              </a:rPr>
+              <a:t>}</a:t>
+            </a:r>
+            <a:endParaRPr lang="en-US" altLang="zh-CN" sz="1200" b="0">
+              <a:solidFill>
+                <a:srgbClr val="CCCCCC"/>
+              </a:solidFill>
+              <a:latin typeface="Consolas" panose="020B0609020204030204"/>
+              <a:ea typeface="Consolas" panose="020B0609020204030204"/>
+            </a:endParaRPr>
+          </a:p>
+        </p:txBody>
+      </p:sp>
+      <p:pic>
+        <p:nvPicPr>
+          <p:cNvPr id="13" name="内容占位符 12"/>
+          <p:cNvPicPr>
+            <a:picLocks noChangeAspect="1"/>
+          </p:cNvPicPr>
+          <p:nvPr>
+            <p:ph idx="1"/>
+          </p:nvPr>
+        </p:nvPicPr>
+        <p:blipFill>
+          <a:blip r:embed="rId1"/>
+          <a:stretch>
+            <a:fillRect/>
+          </a:stretch>
+        </p:blipFill>
+        <p:spPr>
+          <a:xfrm>
+            <a:off x="734060" y="4549140"/>
+            <a:ext cx="11054080" cy="1343025"/>
+          </a:xfrm>
+          <a:prstGeom prst="rect">
+            <a:avLst/>
+          </a:prstGeom>
+        </p:spPr>
+      </p:pic>
     </p:spTree>
   </p:cSld>
   <p:clrMapOvr>
@@ -22754,12 +25424,3281 @@
           <a:bodyPr/>
           <a:p>
             <a:r>
+              <a:rPr lang="en-US" altLang="zh-CN">
+                <a:sym typeface="+mn-ea"/>
+              </a:rPr>
+              <a:t>2.4 pass a huge structure vs pass its pointer(3)</a:t>
+            </a:r>
+            <a:endParaRPr lang="zh-CN" altLang="en-US"/>
+          </a:p>
+        </p:txBody>
+      </p:sp>
+      <p:sp>
+        <p:nvSpPr>
+          <p:cNvPr id="4" name="灯片编号占位符 3"/>
+          <p:cNvSpPr>
+            <a:spLocks noGrp="1"/>
+          </p:cNvSpPr>
+          <p:nvPr>
+            <p:ph type="sldNum" sz="quarter" idx="12"/>
+          </p:nvPr>
+        </p:nvSpPr>
+        <p:spPr/>
+        <p:txBody>
+          <a:bodyPr/>
+          <a:p>
+            <a:fld id="{506F4176-339E-4C4B-80E4-BBE9C4467EFE}" type="slidenum">
+              <a:rPr lang="zh-CN" altLang="en-US" smtClean="0"/>
+            </a:fld>
+            <a:endParaRPr lang="zh-CN" altLang="en-US"/>
+          </a:p>
+        </p:txBody>
+      </p:sp>
+      <p:sp>
+        <p:nvSpPr>
+          <p:cNvPr id="7" name="文本框 6"/>
+          <p:cNvSpPr txBox="1"/>
+          <p:nvPr/>
+        </p:nvSpPr>
+        <p:spPr>
+          <a:xfrm>
+            <a:off x="299085" y="1210945"/>
+            <a:ext cx="4121150" cy="2939415"/>
+          </a:xfrm>
+          <a:prstGeom prst="rect">
+            <a:avLst/>
+          </a:prstGeom>
+          <a:noFill/>
+        </p:spPr>
+        <p:txBody>
+          <a:bodyPr wrap="square" rtlCol="0" anchor="t">
+            <a:noAutofit/>
+          </a:bodyPr>
+          <a:p>
+            <a:pPr marL="285750" indent="-285750">
+              <a:buFont typeface="Wingdings" panose="05000000000000000000" charset="0"/>
+              <a:buChar char="Ø"/>
+            </a:pPr>
+            <a:r>
+              <a:rPr lang="en-US" altLang="zh-CN">
+                <a:sym typeface="+mn-ea"/>
+              </a:rPr>
+              <a:t>using  “riscv64-linux-gnu-gcc -S -o”  to generate assembly code based on</a:t>
+            </a:r>
+            <a:r>
+              <a:rPr lang="en-US" altLang="zh-CN" b="1">
+                <a:sym typeface="+mn-ea"/>
+              </a:rPr>
+              <a:t> RISC-V</a:t>
+            </a:r>
+            <a:r>
+              <a:rPr lang="en-US" altLang="zh-CN" b="1">
+                <a:sym typeface="+mn-ea"/>
+              </a:rPr>
+              <a:t>64.</a:t>
+            </a:r>
+            <a:endParaRPr lang="en-US" altLang="zh-CN">
+              <a:sym typeface="+mn-ea"/>
+            </a:endParaRPr>
+          </a:p>
+          <a:p>
+            <a:pPr marL="285750" indent="-285750">
+              <a:buFont typeface="Wingdings" panose="05000000000000000000" charset="0"/>
+              <a:buChar char="Ø"/>
+            </a:pPr>
+            <a:r>
+              <a:rPr lang="en-US" altLang="zh-CN">
+                <a:sym typeface="+mn-ea"/>
+              </a:rPr>
+              <a:t>In </a:t>
+            </a:r>
+            <a:r>
+              <a:rPr lang="en-US" altLang="zh-CN" b="1">
+                <a:sym typeface="+mn-ea"/>
+              </a:rPr>
+              <a:t>RISC-V64</a:t>
+            </a:r>
+            <a:r>
+              <a:rPr lang="en-US" altLang="zh-CN">
+                <a:sym typeface="+mn-ea"/>
+              </a:rPr>
+              <a:t>, register “</a:t>
+            </a:r>
+            <a:r>
+              <a:rPr lang="en-US" altLang="zh-CN" b="1">
+                <a:sym typeface="+mn-ea"/>
+              </a:rPr>
+              <a:t>sp</a:t>
+            </a:r>
+            <a:r>
+              <a:rPr lang="en-US" altLang="zh-CN">
+                <a:sym typeface="+mn-ea"/>
+              </a:rPr>
+              <a:t>” is stack pointer.</a:t>
+            </a:r>
+            <a:endParaRPr lang="en-US" altLang="zh-CN">
+              <a:sym typeface="+mn-ea"/>
+            </a:endParaRPr>
+          </a:p>
+          <a:p>
+            <a:pPr marL="285750" indent="-285750">
+              <a:buFont typeface="Wingdings" panose="05000000000000000000" charset="0"/>
+              <a:buChar char="Ø"/>
+            </a:pPr>
+            <a:endParaRPr lang="en-US" altLang="zh-CN">
+              <a:sym typeface="+mn-ea"/>
+            </a:endParaRPr>
+          </a:p>
+          <a:p>
+            <a:pPr indent="0">
+              <a:buFont typeface="Wingdings" panose="05000000000000000000" charset="0"/>
+              <a:buNone/>
+            </a:pPr>
+            <a:r>
+              <a:rPr lang="en-US" altLang="zh-CN">
+                <a:sym typeface="+mn-ea"/>
+              </a:rPr>
+              <a:t>here passing the value of the huge struct needs more stack space (16+64+2032) than passing the value of a pointer which points the buge struct(32+1056).  </a:t>
+            </a:r>
+            <a:endParaRPr lang="en-US" altLang="zh-CN"/>
+          </a:p>
+          <a:p>
+            <a:pPr marL="285750" indent="-285750">
+              <a:buFont typeface="Wingdings" panose="05000000000000000000" charset="0"/>
+              <a:buChar char="Ø"/>
+            </a:pPr>
+            <a:endParaRPr lang="en-US" altLang="zh-CN">
+              <a:sym typeface="+mn-ea"/>
+            </a:endParaRPr>
+          </a:p>
+          <a:p>
+            <a:endParaRPr lang="zh-CN" altLang="en-US"/>
+          </a:p>
+        </p:txBody>
+      </p:sp>
+      <p:sp>
+        <p:nvSpPr>
+          <p:cNvPr id="8" name="文本框 7"/>
+          <p:cNvSpPr txBox="1"/>
+          <p:nvPr/>
+        </p:nvSpPr>
+        <p:spPr>
+          <a:xfrm>
+            <a:off x="4736465" y="1211580"/>
+            <a:ext cx="3371850" cy="2676525"/>
+          </a:xfrm>
+          <a:prstGeom prst="rect">
+            <a:avLst/>
+          </a:prstGeom>
+          <a:solidFill>
+            <a:schemeClr val="tx1"/>
+          </a:solidFill>
+        </p:spPr>
+        <p:txBody>
+          <a:bodyPr wrap="square">
+            <a:spAutoFit/>
+          </a:bodyPr>
+          <a:p>
+            <a:pPr indent="0" fontAlgn="auto">
+              <a:lnSpc>
+                <a:spcPct val="100000"/>
+              </a:lnSpc>
+            </a:pPr>
+            <a:r>
+              <a:rPr lang="en-US" altLang="zh-CN" sz="1200" b="0">
+                <a:solidFill>
+                  <a:srgbClr val="C586C0"/>
+                </a:solidFill>
+                <a:latin typeface="Consolas" panose="020B0609020204030204"/>
+                <a:ea typeface="Consolas" panose="020B0609020204030204"/>
+              </a:rPr>
+              <a:t>#include</a:t>
+            </a:r>
+            <a:r>
+              <a:rPr lang="en-US" altLang="zh-CN" sz="1200" b="0">
+                <a:solidFill>
+                  <a:srgbClr val="CE9178"/>
+                </a:solidFill>
+                <a:latin typeface="Consolas" panose="020B0609020204030204"/>
+                <a:ea typeface="Consolas" panose="020B0609020204030204"/>
+              </a:rPr>
+              <a:t>&lt;stdio.h&gt;   //fdemo3.c</a:t>
+            </a:r>
+            <a:endParaRPr lang="en-US" altLang="zh-CN" sz="1200" b="0">
+              <a:solidFill>
+                <a:srgbClr val="CE9178"/>
+              </a:solidFill>
+              <a:latin typeface="Consolas" panose="020B0609020204030204"/>
+              <a:ea typeface="Consolas" panose="020B0609020204030204"/>
+            </a:endParaRPr>
+          </a:p>
+          <a:p>
+            <a:pPr indent="0" fontAlgn="auto">
+              <a:lnSpc>
+                <a:spcPct val="100000"/>
+              </a:lnSpc>
+            </a:pPr>
+            <a:r>
+              <a:rPr lang="en-US" altLang="zh-CN" sz="1200" b="0">
+                <a:solidFill>
+                  <a:srgbClr val="569CD6"/>
+                </a:solidFill>
+                <a:latin typeface="Consolas" panose="020B0609020204030204"/>
+                <a:ea typeface="Consolas" panose="020B0609020204030204"/>
+              </a:rPr>
+              <a:t>typedef struct</a:t>
+            </a:r>
+            <a:r>
+              <a:rPr lang="en-US" altLang="zh-CN" sz="1200" b="0">
+                <a:solidFill>
+                  <a:srgbClr val="CCCCCC"/>
+                </a:solidFill>
+                <a:latin typeface="Consolas" panose="020B0609020204030204"/>
+                <a:ea typeface="Consolas" panose="020B0609020204030204"/>
+              </a:rPr>
+              <a:t> {</a:t>
+            </a:r>
+            <a:endParaRPr lang="en-US" altLang="zh-CN" sz="1200" b="0">
+              <a:solidFill>
+                <a:srgbClr val="CCCCCC"/>
+              </a:solidFill>
+              <a:latin typeface="Consolas" panose="020B0609020204030204"/>
+              <a:ea typeface="Consolas" panose="020B0609020204030204"/>
+            </a:endParaRPr>
+          </a:p>
+          <a:p>
+            <a:pPr indent="0" fontAlgn="auto">
+              <a:lnSpc>
+                <a:spcPct val="100000"/>
+              </a:lnSpc>
+            </a:pPr>
+            <a:r>
+              <a:rPr lang="en-US" altLang="zh-CN" sz="1200" b="0">
+                <a:solidFill>
+                  <a:srgbClr val="CCCCCC"/>
+                </a:solidFill>
+                <a:latin typeface="Consolas" panose="020B0609020204030204"/>
+                <a:ea typeface="Consolas" panose="020B0609020204030204"/>
+              </a:rPr>
+              <a:t>    </a:t>
+            </a:r>
+            <a:r>
+              <a:rPr lang="en-US" altLang="zh-CN" sz="1200" b="0">
+                <a:solidFill>
+                  <a:srgbClr val="569CD6"/>
+                </a:solidFill>
+                <a:latin typeface="Consolas" panose="020B0609020204030204"/>
+                <a:ea typeface="Consolas" panose="020B0609020204030204"/>
+              </a:rPr>
+              <a:t>int </a:t>
+            </a:r>
+            <a:r>
+              <a:rPr lang="en-US" altLang="zh-CN" sz="1200" b="0">
+                <a:solidFill>
+                  <a:srgbClr val="9CDCFE"/>
+                </a:solidFill>
+                <a:latin typeface="Consolas" panose="020B0609020204030204"/>
+                <a:ea typeface="Consolas" panose="020B0609020204030204"/>
+              </a:rPr>
+              <a:t>id</a:t>
+            </a:r>
+            <a:r>
+              <a:rPr lang="en-US" altLang="zh-CN" sz="1200" b="0">
+                <a:solidFill>
+                  <a:srgbClr val="CCCCCC"/>
+                </a:solidFill>
+                <a:latin typeface="Consolas" panose="020B0609020204030204"/>
+                <a:ea typeface="Consolas" panose="020B0609020204030204"/>
+              </a:rPr>
+              <a:t>;</a:t>
+            </a:r>
+            <a:endParaRPr lang="en-US" altLang="zh-CN" sz="1200" b="0">
+              <a:solidFill>
+                <a:srgbClr val="CCCCCC"/>
+              </a:solidFill>
+              <a:latin typeface="Consolas" panose="020B0609020204030204"/>
+              <a:ea typeface="Consolas" panose="020B0609020204030204"/>
+            </a:endParaRPr>
+          </a:p>
+          <a:p>
+            <a:pPr indent="0" fontAlgn="auto">
+              <a:lnSpc>
+                <a:spcPct val="100000"/>
+              </a:lnSpc>
+            </a:pPr>
+            <a:r>
+              <a:rPr lang="en-US" altLang="zh-CN" sz="1200" b="0">
+                <a:solidFill>
+                  <a:srgbClr val="CCCCCC"/>
+                </a:solidFill>
+                <a:latin typeface="Consolas" panose="020B0609020204030204"/>
+                <a:ea typeface="Consolas" panose="020B0609020204030204"/>
+              </a:rPr>
+              <a:t>    </a:t>
+            </a:r>
+            <a:r>
+              <a:rPr lang="en-US" altLang="zh-CN" sz="1200" b="0">
+                <a:solidFill>
+                  <a:srgbClr val="569CD6"/>
+                </a:solidFill>
+                <a:latin typeface="Consolas" panose="020B0609020204030204"/>
+                <a:ea typeface="Consolas" panose="020B0609020204030204"/>
+              </a:rPr>
+              <a:t>char </a:t>
+            </a:r>
+            <a:r>
+              <a:rPr lang="en-US" altLang="zh-CN" sz="1200" b="0">
+                <a:solidFill>
+                  <a:srgbClr val="9CDCFE"/>
+                </a:solidFill>
+                <a:latin typeface="Consolas" panose="020B0609020204030204"/>
+                <a:ea typeface="Consolas" panose="020B0609020204030204"/>
+              </a:rPr>
+              <a:t>description</a:t>
+            </a:r>
+            <a:r>
+              <a:rPr lang="en-US" altLang="zh-CN" sz="1200" b="0">
+                <a:solidFill>
+                  <a:srgbClr val="CCCCCC"/>
+                </a:solidFill>
+                <a:latin typeface="Consolas" panose="020B0609020204030204"/>
+                <a:ea typeface="Consolas" panose="020B0609020204030204"/>
+              </a:rPr>
+              <a:t>[</a:t>
+            </a:r>
+            <a:r>
+              <a:rPr lang="en-US" altLang="zh-CN" sz="1200" b="0">
+                <a:solidFill>
+                  <a:srgbClr val="B5CEA8"/>
+                </a:solidFill>
+                <a:latin typeface="Consolas" panose="020B0609020204030204"/>
+                <a:ea typeface="Consolas" panose="020B0609020204030204"/>
+              </a:rPr>
+              <a:t>1024</a:t>
+            </a:r>
+            <a:r>
+              <a:rPr lang="en-US" altLang="zh-CN" sz="1200" b="0">
+                <a:solidFill>
+                  <a:srgbClr val="CCCCCC"/>
+                </a:solidFill>
+                <a:latin typeface="Consolas" panose="020B0609020204030204"/>
+                <a:ea typeface="Consolas" panose="020B0609020204030204"/>
+              </a:rPr>
+              <a:t>];</a:t>
+            </a:r>
+            <a:endParaRPr lang="en-US" altLang="zh-CN" sz="1200" b="0">
+              <a:solidFill>
+                <a:srgbClr val="CCCCCC"/>
+              </a:solidFill>
+              <a:latin typeface="Consolas" panose="020B0609020204030204"/>
+              <a:ea typeface="Consolas" panose="020B0609020204030204"/>
+            </a:endParaRPr>
+          </a:p>
+          <a:p>
+            <a:pPr indent="0" fontAlgn="auto">
+              <a:lnSpc>
+                <a:spcPct val="100000"/>
+              </a:lnSpc>
+            </a:pPr>
+            <a:r>
+              <a:rPr lang="en-US" altLang="zh-CN" sz="1200" b="0">
+                <a:solidFill>
+                  <a:srgbClr val="CCCCCC"/>
+                </a:solidFill>
+                <a:latin typeface="Consolas" panose="020B0609020204030204"/>
+                <a:ea typeface="Consolas" panose="020B0609020204030204"/>
+              </a:rPr>
+              <a:t>}</a:t>
+            </a:r>
+            <a:r>
+              <a:rPr lang="en-US" altLang="zh-CN" sz="1200" b="0">
+                <a:solidFill>
+                  <a:srgbClr val="4EC9B0"/>
+                </a:solidFill>
+                <a:latin typeface="Consolas" panose="020B0609020204030204"/>
+                <a:ea typeface="Consolas" panose="020B0609020204030204"/>
+              </a:rPr>
+              <a:t>Stu</a:t>
+            </a:r>
+            <a:r>
+              <a:rPr lang="en-US" altLang="zh-CN" sz="1200" b="0">
+                <a:solidFill>
+                  <a:srgbClr val="CCCCCC"/>
+                </a:solidFill>
+                <a:latin typeface="Consolas" panose="020B0609020204030204"/>
+                <a:ea typeface="Consolas" panose="020B0609020204030204"/>
+              </a:rPr>
+              <a:t>;</a:t>
+            </a:r>
+            <a:endParaRPr lang="en-US" altLang="zh-CN" sz="1200" b="0">
+              <a:solidFill>
+                <a:srgbClr val="CCCCCC"/>
+              </a:solidFill>
+              <a:latin typeface="Consolas" panose="020B0609020204030204"/>
+              <a:ea typeface="Consolas" panose="020B0609020204030204"/>
+            </a:endParaRPr>
+          </a:p>
+          <a:p>
+            <a:pPr indent="0" fontAlgn="auto">
+              <a:lnSpc>
+                <a:spcPct val="100000"/>
+              </a:lnSpc>
+            </a:pPr>
+            <a:r>
+              <a:rPr lang="en-US" altLang="zh-CN" sz="1200" b="0">
+                <a:solidFill>
+                  <a:srgbClr val="569CD6"/>
+                </a:solidFill>
+                <a:latin typeface="Consolas" panose="020B0609020204030204"/>
+                <a:ea typeface="Consolas" panose="020B0609020204030204"/>
+              </a:rPr>
+              <a:t>void </a:t>
+            </a:r>
+            <a:r>
+              <a:rPr lang="en-US" altLang="zh-CN" sz="1200" b="0">
+                <a:solidFill>
+                  <a:srgbClr val="DCDCAA"/>
+                </a:solidFill>
+                <a:latin typeface="Consolas" panose="020B0609020204030204"/>
+                <a:ea typeface="Consolas" panose="020B0609020204030204"/>
+              </a:rPr>
+              <a:t>disp_struct</a:t>
+            </a:r>
+            <a:r>
+              <a:rPr lang="en-US" altLang="zh-CN" sz="1200" b="0">
+                <a:solidFill>
+                  <a:srgbClr val="CCCCCC"/>
+                </a:solidFill>
+                <a:latin typeface="Consolas" panose="020B0609020204030204"/>
+                <a:ea typeface="Consolas" panose="020B0609020204030204"/>
+              </a:rPr>
+              <a:t>(</a:t>
+            </a:r>
+            <a:r>
+              <a:rPr lang="en-US" altLang="zh-CN" sz="1200" b="0">
+                <a:solidFill>
+                  <a:srgbClr val="4EC9B0"/>
+                </a:solidFill>
+                <a:latin typeface="Consolas" panose="020B0609020204030204"/>
+                <a:ea typeface="Consolas" panose="020B0609020204030204"/>
+              </a:rPr>
+              <a:t>Stu </a:t>
+            </a:r>
+            <a:r>
+              <a:rPr lang="en-US" altLang="zh-CN" sz="1200" b="0">
+                <a:solidFill>
+                  <a:srgbClr val="9CDCFE"/>
+                </a:solidFill>
+                <a:latin typeface="Consolas" panose="020B0609020204030204"/>
+                <a:ea typeface="Consolas" panose="020B0609020204030204"/>
+              </a:rPr>
+              <a:t>stud</a:t>
+            </a:r>
+            <a:r>
+              <a:rPr lang="en-US" altLang="zh-CN" sz="1200" b="0">
+                <a:solidFill>
+                  <a:srgbClr val="CCCCCC"/>
+                </a:solidFill>
+                <a:latin typeface="Consolas" panose="020B0609020204030204"/>
+                <a:ea typeface="Consolas" panose="020B0609020204030204"/>
+              </a:rPr>
+              <a:t>){</a:t>
+            </a:r>
+            <a:endParaRPr lang="en-US" altLang="zh-CN" sz="1200" b="0">
+              <a:solidFill>
+                <a:srgbClr val="CCCCCC"/>
+              </a:solidFill>
+              <a:latin typeface="Consolas" panose="020B0609020204030204"/>
+              <a:ea typeface="Consolas" panose="020B0609020204030204"/>
+            </a:endParaRPr>
+          </a:p>
+          <a:p>
+            <a:pPr indent="0" fontAlgn="auto">
+              <a:lnSpc>
+                <a:spcPct val="100000"/>
+              </a:lnSpc>
+            </a:pPr>
+            <a:r>
+              <a:rPr lang="en-US" altLang="zh-CN" sz="1200" b="0">
+                <a:solidFill>
+                  <a:srgbClr val="CCCCCC"/>
+                </a:solidFill>
+                <a:latin typeface="Consolas" panose="020B0609020204030204"/>
+                <a:ea typeface="Consolas" panose="020B0609020204030204"/>
+              </a:rPr>
+              <a:t>    </a:t>
+            </a:r>
+            <a:r>
+              <a:rPr lang="en-US" altLang="zh-CN" sz="1200" b="0">
+                <a:solidFill>
+                  <a:srgbClr val="DCDCAA"/>
+                </a:solidFill>
+                <a:latin typeface="Consolas" panose="020B0609020204030204"/>
+                <a:ea typeface="Consolas" panose="020B0609020204030204"/>
+              </a:rPr>
+              <a:t>printf</a:t>
+            </a:r>
+            <a:r>
+              <a:rPr lang="en-US" altLang="zh-CN" sz="1200" b="0">
+                <a:solidFill>
+                  <a:srgbClr val="CCCCCC"/>
+                </a:solidFill>
+                <a:latin typeface="Consolas" panose="020B0609020204030204"/>
+                <a:ea typeface="Consolas" panose="020B0609020204030204"/>
+              </a:rPr>
+              <a:t>(</a:t>
+            </a:r>
+            <a:r>
+              <a:rPr lang="en-US" altLang="zh-CN" sz="1200" b="0">
+                <a:solidFill>
+                  <a:srgbClr val="CE9178"/>
+                </a:solidFill>
+                <a:latin typeface="Consolas" panose="020B0609020204030204"/>
+                <a:ea typeface="Consolas" panose="020B0609020204030204"/>
+              </a:rPr>
+              <a:t>"Student_id:</a:t>
+            </a:r>
+            <a:r>
+              <a:rPr lang="en-US" altLang="zh-CN" sz="1200" b="0">
+                <a:solidFill>
+                  <a:srgbClr val="9CDCFE"/>
+                </a:solidFill>
+                <a:latin typeface="Consolas" panose="020B0609020204030204"/>
+                <a:ea typeface="Consolas" panose="020B0609020204030204"/>
+              </a:rPr>
+              <a:t>%d</a:t>
+            </a:r>
+            <a:r>
+              <a:rPr lang="en-US" altLang="zh-CN" sz="1200" b="0">
+                <a:solidFill>
+                  <a:srgbClr val="D7BA7D"/>
+                </a:solidFill>
+                <a:latin typeface="Consolas" panose="020B0609020204030204"/>
+                <a:ea typeface="Consolas" panose="020B0609020204030204"/>
+              </a:rPr>
+              <a:t>\t</a:t>
+            </a:r>
+            <a:r>
+              <a:rPr lang="en-US" altLang="zh-CN" sz="1200" b="0">
+                <a:solidFill>
+                  <a:srgbClr val="CE9178"/>
+                </a:solidFill>
+                <a:latin typeface="Consolas" panose="020B0609020204030204"/>
+                <a:ea typeface="Consolas" panose="020B0609020204030204"/>
+              </a:rPr>
+              <a:t>info:</a:t>
+            </a:r>
+            <a:r>
+              <a:rPr lang="en-US" altLang="zh-CN" sz="1200" b="0">
+                <a:solidFill>
+                  <a:srgbClr val="9CDCFE"/>
+                </a:solidFill>
+                <a:latin typeface="Consolas" panose="020B0609020204030204"/>
+                <a:ea typeface="Consolas" panose="020B0609020204030204"/>
+              </a:rPr>
+              <a:t>%s</a:t>
+            </a:r>
+            <a:r>
+              <a:rPr lang="en-US" altLang="zh-CN" sz="1200" b="0">
+                <a:solidFill>
+                  <a:srgbClr val="D7BA7D"/>
+                </a:solidFill>
+                <a:latin typeface="Consolas" panose="020B0609020204030204"/>
+                <a:ea typeface="Consolas" panose="020B0609020204030204"/>
+              </a:rPr>
+              <a:t>\n</a:t>
+            </a:r>
+            <a:r>
+              <a:rPr lang="en-US" altLang="zh-CN" sz="1200" b="0">
+                <a:solidFill>
+                  <a:srgbClr val="CE9178"/>
+                </a:solidFill>
+                <a:latin typeface="Consolas" panose="020B0609020204030204"/>
+                <a:ea typeface="Consolas" panose="020B0609020204030204"/>
+              </a:rPr>
+              <a:t>"</a:t>
+            </a:r>
+            <a:r>
+              <a:rPr lang="en-US" altLang="zh-CN" sz="1200" b="0">
+                <a:solidFill>
+                  <a:srgbClr val="CCCCCC"/>
+                </a:solidFill>
+                <a:latin typeface="Consolas" panose="020B0609020204030204"/>
+                <a:ea typeface="Consolas" panose="020B0609020204030204"/>
+              </a:rPr>
+              <a:t>,</a:t>
+            </a:r>
+            <a:endParaRPr lang="en-US" altLang="zh-CN" sz="1200" b="0">
+              <a:solidFill>
+                <a:srgbClr val="CCCCCC"/>
+              </a:solidFill>
+              <a:latin typeface="Consolas" panose="020B0609020204030204"/>
+              <a:ea typeface="Consolas" panose="020B0609020204030204"/>
+            </a:endParaRPr>
+          </a:p>
+          <a:p>
+            <a:pPr indent="0" fontAlgn="auto">
+              <a:lnSpc>
+                <a:spcPct val="100000"/>
+              </a:lnSpc>
+            </a:pPr>
+            <a:r>
+              <a:rPr lang="en-US" altLang="zh-CN" sz="1200" b="0">
+                <a:solidFill>
+                  <a:srgbClr val="CCCCCC"/>
+                </a:solidFill>
+                <a:latin typeface="Consolas" panose="020B0609020204030204"/>
+                <a:ea typeface="Consolas" panose="020B0609020204030204"/>
+              </a:rPr>
+              <a:t>           </a:t>
+            </a:r>
+            <a:r>
+              <a:rPr lang="en-US" altLang="zh-CN" sz="1200" b="0">
+                <a:solidFill>
+                  <a:srgbClr val="9CDCFE"/>
+                </a:solidFill>
+                <a:latin typeface="Consolas" panose="020B0609020204030204"/>
+                <a:ea typeface="Consolas" panose="020B0609020204030204"/>
+              </a:rPr>
+              <a:t>stud</a:t>
+            </a:r>
+            <a:r>
+              <a:rPr lang="en-US" altLang="zh-CN" sz="1200" b="0">
+                <a:solidFill>
+                  <a:srgbClr val="CCCCCC"/>
+                </a:solidFill>
+                <a:latin typeface="Consolas" panose="020B0609020204030204"/>
+                <a:ea typeface="Consolas" panose="020B0609020204030204"/>
+              </a:rPr>
+              <a:t>.</a:t>
+            </a:r>
+            <a:r>
+              <a:rPr lang="en-US" altLang="zh-CN" sz="1200" b="0">
+                <a:solidFill>
+                  <a:srgbClr val="9CDCFE"/>
+                </a:solidFill>
+                <a:latin typeface="Consolas" panose="020B0609020204030204"/>
+                <a:ea typeface="Consolas" panose="020B0609020204030204"/>
+              </a:rPr>
+              <a:t>id</a:t>
+            </a:r>
+            <a:r>
+              <a:rPr lang="en-US" altLang="zh-CN" sz="1200" b="0">
+                <a:solidFill>
+                  <a:srgbClr val="CCCCCC"/>
+                </a:solidFill>
+                <a:latin typeface="Consolas" panose="020B0609020204030204"/>
+                <a:ea typeface="Consolas" panose="020B0609020204030204"/>
+              </a:rPr>
+              <a:t>,</a:t>
+            </a:r>
+            <a:r>
+              <a:rPr lang="en-US" altLang="zh-CN" sz="1200" b="0">
+                <a:solidFill>
+                  <a:srgbClr val="9CDCFE"/>
+                </a:solidFill>
+                <a:latin typeface="Consolas" panose="020B0609020204030204"/>
+                <a:ea typeface="Consolas" panose="020B0609020204030204"/>
+              </a:rPr>
+              <a:t>stud</a:t>
+            </a:r>
+            <a:r>
+              <a:rPr lang="en-US" altLang="zh-CN" sz="1200" b="0">
+                <a:solidFill>
+                  <a:srgbClr val="CCCCCC"/>
+                </a:solidFill>
+                <a:latin typeface="Consolas" panose="020B0609020204030204"/>
+                <a:ea typeface="Consolas" panose="020B0609020204030204"/>
+              </a:rPr>
+              <a:t>.</a:t>
+            </a:r>
+            <a:r>
+              <a:rPr lang="en-US" altLang="zh-CN" sz="1200" b="0">
+                <a:solidFill>
+                  <a:srgbClr val="9CDCFE"/>
+                </a:solidFill>
+                <a:latin typeface="Consolas" panose="020B0609020204030204"/>
+                <a:ea typeface="Consolas" panose="020B0609020204030204"/>
+              </a:rPr>
+              <a:t>description</a:t>
+            </a:r>
+            <a:r>
+              <a:rPr lang="en-US" altLang="zh-CN" sz="1200" b="0">
+                <a:solidFill>
+                  <a:srgbClr val="CCCCCC"/>
+                </a:solidFill>
+                <a:latin typeface="Consolas" panose="020B0609020204030204"/>
+                <a:ea typeface="Consolas" panose="020B0609020204030204"/>
+              </a:rPr>
+              <a:t>);</a:t>
+            </a:r>
+            <a:endParaRPr lang="en-US" altLang="zh-CN" sz="1200" b="0">
+              <a:solidFill>
+                <a:srgbClr val="CCCCCC"/>
+              </a:solidFill>
+              <a:latin typeface="Consolas" panose="020B0609020204030204"/>
+              <a:ea typeface="Consolas" panose="020B0609020204030204"/>
+            </a:endParaRPr>
+          </a:p>
+          <a:p>
+            <a:pPr indent="0" fontAlgn="auto">
+              <a:lnSpc>
+                <a:spcPct val="100000"/>
+              </a:lnSpc>
+            </a:pPr>
+            <a:r>
+              <a:rPr lang="en-US" altLang="zh-CN" sz="1200" b="0">
+                <a:solidFill>
+                  <a:srgbClr val="CCCCCC"/>
+                </a:solidFill>
+                <a:latin typeface="Consolas" panose="020B0609020204030204"/>
+                <a:ea typeface="Consolas" panose="020B0609020204030204"/>
+              </a:rPr>
+              <a:t>}</a:t>
+            </a:r>
+            <a:endParaRPr lang="en-US" altLang="zh-CN" sz="1200" b="0">
+              <a:solidFill>
+                <a:srgbClr val="CCCCCC"/>
+              </a:solidFill>
+              <a:latin typeface="Consolas" panose="020B0609020204030204"/>
+              <a:ea typeface="Consolas" panose="020B0609020204030204"/>
+            </a:endParaRPr>
+          </a:p>
+          <a:p>
+            <a:pPr indent="0" fontAlgn="auto">
+              <a:lnSpc>
+                <a:spcPct val="100000"/>
+              </a:lnSpc>
+            </a:pPr>
+            <a:r>
+              <a:rPr lang="en-US" altLang="zh-CN" sz="1200" b="0">
+                <a:solidFill>
+                  <a:srgbClr val="569CD6"/>
+                </a:solidFill>
+                <a:latin typeface="Consolas" panose="020B0609020204030204"/>
+                <a:ea typeface="Consolas" panose="020B0609020204030204"/>
+              </a:rPr>
+              <a:t>int </a:t>
+            </a:r>
+            <a:r>
+              <a:rPr lang="en-US" altLang="zh-CN" sz="1200" b="0">
+                <a:solidFill>
+                  <a:srgbClr val="DCDCAA"/>
+                </a:solidFill>
+                <a:latin typeface="Consolas" panose="020B0609020204030204"/>
+                <a:ea typeface="Consolas" panose="020B0609020204030204"/>
+              </a:rPr>
+              <a:t>main</a:t>
+            </a:r>
+            <a:r>
+              <a:rPr lang="en-US" altLang="zh-CN" sz="1200" b="0">
+                <a:solidFill>
+                  <a:srgbClr val="CCCCCC"/>
+                </a:solidFill>
+                <a:latin typeface="Consolas" panose="020B0609020204030204"/>
+                <a:ea typeface="Consolas" panose="020B0609020204030204"/>
+              </a:rPr>
+              <a:t>(){</a:t>
+            </a:r>
+            <a:endParaRPr lang="en-US" altLang="zh-CN" sz="1200" b="0">
+              <a:solidFill>
+                <a:srgbClr val="CCCCCC"/>
+              </a:solidFill>
+              <a:latin typeface="Consolas" panose="020B0609020204030204"/>
+              <a:ea typeface="Consolas" panose="020B0609020204030204"/>
+            </a:endParaRPr>
+          </a:p>
+          <a:p>
+            <a:pPr indent="0" fontAlgn="auto">
+              <a:lnSpc>
+                <a:spcPct val="100000"/>
+              </a:lnSpc>
+            </a:pPr>
+            <a:r>
+              <a:rPr lang="en-US" altLang="zh-CN" sz="1200" b="0">
+                <a:solidFill>
+                  <a:srgbClr val="CCCCCC"/>
+                </a:solidFill>
+                <a:latin typeface="Consolas" panose="020B0609020204030204"/>
+                <a:ea typeface="Consolas" panose="020B0609020204030204"/>
+              </a:rPr>
+              <a:t>     </a:t>
+            </a:r>
+            <a:r>
+              <a:rPr lang="en-US" altLang="zh-CN" sz="1200" b="0">
+                <a:solidFill>
+                  <a:srgbClr val="4EC9B0"/>
+                </a:solidFill>
+                <a:latin typeface="Consolas" panose="020B0609020204030204"/>
+                <a:ea typeface="Consolas" panose="020B0609020204030204"/>
+              </a:rPr>
+              <a:t>Stu </a:t>
+            </a:r>
+            <a:r>
+              <a:rPr lang="en-US" altLang="zh-CN" sz="1200" b="0">
+                <a:solidFill>
+                  <a:srgbClr val="9CDCFE"/>
+                </a:solidFill>
+                <a:latin typeface="Consolas" panose="020B0609020204030204"/>
+                <a:ea typeface="Consolas" panose="020B0609020204030204"/>
+              </a:rPr>
+              <a:t>stum</a:t>
+            </a:r>
+            <a:r>
+              <a:rPr lang="en-US" altLang="zh-CN" sz="1200" b="0">
+                <a:solidFill>
+                  <a:srgbClr val="D4D4D4"/>
+                </a:solidFill>
+                <a:latin typeface="Consolas" panose="020B0609020204030204"/>
+                <a:ea typeface="Consolas" panose="020B0609020204030204"/>
+              </a:rPr>
+              <a:t>=</a:t>
+            </a:r>
+            <a:r>
+              <a:rPr lang="en-US" altLang="zh-CN" sz="1200" b="0">
+                <a:solidFill>
+                  <a:srgbClr val="CCCCCC"/>
+                </a:solidFill>
+                <a:latin typeface="Consolas" panose="020B0609020204030204"/>
+                <a:ea typeface="Consolas" panose="020B0609020204030204"/>
+              </a:rPr>
+              <a:t>{</a:t>
+            </a:r>
+            <a:r>
+              <a:rPr lang="en-US" altLang="zh-CN" sz="1200" b="0">
+                <a:solidFill>
+                  <a:srgbClr val="B5CEA8"/>
+                </a:solidFill>
+                <a:latin typeface="Consolas" panose="020B0609020204030204"/>
+                <a:ea typeface="Consolas" panose="020B0609020204030204"/>
+              </a:rPr>
+              <a:t>3</a:t>
+            </a:r>
+            <a:r>
+              <a:rPr lang="en-US" altLang="zh-CN" sz="1200" b="0">
+                <a:solidFill>
+                  <a:srgbClr val="CCCCCC"/>
+                </a:solidFill>
+                <a:latin typeface="Consolas" panose="020B0609020204030204"/>
+                <a:ea typeface="Consolas" panose="020B0609020204030204"/>
+              </a:rPr>
+              <a:t>,</a:t>
+            </a:r>
+            <a:r>
+              <a:rPr lang="en-US" altLang="zh-CN" sz="1200" b="0">
+                <a:solidFill>
+                  <a:srgbClr val="CE9178"/>
+                </a:solidFill>
+                <a:latin typeface="Consolas" panose="020B0609020204030204"/>
+                <a:ea typeface="Consolas" panose="020B0609020204030204"/>
+              </a:rPr>
+              <a:t>"NAZHA"</a:t>
+            </a:r>
+            <a:r>
+              <a:rPr lang="en-US" altLang="zh-CN" sz="1200" b="0">
+                <a:solidFill>
+                  <a:srgbClr val="CCCCCC"/>
+                </a:solidFill>
+                <a:latin typeface="Consolas" panose="020B0609020204030204"/>
+                <a:ea typeface="Consolas" panose="020B0609020204030204"/>
+              </a:rPr>
+              <a:t>};</a:t>
+            </a:r>
+            <a:endParaRPr lang="en-US" altLang="zh-CN" sz="1200" b="0">
+              <a:solidFill>
+                <a:srgbClr val="CCCCCC"/>
+              </a:solidFill>
+              <a:latin typeface="Consolas" panose="020B0609020204030204"/>
+              <a:ea typeface="Consolas" panose="020B0609020204030204"/>
+            </a:endParaRPr>
+          </a:p>
+          <a:p>
+            <a:pPr indent="0" fontAlgn="auto">
+              <a:lnSpc>
+                <a:spcPct val="100000"/>
+              </a:lnSpc>
+            </a:pPr>
+            <a:r>
+              <a:rPr lang="en-US" altLang="zh-CN" sz="1200" b="0">
+                <a:solidFill>
+                  <a:srgbClr val="CCCCCC"/>
+                </a:solidFill>
+                <a:latin typeface="Consolas" panose="020B0609020204030204"/>
+                <a:ea typeface="Consolas" panose="020B0609020204030204"/>
+              </a:rPr>
+              <a:t>    </a:t>
+            </a:r>
+            <a:r>
+              <a:rPr lang="en-US" altLang="zh-CN" sz="1200" b="0">
+                <a:solidFill>
+                  <a:srgbClr val="DCDCAA"/>
+                </a:solidFill>
+                <a:latin typeface="Consolas" panose="020B0609020204030204"/>
+                <a:ea typeface="Consolas" panose="020B0609020204030204"/>
+              </a:rPr>
+              <a:t>disp_struct</a:t>
+            </a:r>
+            <a:r>
+              <a:rPr lang="en-US" altLang="zh-CN" sz="1200" b="0">
+                <a:solidFill>
+                  <a:srgbClr val="CCCCCC"/>
+                </a:solidFill>
+                <a:latin typeface="Consolas" panose="020B0609020204030204"/>
+                <a:ea typeface="Consolas" panose="020B0609020204030204"/>
+              </a:rPr>
+              <a:t>(</a:t>
+            </a:r>
+            <a:r>
+              <a:rPr lang="en-US" altLang="zh-CN" sz="1200" b="0">
+                <a:solidFill>
+                  <a:srgbClr val="9CDCFE"/>
+                </a:solidFill>
+                <a:latin typeface="Consolas" panose="020B0609020204030204"/>
+                <a:ea typeface="Consolas" panose="020B0609020204030204"/>
+              </a:rPr>
+              <a:t>stum</a:t>
+            </a:r>
+            <a:r>
+              <a:rPr lang="en-US" altLang="zh-CN" sz="1200" b="0">
+                <a:solidFill>
+                  <a:srgbClr val="CCCCCC"/>
+                </a:solidFill>
+                <a:latin typeface="Consolas" panose="020B0609020204030204"/>
+                <a:ea typeface="Consolas" panose="020B0609020204030204"/>
+              </a:rPr>
+              <a:t>);</a:t>
+            </a:r>
+            <a:endParaRPr lang="en-US" altLang="zh-CN" sz="1200" b="0">
+              <a:solidFill>
+                <a:srgbClr val="CCCCCC"/>
+              </a:solidFill>
+              <a:latin typeface="Consolas" panose="020B0609020204030204"/>
+              <a:ea typeface="Consolas" panose="020B0609020204030204"/>
+            </a:endParaRPr>
+          </a:p>
+          <a:p>
+            <a:pPr indent="0" fontAlgn="auto">
+              <a:lnSpc>
+                <a:spcPct val="100000"/>
+              </a:lnSpc>
+            </a:pPr>
+            <a:r>
+              <a:rPr lang="en-US" altLang="zh-CN" sz="1200" b="0">
+                <a:solidFill>
+                  <a:srgbClr val="CCCCCC"/>
+                </a:solidFill>
+                <a:latin typeface="Consolas" panose="020B0609020204030204"/>
+                <a:ea typeface="Consolas" panose="020B0609020204030204"/>
+              </a:rPr>
+              <a:t>    </a:t>
+            </a:r>
+            <a:r>
+              <a:rPr lang="en-US" altLang="zh-CN" sz="1200" b="0">
+                <a:solidFill>
+                  <a:srgbClr val="C586C0"/>
+                </a:solidFill>
+                <a:latin typeface="Consolas" panose="020B0609020204030204"/>
+                <a:ea typeface="Consolas" panose="020B0609020204030204"/>
+              </a:rPr>
+              <a:t>return </a:t>
+            </a:r>
+            <a:r>
+              <a:rPr lang="en-US" altLang="zh-CN" sz="1200" b="0">
+                <a:solidFill>
+                  <a:srgbClr val="B5CEA8"/>
+                </a:solidFill>
+                <a:latin typeface="Consolas" panose="020B0609020204030204"/>
+                <a:ea typeface="Consolas" panose="020B0609020204030204"/>
+              </a:rPr>
+              <a:t>0</a:t>
+            </a:r>
+            <a:r>
+              <a:rPr lang="en-US" altLang="zh-CN" sz="1200" b="0">
+                <a:solidFill>
+                  <a:srgbClr val="CCCCCC"/>
+                </a:solidFill>
+                <a:latin typeface="Consolas" panose="020B0609020204030204"/>
+                <a:ea typeface="Consolas" panose="020B0609020204030204"/>
+              </a:rPr>
+              <a:t>;</a:t>
+            </a:r>
+            <a:endParaRPr lang="en-US" altLang="zh-CN" sz="1200" b="0">
+              <a:solidFill>
+                <a:srgbClr val="CCCCCC"/>
+              </a:solidFill>
+              <a:latin typeface="Consolas" panose="020B0609020204030204"/>
+              <a:ea typeface="Consolas" panose="020B0609020204030204"/>
+            </a:endParaRPr>
+          </a:p>
+          <a:p>
+            <a:pPr indent="0" fontAlgn="auto">
+              <a:lnSpc>
+                <a:spcPct val="100000"/>
+              </a:lnSpc>
+            </a:pPr>
+            <a:r>
+              <a:rPr lang="en-US" altLang="zh-CN" sz="1200" b="0">
+                <a:solidFill>
+                  <a:srgbClr val="CCCCCC"/>
+                </a:solidFill>
+                <a:latin typeface="Consolas" panose="020B0609020204030204"/>
+                <a:ea typeface="Consolas" panose="020B0609020204030204"/>
+              </a:rPr>
+              <a:t>}</a:t>
+            </a:r>
+            <a:endParaRPr lang="en-US" altLang="zh-CN" sz="1200" b="0">
+              <a:solidFill>
+                <a:srgbClr val="CCCCCC"/>
+              </a:solidFill>
+              <a:latin typeface="Consolas" panose="020B0609020204030204"/>
+              <a:ea typeface="Consolas" panose="020B0609020204030204"/>
+            </a:endParaRPr>
+          </a:p>
+        </p:txBody>
+      </p:sp>
+      <p:sp>
+        <p:nvSpPr>
+          <p:cNvPr id="9" name="文本框 8"/>
+          <p:cNvSpPr txBox="1"/>
+          <p:nvPr/>
+        </p:nvSpPr>
+        <p:spPr>
+          <a:xfrm>
+            <a:off x="8347710" y="1211580"/>
+            <a:ext cx="3556000" cy="2617470"/>
+          </a:xfrm>
+          <a:prstGeom prst="rect">
+            <a:avLst/>
+          </a:prstGeom>
+          <a:solidFill>
+            <a:schemeClr val="tx1"/>
+          </a:solidFill>
+        </p:spPr>
+        <p:txBody>
+          <a:bodyPr wrap="square">
+            <a:noAutofit/>
+          </a:bodyPr>
+          <a:p>
+            <a:pPr indent="0" fontAlgn="auto">
+              <a:lnSpc>
+                <a:spcPct val="100000"/>
+              </a:lnSpc>
+            </a:pPr>
+            <a:r>
+              <a:rPr lang="en-US" altLang="zh-CN" sz="1200" b="0">
+                <a:solidFill>
+                  <a:srgbClr val="C586C0"/>
+                </a:solidFill>
+                <a:latin typeface="Consolas" panose="020B0609020204030204"/>
+                <a:ea typeface="Consolas" panose="020B0609020204030204"/>
+              </a:rPr>
+              <a:t>#include</a:t>
+            </a:r>
+            <a:r>
+              <a:rPr lang="en-US" altLang="zh-CN" sz="1200" b="0">
+                <a:solidFill>
+                  <a:srgbClr val="CE9178"/>
+                </a:solidFill>
+                <a:latin typeface="Consolas" panose="020B0609020204030204"/>
+                <a:ea typeface="Consolas" panose="020B0609020204030204"/>
+              </a:rPr>
+              <a:t>&lt;stdio.h&gt;  </a:t>
+            </a:r>
+            <a:r>
+              <a:rPr lang="en-US" altLang="zh-CN" sz="1200">
+                <a:solidFill>
+                  <a:srgbClr val="CE9178"/>
+                </a:solidFill>
+                <a:latin typeface="Consolas" panose="020B0609020204030204"/>
+                <a:ea typeface="Consolas" panose="020B0609020204030204"/>
+                <a:sym typeface="+mn-ea"/>
+              </a:rPr>
+              <a:t>//fdemo3_ptr.c</a:t>
+            </a:r>
+            <a:endParaRPr lang="en-US" altLang="zh-CN" sz="1200" b="0">
+              <a:solidFill>
+                <a:srgbClr val="CE9178"/>
+              </a:solidFill>
+              <a:latin typeface="Consolas" panose="020B0609020204030204"/>
+              <a:ea typeface="Consolas" panose="020B0609020204030204"/>
+            </a:endParaRPr>
+          </a:p>
+          <a:p>
+            <a:pPr indent="0" fontAlgn="auto">
+              <a:lnSpc>
+                <a:spcPct val="100000"/>
+              </a:lnSpc>
+            </a:pPr>
+            <a:r>
+              <a:rPr lang="en-US" altLang="zh-CN" sz="1200" b="0">
+                <a:solidFill>
+                  <a:srgbClr val="569CD6"/>
+                </a:solidFill>
+                <a:latin typeface="Consolas" panose="020B0609020204030204"/>
+                <a:ea typeface="Consolas" panose="020B0609020204030204"/>
+              </a:rPr>
+              <a:t>typedef struct</a:t>
+            </a:r>
+            <a:r>
+              <a:rPr lang="en-US" altLang="zh-CN" sz="1200" b="0">
+                <a:solidFill>
+                  <a:srgbClr val="CCCCCC"/>
+                </a:solidFill>
+                <a:latin typeface="Consolas" panose="020B0609020204030204"/>
+                <a:ea typeface="Consolas" panose="020B0609020204030204"/>
+              </a:rPr>
+              <a:t> {</a:t>
+            </a:r>
+            <a:endParaRPr lang="en-US" altLang="zh-CN" sz="1200" b="0">
+              <a:solidFill>
+                <a:srgbClr val="CCCCCC"/>
+              </a:solidFill>
+              <a:latin typeface="Consolas" panose="020B0609020204030204"/>
+              <a:ea typeface="Consolas" panose="020B0609020204030204"/>
+            </a:endParaRPr>
+          </a:p>
+          <a:p>
+            <a:pPr indent="0" fontAlgn="auto">
+              <a:lnSpc>
+                <a:spcPct val="100000"/>
+              </a:lnSpc>
+            </a:pPr>
+            <a:r>
+              <a:rPr lang="en-US" altLang="zh-CN" sz="1200" b="0">
+                <a:solidFill>
+                  <a:srgbClr val="CCCCCC"/>
+                </a:solidFill>
+                <a:latin typeface="Consolas" panose="020B0609020204030204"/>
+                <a:ea typeface="Consolas" panose="020B0609020204030204"/>
+              </a:rPr>
+              <a:t>    </a:t>
+            </a:r>
+            <a:r>
+              <a:rPr lang="en-US" altLang="zh-CN" sz="1200" b="0">
+                <a:solidFill>
+                  <a:srgbClr val="569CD6"/>
+                </a:solidFill>
+                <a:latin typeface="Consolas" panose="020B0609020204030204"/>
+                <a:ea typeface="Consolas" panose="020B0609020204030204"/>
+              </a:rPr>
+              <a:t>int </a:t>
+            </a:r>
+            <a:r>
+              <a:rPr lang="en-US" altLang="zh-CN" sz="1200" b="0">
+                <a:solidFill>
+                  <a:srgbClr val="9CDCFE"/>
+                </a:solidFill>
+                <a:latin typeface="Consolas" panose="020B0609020204030204"/>
+                <a:ea typeface="Consolas" panose="020B0609020204030204"/>
+              </a:rPr>
+              <a:t>id</a:t>
+            </a:r>
+            <a:r>
+              <a:rPr lang="en-US" altLang="zh-CN" sz="1200" b="0">
+                <a:solidFill>
+                  <a:srgbClr val="CCCCCC"/>
+                </a:solidFill>
+                <a:latin typeface="Consolas" panose="020B0609020204030204"/>
+                <a:ea typeface="Consolas" panose="020B0609020204030204"/>
+              </a:rPr>
+              <a:t>;</a:t>
+            </a:r>
+            <a:endParaRPr lang="en-US" altLang="zh-CN" sz="1200" b="0">
+              <a:solidFill>
+                <a:srgbClr val="CCCCCC"/>
+              </a:solidFill>
+              <a:latin typeface="Consolas" panose="020B0609020204030204"/>
+              <a:ea typeface="Consolas" panose="020B0609020204030204"/>
+            </a:endParaRPr>
+          </a:p>
+          <a:p>
+            <a:pPr indent="0" fontAlgn="auto">
+              <a:lnSpc>
+                <a:spcPct val="100000"/>
+              </a:lnSpc>
+            </a:pPr>
+            <a:r>
+              <a:rPr lang="en-US" altLang="zh-CN" sz="1200" b="0">
+                <a:solidFill>
+                  <a:srgbClr val="CCCCCC"/>
+                </a:solidFill>
+                <a:latin typeface="Consolas" panose="020B0609020204030204"/>
+                <a:ea typeface="Consolas" panose="020B0609020204030204"/>
+              </a:rPr>
+              <a:t>    </a:t>
+            </a:r>
+            <a:r>
+              <a:rPr lang="en-US" altLang="zh-CN" sz="1200" b="0">
+                <a:solidFill>
+                  <a:srgbClr val="569CD6"/>
+                </a:solidFill>
+                <a:latin typeface="Consolas" panose="020B0609020204030204"/>
+                <a:ea typeface="Consolas" panose="020B0609020204030204"/>
+              </a:rPr>
+              <a:t>char </a:t>
+            </a:r>
+            <a:r>
+              <a:rPr lang="en-US" altLang="zh-CN" sz="1200" b="0">
+                <a:solidFill>
+                  <a:srgbClr val="9CDCFE"/>
+                </a:solidFill>
+                <a:latin typeface="Consolas" panose="020B0609020204030204"/>
+                <a:ea typeface="Consolas" panose="020B0609020204030204"/>
+              </a:rPr>
+              <a:t>description</a:t>
+            </a:r>
+            <a:r>
+              <a:rPr lang="en-US" altLang="zh-CN" sz="1200" b="0">
+                <a:solidFill>
+                  <a:srgbClr val="CCCCCC"/>
+                </a:solidFill>
+                <a:latin typeface="Consolas" panose="020B0609020204030204"/>
+                <a:ea typeface="Consolas" panose="020B0609020204030204"/>
+              </a:rPr>
+              <a:t>[</a:t>
+            </a:r>
+            <a:r>
+              <a:rPr lang="en-US" altLang="zh-CN" sz="1200" b="0">
+                <a:solidFill>
+                  <a:srgbClr val="B5CEA8"/>
+                </a:solidFill>
+                <a:latin typeface="Consolas" panose="020B0609020204030204"/>
+                <a:ea typeface="Consolas" panose="020B0609020204030204"/>
+              </a:rPr>
+              <a:t>1024</a:t>
+            </a:r>
+            <a:r>
+              <a:rPr lang="en-US" altLang="zh-CN" sz="1200" b="0">
+                <a:solidFill>
+                  <a:srgbClr val="CCCCCC"/>
+                </a:solidFill>
+                <a:latin typeface="Consolas" panose="020B0609020204030204"/>
+                <a:ea typeface="Consolas" panose="020B0609020204030204"/>
+              </a:rPr>
+              <a:t>];</a:t>
+            </a:r>
+            <a:endParaRPr lang="en-US" altLang="zh-CN" sz="1200" b="0">
+              <a:solidFill>
+                <a:srgbClr val="CCCCCC"/>
+              </a:solidFill>
+              <a:latin typeface="Consolas" panose="020B0609020204030204"/>
+              <a:ea typeface="Consolas" panose="020B0609020204030204"/>
+            </a:endParaRPr>
+          </a:p>
+          <a:p>
+            <a:pPr indent="0" fontAlgn="auto">
+              <a:lnSpc>
+                <a:spcPct val="100000"/>
+              </a:lnSpc>
+            </a:pPr>
+            <a:r>
+              <a:rPr lang="en-US" altLang="zh-CN" sz="1200" b="0">
+                <a:solidFill>
+                  <a:srgbClr val="CCCCCC"/>
+                </a:solidFill>
+                <a:latin typeface="Consolas" panose="020B0609020204030204"/>
+                <a:ea typeface="Consolas" panose="020B0609020204030204"/>
+              </a:rPr>
+              <a:t>}</a:t>
+            </a:r>
+            <a:r>
+              <a:rPr lang="en-US" altLang="zh-CN" sz="1200" b="0">
+                <a:solidFill>
+                  <a:srgbClr val="4EC9B0"/>
+                </a:solidFill>
+                <a:latin typeface="Consolas" panose="020B0609020204030204"/>
+                <a:ea typeface="Consolas" panose="020B0609020204030204"/>
+              </a:rPr>
+              <a:t>Stu</a:t>
+            </a:r>
+            <a:r>
+              <a:rPr lang="en-US" altLang="zh-CN" sz="1200" b="0">
+                <a:solidFill>
+                  <a:srgbClr val="CCCCCC"/>
+                </a:solidFill>
+                <a:latin typeface="Consolas" panose="020B0609020204030204"/>
+                <a:ea typeface="Consolas" panose="020B0609020204030204"/>
+              </a:rPr>
+              <a:t>;</a:t>
+            </a:r>
+            <a:endParaRPr lang="en-US" altLang="zh-CN" sz="1200" b="0">
+              <a:solidFill>
+                <a:srgbClr val="CCCCCC"/>
+              </a:solidFill>
+              <a:latin typeface="Consolas" panose="020B0609020204030204"/>
+              <a:ea typeface="Consolas" panose="020B0609020204030204"/>
+            </a:endParaRPr>
+          </a:p>
+          <a:p>
+            <a:pPr indent="0" fontAlgn="auto">
+              <a:lnSpc>
+                <a:spcPct val="100000"/>
+              </a:lnSpc>
+            </a:pPr>
+            <a:r>
+              <a:rPr lang="en-US" altLang="zh-CN" sz="1200" b="0">
+                <a:solidFill>
+                  <a:srgbClr val="569CD6"/>
+                </a:solidFill>
+                <a:latin typeface="Consolas" panose="020B0609020204030204"/>
+                <a:ea typeface="Consolas" panose="020B0609020204030204"/>
+              </a:rPr>
+              <a:t>void </a:t>
+            </a:r>
+            <a:r>
+              <a:rPr lang="en-US" altLang="zh-CN" sz="1200" b="0">
+                <a:solidFill>
+                  <a:srgbClr val="DCDCAA"/>
+                </a:solidFill>
+                <a:latin typeface="Consolas" panose="020B0609020204030204"/>
+                <a:ea typeface="Consolas" panose="020B0609020204030204"/>
+              </a:rPr>
+              <a:t>disp_struct</a:t>
+            </a:r>
+            <a:r>
+              <a:rPr lang="en-US" altLang="zh-CN" sz="1200" b="0">
+                <a:solidFill>
+                  <a:srgbClr val="CCCCCC"/>
+                </a:solidFill>
+                <a:latin typeface="Consolas" panose="020B0609020204030204"/>
+                <a:ea typeface="Consolas" panose="020B0609020204030204"/>
+              </a:rPr>
+              <a:t>(</a:t>
+            </a:r>
+            <a:r>
+              <a:rPr lang="en-US" altLang="zh-CN" sz="1200" b="0">
+                <a:solidFill>
+                  <a:srgbClr val="4EC9B0"/>
+                </a:solidFill>
+                <a:latin typeface="Consolas" panose="020B0609020204030204"/>
+                <a:ea typeface="Consolas" panose="020B0609020204030204"/>
+              </a:rPr>
+              <a:t>Stu</a:t>
+            </a:r>
+            <a:r>
+              <a:rPr lang="en-US" altLang="zh-CN" sz="1200" b="0">
+                <a:solidFill>
+                  <a:srgbClr val="D4D4D4"/>
+                </a:solidFill>
+                <a:latin typeface="Consolas" panose="020B0609020204030204"/>
+                <a:ea typeface="Consolas" panose="020B0609020204030204"/>
+              </a:rPr>
+              <a:t>* </a:t>
+            </a:r>
+            <a:r>
+              <a:rPr lang="en-US" altLang="zh-CN" sz="1200" b="0">
+                <a:solidFill>
+                  <a:srgbClr val="9CDCFE"/>
+                </a:solidFill>
+                <a:latin typeface="Consolas" panose="020B0609020204030204"/>
+                <a:ea typeface="Consolas" panose="020B0609020204030204"/>
+              </a:rPr>
+              <a:t>stud</a:t>
+            </a:r>
+            <a:r>
+              <a:rPr lang="en-US" altLang="zh-CN" sz="1200" b="0">
+                <a:solidFill>
+                  <a:srgbClr val="CCCCCC"/>
+                </a:solidFill>
+                <a:latin typeface="Consolas" panose="020B0609020204030204"/>
+                <a:ea typeface="Consolas" panose="020B0609020204030204"/>
+              </a:rPr>
+              <a:t>){</a:t>
+            </a:r>
+            <a:endParaRPr lang="en-US" altLang="zh-CN" sz="1200" b="0">
+              <a:solidFill>
+                <a:srgbClr val="CCCCCC"/>
+              </a:solidFill>
+              <a:latin typeface="Consolas" panose="020B0609020204030204"/>
+              <a:ea typeface="Consolas" panose="020B0609020204030204"/>
+            </a:endParaRPr>
+          </a:p>
+          <a:p>
+            <a:pPr indent="0" fontAlgn="auto">
+              <a:lnSpc>
+                <a:spcPct val="100000"/>
+              </a:lnSpc>
+            </a:pPr>
+            <a:r>
+              <a:rPr lang="en-US" altLang="zh-CN" sz="1200" b="0">
+                <a:solidFill>
+                  <a:srgbClr val="CCCCCC"/>
+                </a:solidFill>
+                <a:latin typeface="Consolas" panose="020B0609020204030204"/>
+                <a:ea typeface="Consolas" panose="020B0609020204030204"/>
+              </a:rPr>
+              <a:t>    </a:t>
+            </a:r>
+            <a:r>
+              <a:rPr lang="en-US" altLang="zh-CN" sz="1200" b="0">
+                <a:solidFill>
+                  <a:srgbClr val="DCDCAA"/>
+                </a:solidFill>
+                <a:latin typeface="Consolas" panose="020B0609020204030204"/>
+                <a:ea typeface="Consolas" panose="020B0609020204030204"/>
+              </a:rPr>
+              <a:t>printf</a:t>
+            </a:r>
+            <a:r>
+              <a:rPr lang="en-US" altLang="zh-CN" sz="1200" b="0">
+                <a:solidFill>
+                  <a:srgbClr val="CCCCCC"/>
+                </a:solidFill>
+                <a:latin typeface="Consolas" panose="020B0609020204030204"/>
+                <a:ea typeface="Consolas" panose="020B0609020204030204"/>
+              </a:rPr>
+              <a:t>(</a:t>
+            </a:r>
+            <a:r>
+              <a:rPr lang="en-US" altLang="zh-CN" sz="1200" b="0">
+                <a:solidFill>
+                  <a:srgbClr val="CE9178"/>
+                </a:solidFill>
+                <a:latin typeface="Consolas" panose="020B0609020204030204"/>
+                <a:ea typeface="Consolas" panose="020B0609020204030204"/>
+              </a:rPr>
+              <a:t>"Student_id: </a:t>
+            </a:r>
+            <a:r>
+              <a:rPr lang="en-US" altLang="zh-CN" sz="1200" b="0">
+                <a:solidFill>
+                  <a:srgbClr val="9CDCFE"/>
+                </a:solidFill>
+                <a:latin typeface="Consolas" panose="020B0609020204030204"/>
+                <a:ea typeface="Consolas" panose="020B0609020204030204"/>
+              </a:rPr>
+              <a:t>%d</a:t>
+            </a:r>
+            <a:r>
+              <a:rPr lang="en-US" altLang="zh-CN" sz="1200" b="0">
+                <a:solidFill>
+                  <a:srgbClr val="D7BA7D"/>
+                </a:solidFill>
+                <a:latin typeface="Consolas" panose="020B0609020204030204"/>
+                <a:ea typeface="Consolas" panose="020B0609020204030204"/>
+              </a:rPr>
+              <a:t>\t</a:t>
+            </a:r>
+            <a:r>
+              <a:rPr lang="en-US" altLang="zh-CN" sz="1200" b="0">
+                <a:solidFill>
+                  <a:srgbClr val="CE9178"/>
+                </a:solidFill>
+                <a:latin typeface="Consolas" panose="020B0609020204030204"/>
+                <a:ea typeface="Consolas" panose="020B0609020204030204"/>
+              </a:rPr>
+              <a:t>info:</a:t>
+            </a:r>
+            <a:r>
+              <a:rPr lang="en-US" altLang="zh-CN" sz="1200" b="0">
+                <a:solidFill>
+                  <a:srgbClr val="9CDCFE"/>
+                </a:solidFill>
+                <a:latin typeface="Consolas" panose="020B0609020204030204"/>
+                <a:ea typeface="Consolas" panose="020B0609020204030204"/>
+              </a:rPr>
+              <a:t>%s</a:t>
+            </a:r>
+            <a:r>
+              <a:rPr lang="en-US" altLang="zh-CN" sz="1200" b="0">
+                <a:solidFill>
+                  <a:srgbClr val="D7BA7D"/>
+                </a:solidFill>
+                <a:latin typeface="Consolas" panose="020B0609020204030204"/>
+                <a:ea typeface="Consolas" panose="020B0609020204030204"/>
+              </a:rPr>
+              <a:t>\n</a:t>
+            </a:r>
+            <a:r>
+              <a:rPr lang="en-US" altLang="zh-CN" sz="1200" b="0">
+                <a:solidFill>
+                  <a:srgbClr val="CE9178"/>
+                </a:solidFill>
+                <a:latin typeface="Consolas" panose="020B0609020204030204"/>
+                <a:ea typeface="Consolas" panose="020B0609020204030204"/>
+              </a:rPr>
+              <a:t>"</a:t>
+            </a:r>
+            <a:r>
+              <a:rPr lang="en-US" altLang="zh-CN" sz="1200" b="0">
+                <a:solidFill>
+                  <a:srgbClr val="CCCCCC"/>
+                </a:solidFill>
+                <a:latin typeface="Consolas" panose="020B0609020204030204"/>
+                <a:ea typeface="Consolas" panose="020B0609020204030204"/>
+              </a:rPr>
+              <a:t>,</a:t>
+            </a:r>
+            <a:endParaRPr lang="en-US" altLang="zh-CN" sz="1200" b="0">
+              <a:solidFill>
+                <a:srgbClr val="CCCCCC"/>
+              </a:solidFill>
+              <a:latin typeface="Consolas" panose="020B0609020204030204"/>
+              <a:ea typeface="Consolas" panose="020B0609020204030204"/>
+            </a:endParaRPr>
+          </a:p>
+          <a:p>
+            <a:pPr indent="0" fontAlgn="auto">
+              <a:lnSpc>
+                <a:spcPct val="100000"/>
+              </a:lnSpc>
+            </a:pPr>
+            <a:r>
+              <a:rPr lang="en-US" altLang="zh-CN" sz="1200" b="0">
+                <a:solidFill>
+                  <a:srgbClr val="9CDCFE"/>
+                </a:solidFill>
+                <a:latin typeface="Consolas" panose="020B0609020204030204"/>
+                <a:ea typeface="Consolas" panose="020B0609020204030204"/>
+              </a:rPr>
+              <a:t>           stud</a:t>
+            </a:r>
+            <a:r>
+              <a:rPr lang="en-US" altLang="zh-CN" sz="1200" b="0">
+                <a:solidFill>
+                  <a:srgbClr val="CCCCCC"/>
+                </a:solidFill>
+                <a:latin typeface="Consolas" panose="020B0609020204030204"/>
+                <a:ea typeface="Consolas" panose="020B0609020204030204"/>
+              </a:rPr>
+              <a:t>-&gt;</a:t>
+            </a:r>
+            <a:r>
+              <a:rPr lang="en-US" altLang="zh-CN" sz="1200" b="0">
+                <a:solidFill>
+                  <a:srgbClr val="9CDCFE"/>
+                </a:solidFill>
+                <a:latin typeface="Consolas" panose="020B0609020204030204"/>
+                <a:ea typeface="Consolas" panose="020B0609020204030204"/>
+              </a:rPr>
+              <a:t>id</a:t>
+            </a:r>
+            <a:r>
+              <a:rPr lang="en-US" altLang="zh-CN" sz="1200" b="0">
+                <a:solidFill>
+                  <a:srgbClr val="CCCCCC"/>
+                </a:solidFill>
+                <a:latin typeface="Consolas" panose="020B0609020204030204"/>
+                <a:ea typeface="Consolas" panose="020B0609020204030204"/>
+              </a:rPr>
+              <a:t>,</a:t>
+            </a:r>
+            <a:r>
+              <a:rPr lang="en-US" altLang="zh-CN" sz="1200" b="0">
+                <a:solidFill>
+                  <a:srgbClr val="9CDCFE"/>
+                </a:solidFill>
+                <a:latin typeface="Consolas" panose="020B0609020204030204"/>
+                <a:ea typeface="Consolas" panose="020B0609020204030204"/>
+              </a:rPr>
+              <a:t>stud</a:t>
+            </a:r>
+            <a:r>
+              <a:rPr lang="en-US" altLang="zh-CN" sz="1200" b="0">
+                <a:solidFill>
+                  <a:srgbClr val="CCCCCC"/>
+                </a:solidFill>
+                <a:latin typeface="Consolas" panose="020B0609020204030204"/>
+                <a:ea typeface="Consolas" panose="020B0609020204030204"/>
+              </a:rPr>
+              <a:t>-&gt;</a:t>
+            </a:r>
+            <a:r>
+              <a:rPr lang="en-US" altLang="zh-CN" sz="1200" b="0">
+                <a:solidFill>
+                  <a:srgbClr val="9CDCFE"/>
+                </a:solidFill>
+                <a:latin typeface="Consolas" panose="020B0609020204030204"/>
+                <a:ea typeface="Consolas" panose="020B0609020204030204"/>
+              </a:rPr>
+              <a:t>description</a:t>
+            </a:r>
+            <a:r>
+              <a:rPr lang="en-US" altLang="zh-CN" sz="1200" b="0">
+                <a:solidFill>
+                  <a:srgbClr val="CCCCCC"/>
+                </a:solidFill>
+                <a:latin typeface="Consolas" panose="020B0609020204030204"/>
+                <a:ea typeface="Consolas" panose="020B0609020204030204"/>
+              </a:rPr>
+              <a:t>);</a:t>
+            </a:r>
+            <a:endParaRPr lang="en-US" altLang="zh-CN" sz="1200" b="0">
+              <a:solidFill>
+                <a:srgbClr val="CCCCCC"/>
+              </a:solidFill>
+              <a:latin typeface="Consolas" panose="020B0609020204030204"/>
+              <a:ea typeface="Consolas" panose="020B0609020204030204"/>
+            </a:endParaRPr>
+          </a:p>
+          <a:p>
+            <a:pPr indent="0" fontAlgn="auto">
+              <a:lnSpc>
+                <a:spcPct val="100000"/>
+              </a:lnSpc>
+            </a:pPr>
+            <a:r>
+              <a:rPr lang="en-US" altLang="zh-CN" sz="1200" b="0">
+                <a:solidFill>
+                  <a:srgbClr val="CCCCCC"/>
+                </a:solidFill>
+                <a:latin typeface="Consolas" panose="020B0609020204030204"/>
+                <a:ea typeface="Consolas" panose="020B0609020204030204"/>
+              </a:rPr>
+              <a:t>}</a:t>
+            </a:r>
+            <a:endParaRPr lang="en-US" altLang="zh-CN" sz="1200" b="0">
+              <a:solidFill>
+                <a:srgbClr val="CCCCCC"/>
+              </a:solidFill>
+              <a:latin typeface="Consolas" panose="020B0609020204030204"/>
+              <a:ea typeface="Consolas" panose="020B0609020204030204"/>
+            </a:endParaRPr>
+          </a:p>
+          <a:p>
+            <a:pPr indent="0" fontAlgn="auto">
+              <a:lnSpc>
+                <a:spcPct val="100000"/>
+              </a:lnSpc>
+            </a:pPr>
+            <a:r>
+              <a:rPr lang="en-US" altLang="zh-CN" sz="1200" b="0">
+                <a:solidFill>
+                  <a:srgbClr val="569CD6"/>
+                </a:solidFill>
+                <a:latin typeface="Consolas" panose="020B0609020204030204"/>
+                <a:ea typeface="Consolas" panose="020B0609020204030204"/>
+              </a:rPr>
+              <a:t>int </a:t>
+            </a:r>
+            <a:r>
+              <a:rPr lang="en-US" altLang="zh-CN" sz="1200" b="0">
+                <a:solidFill>
+                  <a:srgbClr val="DCDCAA"/>
+                </a:solidFill>
+                <a:latin typeface="Consolas" panose="020B0609020204030204"/>
+                <a:ea typeface="Consolas" panose="020B0609020204030204"/>
+              </a:rPr>
+              <a:t>main</a:t>
+            </a:r>
+            <a:r>
+              <a:rPr lang="en-US" altLang="zh-CN" sz="1200" b="0">
+                <a:solidFill>
+                  <a:srgbClr val="CCCCCC"/>
+                </a:solidFill>
+                <a:latin typeface="Consolas" panose="020B0609020204030204"/>
+                <a:ea typeface="Consolas" panose="020B0609020204030204"/>
+              </a:rPr>
+              <a:t>(){</a:t>
+            </a:r>
+            <a:endParaRPr lang="en-US" altLang="zh-CN" sz="1200" b="0">
+              <a:solidFill>
+                <a:srgbClr val="CCCCCC"/>
+              </a:solidFill>
+              <a:latin typeface="Consolas" panose="020B0609020204030204"/>
+              <a:ea typeface="Consolas" panose="020B0609020204030204"/>
+            </a:endParaRPr>
+          </a:p>
+          <a:p>
+            <a:pPr indent="0" fontAlgn="auto">
+              <a:lnSpc>
+                <a:spcPct val="100000"/>
+              </a:lnSpc>
+            </a:pPr>
+            <a:r>
+              <a:rPr lang="en-US" altLang="zh-CN" sz="1200" b="0">
+                <a:solidFill>
+                  <a:srgbClr val="CCCCCC"/>
+                </a:solidFill>
+                <a:latin typeface="Consolas" panose="020B0609020204030204"/>
+                <a:ea typeface="Consolas" panose="020B0609020204030204"/>
+              </a:rPr>
+              <a:t>     </a:t>
+            </a:r>
+            <a:r>
+              <a:rPr lang="en-US" altLang="zh-CN" sz="1200" b="0">
+                <a:solidFill>
+                  <a:srgbClr val="4EC9B0"/>
+                </a:solidFill>
+                <a:latin typeface="Consolas" panose="020B0609020204030204"/>
+                <a:ea typeface="Consolas" panose="020B0609020204030204"/>
+              </a:rPr>
+              <a:t>Stu </a:t>
+            </a:r>
+            <a:r>
+              <a:rPr lang="en-US" altLang="zh-CN" sz="1200" b="0">
+                <a:solidFill>
+                  <a:srgbClr val="9CDCFE"/>
+                </a:solidFill>
+                <a:latin typeface="Consolas" panose="020B0609020204030204"/>
+                <a:ea typeface="Consolas" panose="020B0609020204030204"/>
+              </a:rPr>
+              <a:t>stum</a:t>
+            </a:r>
+            <a:r>
+              <a:rPr lang="en-US" altLang="zh-CN" sz="1200" b="0">
+                <a:solidFill>
+                  <a:srgbClr val="D4D4D4"/>
+                </a:solidFill>
+                <a:latin typeface="Consolas" panose="020B0609020204030204"/>
+                <a:ea typeface="Consolas" panose="020B0609020204030204"/>
+              </a:rPr>
+              <a:t>=</a:t>
+            </a:r>
+            <a:r>
+              <a:rPr lang="en-US" altLang="zh-CN" sz="1200" b="0">
+                <a:solidFill>
+                  <a:srgbClr val="CCCCCC"/>
+                </a:solidFill>
+                <a:latin typeface="Consolas" panose="020B0609020204030204"/>
+                <a:ea typeface="Consolas" panose="020B0609020204030204"/>
+              </a:rPr>
+              <a:t>{</a:t>
+            </a:r>
+            <a:r>
+              <a:rPr lang="en-US" altLang="zh-CN" sz="1200" b="0">
+                <a:solidFill>
+                  <a:srgbClr val="B5CEA8"/>
+                </a:solidFill>
+                <a:latin typeface="Consolas" panose="020B0609020204030204"/>
+                <a:ea typeface="Consolas" panose="020B0609020204030204"/>
+              </a:rPr>
+              <a:t>3</a:t>
+            </a:r>
+            <a:r>
+              <a:rPr lang="en-US" altLang="zh-CN" sz="1200" b="0">
+                <a:solidFill>
+                  <a:srgbClr val="CCCCCC"/>
+                </a:solidFill>
+                <a:latin typeface="Consolas" panose="020B0609020204030204"/>
+                <a:ea typeface="Consolas" panose="020B0609020204030204"/>
+              </a:rPr>
+              <a:t>,</a:t>
+            </a:r>
+            <a:r>
+              <a:rPr lang="en-US" altLang="zh-CN" sz="1200" b="0">
+                <a:solidFill>
+                  <a:srgbClr val="CE9178"/>
+                </a:solidFill>
+                <a:latin typeface="Consolas" panose="020B0609020204030204"/>
+                <a:ea typeface="Consolas" panose="020B0609020204030204"/>
+              </a:rPr>
+              <a:t>"NAZHA"</a:t>
+            </a:r>
+            <a:r>
+              <a:rPr lang="en-US" altLang="zh-CN" sz="1200" b="0">
+                <a:solidFill>
+                  <a:srgbClr val="CCCCCC"/>
+                </a:solidFill>
+                <a:latin typeface="Consolas" panose="020B0609020204030204"/>
+                <a:ea typeface="Consolas" panose="020B0609020204030204"/>
+              </a:rPr>
+              <a:t>};</a:t>
+            </a:r>
+            <a:endParaRPr lang="en-US" altLang="zh-CN" sz="1200" b="0">
+              <a:solidFill>
+                <a:srgbClr val="CCCCCC"/>
+              </a:solidFill>
+              <a:latin typeface="Consolas" panose="020B0609020204030204"/>
+              <a:ea typeface="Consolas" panose="020B0609020204030204"/>
+            </a:endParaRPr>
+          </a:p>
+          <a:p>
+            <a:pPr indent="0" fontAlgn="auto">
+              <a:lnSpc>
+                <a:spcPct val="100000"/>
+              </a:lnSpc>
+            </a:pPr>
+            <a:r>
+              <a:rPr lang="en-US" altLang="zh-CN" sz="1200" b="0">
+                <a:solidFill>
+                  <a:srgbClr val="CCCCCC"/>
+                </a:solidFill>
+                <a:latin typeface="Consolas" panose="020B0609020204030204"/>
+                <a:ea typeface="Consolas" panose="020B0609020204030204"/>
+              </a:rPr>
+              <a:t>    </a:t>
+            </a:r>
+            <a:r>
+              <a:rPr lang="en-US" altLang="zh-CN" sz="1200" b="0">
+                <a:solidFill>
+                  <a:srgbClr val="DCDCAA"/>
+                </a:solidFill>
+                <a:latin typeface="Consolas" panose="020B0609020204030204"/>
+                <a:ea typeface="Consolas" panose="020B0609020204030204"/>
+              </a:rPr>
+              <a:t>disp_struct</a:t>
+            </a:r>
+            <a:r>
+              <a:rPr lang="en-US" altLang="zh-CN" sz="1200" b="0">
+                <a:solidFill>
+                  <a:srgbClr val="CCCCCC"/>
+                </a:solidFill>
+                <a:latin typeface="Consolas" panose="020B0609020204030204"/>
+                <a:ea typeface="Consolas" panose="020B0609020204030204"/>
+              </a:rPr>
+              <a:t>(</a:t>
+            </a:r>
+            <a:r>
+              <a:rPr lang="en-US" altLang="zh-CN" sz="1200" b="0">
+                <a:solidFill>
+                  <a:srgbClr val="D4D4D4"/>
+                </a:solidFill>
+                <a:latin typeface="Consolas" panose="020B0609020204030204"/>
+                <a:ea typeface="Consolas" panose="020B0609020204030204"/>
+              </a:rPr>
+              <a:t>&amp;</a:t>
+            </a:r>
+            <a:r>
+              <a:rPr lang="en-US" altLang="zh-CN" sz="1200" b="0">
+                <a:solidFill>
+                  <a:srgbClr val="9CDCFE"/>
+                </a:solidFill>
+                <a:latin typeface="Consolas" panose="020B0609020204030204"/>
+                <a:ea typeface="Consolas" panose="020B0609020204030204"/>
+              </a:rPr>
+              <a:t>stum</a:t>
+            </a:r>
+            <a:r>
+              <a:rPr lang="en-US" altLang="zh-CN" sz="1200" b="0">
+                <a:solidFill>
+                  <a:srgbClr val="CCCCCC"/>
+                </a:solidFill>
+                <a:latin typeface="Consolas" panose="020B0609020204030204"/>
+                <a:ea typeface="Consolas" panose="020B0609020204030204"/>
+              </a:rPr>
+              <a:t>);</a:t>
+            </a:r>
+            <a:endParaRPr lang="en-US" altLang="zh-CN" sz="1200" b="0">
+              <a:solidFill>
+                <a:srgbClr val="CCCCCC"/>
+              </a:solidFill>
+              <a:latin typeface="Consolas" panose="020B0609020204030204"/>
+              <a:ea typeface="Consolas" panose="020B0609020204030204"/>
+            </a:endParaRPr>
+          </a:p>
+          <a:p>
+            <a:pPr indent="0" fontAlgn="auto">
+              <a:lnSpc>
+                <a:spcPct val="100000"/>
+              </a:lnSpc>
+            </a:pPr>
+            <a:r>
+              <a:rPr lang="en-US" altLang="zh-CN" sz="1200" b="0">
+                <a:solidFill>
+                  <a:srgbClr val="CCCCCC"/>
+                </a:solidFill>
+                <a:latin typeface="Consolas" panose="020B0609020204030204"/>
+                <a:ea typeface="Consolas" panose="020B0609020204030204"/>
+              </a:rPr>
+              <a:t>    </a:t>
+            </a:r>
+            <a:r>
+              <a:rPr lang="en-US" altLang="zh-CN" sz="1200" b="0">
+                <a:solidFill>
+                  <a:srgbClr val="C586C0"/>
+                </a:solidFill>
+                <a:latin typeface="Consolas" panose="020B0609020204030204"/>
+                <a:ea typeface="Consolas" panose="020B0609020204030204"/>
+              </a:rPr>
+              <a:t>return</a:t>
+            </a:r>
+            <a:r>
+              <a:rPr lang="en-US" altLang="zh-CN" sz="1200" b="0">
+                <a:solidFill>
+                  <a:srgbClr val="B5CEA8"/>
+                </a:solidFill>
+                <a:latin typeface="Consolas" panose="020B0609020204030204"/>
+                <a:ea typeface="Consolas" panose="020B0609020204030204"/>
+              </a:rPr>
+              <a:t>0</a:t>
+            </a:r>
+            <a:r>
+              <a:rPr lang="en-US" altLang="zh-CN" sz="1200" b="0">
+                <a:solidFill>
+                  <a:srgbClr val="CCCCCC"/>
+                </a:solidFill>
+                <a:latin typeface="Consolas" panose="020B0609020204030204"/>
+                <a:ea typeface="Consolas" panose="020B0609020204030204"/>
+              </a:rPr>
+              <a:t>;</a:t>
+            </a:r>
+            <a:endParaRPr lang="en-US" altLang="zh-CN" sz="1200" b="0">
+              <a:solidFill>
+                <a:srgbClr val="CCCCCC"/>
+              </a:solidFill>
+              <a:latin typeface="Consolas" panose="020B0609020204030204"/>
+              <a:ea typeface="Consolas" panose="020B0609020204030204"/>
+            </a:endParaRPr>
+          </a:p>
+          <a:p>
+            <a:pPr indent="0" fontAlgn="auto">
+              <a:lnSpc>
+                <a:spcPct val="100000"/>
+              </a:lnSpc>
+            </a:pPr>
+            <a:r>
+              <a:rPr lang="en-US" altLang="zh-CN" sz="1200" b="0">
+                <a:solidFill>
+                  <a:srgbClr val="CCCCCC"/>
+                </a:solidFill>
+                <a:latin typeface="Consolas" panose="020B0609020204030204"/>
+                <a:ea typeface="Consolas" panose="020B0609020204030204"/>
+              </a:rPr>
+              <a:t>}</a:t>
+            </a:r>
+            <a:endParaRPr lang="en-US" altLang="zh-CN" sz="1200" b="0">
+              <a:solidFill>
+                <a:srgbClr val="CCCCCC"/>
+              </a:solidFill>
+              <a:latin typeface="Consolas" panose="020B0609020204030204"/>
+              <a:ea typeface="Consolas" panose="020B0609020204030204"/>
+            </a:endParaRPr>
+          </a:p>
+        </p:txBody>
+      </p:sp>
+      <p:pic>
+        <p:nvPicPr>
+          <p:cNvPr id="5" name="内容占位符 4"/>
+          <p:cNvPicPr>
+            <a:picLocks noChangeAspect="1"/>
+          </p:cNvPicPr>
+          <p:nvPr>
+            <p:ph idx="1"/>
+          </p:nvPr>
+        </p:nvPicPr>
+        <p:blipFill>
+          <a:blip r:embed="rId1"/>
+          <a:stretch>
+            <a:fillRect/>
+          </a:stretch>
+        </p:blipFill>
+        <p:spPr>
+          <a:xfrm>
+            <a:off x="644525" y="4278630"/>
+            <a:ext cx="11225530" cy="1864995"/>
+          </a:xfrm>
+          <a:prstGeom prst="rect">
+            <a:avLst/>
+          </a:prstGeom>
+        </p:spPr>
+      </p:pic>
+    </p:spTree>
+  </p:cSld>
+  <p:clrMapOvr>
+    <a:masterClrMapping/>
+  </p:clrMapOvr>
+</p:sld>
+</file>
+
+<file path=ppt/slides/slide26.xml><?xml version="1.0" encoding="utf-8"?>
+<p:sld xmlns:a="http://schemas.openxmlformats.org/drawingml/2006/main" xmlns:r="http://schemas.openxmlformats.org/officeDocument/2006/relationships" xmlns:p="http://schemas.openxmlformats.org/presentationml/2006/main">
+  <p:cSld>
+    <p:spTree>
+      <p:nvGrpSpPr>
+        <p:cNvPr id="1" name=""/>
+        <p:cNvGrpSpPr/>
+        <p:nvPr/>
+      </p:nvGrpSpPr>
+      <p:grpSpPr>
+        <a:xfrm>
+          <a:off x="0" y="0"/>
+          <a:ext cx="0" cy="0"/>
+          <a:chOff x="0" y="0"/>
+          <a:chExt cx="0" cy="0"/>
+        </a:xfrm>
+      </p:grpSpPr>
+      <p:sp>
+        <p:nvSpPr>
+          <p:cNvPr id="2" name="标题 1"/>
+          <p:cNvSpPr>
+            <a:spLocks noGrp="1"/>
+          </p:cNvSpPr>
+          <p:nvPr>
+            <p:ph type="title"/>
+          </p:nvPr>
+        </p:nvSpPr>
+        <p:spPr>
+          <a:xfrm>
+            <a:off x="1365722" y="115059"/>
+            <a:ext cx="7358730" cy="833631"/>
+          </a:xfrm>
+        </p:spPr>
+        <p:txBody>
+          <a:bodyPr/>
+          <a:lstStyle/>
+          <a:p>
+            <a:r>
               <a:rPr lang="en-US" altLang="zh-CN" dirty="0">
                 <a:sym typeface="+mn-ea"/>
               </a:rPr>
-              <a:t>Exercise 3</a:t>
-            </a:r>
+              <a:t>Exercise 1</a:t>
+            </a:r>
+            <a:endParaRPr lang="zh-CN" altLang="en-US" dirty="0"/>
+          </a:p>
+        </p:txBody>
+      </p:sp>
+      <p:sp>
+        <p:nvSpPr>
+          <p:cNvPr id="7" name="文本框 6"/>
+          <p:cNvSpPr txBox="1"/>
+          <p:nvPr/>
+        </p:nvSpPr>
+        <p:spPr>
+          <a:xfrm>
+            <a:off x="1232453" y="1191439"/>
+            <a:ext cx="4466383" cy="4647426"/>
+          </a:xfrm>
+          <a:prstGeom prst="rect">
+            <a:avLst/>
+          </a:prstGeom>
+          <a:solidFill>
+            <a:schemeClr val="bg2"/>
+          </a:solidFill>
+          <a:ln>
+            <a:solidFill>
+              <a:schemeClr val="tx1"/>
+            </a:solidFill>
+          </a:ln>
+        </p:spPr>
+        <p:txBody>
+          <a:bodyPr wrap="square">
+            <a:spAutoFit/>
+          </a:bodyPr>
+          <a:lstStyle/>
+          <a:p>
+            <a:r>
+              <a:rPr lang="en-US" altLang="zh-CN" sz="1600" b="0" dirty="0">
+                <a:solidFill>
+                  <a:srgbClr val="AF00DB"/>
+                </a:solidFill>
+                <a:effectLst/>
+              </a:rPr>
+              <a:t>#include</a:t>
+            </a:r>
+            <a:r>
+              <a:rPr lang="en-US" altLang="zh-CN" sz="1600" b="0" dirty="0">
+                <a:solidFill>
+                  <a:srgbClr val="0000FF"/>
+                </a:solidFill>
+                <a:effectLst/>
+              </a:rPr>
+              <a:t> </a:t>
+            </a:r>
+            <a:r>
+              <a:rPr lang="en-US" altLang="zh-CN" sz="1600" b="0" dirty="0">
+                <a:solidFill>
+                  <a:srgbClr val="A31515"/>
+                </a:solidFill>
+                <a:effectLst/>
+              </a:rPr>
+              <a:t>&lt;iostream&gt;</a:t>
+            </a:r>
+            <a:endParaRPr lang="en-US" altLang="zh-CN" sz="1600" b="0" dirty="0">
+              <a:solidFill>
+                <a:srgbClr val="000000"/>
+              </a:solidFill>
+              <a:effectLst/>
+            </a:endParaRPr>
+          </a:p>
+          <a:p>
+            <a:r>
+              <a:rPr lang="en-US" altLang="zh-CN" sz="1600" b="0" dirty="0">
+                <a:solidFill>
+                  <a:srgbClr val="AF00DB"/>
+                </a:solidFill>
+                <a:effectLst/>
+              </a:rPr>
+              <a:t>using</a:t>
+            </a:r>
+            <a:r>
+              <a:rPr lang="en-US" altLang="zh-CN" sz="1600" b="0" dirty="0">
+                <a:solidFill>
+                  <a:srgbClr val="000000"/>
+                </a:solidFill>
+                <a:effectLst/>
+              </a:rPr>
+              <a:t> </a:t>
+            </a:r>
+            <a:r>
+              <a:rPr lang="en-US" altLang="zh-CN" sz="1600" b="0" dirty="0">
+                <a:solidFill>
+                  <a:srgbClr val="0000FF"/>
+                </a:solidFill>
+                <a:effectLst/>
+              </a:rPr>
+              <a:t>namespace</a:t>
+            </a:r>
+            <a:r>
+              <a:rPr lang="en-US" altLang="zh-CN" sz="1600" b="0" dirty="0">
+                <a:solidFill>
+                  <a:srgbClr val="000000"/>
+                </a:solidFill>
+                <a:effectLst/>
+              </a:rPr>
+              <a:t> </a:t>
+            </a:r>
+            <a:r>
+              <a:rPr lang="en-US" altLang="zh-CN" sz="1600" b="0" dirty="0">
+                <a:solidFill>
+                  <a:srgbClr val="267F99"/>
+                </a:solidFill>
+                <a:effectLst/>
+              </a:rPr>
+              <a:t>std</a:t>
+            </a:r>
+            <a:r>
+              <a:rPr lang="en-US" altLang="zh-CN" sz="1600" b="0" dirty="0">
+                <a:solidFill>
+                  <a:srgbClr val="000000"/>
+                </a:solidFill>
+                <a:effectLst/>
+              </a:rPr>
+              <a:t>;</a:t>
+            </a:r>
+            <a:endParaRPr lang="en-US" altLang="zh-CN" sz="1600" b="0" dirty="0">
+              <a:solidFill>
+                <a:srgbClr val="000000"/>
+              </a:solidFill>
+              <a:effectLst/>
+            </a:endParaRPr>
+          </a:p>
+          <a:p>
+            <a:r>
+              <a:rPr lang="en-US" altLang="zh-CN" sz="1600" b="0" dirty="0">
+                <a:solidFill>
+                  <a:srgbClr val="0000FF"/>
+                </a:solidFill>
+                <a:effectLst/>
+              </a:rPr>
+              <a:t>int</a:t>
+            </a:r>
+            <a:r>
+              <a:rPr lang="en-US" altLang="zh-CN" sz="1600" b="0" dirty="0">
+                <a:solidFill>
+                  <a:srgbClr val="000000"/>
+                </a:solidFill>
+                <a:effectLst/>
+              </a:rPr>
+              <a:t> </a:t>
+            </a:r>
+            <a:r>
+              <a:rPr lang="en-US" altLang="zh-CN" sz="1600" b="0" dirty="0">
+                <a:solidFill>
+                  <a:srgbClr val="0000FF"/>
+                </a:solidFill>
+                <a:effectLst/>
+              </a:rPr>
+              <a:t>*</a:t>
+            </a:r>
+            <a:r>
+              <a:rPr lang="en-US" altLang="zh-CN" sz="1600" b="0" dirty="0">
+                <a:solidFill>
+                  <a:srgbClr val="000000"/>
+                </a:solidFill>
+                <a:effectLst/>
+              </a:rPr>
+              <a:t> </a:t>
+            </a:r>
+            <a:r>
+              <a:rPr lang="en-US" altLang="zh-CN" sz="1600" b="0" dirty="0" err="1">
+                <a:solidFill>
+                  <a:srgbClr val="795E26"/>
+                </a:solidFill>
+                <a:effectLst/>
+              </a:rPr>
+              <a:t>create_array</a:t>
+            </a:r>
+            <a:r>
+              <a:rPr lang="en-US" altLang="zh-CN" sz="1600" b="0" dirty="0">
+                <a:solidFill>
+                  <a:srgbClr val="000000"/>
+                </a:solidFill>
+                <a:effectLst/>
+              </a:rPr>
+              <a:t>(</a:t>
+            </a:r>
+            <a:r>
+              <a:rPr lang="en-US" altLang="zh-CN" sz="1600" b="0" dirty="0">
+                <a:solidFill>
+                  <a:srgbClr val="0000FF"/>
+                </a:solidFill>
+                <a:effectLst/>
+              </a:rPr>
+              <a:t>int</a:t>
+            </a:r>
+            <a:r>
+              <a:rPr lang="en-US" altLang="zh-CN" sz="1600" b="0" dirty="0">
+                <a:solidFill>
+                  <a:srgbClr val="000000"/>
+                </a:solidFill>
+                <a:effectLst/>
+              </a:rPr>
+              <a:t> </a:t>
+            </a:r>
+            <a:r>
+              <a:rPr lang="en-US" altLang="zh-CN" sz="1600" b="0" dirty="0">
+                <a:solidFill>
+                  <a:srgbClr val="001080"/>
+                </a:solidFill>
+                <a:effectLst/>
+              </a:rPr>
+              <a:t>size</a:t>
+            </a:r>
+            <a:r>
+              <a:rPr lang="en-US" altLang="zh-CN" sz="1600" b="0" dirty="0">
+                <a:solidFill>
+                  <a:srgbClr val="000000"/>
+                </a:solidFill>
+                <a:effectLst/>
+              </a:rPr>
+              <a:t>)</a:t>
+            </a:r>
+            <a:endParaRPr lang="en-US" altLang="zh-CN" sz="1600" b="0" dirty="0">
+              <a:solidFill>
+                <a:srgbClr val="000000"/>
+              </a:solidFill>
+              <a:effectLst/>
+            </a:endParaRPr>
+          </a:p>
+          <a:p>
+            <a:r>
+              <a:rPr lang="en-US" altLang="zh-CN" sz="1600" b="0" dirty="0">
+                <a:solidFill>
+                  <a:srgbClr val="000000"/>
+                </a:solidFill>
+                <a:effectLst/>
+              </a:rPr>
+              <a:t>{</a:t>
+            </a:r>
+            <a:endParaRPr lang="en-US" altLang="zh-CN" sz="1600" b="0" dirty="0">
+              <a:solidFill>
+                <a:srgbClr val="000000"/>
+              </a:solidFill>
+              <a:effectLst/>
+            </a:endParaRPr>
+          </a:p>
+          <a:p>
+            <a:r>
+              <a:rPr lang="en-US" altLang="zh-CN" sz="1600" b="0" dirty="0">
+                <a:solidFill>
+                  <a:srgbClr val="0000FF"/>
+                </a:solidFill>
+                <a:effectLst/>
+              </a:rPr>
+              <a:t>    int</a:t>
+            </a:r>
+            <a:r>
+              <a:rPr lang="en-US" altLang="zh-CN" sz="1600" b="0" dirty="0">
+                <a:solidFill>
+                  <a:srgbClr val="000000"/>
+                </a:solidFill>
+                <a:effectLst/>
+              </a:rPr>
+              <a:t> </a:t>
+            </a:r>
+            <a:r>
+              <a:rPr lang="en-US" altLang="zh-CN" sz="1600" b="0" dirty="0" err="1">
+                <a:solidFill>
+                  <a:srgbClr val="001080"/>
+                </a:solidFill>
+                <a:effectLst/>
+              </a:rPr>
+              <a:t>arr</a:t>
+            </a:r>
+            <a:r>
+              <a:rPr lang="en-US" altLang="zh-CN" sz="1600" b="0" dirty="0">
+                <a:solidFill>
+                  <a:srgbClr val="000000"/>
+                </a:solidFill>
+                <a:effectLst/>
+              </a:rPr>
+              <a:t>[</a:t>
+            </a:r>
+            <a:r>
+              <a:rPr lang="en-US" altLang="zh-CN" sz="1600" b="0" dirty="0">
+                <a:solidFill>
+                  <a:srgbClr val="001080"/>
+                </a:solidFill>
+                <a:effectLst/>
+              </a:rPr>
+              <a:t>size</a:t>
+            </a:r>
+            <a:r>
+              <a:rPr lang="en-US" altLang="zh-CN" sz="1600" b="0" dirty="0">
+                <a:solidFill>
+                  <a:srgbClr val="000000"/>
+                </a:solidFill>
+                <a:effectLst/>
+              </a:rPr>
+              <a:t>];</a:t>
+            </a:r>
+            <a:endParaRPr lang="en-US" altLang="zh-CN" sz="1600" b="0" dirty="0">
+              <a:solidFill>
+                <a:srgbClr val="000000"/>
+              </a:solidFill>
+              <a:effectLst/>
+            </a:endParaRPr>
+          </a:p>
+          <a:p>
+            <a:br>
+              <a:rPr lang="en-US" altLang="zh-CN" sz="1600" b="0" dirty="0">
+                <a:solidFill>
+                  <a:srgbClr val="000000"/>
+                </a:solidFill>
+                <a:effectLst/>
+              </a:rPr>
+            </a:br>
+            <a:r>
+              <a:rPr lang="en-US" altLang="zh-CN" sz="1600" b="0" dirty="0">
+                <a:solidFill>
+                  <a:srgbClr val="000000"/>
+                </a:solidFill>
+                <a:effectLst/>
+              </a:rPr>
+              <a:t>    </a:t>
+            </a:r>
+            <a:r>
+              <a:rPr lang="en-US" altLang="zh-CN" sz="1600" b="0" dirty="0">
+                <a:solidFill>
+                  <a:srgbClr val="AF00DB"/>
+                </a:solidFill>
+                <a:effectLst/>
+              </a:rPr>
+              <a:t>for</a:t>
+            </a:r>
+            <a:r>
+              <a:rPr lang="en-US" altLang="zh-CN" sz="1600" b="0" dirty="0">
+                <a:solidFill>
+                  <a:srgbClr val="000000"/>
+                </a:solidFill>
+                <a:effectLst/>
+              </a:rPr>
+              <a:t>(</a:t>
+            </a:r>
+            <a:r>
+              <a:rPr lang="en-US" altLang="zh-CN" sz="1600" b="0" dirty="0">
+                <a:solidFill>
+                  <a:srgbClr val="0000FF"/>
+                </a:solidFill>
+                <a:effectLst/>
+              </a:rPr>
+              <a:t>int</a:t>
+            </a:r>
+            <a:r>
+              <a:rPr lang="en-US" altLang="zh-CN" sz="1600" b="0" dirty="0">
+                <a:solidFill>
+                  <a:srgbClr val="000000"/>
+                </a:solidFill>
+                <a:effectLst/>
+              </a:rPr>
+              <a:t> </a:t>
+            </a:r>
+            <a:r>
+              <a:rPr lang="en-US" altLang="zh-CN" sz="1600" b="0" dirty="0" err="1">
+                <a:solidFill>
+                  <a:srgbClr val="001080"/>
+                </a:solidFill>
+                <a:effectLst/>
+              </a:rPr>
+              <a:t>i</a:t>
+            </a:r>
+            <a:r>
+              <a:rPr lang="en-US" altLang="zh-CN" sz="1600" b="0" dirty="0">
+                <a:solidFill>
+                  <a:srgbClr val="000000"/>
+                </a:solidFill>
+                <a:effectLst/>
+              </a:rPr>
+              <a:t> = </a:t>
+            </a:r>
+            <a:r>
+              <a:rPr lang="en-US" altLang="zh-CN" sz="1600" b="0" dirty="0">
+                <a:solidFill>
+                  <a:srgbClr val="098658"/>
+                </a:solidFill>
+                <a:effectLst/>
+              </a:rPr>
+              <a:t>0</a:t>
+            </a:r>
+            <a:r>
+              <a:rPr lang="en-US" altLang="zh-CN" sz="1600" b="0" dirty="0">
+                <a:solidFill>
+                  <a:srgbClr val="000000"/>
+                </a:solidFill>
+                <a:effectLst/>
+              </a:rPr>
+              <a:t>; </a:t>
+            </a:r>
+            <a:r>
+              <a:rPr lang="en-US" altLang="zh-CN" sz="1600" b="0" dirty="0" err="1">
+                <a:solidFill>
+                  <a:srgbClr val="001080"/>
+                </a:solidFill>
+                <a:effectLst/>
+              </a:rPr>
+              <a:t>i</a:t>
+            </a:r>
+            <a:r>
+              <a:rPr lang="en-US" altLang="zh-CN" sz="1600" b="0" dirty="0">
+                <a:solidFill>
+                  <a:srgbClr val="000000"/>
+                </a:solidFill>
+                <a:effectLst/>
+              </a:rPr>
+              <a:t> &lt; </a:t>
+            </a:r>
+            <a:r>
+              <a:rPr lang="en-US" altLang="zh-CN" sz="1600" b="0" dirty="0">
+                <a:solidFill>
+                  <a:srgbClr val="001080"/>
+                </a:solidFill>
+                <a:effectLst/>
+              </a:rPr>
+              <a:t>size</a:t>
+            </a:r>
+            <a:r>
+              <a:rPr lang="en-US" altLang="zh-CN" sz="1600" b="0" dirty="0">
+                <a:solidFill>
+                  <a:srgbClr val="000000"/>
+                </a:solidFill>
+                <a:effectLst/>
+              </a:rPr>
+              <a:t>; </a:t>
+            </a:r>
+            <a:r>
+              <a:rPr lang="en-US" altLang="zh-CN" sz="1600" b="0" dirty="0" err="1">
+                <a:solidFill>
+                  <a:srgbClr val="001080"/>
+                </a:solidFill>
+                <a:effectLst/>
+              </a:rPr>
+              <a:t>i</a:t>
+            </a:r>
+            <a:r>
+              <a:rPr lang="en-US" altLang="zh-CN" sz="1600" b="0" dirty="0">
+                <a:solidFill>
+                  <a:srgbClr val="000000"/>
+                </a:solidFill>
+                <a:effectLst/>
+              </a:rPr>
+              <a:t>++)</a:t>
+            </a:r>
+            <a:endParaRPr lang="en-US" altLang="zh-CN" sz="1600" b="0" dirty="0">
+              <a:solidFill>
+                <a:srgbClr val="000000"/>
+              </a:solidFill>
+              <a:effectLst/>
+            </a:endParaRPr>
+          </a:p>
+          <a:p>
+            <a:r>
+              <a:rPr lang="en-US" altLang="zh-CN" sz="1600" b="0" dirty="0">
+                <a:solidFill>
+                  <a:srgbClr val="001080"/>
+                </a:solidFill>
+                <a:effectLst/>
+              </a:rPr>
+              <a:t>        </a:t>
+            </a:r>
+            <a:r>
+              <a:rPr lang="en-US" altLang="zh-CN" sz="1600" b="0" dirty="0" err="1">
+                <a:solidFill>
+                  <a:srgbClr val="001080"/>
+                </a:solidFill>
+                <a:effectLst/>
+              </a:rPr>
+              <a:t>arr</a:t>
+            </a:r>
+            <a:r>
+              <a:rPr lang="en-US" altLang="zh-CN" sz="1600" b="0" dirty="0">
+                <a:solidFill>
+                  <a:srgbClr val="000000"/>
+                </a:solidFill>
+                <a:effectLst/>
+              </a:rPr>
+              <a:t>[</a:t>
+            </a:r>
+            <a:r>
+              <a:rPr lang="en-US" altLang="zh-CN" sz="1600" b="0" dirty="0" err="1">
+                <a:solidFill>
+                  <a:srgbClr val="001080"/>
+                </a:solidFill>
+                <a:effectLst/>
+              </a:rPr>
+              <a:t>i</a:t>
+            </a:r>
+            <a:r>
+              <a:rPr lang="en-US" altLang="zh-CN" sz="1600" b="0" dirty="0">
+                <a:solidFill>
+                  <a:srgbClr val="000000"/>
+                </a:solidFill>
+                <a:effectLst/>
+              </a:rPr>
+              <a:t>] = </a:t>
+            </a:r>
+            <a:r>
+              <a:rPr lang="en-US" altLang="zh-CN" sz="1600" b="0" dirty="0" err="1">
+                <a:solidFill>
+                  <a:srgbClr val="001080"/>
+                </a:solidFill>
+                <a:effectLst/>
+              </a:rPr>
+              <a:t>i</a:t>
+            </a:r>
+            <a:r>
+              <a:rPr lang="en-US" altLang="zh-CN" sz="1600" b="0" dirty="0">
+                <a:solidFill>
+                  <a:srgbClr val="000000"/>
+                </a:solidFill>
+                <a:effectLst/>
+              </a:rPr>
+              <a:t> * </a:t>
+            </a:r>
+            <a:r>
+              <a:rPr lang="en-US" altLang="zh-CN" sz="1600" b="0" dirty="0">
+                <a:solidFill>
+                  <a:srgbClr val="098658"/>
+                </a:solidFill>
+                <a:effectLst/>
+              </a:rPr>
+              <a:t>10</a:t>
+            </a:r>
+            <a:r>
+              <a:rPr lang="en-US" altLang="zh-CN" sz="1600" b="0" dirty="0">
+                <a:solidFill>
+                  <a:srgbClr val="000000"/>
+                </a:solidFill>
+                <a:effectLst/>
+              </a:rPr>
+              <a:t>;</a:t>
+            </a:r>
+            <a:endParaRPr lang="en-US" altLang="zh-CN" sz="1600" b="0" dirty="0">
+              <a:solidFill>
+                <a:srgbClr val="000000"/>
+              </a:solidFill>
+              <a:effectLst/>
+            </a:endParaRPr>
+          </a:p>
+          <a:p>
+            <a:r>
+              <a:rPr lang="en-US" altLang="zh-CN" sz="1600" b="0" dirty="0">
+                <a:solidFill>
+                  <a:srgbClr val="AF00DB"/>
+                </a:solidFill>
+                <a:effectLst/>
+              </a:rPr>
+              <a:t>    return</a:t>
+            </a:r>
+            <a:r>
+              <a:rPr lang="en-US" altLang="zh-CN" sz="1600" b="0" dirty="0">
+                <a:solidFill>
+                  <a:srgbClr val="000000"/>
+                </a:solidFill>
+                <a:effectLst/>
+              </a:rPr>
+              <a:t> </a:t>
+            </a:r>
+            <a:r>
+              <a:rPr lang="en-US" altLang="zh-CN" sz="1600" b="0" dirty="0" err="1">
+                <a:solidFill>
+                  <a:srgbClr val="001080"/>
+                </a:solidFill>
+                <a:effectLst/>
+              </a:rPr>
+              <a:t>arr</a:t>
+            </a:r>
+            <a:r>
+              <a:rPr lang="en-US" altLang="zh-CN" sz="1600" b="0" dirty="0">
+                <a:solidFill>
+                  <a:srgbClr val="000000"/>
+                </a:solidFill>
+                <a:effectLst/>
+              </a:rPr>
+              <a:t>;</a:t>
+            </a:r>
+            <a:endParaRPr lang="en-US" altLang="zh-CN" sz="1600" b="0" dirty="0">
+              <a:solidFill>
+                <a:srgbClr val="000000"/>
+              </a:solidFill>
+              <a:effectLst/>
+            </a:endParaRPr>
+          </a:p>
+          <a:p>
+            <a:r>
+              <a:rPr lang="en-US" altLang="zh-CN" sz="1600" b="0" dirty="0">
+                <a:solidFill>
+                  <a:srgbClr val="000000"/>
+                </a:solidFill>
+                <a:effectLst/>
+              </a:rPr>
+              <a:t>}</a:t>
+            </a:r>
+            <a:endParaRPr lang="en-US" altLang="zh-CN" sz="1600" b="0" dirty="0">
+              <a:solidFill>
+                <a:srgbClr val="000000"/>
+              </a:solidFill>
+              <a:effectLst/>
+            </a:endParaRPr>
+          </a:p>
+          <a:p>
+            <a:r>
+              <a:rPr lang="en-US" altLang="zh-CN" sz="1600" b="0" dirty="0">
+                <a:solidFill>
+                  <a:srgbClr val="0000FF"/>
+                </a:solidFill>
+                <a:effectLst/>
+              </a:rPr>
+              <a:t>int</a:t>
+            </a:r>
+            <a:r>
+              <a:rPr lang="en-US" altLang="zh-CN" sz="1600" b="0" dirty="0">
+                <a:solidFill>
+                  <a:srgbClr val="000000"/>
+                </a:solidFill>
+                <a:effectLst/>
+              </a:rPr>
+              <a:t> </a:t>
+            </a:r>
+            <a:r>
+              <a:rPr lang="en-US" altLang="zh-CN" sz="1600" b="0" dirty="0">
+                <a:solidFill>
+                  <a:srgbClr val="795E26"/>
+                </a:solidFill>
+                <a:effectLst/>
+              </a:rPr>
+              <a:t>main</a:t>
+            </a:r>
+            <a:r>
+              <a:rPr lang="en-US" altLang="zh-CN" sz="1600" b="0" dirty="0">
+                <a:solidFill>
+                  <a:srgbClr val="000000"/>
+                </a:solidFill>
+                <a:effectLst/>
+              </a:rPr>
+              <a:t>()</a:t>
+            </a:r>
+            <a:endParaRPr lang="en-US" altLang="zh-CN" sz="1600" b="0" dirty="0">
+              <a:solidFill>
+                <a:srgbClr val="000000"/>
+              </a:solidFill>
+              <a:effectLst/>
+            </a:endParaRPr>
+          </a:p>
+          <a:p>
+            <a:r>
+              <a:rPr lang="en-US" altLang="zh-CN" sz="1600" b="0" dirty="0">
+                <a:solidFill>
+                  <a:srgbClr val="000000"/>
+                </a:solidFill>
+                <a:effectLst/>
+              </a:rPr>
+              <a:t>{</a:t>
+            </a:r>
+            <a:endParaRPr lang="en-US" altLang="zh-CN" sz="1600" b="0" dirty="0">
+              <a:solidFill>
+                <a:srgbClr val="000000"/>
+              </a:solidFill>
+              <a:effectLst/>
+            </a:endParaRPr>
+          </a:p>
+          <a:p>
+            <a:r>
+              <a:rPr lang="en-US" altLang="zh-CN" sz="1600" b="0" dirty="0">
+                <a:solidFill>
+                  <a:srgbClr val="0000FF"/>
+                </a:solidFill>
+                <a:effectLst/>
+              </a:rPr>
+              <a:t>    int</a:t>
+            </a:r>
+            <a:r>
+              <a:rPr lang="en-US" altLang="zh-CN" sz="1600" b="0" dirty="0">
+                <a:solidFill>
+                  <a:srgbClr val="000000"/>
+                </a:solidFill>
+                <a:effectLst/>
+              </a:rPr>
+              <a:t> </a:t>
+            </a:r>
+            <a:r>
+              <a:rPr lang="en-US" altLang="zh-CN" sz="1600" b="0" dirty="0" err="1">
+                <a:solidFill>
+                  <a:srgbClr val="001080"/>
+                </a:solidFill>
+                <a:effectLst/>
+              </a:rPr>
+              <a:t>len</a:t>
+            </a:r>
+            <a:r>
+              <a:rPr lang="en-US" altLang="zh-CN" sz="1600" b="0" dirty="0">
+                <a:solidFill>
+                  <a:srgbClr val="000000"/>
+                </a:solidFill>
+                <a:effectLst/>
+              </a:rPr>
+              <a:t> = </a:t>
+            </a:r>
+            <a:r>
+              <a:rPr lang="en-US" altLang="zh-CN" sz="1600" b="0" dirty="0">
+                <a:solidFill>
+                  <a:srgbClr val="098658"/>
+                </a:solidFill>
+                <a:effectLst/>
+              </a:rPr>
+              <a:t>16</a:t>
+            </a:r>
+            <a:r>
+              <a:rPr lang="en-US" altLang="zh-CN" sz="1600" b="0" dirty="0">
+                <a:solidFill>
+                  <a:srgbClr val="000000"/>
+                </a:solidFill>
+                <a:effectLst/>
+              </a:rPr>
+              <a:t>;</a:t>
+            </a:r>
+            <a:endParaRPr lang="en-US" altLang="zh-CN" sz="1600" b="0" dirty="0">
+              <a:solidFill>
+                <a:srgbClr val="000000"/>
+              </a:solidFill>
+              <a:effectLst/>
+            </a:endParaRPr>
+          </a:p>
+          <a:p>
+            <a:r>
+              <a:rPr lang="en-US" altLang="zh-CN" sz="1600" b="0" dirty="0">
+                <a:solidFill>
+                  <a:srgbClr val="0000FF"/>
+                </a:solidFill>
+                <a:effectLst/>
+              </a:rPr>
+              <a:t>    int</a:t>
+            </a:r>
+            <a:r>
+              <a:rPr lang="en-US" altLang="zh-CN" sz="1600" b="0" dirty="0">
+                <a:solidFill>
+                  <a:srgbClr val="000000"/>
+                </a:solidFill>
+                <a:effectLst/>
+              </a:rPr>
+              <a:t> *</a:t>
+            </a:r>
+            <a:r>
+              <a:rPr lang="en-US" altLang="zh-CN" sz="1600" b="0" dirty="0" err="1">
+                <a:solidFill>
+                  <a:srgbClr val="001080"/>
+                </a:solidFill>
+                <a:effectLst/>
+              </a:rPr>
+              <a:t>ptr</a:t>
+            </a:r>
+            <a:r>
+              <a:rPr lang="en-US" altLang="zh-CN" sz="1600" b="0" dirty="0">
+                <a:solidFill>
+                  <a:srgbClr val="000000"/>
+                </a:solidFill>
+                <a:effectLst/>
+              </a:rPr>
+              <a:t> = </a:t>
+            </a:r>
+            <a:r>
+              <a:rPr lang="en-US" altLang="zh-CN" sz="1600" b="0" dirty="0" err="1">
+                <a:solidFill>
+                  <a:srgbClr val="795E26"/>
+                </a:solidFill>
+                <a:effectLst/>
+              </a:rPr>
+              <a:t>create_array</a:t>
+            </a:r>
+            <a:r>
+              <a:rPr lang="en-US" altLang="zh-CN" sz="1600" b="0" dirty="0">
+                <a:solidFill>
+                  <a:srgbClr val="000000"/>
+                </a:solidFill>
+                <a:effectLst/>
+              </a:rPr>
+              <a:t>(</a:t>
+            </a:r>
+            <a:r>
+              <a:rPr lang="en-US" altLang="zh-CN" sz="1600" b="0" dirty="0" err="1">
+                <a:solidFill>
+                  <a:srgbClr val="001080"/>
+                </a:solidFill>
+                <a:effectLst/>
+              </a:rPr>
+              <a:t>len</a:t>
+            </a:r>
+            <a:r>
+              <a:rPr lang="en-US" altLang="zh-CN" sz="1600" b="0" dirty="0">
+                <a:solidFill>
+                  <a:srgbClr val="000000"/>
+                </a:solidFill>
+                <a:effectLst/>
+              </a:rPr>
+              <a:t>);</a:t>
+            </a:r>
+            <a:endParaRPr lang="en-US" altLang="zh-CN" sz="1600" b="0" dirty="0">
+              <a:solidFill>
+                <a:srgbClr val="000000"/>
+              </a:solidFill>
+              <a:effectLst/>
+            </a:endParaRPr>
+          </a:p>
+          <a:p>
+            <a:r>
+              <a:rPr lang="en-US" altLang="zh-CN" sz="1600" b="0" dirty="0">
+                <a:solidFill>
+                  <a:srgbClr val="AF00DB"/>
+                </a:solidFill>
+                <a:effectLst/>
+              </a:rPr>
+              <a:t>    for</a:t>
+            </a:r>
+            <a:r>
+              <a:rPr lang="en-US" altLang="zh-CN" sz="1600" b="0" dirty="0">
+                <a:solidFill>
+                  <a:srgbClr val="000000"/>
+                </a:solidFill>
+                <a:effectLst/>
+              </a:rPr>
+              <a:t>(</a:t>
+            </a:r>
+            <a:r>
+              <a:rPr lang="en-US" altLang="zh-CN" sz="1600" b="0" dirty="0">
+                <a:solidFill>
+                  <a:srgbClr val="0000FF"/>
+                </a:solidFill>
+                <a:effectLst/>
+              </a:rPr>
+              <a:t>int</a:t>
+            </a:r>
+            <a:r>
+              <a:rPr lang="en-US" altLang="zh-CN" sz="1600" b="0" dirty="0">
+                <a:solidFill>
+                  <a:srgbClr val="000000"/>
+                </a:solidFill>
+                <a:effectLst/>
+              </a:rPr>
+              <a:t> </a:t>
+            </a:r>
+            <a:r>
+              <a:rPr lang="en-US" altLang="zh-CN" sz="1600" b="0" dirty="0" err="1">
+                <a:solidFill>
+                  <a:srgbClr val="001080"/>
+                </a:solidFill>
+                <a:effectLst/>
+              </a:rPr>
+              <a:t>i</a:t>
+            </a:r>
+            <a:r>
+              <a:rPr lang="en-US" altLang="zh-CN" sz="1600" b="0" dirty="0">
+                <a:solidFill>
+                  <a:srgbClr val="000000"/>
+                </a:solidFill>
+                <a:effectLst/>
+              </a:rPr>
+              <a:t> = </a:t>
+            </a:r>
+            <a:r>
+              <a:rPr lang="en-US" altLang="zh-CN" sz="1600" b="0" dirty="0">
+                <a:solidFill>
+                  <a:srgbClr val="098658"/>
+                </a:solidFill>
+                <a:effectLst/>
+              </a:rPr>
+              <a:t>0</a:t>
+            </a:r>
+            <a:r>
+              <a:rPr lang="en-US" altLang="zh-CN" sz="1600" b="0" dirty="0">
+                <a:solidFill>
+                  <a:srgbClr val="000000"/>
+                </a:solidFill>
+                <a:effectLst/>
+              </a:rPr>
+              <a:t>; </a:t>
+            </a:r>
+            <a:r>
+              <a:rPr lang="en-US" altLang="zh-CN" sz="1600" b="0" dirty="0" err="1">
+                <a:solidFill>
+                  <a:srgbClr val="001080"/>
+                </a:solidFill>
+                <a:effectLst/>
+              </a:rPr>
+              <a:t>i</a:t>
+            </a:r>
+            <a:r>
+              <a:rPr lang="en-US" altLang="zh-CN" sz="1600" b="0" dirty="0">
+                <a:solidFill>
+                  <a:srgbClr val="000000"/>
+                </a:solidFill>
+                <a:effectLst/>
+              </a:rPr>
+              <a:t> &lt; </a:t>
+            </a:r>
+            <a:r>
+              <a:rPr lang="en-US" altLang="zh-CN" sz="1600" b="0" dirty="0" err="1">
+                <a:solidFill>
+                  <a:srgbClr val="001080"/>
+                </a:solidFill>
+                <a:effectLst/>
+              </a:rPr>
+              <a:t>len</a:t>
+            </a:r>
+            <a:r>
+              <a:rPr lang="en-US" altLang="zh-CN" sz="1600" b="0" dirty="0">
+                <a:solidFill>
+                  <a:srgbClr val="000000"/>
+                </a:solidFill>
+                <a:effectLst/>
+              </a:rPr>
+              <a:t>; </a:t>
+            </a:r>
+            <a:r>
+              <a:rPr lang="en-US" altLang="zh-CN" sz="1600" b="0" dirty="0" err="1">
+                <a:solidFill>
+                  <a:srgbClr val="001080"/>
+                </a:solidFill>
+                <a:effectLst/>
+              </a:rPr>
+              <a:t>i</a:t>
+            </a:r>
+            <a:r>
+              <a:rPr lang="en-US" altLang="zh-CN" sz="1600" b="0" dirty="0">
+                <a:solidFill>
+                  <a:srgbClr val="000000"/>
+                </a:solidFill>
+                <a:effectLst/>
+              </a:rPr>
+              <a:t>++)</a:t>
+            </a:r>
+            <a:endParaRPr lang="en-US" altLang="zh-CN" sz="1600" b="0" dirty="0">
+              <a:solidFill>
+                <a:srgbClr val="000000"/>
+              </a:solidFill>
+              <a:effectLst/>
+            </a:endParaRPr>
+          </a:p>
+          <a:p>
+            <a:r>
+              <a:rPr lang="en-US" altLang="zh-CN" sz="1600" b="0" dirty="0">
+                <a:solidFill>
+                  <a:srgbClr val="001080"/>
+                </a:solidFill>
+                <a:effectLst/>
+              </a:rPr>
+              <a:t>        </a:t>
+            </a:r>
+            <a:r>
+              <a:rPr lang="en-US" altLang="zh-CN" sz="1600" b="0" dirty="0" err="1">
+                <a:solidFill>
+                  <a:srgbClr val="001080"/>
+                </a:solidFill>
+                <a:effectLst/>
+              </a:rPr>
+              <a:t>cout</a:t>
+            </a:r>
+            <a:r>
+              <a:rPr lang="en-US" altLang="zh-CN" sz="1600" b="0" dirty="0">
+                <a:solidFill>
+                  <a:srgbClr val="000000"/>
+                </a:solidFill>
+                <a:effectLst/>
+              </a:rPr>
+              <a:t> </a:t>
+            </a:r>
+            <a:r>
+              <a:rPr lang="en-US" altLang="zh-CN" sz="1600" b="0" dirty="0">
+                <a:solidFill>
+                  <a:srgbClr val="795E26"/>
+                </a:solidFill>
+                <a:effectLst/>
+              </a:rPr>
+              <a:t>&lt;&lt;</a:t>
+            </a:r>
+            <a:r>
+              <a:rPr lang="en-US" altLang="zh-CN" sz="1600" b="0" dirty="0">
+                <a:solidFill>
+                  <a:srgbClr val="000000"/>
+                </a:solidFill>
+                <a:effectLst/>
+              </a:rPr>
+              <a:t> </a:t>
+            </a:r>
+            <a:r>
+              <a:rPr lang="en-US" altLang="zh-CN" sz="1600" b="0" dirty="0" err="1">
+                <a:solidFill>
+                  <a:srgbClr val="001080"/>
+                </a:solidFill>
+                <a:effectLst/>
+              </a:rPr>
+              <a:t>ptr</a:t>
+            </a:r>
+            <a:r>
+              <a:rPr lang="en-US" altLang="zh-CN" sz="1600" b="0" dirty="0">
+                <a:solidFill>
+                  <a:srgbClr val="000000"/>
+                </a:solidFill>
+                <a:effectLst/>
+              </a:rPr>
+              <a:t>[</a:t>
+            </a:r>
+            <a:r>
+              <a:rPr lang="en-US" altLang="zh-CN" sz="1600" b="0" dirty="0" err="1">
+                <a:solidFill>
+                  <a:srgbClr val="001080"/>
+                </a:solidFill>
+                <a:effectLst/>
+              </a:rPr>
+              <a:t>i</a:t>
+            </a:r>
+            <a:r>
+              <a:rPr lang="en-US" altLang="zh-CN" sz="1600" b="0" dirty="0">
+                <a:solidFill>
+                  <a:srgbClr val="000000"/>
+                </a:solidFill>
+                <a:effectLst/>
+              </a:rPr>
+              <a:t>] </a:t>
+            </a:r>
+            <a:r>
+              <a:rPr lang="en-US" altLang="zh-CN" sz="1600" b="0" dirty="0">
+                <a:solidFill>
+                  <a:srgbClr val="795E26"/>
+                </a:solidFill>
+                <a:effectLst/>
+              </a:rPr>
+              <a:t>&lt;&lt;</a:t>
+            </a:r>
+            <a:r>
+              <a:rPr lang="en-US" altLang="zh-CN" sz="1600" b="0" dirty="0">
+                <a:solidFill>
+                  <a:srgbClr val="000000"/>
+                </a:solidFill>
+                <a:effectLst/>
+              </a:rPr>
+              <a:t> </a:t>
+            </a:r>
+            <a:r>
+              <a:rPr lang="en-US" altLang="zh-CN" sz="1600" b="0" dirty="0">
+                <a:solidFill>
+                  <a:srgbClr val="A31515"/>
+                </a:solidFill>
+                <a:effectLst/>
+              </a:rPr>
+              <a:t>" "</a:t>
+            </a:r>
+            <a:r>
+              <a:rPr lang="en-US" altLang="zh-CN" sz="1600" b="0" dirty="0">
+                <a:solidFill>
+                  <a:srgbClr val="000000"/>
+                </a:solidFill>
+                <a:effectLst/>
+              </a:rPr>
+              <a:t>;</a:t>
+            </a:r>
+            <a:endParaRPr lang="en-US" altLang="zh-CN" sz="1600" b="0" dirty="0">
+              <a:solidFill>
+                <a:srgbClr val="000000"/>
+              </a:solidFill>
+              <a:effectLst/>
+            </a:endParaRPr>
+          </a:p>
+          <a:p>
+            <a:r>
+              <a:rPr lang="en-US" altLang="zh-CN" sz="1600" b="0" dirty="0">
+                <a:solidFill>
+                  <a:srgbClr val="AF00DB"/>
+                </a:solidFill>
+                <a:effectLst/>
+              </a:rPr>
+              <a:t>    return</a:t>
+            </a:r>
+            <a:r>
+              <a:rPr lang="en-US" altLang="zh-CN" sz="1600" b="0" dirty="0">
+                <a:solidFill>
+                  <a:srgbClr val="000000"/>
+                </a:solidFill>
+                <a:effectLst/>
+              </a:rPr>
+              <a:t> </a:t>
+            </a:r>
+            <a:r>
+              <a:rPr lang="en-US" altLang="zh-CN" sz="1600" b="0" dirty="0">
+                <a:solidFill>
+                  <a:srgbClr val="098658"/>
+                </a:solidFill>
+                <a:effectLst/>
+              </a:rPr>
+              <a:t>0</a:t>
+            </a:r>
+            <a:r>
+              <a:rPr lang="en-US" altLang="zh-CN" sz="1600" b="0" dirty="0">
+                <a:solidFill>
+                  <a:srgbClr val="000000"/>
+                </a:solidFill>
+                <a:effectLst/>
+              </a:rPr>
+              <a:t>;</a:t>
+            </a:r>
+            <a:endParaRPr lang="en-US" altLang="zh-CN" sz="1600" b="0" dirty="0">
+              <a:solidFill>
+                <a:srgbClr val="000000"/>
+              </a:solidFill>
+              <a:effectLst/>
+            </a:endParaRPr>
+          </a:p>
+          <a:p>
+            <a:r>
+              <a:rPr lang="en-US" altLang="zh-CN" sz="1600" b="0" dirty="0">
+                <a:solidFill>
+                  <a:srgbClr val="000000"/>
+                </a:solidFill>
+                <a:effectLst/>
+              </a:rPr>
+              <a:t>}</a:t>
+            </a:r>
+            <a:endParaRPr lang="en-US" altLang="zh-CN" sz="1600" b="0" dirty="0">
+              <a:solidFill>
+                <a:srgbClr val="000000"/>
+              </a:solidFill>
+              <a:effectLst/>
+            </a:endParaRPr>
+          </a:p>
+        </p:txBody>
+      </p:sp>
+      <p:sp>
+        <p:nvSpPr>
+          <p:cNvPr id="8" name="文本框 7"/>
+          <p:cNvSpPr txBox="1"/>
+          <p:nvPr/>
+        </p:nvSpPr>
+        <p:spPr>
+          <a:xfrm>
+            <a:off x="6225094" y="1598902"/>
+            <a:ext cx="5649111" cy="2308324"/>
+          </a:xfrm>
+          <a:prstGeom prst="rect">
+            <a:avLst/>
+          </a:prstGeom>
+          <a:noFill/>
+        </p:spPr>
+        <p:txBody>
+          <a:bodyPr wrap="none" rtlCol="0">
+            <a:spAutoFit/>
+          </a:bodyPr>
+          <a:lstStyle/>
+          <a:p>
+            <a:r>
+              <a:rPr lang="en-US" altLang="zh-CN" sz="2400" dirty="0"/>
+              <a:t>What compilation warnings occur when </a:t>
+            </a:r>
+            <a:endParaRPr lang="en-US" altLang="zh-CN" sz="2400" dirty="0"/>
+          </a:p>
+          <a:p>
+            <a:r>
+              <a:rPr lang="en-US" altLang="zh-CN" sz="2400" dirty="0"/>
+              <a:t>you compile the program? Why?</a:t>
+            </a:r>
+            <a:endParaRPr lang="en-US" altLang="zh-CN" sz="2400" dirty="0"/>
+          </a:p>
+          <a:p>
+            <a:r>
+              <a:rPr lang="en-US" altLang="zh-CN" sz="2400" dirty="0"/>
+              <a:t>What will happen if you ignore the warning </a:t>
+            </a:r>
+            <a:endParaRPr lang="en-US" altLang="zh-CN" sz="2400" dirty="0"/>
+          </a:p>
+          <a:p>
+            <a:r>
+              <a:rPr lang="en-US" altLang="zh-CN" sz="2400" dirty="0"/>
+              <a:t>and run the program?</a:t>
+            </a:r>
+            <a:endParaRPr lang="en-US" altLang="zh-CN" sz="2400" dirty="0"/>
+          </a:p>
+          <a:p>
+            <a:r>
+              <a:rPr lang="en-US" altLang="zh-CN" sz="2400" dirty="0"/>
+              <a:t>Fix bugs of the program and run it correctly </a:t>
+            </a:r>
+            <a:endParaRPr lang="en-US" altLang="zh-CN" sz="2400" dirty="0"/>
+          </a:p>
+          <a:p>
+            <a:r>
+              <a:rPr lang="en-US" altLang="zh-CN" sz="2400" dirty="0"/>
+              <a:t>without memory leak.</a:t>
+            </a:r>
+            <a:endParaRPr lang="zh-CN" altLang="en-US" sz="2400" dirty="0"/>
+          </a:p>
+        </p:txBody>
+      </p:sp>
+      <p:sp>
+        <p:nvSpPr>
+          <p:cNvPr id="3" name="灯片编号占位符 2"/>
+          <p:cNvSpPr>
+            <a:spLocks noGrp="1"/>
+          </p:cNvSpPr>
+          <p:nvPr>
+            <p:ph type="sldNum" sz="quarter" idx="12"/>
+          </p:nvPr>
+        </p:nvSpPr>
+        <p:spPr/>
+        <p:txBody>
+          <a:bodyPr/>
+          <a:p>
+            <a:fld id="{506F4176-339E-4C4B-80E4-BBE9C4467EFE}" type="slidenum">
+              <a:rPr lang="zh-CN" altLang="en-US" smtClean="0"/>
+            </a:fld>
             <a:endParaRPr lang="zh-CN" altLang="en-US"/>
+          </a:p>
+        </p:txBody>
+      </p:sp>
+    </p:spTree>
+  </p:cSld>
+  <p:clrMapOvr>
+    <a:masterClrMapping/>
+  </p:clrMapOvr>
+</p:sld>
+</file>
+
+<file path=ppt/slides/slide27.xml><?xml version="1.0" encoding="utf-8"?>
+<p:sld xmlns:a="http://schemas.openxmlformats.org/drawingml/2006/main" xmlns:r="http://schemas.openxmlformats.org/officeDocument/2006/relationships" xmlns:p="http://schemas.openxmlformats.org/presentationml/2006/main">
+  <p:cSld>
+    <p:spTree>
+      <p:nvGrpSpPr>
+        <p:cNvPr id="1" name=""/>
+        <p:cNvGrpSpPr/>
+        <p:nvPr/>
+      </p:nvGrpSpPr>
+      <p:grpSpPr>
+        <a:xfrm>
+          <a:off x="0" y="0"/>
+          <a:ext cx="0" cy="0"/>
+          <a:chOff x="0" y="0"/>
+          <a:chExt cx="0" cy="0"/>
+        </a:xfrm>
+      </p:grpSpPr>
+      <p:sp>
+        <p:nvSpPr>
+          <p:cNvPr id="2" name="标题 1"/>
+          <p:cNvSpPr>
+            <a:spLocks noGrp="1"/>
+          </p:cNvSpPr>
+          <p:nvPr>
+            <p:ph type="title"/>
+          </p:nvPr>
+        </p:nvSpPr>
+        <p:spPr/>
+        <p:txBody>
+          <a:bodyPr/>
+          <a:lstStyle/>
+          <a:p>
+            <a:r>
+              <a:rPr lang="en-US" altLang="zh-CN" dirty="0">
+                <a:sym typeface="+mn-ea"/>
+              </a:rPr>
+              <a:t>Exercise 2</a:t>
+            </a:r>
+            <a:endParaRPr lang="zh-CN" altLang="en-US" dirty="0"/>
           </a:p>
         </p:txBody>
       </p:sp>
@@ -22776,17 +28715,165 @@
         <p:spPr/>
         <p:txBody>
           <a:bodyPr/>
+          <a:lstStyle/>
+          <a:p>
+            <a:pPr marL="109220" lvl="1" indent="0">
+              <a:spcBef>
+                <a:spcPts val="1200"/>
+              </a:spcBef>
+              <a:buSzPct val="68000"/>
+              <a:buNone/>
+            </a:pPr>
+            <a:r>
+              <a:rPr lang="en-US" altLang="zh-CN" sz="2800" dirty="0"/>
+              <a:t>Define a function that swaps two values of integers. Write a test program to call the function and display the result.</a:t>
+            </a:r>
+            <a:endParaRPr lang="en-US" altLang="zh-CN" sz="2800" dirty="0"/>
+          </a:p>
+          <a:p>
+            <a:pPr marL="109220" lvl="1" indent="0">
+              <a:spcBef>
+                <a:spcPts val="1200"/>
+              </a:spcBef>
+              <a:buSzPct val="68000"/>
+              <a:buNone/>
+            </a:pPr>
+            <a:endParaRPr lang="zh-CN" altLang="en-US" dirty="0"/>
+          </a:p>
+          <a:p>
+            <a:pPr marL="109220" lvl="1" indent="0">
+              <a:spcBef>
+                <a:spcPts val="1200"/>
+              </a:spcBef>
+              <a:buSzPct val="68000"/>
+              <a:buNone/>
+            </a:pPr>
+            <a:r>
+              <a:rPr lang="en-US" altLang="zh-CN" dirty="0"/>
+              <a:t>You are required to compile the function into a static library “</a:t>
+            </a:r>
+            <a:r>
+              <a:rPr lang="en-US" altLang="zh-CN" dirty="0" err="1"/>
+              <a:t>libswap.a</a:t>
+            </a:r>
+            <a:r>
+              <a:rPr lang="en-US" altLang="zh-CN" dirty="0"/>
+              <a:t>”, and then compile and run your program with this static library.</a:t>
+            </a:r>
+            <a:endParaRPr lang="en-US" altLang="zh-CN" dirty="0"/>
+          </a:p>
+        </p:txBody>
+      </p:sp>
+      <p:sp>
+        <p:nvSpPr>
+          <p:cNvPr id="4" name="灯片编号占位符 3"/>
+          <p:cNvSpPr>
+            <a:spLocks noGrp="1"/>
+          </p:cNvSpPr>
+          <p:nvPr>
+            <p:ph type="sldNum" sz="quarter" idx="12"/>
+          </p:nvPr>
+        </p:nvSpPr>
+        <p:spPr/>
+        <p:txBody>
+          <a:bodyPr/>
+          <a:p>
+            <a:fld id="{506F4176-339E-4C4B-80E4-BBE9C4467EFE}" type="slidenum">
+              <a:rPr lang="zh-CN" altLang="en-US" smtClean="0"/>
+            </a:fld>
+            <a:endParaRPr lang="zh-CN" altLang="en-US"/>
+          </a:p>
+        </p:txBody>
+      </p:sp>
+    </p:spTree>
+  </p:cSld>
+  <p:clrMapOvr>
+    <a:masterClrMapping/>
+  </p:clrMapOvr>
+</p:sld>
+</file>
+
+<file path=ppt/slides/slide28.xml><?xml version="1.0" encoding="utf-8"?>
+<p:sld xmlns:a="http://schemas.openxmlformats.org/drawingml/2006/main" xmlns:r="http://schemas.openxmlformats.org/officeDocument/2006/relationships" xmlns:p="http://schemas.openxmlformats.org/presentationml/2006/main">
+  <p:cSld>
+    <p:spTree>
+      <p:nvGrpSpPr>
+        <p:cNvPr id="1" name=""/>
+        <p:cNvGrpSpPr/>
+        <p:nvPr/>
+      </p:nvGrpSpPr>
+      <p:grpSpPr/>
+      <p:sp>
+        <p:nvSpPr>
+          <p:cNvPr id="2" name="标题 1"/>
+          <p:cNvSpPr>
+            <a:spLocks noGrp="1"/>
+          </p:cNvSpPr>
+          <p:nvPr>
+            <p:ph type="title"/>
+          </p:nvPr>
+        </p:nvSpPr>
+        <p:spPr/>
+        <p:txBody>
+          <a:bodyPr/>
+          <a:p>
+            <a:r>
+              <a:rPr lang="en-US" altLang="zh-CN" dirty="0">
+                <a:sym typeface="+mn-ea"/>
+              </a:rPr>
+              <a:t>Exercise 3</a:t>
+            </a:r>
+            <a:endParaRPr lang="zh-CN" altLang="en-US"/>
+          </a:p>
+        </p:txBody>
+      </p:sp>
+      <p:sp>
+        <p:nvSpPr>
+          <p:cNvPr id="3" name="内容占位符 2"/>
+          <p:cNvSpPr>
+            <a:spLocks noGrp="1"/>
+          </p:cNvSpPr>
+          <p:nvPr>
+            <p:ph idx="1"/>
+          </p:nvPr>
+        </p:nvSpPr>
+        <p:spPr/>
+        <p:txBody>
+          <a:bodyPr/>
           <a:p>
             <a:r>
               <a:rPr lang="en-US" altLang="zh-CN"/>
-              <a:t>Run the demo code on page 21 and 22, answer the questions on these pages. </a:t>
+              <a:t>3-1. Run the demo code on page 21 and 22, answer the questions on these pages. </a:t>
             </a:r>
             <a:endParaRPr lang="en-US" altLang="zh-CN"/>
           </a:p>
           <a:p>
             <a:r>
               <a:rPr lang="en-US" altLang="zh-CN"/>
-              <a:t>Compare the differences between pointers and references in C++, as well as the differences between references in C++and Python, make a summay.</a:t>
+              <a:t>3-2. Change </a:t>
+            </a:r>
+            <a:r>
+              <a:rPr lang="en-US" altLang="zh-CN">
+                <a:sym typeface="+mn-ea"/>
+              </a:rPr>
+              <a:t>fdemo3_ptr.c </a:t>
+            </a:r>
+            <a:r>
+              <a:rPr lang="en-US" altLang="zh-CN"/>
+              <a:t>on page 23 to pass the reference instead of pass the pointer, generate the assembly soure code on your PC and answer the question: Would </a:t>
+            </a:r>
+            <a:r>
+              <a:rPr lang="en-US" altLang="zh-CN">
+                <a:sym typeface="+mn-ea"/>
+              </a:rPr>
+              <a:t>passing the reference use more stack space than passing the pointer in this situation ?</a:t>
+            </a:r>
+            <a:endParaRPr lang="en-US" altLang="zh-CN"/>
+          </a:p>
+          <a:p>
+            <a:r>
+              <a:rPr lang="en-US" altLang="zh-CN"/>
+              <a:t>3-3. Compare the differences between pointers and references in C++, as well as the differences between references in C++and Python, make a summay.</a:t>
             </a:r>
             <a:endParaRPr lang="en-US" altLang="zh-CN"/>
           </a:p>
